--- a/presentation/201903_논문정리_임양규.pptx
+++ b/presentation/201903_논문정리_임양규.pptx
@@ -28,6 +28,20 @@
     <p:sldId id="272" r:id="rId22"/>
     <p:sldId id="274" r:id="rId23"/>
     <p:sldId id="276" r:id="rId24"/>
+    <p:sldId id="280" r:id="rId25"/>
+    <p:sldId id="281" r:id="rId26"/>
+    <p:sldId id="283" r:id="rId27"/>
+    <p:sldId id="282" r:id="rId28"/>
+    <p:sldId id="284" r:id="rId29"/>
+    <p:sldId id="285" r:id="rId30"/>
+    <p:sldId id="291" r:id="rId31"/>
+    <p:sldId id="289" r:id="rId32"/>
+    <p:sldId id="294" r:id="rId33"/>
+    <p:sldId id="288" r:id="rId34"/>
+    <p:sldId id="286" r:id="rId35"/>
+    <p:sldId id="287" r:id="rId36"/>
+    <p:sldId id="293" r:id="rId37"/>
+    <p:sldId id="290" r:id="rId38"/>
   </p:sldIdLst>
   <p:sldSz cx="12192000" cy="6858000"/>
   <p:notesSz cx="6858000" cy="9144000"/>
@@ -137,8 +151,7 @@
 <file path=ppt/revisionInfo.xml><?xml version="1.0" encoding="utf-8"?>
 <p1510:revInfo xmlns:a="http://schemas.openxmlformats.org/drawingml/2006/main" xmlns:r="http://schemas.openxmlformats.org/officeDocument/2006/relationships" xmlns:p1510="http://schemas.microsoft.com/office/powerpoint/2015/10/main">
   <p1510:revLst>
-    <p1510:client id="{B601F967-ED8D-4823-8E02-D1688F53FE80}" v="30" dt="2019-03-27T17:27:55.411"/>
-    <p1510:client id="{6306C6E4-16CC-4909-B4C0-AE67E1284DF5}" v="882" dt="2019-03-28T07:27:02.164"/>
+    <p1510:client id="{6306C6E4-16CC-4909-B4C0-AE67E1284DF5}" v="1950" dt="2019-04-04T06:35:02.106"/>
   </p1510:revLst>
 </p1510:revInfo>
 </file>
@@ -148,18 +161,33 @@
   <pc:docChgLst>
     <pc:chgData name="임양규 " userId="abc4b9b2-9de7-4fe2-942d-3599c2e53efb" providerId="ADAL" clId="{6306C6E4-16CC-4909-B4C0-AE67E1284DF5}"/>
     <pc:docChg chg="undo custSel addSld delSld modSld sldOrd">
-      <pc:chgData name="임양규 " userId="abc4b9b2-9de7-4fe2-942d-3599c2e53efb" providerId="ADAL" clId="{6306C6E4-16CC-4909-B4C0-AE67E1284DF5}" dt="2019-03-28T07:27:02.164" v="874"/>
+      <pc:chgData name="임양규 " userId="abc4b9b2-9de7-4fe2-942d-3599c2e53efb" providerId="ADAL" clId="{6306C6E4-16CC-4909-B4C0-AE67E1284DF5}" dt="2019-04-04T06:35:02.106" v="1909" actId="20577"/>
       <pc:docMkLst>
         <pc:docMk/>
       </pc:docMkLst>
       <pc:sldChg chg="modSp">
-        <pc:chgData name="임양규 " userId="abc4b9b2-9de7-4fe2-942d-3599c2e53efb" providerId="ADAL" clId="{6306C6E4-16CC-4909-B4C0-AE67E1284DF5}" dt="2019-03-28T06:44:25.233" v="264" actId="20577"/>
+        <pc:chgData name="임양규 " userId="abc4b9b2-9de7-4fe2-942d-3599c2e53efb" providerId="ADAL" clId="{6306C6E4-16CC-4909-B4C0-AE67E1284DF5}" dt="2019-03-28T07:32:25.350" v="899" actId="20577"/>
+        <pc:sldMkLst>
+          <pc:docMk/>
+          <pc:sldMk cId="1729654533" sldId="256"/>
+        </pc:sldMkLst>
+        <pc:spChg chg="mod">
+          <ac:chgData name="임양규 " userId="abc4b9b2-9de7-4fe2-942d-3599c2e53efb" providerId="ADAL" clId="{6306C6E4-16CC-4909-B4C0-AE67E1284DF5}" dt="2019-03-28T07:32:25.350" v="899" actId="20577"/>
+          <ac:spMkLst>
+            <pc:docMk/>
+            <pc:sldMk cId="1729654533" sldId="256"/>
+            <ac:spMk id="2" creationId="{8508221B-1373-40FB-BAFF-B933F9AB2EF4}"/>
+          </ac:spMkLst>
+        </pc:spChg>
+      </pc:sldChg>
+      <pc:sldChg chg="modSp">
+        <pc:chgData name="임양규 " userId="abc4b9b2-9de7-4fe2-942d-3599c2e53efb" providerId="ADAL" clId="{6306C6E4-16CC-4909-B4C0-AE67E1284DF5}" dt="2019-03-28T07:32:46.548" v="916" actId="20577"/>
         <pc:sldMkLst>
           <pc:docMk/>
           <pc:sldMk cId="3559924003" sldId="269"/>
         </pc:sldMkLst>
         <pc:spChg chg="mod">
-          <ac:chgData name="임양규 " userId="abc4b9b2-9de7-4fe2-942d-3599c2e53efb" providerId="ADAL" clId="{6306C6E4-16CC-4909-B4C0-AE67E1284DF5}" dt="2019-03-28T06:43:16.838" v="9"/>
+          <ac:chgData name="임양규 " userId="abc4b9b2-9de7-4fe2-942d-3599c2e53efb" providerId="ADAL" clId="{6306C6E4-16CC-4909-B4C0-AE67E1284DF5}" dt="2019-03-28T07:32:46.548" v="916" actId="20577"/>
           <ac:spMkLst>
             <pc:docMk/>
             <pc:sldMk cId="3559924003" sldId="269"/>
@@ -260,13 +288,6 @@
           </ac:graphicFrameMkLst>
         </pc:graphicFrameChg>
       </pc:sldChg>
-      <pc:sldChg chg="add del">
-        <pc:chgData name="임양규 " userId="abc4b9b2-9de7-4fe2-942d-3599c2e53efb" providerId="ADAL" clId="{6306C6E4-16CC-4909-B4C0-AE67E1284DF5}" dt="2019-03-28T06:52:09.368" v="369" actId="2696"/>
-        <pc:sldMkLst>
-          <pc:docMk/>
-          <pc:sldMk cId="1490266124" sldId="273"/>
-        </pc:sldMkLst>
-      </pc:sldChg>
       <pc:sldChg chg="modSp add mod">
         <pc:chgData name="임양규 " userId="abc4b9b2-9de7-4fe2-942d-3599c2e53efb" providerId="ADAL" clId="{6306C6E4-16CC-4909-B4C0-AE67E1284DF5}" dt="2019-03-28T06:53:15.292" v="388" actId="27918"/>
         <pc:sldMkLst>
@@ -314,7 +335,7 @@
         </pc:spChg>
       </pc:sldChg>
       <pc:sldChg chg="addSp delSp modSp add mod">
-        <pc:chgData name="임양규 " userId="abc4b9b2-9de7-4fe2-942d-3599c2e53efb" providerId="ADAL" clId="{6306C6E4-16CC-4909-B4C0-AE67E1284DF5}" dt="2019-03-28T07:14:31.270" v="753" actId="27918"/>
+        <pc:chgData name="임양규 " userId="abc4b9b2-9de7-4fe2-942d-3599c2e53efb" providerId="ADAL" clId="{6306C6E4-16CC-4909-B4C0-AE67E1284DF5}" dt="2019-03-28T07:36:58.717" v="925" actId="404"/>
         <pc:sldMkLst>
           <pc:docMk/>
           <pc:sldMk cId="455174747" sldId="276"/>
@@ -336,7 +357,7 @@
           </ac:graphicFrameMkLst>
         </pc:graphicFrameChg>
         <pc:graphicFrameChg chg="mod">
-          <ac:chgData name="임양규 " userId="abc4b9b2-9de7-4fe2-942d-3599c2e53efb" providerId="ADAL" clId="{6306C6E4-16CC-4909-B4C0-AE67E1284DF5}" dt="2019-03-28T07:13:23.513" v="692" actId="1076"/>
+          <ac:chgData name="임양규 " userId="abc4b9b2-9de7-4fe2-942d-3599c2e53efb" providerId="ADAL" clId="{6306C6E4-16CC-4909-B4C0-AE67E1284DF5}" dt="2019-03-28T07:36:39.332" v="919" actId="404"/>
           <ac:graphicFrameMkLst>
             <pc:docMk/>
             <pc:sldMk cId="455174747" sldId="276"/>
@@ -344,7 +365,7 @@
           </ac:graphicFrameMkLst>
         </pc:graphicFrameChg>
         <pc:graphicFrameChg chg="add mod">
-          <ac:chgData name="임양규 " userId="abc4b9b2-9de7-4fe2-942d-3599c2e53efb" providerId="ADAL" clId="{6306C6E4-16CC-4909-B4C0-AE67E1284DF5}" dt="2019-03-28T07:13:50.491" v="719" actId="20577"/>
+          <ac:chgData name="임양규 " userId="abc4b9b2-9de7-4fe2-942d-3599c2e53efb" providerId="ADAL" clId="{6306C6E4-16CC-4909-B4C0-AE67E1284DF5}" dt="2019-03-28T07:36:53.332" v="922" actId="404"/>
           <ac:graphicFrameMkLst>
             <pc:docMk/>
             <pc:sldMk cId="455174747" sldId="276"/>
@@ -352,7 +373,7 @@
           </ac:graphicFrameMkLst>
         </pc:graphicFrameChg>
         <pc:graphicFrameChg chg="add mod">
-          <ac:chgData name="임양규 " userId="abc4b9b2-9de7-4fe2-942d-3599c2e53efb" providerId="ADAL" clId="{6306C6E4-16CC-4909-B4C0-AE67E1284DF5}" dt="2019-03-28T07:14:10.605" v="747" actId="20577"/>
+          <ac:chgData name="임양규 " userId="abc4b9b2-9de7-4fe2-942d-3599c2e53efb" providerId="ADAL" clId="{6306C6E4-16CC-4909-B4C0-AE67E1284DF5}" dt="2019-03-28T07:36:58.717" v="925" actId="404"/>
           <ac:graphicFrameMkLst>
             <pc:docMk/>
             <pc:sldMk cId="455174747" sldId="276"/>
@@ -396,6 +417,524 @@
           <pc:docMk/>
           <pc:sldMk cId="4070350071" sldId="279"/>
         </pc:sldMkLst>
+      </pc:sldChg>
+      <pc:sldChg chg="delSp modSp add ord">
+        <pc:chgData name="임양규 " userId="abc4b9b2-9de7-4fe2-942d-3599c2e53efb" providerId="ADAL" clId="{6306C6E4-16CC-4909-B4C0-AE67E1284DF5}" dt="2019-04-04T05:48:42.847" v="1308" actId="478"/>
+        <pc:sldMkLst>
+          <pc:docMk/>
+          <pc:sldMk cId="2850593472" sldId="280"/>
+        </pc:sldMkLst>
+        <pc:spChg chg="mod">
+          <ac:chgData name="임양규 " userId="abc4b9b2-9de7-4fe2-942d-3599c2e53efb" providerId="ADAL" clId="{6306C6E4-16CC-4909-B4C0-AE67E1284DF5}" dt="2019-04-04T03:40:42.983" v="946" actId="20577"/>
+          <ac:spMkLst>
+            <pc:docMk/>
+            <pc:sldMk cId="2850593472" sldId="280"/>
+            <ac:spMk id="2" creationId="{992A73AA-963F-4480-9699-8F5D0AD5A2A3}"/>
+          </ac:spMkLst>
+        </pc:spChg>
+        <pc:spChg chg="del">
+          <ac:chgData name="임양규 " userId="abc4b9b2-9de7-4fe2-942d-3599c2e53efb" providerId="ADAL" clId="{6306C6E4-16CC-4909-B4C0-AE67E1284DF5}" dt="2019-04-04T05:48:42.847" v="1308" actId="478"/>
+          <ac:spMkLst>
+            <pc:docMk/>
+            <pc:sldMk cId="2850593472" sldId="280"/>
+            <ac:spMk id="3" creationId="{72B24750-1553-485F-B6E1-C42C55378534}"/>
+          </ac:spMkLst>
+        </pc:spChg>
+        <pc:spChg chg="mod">
+          <ac:chgData name="임양규 " userId="abc4b9b2-9de7-4fe2-942d-3599c2e53efb" providerId="ADAL" clId="{6306C6E4-16CC-4909-B4C0-AE67E1284DF5}" dt="2019-04-04T05:33:17.803" v="1223"/>
+          <ac:spMkLst>
+            <pc:docMk/>
+            <pc:sldMk cId="2850593472" sldId="280"/>
+            <ac:spMk id="5" creationId="{E0074ACA-A7A4-4A34-B0B5-662CD615655C}"/>
+          </ac:spMkLst>
+        </pc:spChg>
+      </pc:sldChg>
+      <pc:sldChg chg="addSp delSp modSp add">
+        <pc:chgData name="임양규 " userId="abc4b9b2-9de7-4fe2-942d-3599c2e53efb" providerId="ADAL" clId="{6306C6E4-16CC-4909-B4C0-AE67E1284DF5}" dt="2019-04-04T05:48:37.536" v="1307" actId="478"/>
+        <pc:sldMkLst>
+          <pc:docMk/>
+          <pc:sldMk cId="3949028178" sldId="281"/>
+        </pc:sldMkLst>
+        <pc:spChg chg="del">
+          <ac:chgData name="임양규 " userId="abc4b9b2-9de7-4fe2-942d-3599c2e53efb" providerId="ADAL" clId="{6306C6E4-16CC-4909-B4C0-AE67E1284DF5}" dt="2019-04-04T05:48:37.536" v="1307" actId="478"/>
+          <ac:spMkLst>
+            <pc:docMk/>
+            <pc:sldMk cId="3949028178" sldId="281"/>
+            <ac:spMk id="3" creationId="{72B24750-1553-485F-B6E1-C42C55378534}"/>
+          </ac:spMkLst>
+        </pc:spChg>
+        <pc:spChg chg="mod">
+          <ac:chgData name="임양규 " userId="abc4b9b2-9de7-4fe2-942d-3599c2e53efb" providerId="ADAL" clId="{6306C6E4-16CC-4909-B4C0-AE67E1284DF5}" dt="2019-04-04T05:31:05.895" v="1177" actId="20577"/>
+          <ac:spMkLst>
+            <pc:docMk/>
+            <pc:sldMk cId="3949028178" sldId="281"/>
+            <ac:spMk id="5" creationId="{E0074ACA-A7A4-4A34-B0B5-662CD615655C}"/>
+          </ac:spMkLst>
+        </pc:spChg>
+        <pc:picChg chg="add mod">
+          <ac:chgData name="임양규 " userId="abc4b9b2-9de7-4fe2-942d-3599c2e53efb" providerId="ADAL" clId="{6306C6E4-16CC-4909-B4C0-AE67E1284DF5}" dt="2019-04-04T05:41:57.726" v="1267" actId="1076"/>
+          <ac:picMkLst>
+            <pc:docMk/>
+            <pc:sldMk cId="3949028178" sldId="281"/>
+            <ac:picMk id="4" creationId="{69515152-8B11-469E-8823-9908D25454B1}"/>
+          </ac:picMkLst>
+        </pc:picChg>
+      </pc:sldChg>
+      <pc:sldChg chg="addSp delSp modSp add mod ord">
+        <pc:chgData name="임양규 " userId="abc4b9b2-9de7-4fe2-942d-3599c2e53efb" providerId="ADAL" clId="{6306C6E4-16CC-4909-B4C0-AE67E1284DF5}" dt="2019-04-04T06:01:21.703" v="1357"/>
+        <pc:sldMkLst>
+          <pc:docMk/>
+          <pc:sldMk cId="2756733978" sldId="282"/>
+        </pc:sldMkLst>
+        <pc:spChg chg="mod">
+          <ac:chgData name="임양규 " userId="abc4b9b2-9de7-4fe2-942d-3599c2e53efb" providerId="ADAL" clId="{6306C6E4-16CC-4909-B4C0-AE67E1284DF5}" dt="2019-04-04T05:40:03.694" v="1254" actId="20577"/>
+          <ac:spMkLst>
+            <pc:docMk/>
+            <pc:sldMk cId="2756733978" sldId="282"/>
+            <ac:spMk id="2" creationId="{992A73AA-963F-4480-9699-8F5D0AD5A2A3}"/>
+          </ac:spMkLst>
+        </pc:spChg>
+        <pc:spChg chg="add del mod">
+          <ac:chgData name="임양규 " userId="abc4b9b2-9de7-4fe2-942d-3599c2e53efb" providerId="ADAL" clId="{6306C6E4-16CC-4909-B4C0-AE67E1284DF5}" dt="2019-04-04T05:32:23.050" v="1184" actId="478"/>
+          <ac:spMkLst>
+            <pc:docMk/>
+            <pc:sldMk cId="2756733978" sldId="282"/>
+            <ac:spMk id="3" creationId="{6EA416F4-8298-4803-8C8D-E576FF18F210}"/>
+          </ac:spMkLst>
+        </pc:spChg>
+        <pc:spChg chg="add del">
+          <ac:chgData name="임양규 " userId="abc4b9b2-9de7-4fe2-942d-3599c2e53efb" providerId="ADAL" clId="{6306C6E4-16CC-4909-B4C0-AE67E1284DF5}" dt="2019-04-04T05:44:57.147" v="1275"/>
+          <ac:spMkLst>
+            <pc:docMk/>
+            <pc:sldMk cId="2756733978" sldId="282"/>
+            <ac:spMk id="4" creationId="{B96951CF-A2DD-41ED-A79D-AD76188FB9AE}"/>
+          </ac:spMkLst>
+        </pc:spChg>
+        <pc:graphicFrameChg chg="del">
+          <ac:chgData name="임양규 " userId="abc4b9b2-9de7-4fe2-942d-3599c2e53efb" providerId="ADAL" clId="{6306C6E4-16CC-4909-B4C0-AE67E1284DF5}" dt="2019-04-04T05:32:03.578" v="1182" actId="478"/>
+          <ac:graphicFrameMkLst>
+            <pc:docMk/>
+            <pc:sldMk cId="2756733978" sldId="282"/>
+            <ac:graphicFrameMk id="6" creationId="{E0B24D85-CFA9-41D4-8ECD-C497884D5FB7}"/>
+          </ac:graphicFrameMkLst>
+        </pc:graphicFrameChg>
+        <pc:graphicFrameChg chg="del">
+          <ac:chgData name="임양규 " userId="abc4b9b2-9de7-4fe2-942d-3599c2e53efb" providerId="ADAL" clId="{6306C6E4-16CC-4909-B4C0-AE67E1284DF5}" dt="2019-04-04T05:32:24.858" v="1185" actId="478"/>
+          <ac:graphicFrameMkLst>
+            <pc:docMk/>
+            <pc:sldMk cId="2756733978" sldId="282"/>
+            <ac:graphicFrameMk id="7" creationId="{E47F22BF-4A8F-43A9-8AB9-D3963E6F37C1}"/>
+          </ac:graphicFrameMkLst>
+        </pc:graphicFrameChg>
+        <pc:graphicFrameChg chg="del">
+          <ac:chgData name="임양규 " userId="abc4b9b2-9de7-4fe2-942d-3599c2e53efb" providerId="ADAL" clId="{6306C6E4-16CC-4909-B4C0-AE67E1284DF5}" dt="2019-04-04T05:32:09.712" v="1183" actId="478"/>
+          <ac:graphicFrameMkLst>
+            <pc:docMk/>
+            <pc:sldMk cId="2756733978" sldId="282"/>
+            <ac:graphicFrameMk id="8" creationId="{BC8E0A1C-33A7-4CA1-8C25-B69CD263EEE0}"/>
+          </ac:graphicFrameMkLst>
+        </pc:graphicFrameChg>
+        <pc:graphicFrameChg chg="add del">
+          <ac:chgData name="임양규 " userId="abc4b9b2-9de7-4fe2-942d-3599c2e53efb" providerId="ADAL" clId="{6306C6E4-16CC-4909-B4C0-AE67E1284DF5}" dt="2019-04-04T05:40:30.257" v="1260" actId="478"/>
+          <ac:graphicFrameMkLst>
+            <pc:docMk/>
+            <pc:sldMk cId="2756733978" sldId="282"/>
+            <ac:graphicFrameMk id="9" creationId="{2C306207-A376-4FC8-AD3A-011B899644CC}"/>
+          </ac:graphicFrameMkLst>
+        </pc:graphicFrameChg>
+        <pc:graphicFrameChg chg="add del mod">
+          <ac:chgData name="임양규 " userId="abc4b9b2-9de7-4fe2-942d-3599c2e53efb" providerId="ADAL" clId="{6306C6E4-16CC-4909-B4C0-AE67E1284DF5}" dt="2019-04-04T05:44:37.883" v="1273" actId="478"/>
+          <ac:graphicFrameMkLst>
+            <pc:docMk/>
+            <pc:sldMk cId="2756733978" sldId="282"/>
+            <ac:graphicFrameMk id="10" creationId="{96D0DAA2-33C1-46E1-B6DE-F0B23CED486F}"/>
+          </ac:graphicFrameMkLst>
+        </pc:graphicFrameChg>
+        <pc:graphicFrameChg chg="add mod">
+          <ac:chgData name="임양규 " userId="abc4b9b2-9de7-4fe2-942d-3599c2e53efb" providerId="ADAL" clId="{6306C6E4-16CC-4909-B4C0-AE67E1284DF5}" dt="2019-04-04T05:44:17.805" v="1272" actId="167"/>
+          <ac:graphicFrameMkLst>
+            <pc:docMk/>
+            <pc:sldMk cId="2756733978" sldId="282"/>
+            <ac:graphicFrameMk id="11" creationId="{8B448686-C920-4811-859E-FB647A369C43}"/>
+          </ac:graphicFrameMkLst>
+        </pc:graphicFrameChg>
+      </pc:sldChg>
+      <pc:sldChg chg="add del">
+        <pc:chgData name="임양규 " userId="abc4b9b2-9de7-4fe2-942d-3599c2e53efb" providerId="ADAL" clId="{6306C6E4-16CC-4909-B4C0-AE67E1284DF5}" dt="2019-04-04T05:31:24.084" v="1179"/>
+        <pc:sldMkLst>
+          <pc:docMk/>
+          <pc:sldMk cId="2881872742" sldId="282"/>
+        </pc:sldMkLst>
+      </pc:sldChg>
+      <pc:sldChg chg="addSp delSp modSp add ord">
+        <pc:chgData name="임양규 " userId="abc4b9b2-9de7-4fe2-942d-3599c2e53efb" providerId="ADAL" clId="{6306C6E4-16CC-4909-B4C0-AE67E1284DF5}" dt="2019-04-04T05:48:19.159" v="1306" actId="478"/>
+        <pc:sldMkLst>
+          <pc:docMk/>
+          <pc:sldMk cId="1362762343" sldId="283"/>
+        </pc:sldMkLst>
+        <pc:spChg chg="add del mod">
+          <ac:chgData name="임양규 " userId="abc4b9b2-9de7-4fe2-942d-3599c2e53efb" providerId="ADAL" clId="{6306C6E4-16CC-4909-B4C0-AE67E1284DF5}" dt="2019-04-04T05:48:18.119" v="1305" actId="478"/>
+          <ac:spMkLst>
+            <pc:docMk/>
+            <pc:sldMk cId="1362762343" sldId="283"/>
+            <ac:spMk id="3" creationId="{253516E4-B57E-4E21-BFF6-677602DDAB6A}"/>
+          </ac:spMkLst>
+        </pc:spChg>
+        <pc:spChg chg="add del mod">
+          <ac:chgData name="임양규 " userId="abc4b9b2-9de7-4fe2-942d-3599c2e53efb" providerId="ADAL" clId="{6306C6E4-16CC-4909-B4C0-AE67E1284DF5}" dt="2019-04-04T05:48:19.159" v="1306" actId="478"/>
+          <ac:spMkLst>
+            <pc:docMk/>
+            <pc:sldMk cId="1362762343" sldId="283"/>
+            <ac:spMk id="4" creationId="{F8D52206-B2B5-4BE5-A845-C6515944A4F7}"/>
+          </ac:spMkLst>
+        </pc:spChg>
+        <pc:spChg chg="add del mod">
+          <ac:chgData name="임양규 " userId="abc4b9b2-9de7-4fe2-942d-3599c2e53efb" providerId="ADAL" clId="{6306C6E4-16CC-4909-B4C0-AE67E1284DF5}" dt="2019-04-04T05:48:17.064" v="1304" actId="478"/>
+          <ac:spMkLst>
+            <pc:docMk/>
+            <pc:sldMk cId="1362762343" sldId="283"/>
+            <ac:spMk id="5" creationId="{34AF5809-D14B-4061-AA8E-0B2F3F061849}"/>
+          </ac:spMkLst>
+        </pc:spChg>
+        <pc:spChg chg="add del mod">
+          <ac:chgData name="임양규 " userId="abc4b9b2-9de7-4fe2-942d-3599c2e53efb" providerId="ADAL" clId="{6306C6E4-16CC-4909-B4C0-AE67E1284DF5}" dt="2019-04-04T05:48:15.504" v="1303" actId="478"/>
+          <ac:spMkLst>
+            <pc:docMk/>
+            <pc:sldMk cId="1362762343" sldId="283"/>
+            <ac:spMk id="6" creationId="{2585FB3C-364E-420D-A213-1ABFAEC406E4}"/>
+          </ac:spMkLst>
+        </pc:spChg>
+        <pc:graphicFrameChg chg="mod">
+          <ac:chgData name="임양규 " userId="abc4b9b2-9de7-4fe2-942d-3599c2e53efb" providerId="ADAL" clId="{6306C6E4-16CC-4909-B4C0-AE67E1284DF5}" dt="2019-04-04T05:47:42.025" v="1301" actId="1076"/>
+          <ac:graphicFrameMkLst>
+            <pc:docMk/>
+            <pc:sldMk cId="1362762343" sldId="283"/>
+            <ac:graphicFrameMk id="9" creationId="{2C306207-A376-4FC8-AD3A-011B899644CC}"/>
+          </ac:graphicFrameMkLst>
+        </pc:graphicFrameChg>
+      </pc:sldChg>
+      <pc:sldChg chg="addSp delSp modSp add mod ord">
+        <pc:chgData name="임양규 " userId="abc4b9b2-9de7-4fe2-942d-3599c2e53efb" providerId="ADAL" clId="{6306C6E4-16CC-4909-B4C0-AE67E1284DF5}" dt="2019-04-04T06:22:33.336" v="1399" actId="20577"/>
+        <pc:sldMkLst>
+          <pc:docMk/>
+          <pc:sldMk cId="2426765429" sldId="284"/>
+        </pc:sldMkLst>
+        <pc:spChg chg="mod">
+          <ac:chgData name="임양규 " userId="abc4b9b2-9de7-4fe2-942d-3599c2e53efb" providerId="ADAL" clId="{6306C6E4-16CC-4909-B4C0-AE67E1284DF5}" dt="2019-04-04T06:22:33.336" v="1399" actId="20577"/>
+          <ac:spMkLst>
+            <pc:docMk/>
+            <pc:sldMk cId="2426765429" sldId="284"/>
+            <ac:spMk id="2" creationId="{992A73AA-963F-4480-9699-8F5D0AD5A2A3}"/>
+          </ac:spMkLst>
+        </pc:spChg>
+        <pc:graphicFrameChg chg="add mod">
+          <ac:chgData name="임양규 " userId="abc4b9b2-9de7-4fe2-942d-3599c2e53efb" providerId="ADAL" clId="{6306C6E4-16CC-4909-B4C0-AE67E1284DF5}" dt="2019-04-04T05:41:01.618" v="1264" actId="167"/>
+          <ac:graphicFrameMkLst>
+            <pc:docMk/>
+            <pc:sldMk cId="2426765429" sldId="284"/>
+            <ac:graphicFrameMk id="4" creationId="{73100945-E398-4931-B9FE-23C00514D578}"/>
+          </ac:graphicFrameMkLst>
+        </pc:graphicFrameChg>
+        <pc:graphicFrameChg chg="del">
+          <ac:chgData name="임양규 " userId="abc4b9b2-9de7-4fe2-942d-3599c2e53efb" providerId="ADAL" clId="{6306C6E4-16CC-4909-B4C0-AE67E1284DF5}" dt="2019-04-04T05:41:11.393" v="1265" actId="478"/>
+          <ac:graphicFrameMkLst>
+            <pc:docMk/>
+            <pc:sldMk cId="2426765429" sldId="284"/>
+            <ac:graphicFrameMk id="9" creationId="{2C306207-A376-4FC8-AD3A-011B899644CC}"/>
+          </ac:graphicFrameMkLst>
+        </pc:graphicFrameChg>
+      </pc:sldChg>
+      <pc:sldChg chg="addSp delSp modSp add mod">
+        <pc:chgData name="임양규 " userId="abc4b9b2-9de7-4fe2-942d-3599c2e53efb" providerId="ADAL" clId="{6306C6E4-16CC-4909-B4C0-AE67E1284DF5}" dt="2019-04-04T06:21:23.900" v="1380" actId="27918"/>
+        <pc:sldMkLst>
+          <pc:docMk/>
+          <pc:sldMk cId="3908297456" sldId="285"/>
+        </pc:sldMkLst>
+        <pc:spChg chg="mod">
+          <ac:chgData name="임양규 " userId="abc4b9b2-9de7-4fe2-942d-3599c2e53efb" providerId="ADAL" clId="{6306C6E4-16CC-4909-B4C0-AE67E1284DF5}" dt="2019-04-04T05:57:31.519" v="1352" actId="20577"/>
+          <ac:spMkLst>
+            <pc:docMk/>
+            <pc:sldMk cId="3908297456" sldId="285"/>
+            <ac:spMk id="2" creationId="{992A73AA-963F-4480-9699-8F5D0AD5A2A3}"/>
+          </ac:spMkLst>
+        </pc:spChg>
+        <pc:graphicFrameChg chg="add mod">
+          <ac:chgData name="임양규 " userId="abc4b9b2-9de7-4fe2-942d-3599c2e53efb" providerId="ADAL" clId="{6306C6E4-16CC-4909-B4C0-AE67E1284DF5}" dt="2019-04-04T05:55:03.973" v="1315" actId="167"/>
+          <ac:graphicFrameMkLst>
+            <pc:docMk/>
+            <pc:sldMk cId="3908297456" sldId="285"/>
+            <ac:graphicFrameMk id="4" creationId="{95DE6E2C-187E-4CC5-B5EF-EEA900A09EA1}"/>
+          </ac:graphicFrameMkLst>
+        </pc:graphicFrameChg>
+        <pc:graphicFrameChg chg="del">
+          <ac:chgData name="임양규 " userId="abc4b9b2-9de7-4fe2-942d-3599c2e53efb" providerId="ADAL" clId="{6306C6E4-16CC-4909-B4C0-AE67E1284DF5}" dt="2019-04-04T05:55:13.804" v="1316" actId="478"/>
+          <ac:graphicFrameMkLst>
+            <pc:docMk/>
+            <pc:sldMk cId="3908297456" sldId="285"/>
+            <ac:graphicFrameMk id="9" creationId="{2C306207-A376-4FC8-AD3A-011B899644CC}"/>
+          </ac:graphicFrameMkLst>
+        </pc:graphicFrameChg>
+      </pc:sldChg>
+      <pc:sldChg chg="addSp delSp modSp add mod">
+        <pc:chgData name="임양규 " userId="abc4b9b2-9de7-4fe2-942d-3599c2e53efb" providerId="ADAL" clId="{6306C6E4-16CC-4909-B4C0-AE67E1284DF5}" dt="2019-04-04T06:22:01.088" v="1383" actId="27918"/>
+        <pc:sldMkLst>
+          <pc:docMk/>
+          <pc:sldMk cId="2464760333" sldId="286"/>
+        </pc:sldMkLst>
+        <pc:spChg chg="mod">
+          <ac:chgData name="임양규 " userId="abc4b9b2-9de7-4fe2-942d-3599c2e53efb" providerId="ADAL" clId="{6306C6E4-16CC-4909-B4C0-AE67E1284DF5}" dt="2019-04-04T05:57:41.577" v="1353"/>
+          <ac:spMkLst>
+            <pc:docMk/>
+            <pc:sldMk cId="2464760333" sldId="286"/>
+            <ac:spMk id="2" creationId="{992A73AA-963F-4480-9699-8F5D0AD5A2A3}"/>
+          </ac:spMkLst>
+        </pc:spChg>
+        <pc:graphicFrameChg chg="add mod">
+          <ac:chgData name="임양규 " userId="abc4b9b2-9de7-4fe2-942d-3599c2e53efb" providerId="ADAL" clId="{6306C6E4-16CC-4909-B4C0-AE67E1284DF5}" dt="2019-04-04T05:55:34.817" v="1320" actId="167"/>
+          <ac:graphicFrameMkLst>
+            <pc:docMk/>
+            <pc:sldMk cId="2464760333" sldId="286"/>
+            <ac:graphicFrameMk id="4" creationId="{706B8598-4AFD-4CA9-AD20-FF49EFF1EDBD}"/>
+          </ac:graphicFrameMkLst>
+        </pc:graphicFrameChg>
+        <pc:graphicFrameChg chg="add mod">
+          <ac:chgData name="임양규 " userId="abc4b9b2-9de7-4fe2-942d-3599c2e53efb" providerId="ADAL" clId="{6306C6E4-16CC-4909-B4C0-AE67E1284DF5}" dt="2019-04-04T05:56:57.492" v="1329" actId="167"/>
+          <ac:graphicFrameMkLst>
+            <pc:docMk/>
+            <pc:sldMk cId="2464760333" sldId="286"/>
+            <ac:graphicFrameMk id="5" creationId="{706B8598-4AFD-4CA9-AD20-FF49EFF1EDBD}"/>
+          </ac:graphicFrameMkLst>
+        </pc:graphicFrameChg>
+        <pc:graphicFrameChg chg="del">
+          <ac:chgData name="임양규 " userId="abc4b9b2-9de7-4fe2-942d-3599c2e53efb" providerId="ADAL" clId="{6306C6E4-16CC-4909-B4C0-AE67E1284DF5}" dt="2019-04-04T05:57:08.834" v="1330" actId="478"/>
+          <ac:graphicFrameMkLst>
+            <pc:docMk/>
+            <pc:sldMk cId="2464760333" sldId="286"/>
+            <ac:graphicFrameMk id="11" creationId="{8B448686-C920-4811-859E-FB647A369C43}"/>
+          </ac:graphicFrameMkLst>
+        </pc:graphicFrameChg>
+      </pc:sldChg>
+      <pc:sldChg chg="addSp delSp modSp add mod">
+        <pc:chgData name="임양규 " userId="abc4b9b2-9de7-4fe2-942d-3599c2e53efb" providerId="ADAL" clId="{6306C6E4-16CC-4909-B4C0-AE67E1284DF5}" dt="2019-04-04T06:22:41.490" v="1400"/>
+        <pc:sldMkLst>
+          <pc:docMk/>
+          <pc:sldMk cId="953959688" sldId="287"/>
+        </pc:sldMkLst>
+        <pc:spChg chg="mod">
+          <ac:chgData name="임양규 " userId="abc4b9b2-9de7-4fe2-942d-3599c2e53efb" providerId="ADAL" clId="{6306C6E4-16CC-4909-B4C0-AE67E1284DF5}" dt="2019-04-04T06:22:41.490" v="1400"/>
+          <ac:spMkLst>
+            <pc:docMk/>
+            <pc:sldMk cId="953959688" sldId="287"/>
+            <ac:spMk id="2" creationId="{992A73AA-963F-4480-9699-8F5D0AD5A2A3}"/>
+          </ac:spMkLst>
+        </pc:spChg>
+        <pc:graphicFrameChg chg="del">
+          <ac:chgData name="임양규 " userId="abc4b9b2-9de7-4fe2-942d-3599c2e53efb" providerId="ADAL" clId="{6306C6E4-16CC-4909-B4C0-AE67E1284DF5}" dt="2019-04-04T05:56:09.082" v="1325" actId="478"/>
+          <ac:graphicFrameMkLst>
+            <pc:docMk/>
+            <pc:sldMk cId="953959688" sldId="287"/>
+            <ac:graphicFrameMk id="4" creationId="{73100945-E398-4931-B9FE-23C00514D578}"/>
+          </ac:graphicFrameMkLst>
+        </pc:graphicFrameChg>
+        <pc:graphicFrameChg chg="add mod">
+          <ac:chgData name="임양규 " userId="abc4b9b2-9de7-4fe2-942d-3599c2e53efb" providerId="ADAL" clId="{6306C6E4-16CC-4909-B4C0-AE67E1284DF5}" dt="2019-04-04T05:55:57.413" v="1324" actId="167"/>
+          <ac:graphicFrameMkLst>
+            <pc:docMk/>
+            <pc:sldMk cId="953959688" sldId="287"/>
+            <ac:graphicFrameMk id="5" creationId="{39BBC723-A50F-4DDD-8C92-4EFA42FF6AF1}"/>
+          </ac:graphicFrameMkLst>
+        </pc:graphicFrameChg>
+      </pc:sldChg>
+      <pc:sldChg chg="addSp delSp modSp add mod ord">
+        <pc:chgData name="임양규 " userId="abc4b9b2-9de7-4fe2-942d-3599c2e53efb" providerId="ADAL" clId="{6306C6E4-16CC-4909-B4C0-AE67E1284DF5}" dt="2019-04-04T06:21:59.582" v="1381" actId="27918"/>
+        <pc:sldMkLst>
+          <pc:docMk/>
+          <pc:sldMk cId="3148979981" sldId="288"/>
+        </pc:sldMkLst>
+        <pc:spChg chg="mod">
+          <ac:chgData name="임양규 " userId="abc4b9b2-9de7-4fe2-942d-3599c2e53efb" providerId="ADAL" clId="{6306C6E4-16CC-4909-B4C0-AE67E1284DF5}" dt="2019-04-04T06:09:43.944" v="1378" actId="20577"/>
+          <ac:spMkLst>
+            <pc:docMk/>
+            <pc:sldMk cId="3148979981" sldId="288"/>
+            <ac:spMk id="2" creationId="{992A73AA-963F-4480-9699-8F5D0AD5A2A3}"/>
+          </ac:spMkLst>
+        </pc:spChg>
+        <pc:graphicFrameChg chg="del">
+          <ac:chgData name="임양규 " userId="abc4b9b2-9de7-4fe2-942d-3599c2e53efb" providerId="ADAL" clId="{6306C6E4-16CC-4909-B4C0-AE67E1284DF5}" dt="2019-04-04T06:05:59.526" v="1364" actId="478"/>
+          <ac:graphicFrameMkLst>
+            <pc:docMk/>
+            <pc:sldMk cId="3148979981" sldId="288"/>
+            <ac:graphicFrameMk id="4" creationId="{95DE6E2C-187E-4CC5-B5EF-EEA900A09EA1}"/>
+          </ac:graphicFrameMkLst>
+        </pc:graphicFrameChg>
+        <pc:graphicFrameChg chg="add mod">
+          <ac:chgData name="임양규 " userId="abc4b9b2-9de7-4fe2-942d-3599c2e53efb" providerId="ADAL" clId="{6306C6E4-16CC-4909-B4C0-AE67E1284DF5}" dt="2019-04-04T06:05:53.044" v="1363" actId="167"/>
+          <ac:graphicFrameMkLst>
+            <pc:docMk/>
+            <pc:sldMk cId="3148979981" sldId="288"/>
+            <ac:graphicFrameMk id="5" creationId="{6EE6539A-7DAB-4147-A723-1D01DA571689}"/>
+          </ac:graphicFrameMkLst>
+        </pc:graphicFrameChg>
+      </pc:sldChg>
+      <pc:sldChg chg="add del">
+        <pc:chgData name="임양규 " userId="abc4b9b2-9de7-4fe2-942d-3599c2e53efb" providerId="ADAL" clId="{6306C6E4-16CC-4909-B4C0-AE67E1284DF5}" dt="2019-04-04T06:09:24.233" v="1365" actId="2696"/>
+        <pc:sldMkLst>
+          <pc:docMk/>
+          <pc:sldMk cId="2053938858" sldId="289"/>
+        </pc:sldMkLst>
+      </pc:sldChg>
+      <pc:sldChg chg="addSp delSp modSp add">
+        <pc:chgData name="임양규 " userId="abc4b9b2-9de7-4fe2-942d-3599c2e53efb" providerId="ADAL" clId="{6306C6E4-16CC-4909-B4C0-AE67E1284DF5}" dt="2019-04-04T06:30:21.265" v="1630"/>
+        <pc:sldMkLst>
+          <pc:docMk/>
+          <pc:sldMk cId="3221973260" sldId="289"/>
+        </pc:sldMkLst>
+        <pc:spChg chg="mod">
+          <ac:chgData name="임양규 " userId="abc4b9b2-9de7-4fe2-942d-3599c2e53efb" providerId="ADAL" clId="{6306C6E4-16CC-4909-B4C0-AE67E1284DF5}" dt="2019-04-04T06:30:21.265" v="1630"/>
+          <ac:spMkLst>
+            <pc:docMk/>
+            <pc:sldMk cId="3221973260" sldId="289"/>
+            <ac:spMk id="2" creationId="{992A73AA-963F-4480-9699-8F5D0AD5A2A3}"/>
+          </ac:spMkLst>
+        </pc:spChg>
+        <pc:picChg chg="add mod ord modCrop">
+          <ac:chgData name="임양규 " userId="abc4b9b2-9de7-4fe2-942d-3599c2e53efb" providerId="ADAL" clId="{6306C6E4-16CC-4909-B4C0-AE67E1284DF5}" dt="2019-04-04T06:26:40.906" v="1417" actId="732"/>
+          <ac:picMkLst>
+            <pc:docMk/>
+            <pc:sldMk cId="3221973260" sldId="289"/>
+            <ac:picMk id="3" creationId="{97FA2C4E-3C6E-43E9-80B4-CB724ED6FBCB}"/>
+          </ac:picMkLst>
+        </pc:picChg>
+        <pc:picChg chg="del">
+          <ac:chgData name="임양규 " userId="abc4b9b2-9de7-4fe2-942d-3599c2e53efb" providerId="ADAL" clId="{6306C6E4-16CC-4909-B4C0-AE67E1284DF5}" dt="2019-04-04T06:25:54.560" v="1412" actId="478"/>
+          <ac:picMkLst>
+            <pc:docMk/>
+            <pc:sldMk cId="3221973260" sldId="289"/>
+            <ac:picMk id="4" creationId="{69515152-8B11-469E-8823-9908D25454B1}"/>
+          </ac:picMkLst>
+        </pc:picChg>
+      </pc:sldChg>
+      <pc:sldChg chg="add del">
+        <pc:chgData name="임양규 " userId="abc4b9b2-9de7-4fe2-942d-3599c2e53efb" providerId="ADAL" clId="{6306C6E4-16CC-4909-B4C0-AE67E1284DF5}" dt="2019-04-04T06:09:25.445" v="1366" actId="2696"/>
+        <pc:sldMkLst>
+          <pc:docMk/>
+          <pc:sldMk cId="1081147484" sldId="290"/>
+        </pc:sldMkLst>
+      </pc:sldChg>
+      <pc:sldChg chg="addSp delSp modSp add ord">
+        <pc:chgData name="임양규 " userId="abc4b9b2-9de7-4fe2-942d-3599c2e53efb" providerId="ADAL" clId="{6306C6E4-16CC-4909-B4C0-AE67E1284DF5}" dt="2019-04-04T06:34:28.816" v="1793" actId="1076"/>
+        <pc:sldMkLst>
+          <pc:docMk/>
+          <pc:sldMk cId="1186259765" sldId="290"/>
+        </pc:sldMkLst>
+        <pc:spChg chg="mod">
+          <ac:chgData name="임양규 " userId="abc4b9b2-9de7-4fe2-942d-3599c2e53efb" providerId="ADAL" clId="{6306C6E4-16CC-4909-B4C0-AE67E1284DF5}" dt="2019-04-04T06:30:25.601" v="1631"/>
+          <ac:spMkLst>
+            <pc:docMk/>
+            <pc:sldMk cId="1186259765" sldId="290"/>
+            <ac:spMk id="2" creationId="{992A73AA-963F-4480-9699-8F5D0AD5A2A3}"/>
+          </ac:spMkLst>
+        </pc:spChg>
+        <pc:picChg chg="del">
+          <ac:chgData name="임양규 " userId="abc4b9b2-9de7-4fe2-942d-3599c2e53efb" providerId="ADAL" clId="{6306C6E4-16CC-4909-B4C0-AE67E1284DF5}" dt="2019-04-04T06:27:25.423" v="1420" actId="478"/>
+          <ac:picMkLst>
+            <pc:docMk/>
+            <pc:sldMk cId="1186259765" sldId="290"/>
+            <ac:picMk id="3" creationId="{97FA2C4E-3C6E-43E9-80B4-CB724ED6FBCB}"/>
+          </ac:picMkLst>
+        </pc:picChg>
+        <pc:picChg chg="add mod">
+          <ac:chgData name="임양규 " userId="abc4b9b2-9de7-4fe2-942d-3599c2e53efb" providerId="ADAL" clId="{6306C6E4-16CC-4909-B4C0-AE67E1284DF5}" dt="2019-04-04T06:34:20.151" v="1790" actId="1076"/>
+          <ac:picMkLst>
+            <pc:docMk/>
+            <pc:sldMk cId="1186259765" sldId="290"/>
+            <ac:picMk id="4" creationId="{A9A84409-BA7B-4008-824B-B7A3522C7417}"/>
+          </ac:picMkLst>
+        </pc:picChg>
+        <pc:picChg chg="add mod">
+          <ac:chgData name="임양규 " userId="abc4b9b2-9de7-4fe2-942d-3599c2e53efb" providerId="ADAL" clId="{6306C6E4-16CC-4909-B4C0-AE67E1284DF5}" dt="2019-04-04T06:34:28.816" v="1793" actId="1076"/>
+          <ac:picMkLst>
+            <pc:docMk/>
+            <pc:sldMk cId="1186259765" sldId="290"/>
+            <ac:picMk id="6" creationId="{B9068167-A7A6-4507-80B9-602B819B9D19}"/>
+          </ac:picMkLst>
+        </pc:picChg>
+      </pc:sldChg>
+      <pc:sldChg chg="modSp add">
+        <pc:chgData name="임양규 " userId="abc4b9b2-9de7-4fe2-942d-3599c2e53efb" providerId="ADAL" clId="{6306C6E4-16CC-4909-B4C0-AE67E1284DF5}" dt="2019-04-04T06:30:16.417" v="1616"/>
+        <pc:sldMkLst>
+          <pc:docMk/>
+          <pc:sldMk cId="2544101968" sldId="291"/>
+        </pc:sldMkLst>
+        <pc:spChg chg="mod">
+          <ac:chgData name="임양규 " userId="abc4b9b2-9de7-4fe2-942d-3599c2e53efb" providerId="ADAL" clId="{6306C6E4-16CC-4909-B4C0-AE67E1284DF5}" dt="2019-04-04T06:30:16.417" v="1616"/>
+          <ac:spMkLst>
+            <pc:docMk/>
+            <pc:sldMk cId="2544101968" sldId="291"/>
+            <ac:spMk id="2" creationId="{992A73AA-963F-4480-9699-8F5D0AD5A2A3}"/>
+          </ac:spMkLst>
+        </pc:spChg>
+        <pc:spChg chg="mod">
+          <ac:chgData name="임양규 " userId="abc4b9b2-9de7-4fe2-942d-3599c2e53efb" providerId="ADAL" clId="{6306C6E4-16CC-4909-B4C0-AE67E1284DF5}" dt="2019-04-04T06:28:42.675" v="1550" actId="113"/>
+          <ac:spMkLst>
+            <pc:docMk/>
+            <pc:sldMk cId="2544101968" sldId="291"/>
+            <ac:spMk id="5" creationId="{E0074ACA-A7A4-4A34-B0B5-662CD615655C}"/>
+          </ac:spMkLst>
+        </pc:spChg>
+      </pc:sldChg>
+      <pc:sldChg chg="add del">
+        <pc:chgData name="임양규 " userId="abc4b9b2-9de7-4fe2-942d-3599c2e53efb" providerId="ADAL" clId="{6306C6E4-16CC-4909-B4C0-AE67E1284DF5}" dt="2019-04-04T06:29:21.330" v="1552" actId="2696"/>
+        <pc:sldMkLst>
+          <pc:docMk/>
+          <pc:sldMk cId="1623064526" sldId="292"/>
+        </pc:sldMkLst>
+      </pc:sldChg>
+      <pc:sldChg chg="modSp add">
+        <pc:chgData name="임양규 " userId="abc4b9b2-9de7-4fe2-942d-3599c2e53efb" providerId="ADAL" clId="{6306C6E4-16CC-4909-B4C0-AE67E1284DF5}" dt="2019-04-04T06:35:02.106" v="1909" actId="20577"/>
+        <pc:sldMkLst>
+          <pc:docMk/>
+          <pc:sldMk cId="227970326" sldId="293"/>
+        </pc:sldMkLst>
+        <pc:spChg chg="mod">
+          <ac:chgData name="임양규 " userId="abc4b9b2-9de7-4fe2-942d-3599c2e53efb" providerId="ADAL" clId="{6306C6E4-16CC-4909-B4C0-AE67E1284DF5}" dt="2019-04-04T06:30:09.488" v="1603"/>
+          <ac:spMkLst>
+            <pc:docMk/>
+            <pc:sldMk cId="227970326" sldId="293"/>
+            <ac:spMk id="2" creationId="{992A73AA-963F-4480-9699-8F5D0AD5A2A3}"/>
+          </ac:spMkLst>
+        </pc:spChg>
+        <pc:spChg chg="mod">
+          <ac:chgData name="임양규 " userId="abc4b9b2-9de7-4fe2-942d-3599c2e53efb" providerId="ADAL" clId="{6306C6E4-16CC-4909-B4C0-AE67E1284DF5}" dt="2019-04-04T06:35:02.106" v="1909" actId="20577"/>
+          <ac:spMkLst>
+            <pc:docMk/>
+            <pc:sldMk cId="227970326" sldId="293"/>
+            <ac:spMk id="5" creationId="{E0074ACA-A7A4-4A34-B0B5-662CD615655C}"/>
+          </ac:spMkLst>
+        </pc:spChg>
+      </pc:sldChg>
+      <pc:sldChg chg="modSp add">
+        <pc:chgData name="임양규 " userId="abc4b9b2-9de7-4fe2-942d-3599c2e53efb" providerId="ADAL" clId="{6306C6E4-16CC-4909-B4C0-AE67E1284DF5}" dt="2019-04-04T06:31:35.608" v="1787"/>
+        <pc:sldMkLst>
+          <pc:docMk/>
+          <pc:sldMk cId="4061001222" sldId="294"/>
+        </pc:sldMkLst>
+        <pc:spChg chg="mod">
+          <ac:chgData name="임양규 " userId="abc4b9b2-9de7-4fe2-942d-3599c2e53efb" providerId="ADAL" clId="{6306C6E4-16CC-4909-B4C0-AE67E1284DF5}" dt="2019-04-04T06:30:50.497" v="1651" actId="20577"/>
+          <ac:spMkLst>
+            <pc:docMk/>
+            <pc:sldMk cId="4061001222" sldId="294"/>
+            <ac:spMk id="2" creationId="{992A73AA-963F-4480-9699-8F5D0AD5A2A3}"/>
+          </ac:spMkLst>
+        </pc:spChg>
+        <pc:spChg chg="mod">
+          <ac:chgData name="임양규 " userId="abc4b9b2-9de7-4fe2-942d-3599c2e53efb" providerId="ADAL" clId="{6306C6E4-16CC-4909-B4C0-AE67E1284DF5}" dt="2019-04-04T06:31:35.608" v="1787"/>
+          <ac:spMkLst>
+            <pc:docMk/>
+            <pc:sldMk cId="4061001222" sldId="294"/>
+            <ac:spMk id="5" creationId="{E0074ACA-A7A4-4A34-B0B5-662CD615655C}"/>
+          </ac:spMkLst>
+        </pc:spChg>
       </pc:sldChg>
     </pc:docChg>
   </pc:docChgLst>
@@ -1780,6 +2319,2679 @@
 </c:chartSpace>
 </file>
 
+<file path=ppt/charts/chart10.xml><?xml version="1.0" encoding="utf-8"?>
+<c:chartSpace xmlns:c="http://schemas.openxmlformats.org/drawingml/2006/chart" xmlns:a="http://schemas.openxmlformats.org/drawingml/2006/main" xmlns:r="http://schemas.openxmlformats.org/officeDocument/2006/relationships" xmlns:c16r2="http://schemas.microsoft.com/office/drawing/2015/06/chart">
+  <c:date1904 val="0"/>
+  <c:lang val="ko-KR"/>
+  <c:roundedCorners val="0"/>
+  <mc:AlternateContent xmlns:mc="http://schemas.openxmlformats.org/markup-compatibility/2006">
+    <mc:Choice xmlns:c14="http://schemas.microsoft.com/office/drawing/2007/8/2/chart" Requires="c14">
+      <c14:style val="102"/>
+    </mc:Choice>
+    <mc:Fallback>
+      <c:style val="2"/>
+    </mc:Fallback>
+  </mc:AlternateContent>
+  <c:chart>
+    <c:autoTitleDeleted val="1"/>
+    <c:plotArea>
+      <c:layout/>
+      <c:scatterChart>
+        <c:scatterStyle val="lineMarker"/>
+        <c:varyColors val="0"/>
+        <c:ser>
+          <c:idx val="0"/>
+          <c:order val="0"/>
+          <c:spPr>
+            <a:ln w="19050" cap="rnd">
+              <a:noFill/>
+              <a:round/>
+            </a:ln>
+            <a:effectLst/>
+          </c:spPr>
+          <c:marker>
+            <c:symbol val="circle"/>
+            <c:size val="5"/>
+            <c:spPr>
+              <a:solidFill>
+                <a:schemeClr val="accent1"/>
+              </a:solidFill>
+              <a:ln w="9525">
+                <a:solidFill>
+                  <a:schemeClr val="accent1"/>
+                </a:solidFill>
+              </a:ln>
+              <a:effectLst/>
+            </c:spPr>
+          </c:marker>
+          <c:xVal>
+            <c:numRef>
+              <c:f>SQUATS!$C$1:$C$16</c:f>
+              <c:numCache>
+                <c:formatCode>General</c:formatCode>
+                <c:ptCount val="16"/>
+                <c:pt idx="0">
+                  <c:v>2009</c:v>
+                </c:pt>
+                <c:pt idx="1">
+                  <c:v>2011</c:v>
+                </c:pt>
+                <c:pt idx="2">
+                  <c:v>2011</c:v>
+                </c:pt>
+                <c:pt idx="3">
+                  <c:v>2012</c:v>
+                </c:pt>
+                <c:pt idx="4">
+                  <c:v>2012</c:v>
+                </c:pt>
+                <c:pt idx="5">
+                  <c:v>2013</c:v>
+                </c:pt>
+                <c:pt idx="6">
+                  <c:v>2014</c:v>
+                </c:pt>
+                <c:pt idx="7">
+                  <c:v>2015</c:v>
+                </c:pt>
+                <c:pt idx="8">
+                  <c:v>2016</c:v>
+                </c:pt>
+                <c:pt idx="9">
+                  <c:v>2016</c:v>
+                </c:pt>
+                <c:pt idx="10">
+                  <c:v>2016</c:v>
+                </c:pt>
+                <c:pt idx="11">
+                  <c:v>2017</c:v>
+                </c:pt>
+                <c:pt idx="12">
+                  <c:v>2017</c:v>
+                </c:pt>
+                <c:pt idx="13">
+                  <c:v>2017</c:v>
+                </c:pt>
+                <c:pt idx="14">
+                  <c:v>2017</c:v>
+                </c:pt>
+                <c:pt idx="15">
+                  <c:v>2017</c:v>
+                </c:pt>
+              </c:numCache>
+            </c:numRef>
+          </c:xVal>
+          <c:yVal>
+            <c:numRef>
+              <c:f>SQUATS!$D$1:$D$16</c:f>
+              <c:numCache>
+                <c:formatCode>General</c:formatCode>
+                <c:ptCount val="16"/>
+                <c:pt idx="0">
+                  <c:v>0</c:v>
+                </c:pt>
+                <c:pt idx="1">
+                  <c:v>0</c:v>
+                </c:pt>
+                <c:pt idx="2">
+                  <c:v>0</c:v>
+                </c:pt>
+                <c:pt idx="3">
+                  <c:v>1</c:v>
+                </c:pt>
+                <c:pt idx="4">
+                  <c:v>0</c:v>
+                </c:pt>
+                <c:pt idx="5">
+                  <c:v>1</c:v>
+                </c:pt>
+                <c:pt idx="6">
+                  <c:v>0</c:v>
+                </c:pt>
+                <c:pt idx="7">
+                  <c:v>0</c:v>
+                </c:pt>
+                <c:pt idx="8">
+                  <c:v>1</c:v>
+                </c:pt>
+                <c:pt idx="9">
+                  <c:v>0</c:v>
+                </c:pt>
+                <c:pt idx="10">
+                  <c:v>1</c:v>
+                </c:pt>
+                <c:pt idx="11">
+                  <c:v>1</c:v>
+                </c:pt>
+                <c:pt idx="12">
+                  <c:v>1</c:v>
+                </c:pt>
+                <c:pt idx="13">
+                  <c:v>1</c:v>
+                </c:pt>
+                <c:pt idx="14">
+                  <c:v>1</c:v>
+                </c:pt>
+                <c:pt idx="15">
+                  <c:v>1</c:v>
+                </c:pt>
+              </c:numCache>
+            </c:numRef>
+          </c:yVal>
+          <c:smooth val="0"/>
+          <c:extLst>
+            <c:ext xmlns:c16="http://schemas.microsoft.com/office/drawing/2014/chart" uri="{C3380CC4-5D6E-409C-BE32-E72D297353CC}">
+              <c16:uniqueId val="{00000000-8462-49DC-A291-94A61C4AA369}"/>
+            </c:ext>
+          </c:extLst>
+        </c:ser>
+        <c:dLbls>
+          <c:showLegendKey val="0"/>
+          <c:showVal val="0"/>
+          <c:showCatName val="0"/>
+          <c:showSerName val="0"/>
+          <c:showPercent val="0"/>
+          <c:showBubbleSize val="0"/>
+        </c:dLbls>
+        <c:axId val="637139856"/>
+        <c:axId val="637139528"/>
+      </c:scatterChart>
+      <c:valAx>
+        <c:axId val="637139856"/>
+        <c:scaling>
+          <c:orientation val="minMax"/>
+        </c:scaling>
+        <c:delete val="0"/>
+        <c:axPos val="b"/>
+        <c:majorGridlines>
+          <c:spPr>
+            <a:ln w="9525" cap="flat" cmpd="sng" algn="ctr">
+              <a:solidFill>
+                <a:schemeClr val="tx1">
+                  <a:lumMod val="15000"/>
+                  <a:lumOff val="85000"/>
+                </a:schemeClr>
+              </a:solidFill>
+              <a:round/>
+            </a:ln>
+            <a:effectLst/>
+          </c:spPr>
+        </c:majorGridlines>
+        <c:numFmt formatCode="General" sourceLinked="1"/>
+        <c:majorTickMark val="none"/>
+        <c:minorTickMark val="none"/>
+        <c:tickLblPos val="nextTo"/>
+        <c:spPr>
+          <a:noFill/>
+          <a:ln w="9525" cap="flat" cmpd="sng" algn="ctr">
+            <a:solidFill>
+              <a:schemeClr val="tx1">
+                <a:lumMod val="25000"/>
+                <a:lumOff val="75000"/>
+              </a:schemeClr>
+            </a:solidFill>
+            <a:round/>
+          </a:ln>
+          <a:effectLst/>
+        </c:spPr>
+        <c:txPr>
+          <a:bodyPr rot="-60000000" spcFirstLastPara="1" vertOverflow="ellipsis" vert="horz" wrap="square" anchor="ctr" anchorCtr="1"/>
+          <a:lstStyle/>
+          <a:p>
+            <a:pPr>
+              <a:defRPr sz="900" b="0" i="0" u="none" strike="noStrike" kern="1200" baseline="0">
+                <a:solidFill>
+                  <a:schemeClr val="tx1">
+                    <a:lumMod val="65000"/>
+                    <a:lumOff val="35000"/>
+                  </a:schemeClr>
+                </a:solidFill>
+                <a:latin typeface="+mn-lt"/>
+                <a:ea typeface="+mn-ea"/>
+                <a:cs typeface="+mn-cs"/>
+              </a:defRPr>
+            </a:pPr>
+            <a:endParaRPr lang="ko-KR"/>
+          </a:p>
+        </c:txPr>
+        <c:crossAx val="637139528"/>
+        <c:crosses val="autoZero"/>
+        <c:crossBetween val="midCat"/>
+      </c:valAx>
+      <c:valAx>
+        <c:axId val="637139528"/>
+        <c:scaling>
+          <c:orientation val="minMax"/>
+          <c:max val="1"/>
+        </c:scaling>
+        <c:delete val="0"/>
+        <c:axPos val="l"/>
+        <c:majorGridlines>
+          <c:spPr>
+            <a:ln w="9525" cap="flat" cmpd="sng" algn="ctr">
+              <a:solidFill>
+                <a:schemeClr val="tx1">
+                  <a:lumMod val="15000"/>
+                  <a:lumOff val="85000"/>
+                </a:schemeClr>
+              </a:solidFill>
+              <a:round/>
+            </a:ln>
+            <a:effectLst/>
+          </c:spPr>
+        </c:majorGridlines>
+        <c:numFmt formatCode="General" sourceLinked="1"/>
+        <c:majorTickMark val="none"/>
+        <c:minorTickMark val="none"/>
+        <c:tickLblPos val="nextTo"/>
+        <c:spPr>
+          <a:noFill/>
+          <a:ln w="9525" cap="flat" cmpd="sng" algn="ctr">
+            <a:solidFill>
+              <a:schemeClr val="tx1">
+                <a:lumMod val="25000"/>
+                <a:lumOff val="75000"/>
+              </a:schemeClr>
+            </a:solidFill>
+            <a:round/>
+          </a:ln>
+          <a:effectLst/>
+        </c:spPr>
+        <c:txPr>
+          <a:bodyPr rot="-60000000" spcFirstLastPara="1" vertOverflow="ellipsis" vert="horz" wrap="square" anchor="ctr" anchorCtr="1"/>
+          <a:lstStyle/>
+          <a:p>
+            <a:pPr>
+              <a:defRPr sz="900" b="0" i="0" u="none" strike="noStrike" kern="1200" baseline="0">
+                <a:solidFill>
+                  <a:schemeClr val="tx1">
+                    <a:lumMod val="65000"/>
+                    <a:lumOff val="35000"/>
+                  </a:schemeClr>
+                </a:solidFill>
+                <a:latin typeface="+mn-lt"/>
+                <a:ea typeface="+mn-ea"/>
+                <a:cs typeface="+mn-cs"/>
+              </a:defRPr>
+            </a:pPr>
+            <a:endParaRPr lang="ko-KR"/>
+          </a:p>
+        </c:txPr>
+        <c:crossAx val="637139856"/>
+        <c:crosses val="autoZero"/>
+        <c:crossBetween val="midCat"/>
+        <c:majorUnit val="1"/>
+      </c:valAx>
+      <c:spPr>
+        <a:noFill/>
+        <a:ln>
+          <a:noFill/>
+        </a:ln>
+        <a:effectLst/>
+      </c:spPr>
+    </c:plotArea>
+    <c:plotVisOnly val="1"/>
+    <c:dispBlanksAs val="gap"/>
+    <c:extLst>
+      <c:ext xmlns:c16r3="http://schemas.microsoft.com/office/drawing/2017/03/chart" uri="{56B9EC1D-385E-4148-901F-78D8002777C0}">
+        <c16r3:dataDisplayOptions16>
+          <c16r3:dispNaAsBlank val="1"/>
+        </c16r3:dataDisplayOptions16>
+      </c:ext>
+    </c:extLst>
+    <c:showDLblsOverMax val="0"/>
+  </c:chart>
+  <c:spPr>
+    <a:noFill/>
+    <a:ln>
+      <a:noFill/>
+    </a:ln>
+    <a:effectLst/>
+  </c:spPr>
+  <c:txPr>
+    <a:bodyPr/>
+    <a:lstStyle/>
+    <a:p>
+      <a:pPr>
+        <a:defRPr/>
+      </a:pPr>
+      <a:endParaRPr lang="ko-KR"/>
+    </a:p>
+  </c:txPr>
+  <c:externalData r:id="rId3">
+    <c:autoUpdate val="0"/>
+  </c:externalData>
+</c:chartSpace>
+</file>
+
+<file path=ppt/charts/chart11.xml><?xml version="1.0" encoding="utf-8"?>
+<c:chartSpace xmlns:c="http://schemas.openxmlformats.org/drawingml/2006/chart" xmlns:a="http://schemas.openxmlformats.org/drawingml/2006/main" xmlns:r="http://schemas.openxmlformats.org/officeDocument/2006/relationships" xmlns:c16r2="http://schemas.microsoft.com/office/drawing/2015/06/chart">
+  <c:date1904 val="0"/>
+  <c:lang val="ko-KR"/>
+  <c:roundedCorners val="0"/>
+  <mc:AlternateContent xmlns:mc="http://schemas.openxmlformats.org/markup-compatibility/2006">
+    <mc:Choice xmlns:c14="http://schemas.microsoft.com/office/drawing/2007/8/2/chart" Requires="c14">
+      <c14:style val="102"/>
+    </mc:Choice>
+    <mc:Fallback>
+      <c:style val="2"/>
+    </mc:Fallback>
+  </mc:AlternateContent>
+  <c:chart>
+    <c:autoTitleDeleted val="1"/>
+    <c:plotArea>
+      <c:layout/>
+      <c:scatterChart>
+        <c:scatterStyle val="lineMarker"/>
+        <c:varyColors val="0"/>
+        <c:ser>
+          <c:idx val="0"/>
+          <c:order val="0"/>
+          <c:spPr>
+            <a:ln w="19050" cap="rnd">
+              <a:noFill/>
+              <a:round/>
+            </a:ln>
+            <a:effectLst/>
+          </c:spPr>
+          <c:marker>
+            <c:symbol val="circle"/>
+            <c:size val="5"/>
+            <c:spPr>
+              <a:solidFill>
+                <a:schemeClr val="accent1"/>
+              </a:solidFill>
+              <a:ln w="9525">
+                <a:solidFill>
+                  <a:schemeClr val="accent1"/>
+                </a:solidFill>
+              </a:ln>
+              <a:effectLst/>
+            </c:spPr>
+          </c:marker>
+          <c:xVal>
+            <c:numRef>
+              <c:f>LSLR!$C$1:$C$9</c:f>
+              <c:numCache>
+                <c:formatCode>General</c:formatCode>
+                <c:ptCount val="9"/>
+                <c:pt idx="0">
+                  <c:v>2010</c:v>
+                </c:pt>
+                <c:pt idx="1">
+                  <c:v>2012</c:v>
+                </c:pt>
+                <c:pt idx="2">
+                  <c:v>2013</c:v>
+                </c:pt>
+                <c:pt idx="3">
+                  <c:v>2014</c:v>
+                </c:pt>
+                <c:pt idx="4">
+                  <c:v>2014</c:v>
+                </c:pt>
+                <c:pt idx="5">
+                  <c:v>2014</c:v>
+                </c:pt>
+                <c:pt idx="6">
+                  <c:v>2014</c:v>
+                </c:pt>
+                <c:pt idx="7">
+                  <c:v>2015</c:v>
+                </c:pt>
+                <c:pt idx="8">
+                  <c:v>2015</c:v>
+                </c:pt>
+              </c:numCache>
+            </c:numRef>
+          </c:xVal>
+          <c:yVal>
+            <c:numRef>
+              <c:f>LSLR!$D$1:$D$9</c:f>
+              <c:numCache>
+                <c:formatCode>General</c:formatCode>
+                <c:ptCount val="9"/>
+                <c:pt idx="0">
+                  <c:v>0</c:v>
+                </c:pt>
+                <c:pt idx="1">
+                  <c:v>1</c:v>
+                </c:pt>
+                <c:pt idx="2">
+                  <c:v>1</c:v>
+                </c:pt>
+                <c:pt idx="3">
+                  <c:v>1</c:v>
+                </c:pt>
+                <c:pt idx="4">
+                  <c:v>0</c:v>
+                </c:pt>
+                <c:pt idx="5">
+                  <c:v>0</c:v>
+                </c:pt>
+              </c:numCache>
+            </c:numRef>
+          </c:yVal>
+          <c:smooth val="0"/>
+          <c:extLst>
+            <c:ext xmlns:c16="http://schemas.microsoft.com/office/drawing/2014/chart" uri="{C3380CC4-5D6E-409C-BE32-E72D297353CC}">
+              <c16:uniqueId val="{00000000-1600-4A25-B058-C14827071F0B}"/>
+            </c:ext>
+          </c:extLst>
+        </c:ser>
+        <c:dLbls>
+          <c:showLegendKey val="0"/>
+          <c:showVal val="0"/>
+          <c:showCatName val="0"/>
+          <c:showSerName val="0"/>
+          <c:showPercent val="0"/>
+          <c:showBubbleSize val="0"/>
+        </c:dLbls>
+        <c:axId val="443015928"/>
+        <c:axId val="681568464"/>
+      </c:scatterChart>
+      <c:valAx>
+        <c:axId val="443015928"/>
+        <c:scaling>
+          <c:orientation val="minMax"/>
+        </c:scaling>
+        <c:delete val="0"/>
+        <c:axPos val="b"/>
+        <c:majorGridlines>
+          <c:spPr>
+            <a:ln w="9525" cap="flat" cmpd="sng" algn="ctr">
+              <a:solidFill>
+                <a:schemeClr val="tx1">
+                  <a:lumMod val="15000"/>
+                  <a:lumOff val="85000"/>
+                </a:schemeClr>
+              </a:solidFill>
+              <a:round/>
+            </a:ln>
+            <a:effectLst/>
+          </c:spPr>
+        </c:majorGridlines>
+        <c:numFmt formatCode="General" sourceLinked="1"/>
+        <c:majorTickMark val="none"/>
+        <c:minorTickMark val="none"/>
+        <c:tickLblPos val="nextTo"/>
+        <c:spPr>
+          <a:noFill/>
+          <a:ln w="9525" cap="flat" cmpd="sng" algn="ctr">
+            <a:solidFill>
+              <a:schemeClr val="tx1">
+                <a:lumMod val="25000"/>
+                <a:lumOff val="75000"/>
+              </a:schemeClr>
+            </a:solidFill>
+            <a:round/>
+          </a:ln>
+          <a:effectLst/>
+        </c:spPr>
+        <c:txPr>
+          <a:bodyPr rot="-60000000" spcFirstLastPara="1" vertOverflow="ellipsis" vert="horz" wrap="square" anchor="ctr" anchorCtr="1"/>
+          <a:lstStyle/>
+          <a:p>
+            <a:pPr>
+              <a:defRPr sz="900" b="0" i="0" u="none" strike="noStrike" kern="1200" baseline="0">
+                <a:solidFill>
+                  <a:schemeClr val="tx1">
+                    <a:lumMod val="65000"/>
+                    <a:lumOff val="35000"/>
+                  </a:schemeClr>
+                </a:solidFill>
+                <a:latin typeface="+mn-lt"/>
+                <a:ea typeface="+mn-ea"/>
+                <a:cs typeface="+mn-cs"/>
+              </a:defRPr>
+            </a:pPr>
+            <a:endParaRPr lang="ko-KR"/>
+          </a:p>
+        </c:txPr>
+        <c:crossAx val="681568464"/>
+        <c:crosses val="autoZero"/>
+        <c:crossBetween val="midCat"/>
+      </c:valAx>
+      <c:valAx>
+        <c:axId val="681568464"/>
+        <c:scaling>
+          <c:orientation val="minMax"/>
+          <c:max val="1"/>
+        </c:scaling>
+        <c:delete val="0"/>
+        <c:axPos val="l"/>
+        <c:majorGridlines>
+          <c:spPr>
+            <a:ln w="9525" cap="flat" cmpd="sng" algn="ctr">
+              <a:solidFill>
+                <a:schemeClr val="tx1">
+                  <a:lumMod val="15000"/>
+                  <a:lumOff val="85000"/>
+                </a:schemeClr>
+              </a:solidFill>
+              <a:round/>
+            </a:ln>
+            <a:effectLst/>
+          </c:spPr>
+        </c:majorGridlines>
+        <c:numFmt formatCode="General" sourceLinked="1"/>
+        <c:majorTickMark val="none"/>
+        <c:minorTickMark val="none"/>
+        <c:tickLblPos val="nextTo"/>
+        <c:spPr>
+          <a:noFill/>
+          <a:ln w="9525" cap="flat" cmpd="sng" algn="ctr">
+            <a:solidFill>
+              <a:schemeClr val="tx1">
+                <a:lumMod val="25000"/>
+                <a:lumOff val="75000"/>
+              </a:schemeClr>
+            </a:solidFill>
+            <a:round/>
+          </a:ln>
+          <a:effectLst/>
+        </c:spPr>
+        <c:txPr>
+          <a:bodyPr rot="-60000000" spcFirstLastPara="1" vertOverflow="ellipsis" vert="horz" wrap="square" anchor="ctr" anchorCtr="1"/>
+          <a:lstStyle/>
+          <a:p>
+            <a:pPr>
+              <a:defRPr sz="900" b="0" i="0" u="none" strike="noStrike" kern="1200" baseline="0">
+                <a:solidFill>
+                  <a:schemeClr val="tx1">
+                    <a:lumMod val="65000"/>
+                    <a:lumOff val="35000"/>
+                  </a:schemeClr>
+                </a:solidFill>
+                <a:latin typeface="+mn-lt"/>
+                <a:ea typeface="+mn-ea"/>
+                <a:cs typeface="+mn-cs"/>
+              </a:defRPr>
+            </a:pPr>
+            <a:endParaRPr lang="ko-KR"/>
+          </a:p>
+        </c:txPr>
+        <c:crossAx val="443015928"/>
+        <c:crosses val="autoZero"/>
+        <c:crossBetween val="midCat"/>
+        <c:majorUnit val="1"/>
+      </c:valAx>
+      <c:spPr>
+        <a:noFill/>
+        <a:ln>
+          <a:noFill/>
+        </a:ln>
+        <a:effectLst/>
+      </c:spPr>
+    </c:plotArea>
+    <c:plotVisOnly val="1"/>
+    <c:dispBlanksAs val="gap"/>
+    <c:extLst>
+      <c:ext xmlns:c16r3="http://schemas.microsoft.com/office/drawing/2017/03/chart" uri="{56B9EC1D-385E-4148-901F-78D8002777C0}">
+        <c16r3:dataDisplayOptions16>
+          <c16r3:dispNaAsBlank val="1"/>
+        </c16r3:dataDisplayOptions16>
+      </c:ext>
+    </c:extLst>
+    <c:showDLblsOverMax val="0"/>
+  </c:chart>
+  <c:spPr>
+    <a:noFill/>
+    <a:ln>
+      <a:noFill/>
+    </a:ln>
+    <a:effectLst/>
+  </c:spPr>
+  <c:txPr>
+    <a:bodyPr/>
+    <a:lstStyle/>
+    <a:p>
+      <a:pPr>
+        <a:defRPr/>
+      </a:pPr>
+      <a:endParaRPr lang="ko-KR"/>
+    </a:p>
+  </c:txPr>
+  <c:externalData r:id="rId3">
+    <c:autoUpdate val="0"/>
+  </c:externalData>
+</c:chartSpace>
+</file>
+
+<file path=ppt/charts/chart12.xml><?xml version="1.0" encoding="utf-8"?>
+<c:chartSpace xmlns:c="http://schemas.openxmlformats.org/drawingml/2006/chart" xmlns:a="http://schemas.openxmlformats.org/drawingml/2006/main" xmlns:r="http://schemas.openxmlformats.org/officeDocument/2006/relationships" xmlns:c16r2="http://schemas.microsoft.com/office/drawing/2015/06/chart">
+  <c:date1904 val="0"/>
+  <c:lang val="ko-KR"/>
+  <c:roundedCorners val="0"/>
+  <mc:AlternateContent xmlns:mc="http://schemas.openxmlformats.org/markup-compatibility/2006">
+    <mc:Choice xmlns:c14="http://schemas.microsoft.com/office/drawing/2007/8/2/chart" Requires="c14">
+      <c14:style val="102"/>
+    </mc:Choice>
+    <mc:Fallback>
+      <c:style val="2"/>
+    </mc:Fallback>
+  </mc:AlternateContent>
+  <c:chart>
+    <c:autoTitleDeleted val="1"/>
+    <c:plotArea>
+      <c:layout/>
+      <c:scatterChart>
+        <c:scatterStyle val="lineMarker"/>
+        <c:varyColors val="0"/>
+        <c:ser>
+          <c:idx val="0"/>
+          <c:order val="0"/>
+          <c:spPr>
+            <a:ln w="19050" cap="rnd">
+              <a:noFill/>
+              <a:round/>
+            </a:ln>
+            <a:effectLst/>
+          </c:spPr>
+          <c:marker>
+            <c:symbol val="circle"/>
+            <c:size val="5"/>
+            <c:spPr>
+              <a:solidFill>
+                <a:schemeClr val="accent1"/>
+              </a:solidFill>
+              <a:ln w="9525">
+                <a:solidFill>
+                  <a:schemeClr val="accent1"/>
+                </a:solidFill>
+              </a:ln>
+              <a:effectLst/>
+            </c:spPr>
+          </c:marker>
+          <c:xVal>
+            <c:numRef>
+              <c:f>LUNGE!$C$1:$C$6</c:f>
+              <c:numCache>
+                <c:formatCode>General</c:formatCode>
+                <c:ptCount val="6"/>
+                <c:pt idx="0">
+                  <c:v>2016</c:v>
+                </c:pt>
+                <c:pt idx="1">
+                  <c:v>2017</c:v>
+                </c:pt>
+                <c:pt idx="2">
+                  <c:v>2017</c:v>
+                </c:pt>
+                <c:pt idx="3">
+                  <c:v>2017</c:v>
+                </c:pt>
+                <c:pt idx="4">
+                  <c:v>2017</c:v>
+                </c:pt>
+                <c:pt idx="5">
+                  <c:v>2017</c:v>
+                </c:pt>
+              </c:numCache>
+            </c:numRef>
+          </c:xVal>
+          <c:yVal>
+            <c:numRef>
+              <c:f>LUNGE!$D$1:$D$6</c:f>
+              <c:numCache>
+                <c:formatCode>General</c:formatCode>
+                <c:ptCount val="6"/>
+                <c:pt idx="0">
+                  <c:v>1</c:v>
+                </c:pt>
+                <c:pt idx="1">
+                  <c:v>1</c:v>
+                </c:pt>
+                <c:pt idx="2">
+                  <c:v>1</c:v>
+                </c:pt>
+                <c:pt idx="3">
+                  <c:v>1</c:v>
+                </c:pt>
+                <c:pt idx="4">
+                  <c:v>1</c:v>
+                </c:pt>
+                <c:pt idx="5">
+                  <c:v>1</c:v>
+                </c:pt>
+              </c:numCache>
+            </c:numRef>
+          </c:yVal>
+          <c:smooth val="0"/>
+          <c:extLst>
+            <c:ext xmlns:c16="http://schemas.microsoft.com/office/drawing/2014/chart" uri="{C3380CC4-5D6E-409C-BE32-E72D297353CC}">
+              <c16:uniqueId val="{00000000-9FD9-4F9D-B7EC-50C7737F9EEE}"/>
+            </c:ext>
+          </c:extLst>
+        </c:ser>
+        <c:dLbls>
+          <c:showLegendKey val="0"/>
+          <c:showVal val="0"/>
+          <c:showCatName val="0"/>
+          <c:showSerName val="0"/>
+          <c:showPercent val="0"/>
+          <c:showBubbleSize val="0"/>
+        </c:dLbls>
+        <c:axId val="638767664"/>
+        <c:axId val="638770288"/>
+      </c:scatterChart>
+      <c:valAx>
+        <c:axId val="638767664"/>
+        <c:scaling>
+          <c:orientation val="minMax"/>
+          <c:max val="2018"/>
+          <c:min val="2015"/>
+        </c:scaling>
+        <c:delete val="0"/>
+        <c:axPos val="b"/>
+        <c:majorGridlines>
+          <c:spPr>
+            <a:ln w="9525" cap="flat" cmpd="sng" algn="ctr">
+              <a:solidFill>
+                <a:schemeClr val="tx1">
+                  <a:lumMod val="15000"/>
+                  <a:lumOff val="85000"/>
+                </a:schemeClr>
+              </a:solidFill>
+              <a:round/>
+            </a:ln>
+            <a:effectLst/>
+          </c:spPr>
+        </c:majorGridlines>
+        <c:numFmt formatCode="General" sourceLinked="1"/>
+        <c:majorTickMark val="none"/>
+        <c:minorTickMark val="none"/>
+        <c:tickLblPos val="nextTo"/>
+        <c:spPr>
+          <a:noFill/>
+          <a:ln w="9525" cap="flat" cmpd="sng" algn="ctr">
+            <a:solidFill>
+              <a:schemeClr val="tx1">
+                <a:lumMod val="25000"/>
+                <a:lumOff val="75000"/>
+              </a:schemeClr>
+            </a:solidFill>
+            <a:round/>
+          </a:ln>
+          <a:effectLst/>
+        </c:spPr>
+        <c:txPr>
+          <a:bodyPr rot="-60000000" spcFirstLastPara="1" vertOverflow="ellipsis" vert="horz" wrap="square" anchor="ctr" anchorCtr="1"/>
+          <a:lstStyle/>
+          <a:p>
+            <a:pPr>
+              <a:defRPr sz="900" b="0" i="0" u="none" strike="noStrike" kern="1200" baseline="0">
+                <a:solidFill>
+                  <a:schemeClr val="tx1">
+                    <a:lumMod val="65000"/>
+                    <a:lumOff val="35000"/>
+                  </a:schemeClr>
+                </a:solidFill>
+                <a:latin typeface="+mn-lt"/>
+                <a:ea typeface="+mn-ea"/>
+                <a:cs typeface="+mn-cs"/>
+              </a:defRPr>
+            </a:pPr>
+            <a:endParaRPr lang="ko-KR"/>
+          </a:p>
+        </c:txPr>
+        <c:crossAx val="638770288"/>
+        <c:crosses val="autoZero"/>
+        <c:crossBetween val="midCat"/>
+        <c:majorUnit val="1"/>
+      </c:valAx>
+      <c:valAx>
+        <c:axId val="638770288"/>
+        <c:scaling>
+          <c:orientation val="minMax"/>
+          <c:max val="1"/>
+        </c:scaling>
+        <c:delete val="0"/>
+        <c:axPos val="l"/>
+        <c:majorGridlines>
+          <c:spPr>
+            <a:ln w="9525" cap="flat" cmpd="sng" algn="ctr">
+              <a:solidFill>
+                <a:schemeClr val="tx1">
+                  <a:lumMod val="15000"/>
+                  <a:lumOff val="85000"/>
+                </a:schemeClr>
+              </a:solidFill>
+              <a:round/>
+            </a:ln>
+            <a:effectLst/>
+          </c:spPr>
+        </c:majorGridlines>
+        <c:numFmt formatCode="General" sourceLinked="1"/>
+        <c:majorTickMark val="none"/>
+        <c:minorTickMark val="none"/>
+        <c:tickLblPos val="nextTo"/>
+        <c:spPr>
+          <a:noFill/>
+          <a:ln w="9525" cap="flat" cmpd="sng" algn="ctr">
+            <a:solidFill>
+              <a:schemeClr val="tx1">
+                <a:lumMod val="25000"/>
+                <a:lumOff val="75000"/>
+              </a:schemeClr>
+            </a:solidFill>
+            <a:round/>
+          </a:ln>
+          <a:effectLst/>
+        </c:spPr>
+        <c:txPr>
+          <a:bodyPr rot="-60000000" spcFirstLastPara="1" vertOverflow="ellipsis" vert="horz" wrap="square" anchor="ctr" anchorCtr="1"/>
+          <a:lstStyle/>
+          <a:p>
+            <a:pPr>
+              <a:defRPr sz="900" b="0" i="0" u="none" strike="noStrike" kern="1200" baseline="0">
+                <a:solidFill>
+                  <a:schemeClr val="tx1">
+                    <a:lumMod val="65000"/>
+                    <a:lumOff val="35000"/>
+                  </a:schemeClr>
+                </a:solidFill>
+                <a:latin typeface="+mn-lt"/>
+                <a:ea typeface="+mn-ea"/>
+                <a:cs typeface="+mn-cs"/>
+              </a:defRPr>
+            </a:pPr>
+            <a:endParaRPr lang="ko-KR"/>
+          </a:p>
+        </c:txPr>
+        <c:crossAx val="638767664"/>
+        <c:crosses val="autoZero"/>
+        <c:crossBetween val="midCat"/>
+        <c:majorUnit val="1"/>
+      </c:valAx>
+      <c:spPr>
+        <a:noFill/>
+        <a:ln>
+          <a:noFill/>
+        </a:ln>
+        <a:effectLst/>
+      </c:spPr>
+    </c:plotArea>
+    <c:plotVisOnly val="1"/>
+    <c:dispBlanksAs val="gap"/>
+    <c:extLst>
+      <c:ext xmlns:c16r3="http://schemas.microsoft.com/office/drawing/2017/03/chart" uri="{56B9EC1D-385E-4148-901F-78D8002777C0}">
+        <c16r3:dataDisplayOptions16>
+          <c16r3:dispNaAsBlank val="1"/>
+        </c16r3:dataDisplayOptions16>
+      </c:ext>
+    </c:extLst>
+    <c:showDLblsOverMax val="0"/>
+  </c:chart>
+  <c:spPr>
+    <a:noFill/>
+    <a:ln>
+      <a:noFill/>
+    </a:ln>
+    <a:effectLst/>
+  </c:spPr>
+  <c:txPr>
+    <a:bodyPr/>
+    <a:lstStyle/>
+    <a:p>
+      <a:pPr>
+        <a:defRPr/>
+      </a:pPr>
+      <a:endParaRPr lang="ko-KR"/>
+    </a:p>
+  </c:txPr>
+  <c:externalData r:id="rId3">
+    <c:autoUpdate val="0"/>
+  </c:externalData>
+</c:chartSpace>
+</file>
+
+<file path=ppt/charts/chart13.xml><?xml version="1.0" encoding="utf-8"?>
+<c:chartSpace xmlns:c="http://schemas.openxmlformats.org/drawingml/2006/chart" xmlns:a="http://schemas.openxmlformats.org/drawingml/2006/main" xmlns:r="http://schemas.openxmlformats.org/officeDocument/2006/relationships" xmlns:c16r2="http://schemas.microsoft.com/office/drawing/2015/06/chart">
+  <c:date1904 val="0"/>
+  <c:lang val="ko-KR"/>
+  <c:roundedCorners val="0"/>
+  <mc:AlternateContent xmlns:mc="http://schemas.openxmlformats.org/markup-compatibility/2006">
+    <mc:Choice xmlns:c14="http://schemas.microsoft.com/office/drawing/2007/8/2/chart" Requires="c14">
+      <c14:style val="102"/>
+    </mc:Choice>
+    <mc:Fallback>
+      <c:style val="2"/>
+    </mc:Fallback>
+  </mc:AlternateContent>
+  <c:chart>
+    <c:autoTitleDeleted val="1"/>
+    <c:plotArea>
+      <c:layout/>
+      <c:scatterChart>
+        <c:scatterStyle val="lineMarker"/>
+        <c:varyColors val="0"/>
+        <c:ser>
+          <c:idx val="0"/>
+          <c:order val="0"/>
+          <c:spPr>
+            <a:ln w="19050" cap="rnd">
+              <a:noFill/>
+              <a:round/>
+            </a:ln>
+            <a:effectLst/>
+          </c:spPr>
+          <c:marker>
+            <c:symbol val="circle"/>
+            <c:size val="5"/>
+            <c:spPr>
+              <a:solidFill>
+                <a:schemeClr val="accent1"/>
+              </a:solidFill>
+              <a:ln w="9525">
+                <a:solidFill>
+                  <a:schemeClr val="accent1"/>
+                </a:solidFill>
+              </a:ln>
+              <a:effectLst/>
+            </c:spPr>
+          </c:marker>
+          <c:xVal>
+            <c:numRef>
+              <c:f>(SQUATS!$C$1,SQUATS!$C$7,SQUATS!$C$11,SQUATS!$C$12,SQUATS!$C$13,SQUATS!$C$14,SQUATS!$C$15,SQUATS!$C$16)</c:f>
+              <c:numCache>
+                <c:formatCode>General</c:formatCode>
+                <c:ptCount val="8"/>
+                <c:pt idx="0">
+                  <c:v>2009</c:v>
+                </c:pt>
+                <c:pt idx="1">
+                  <c:v>2014</c:v>
+                </c:pt>
+                <c:pt idx="2">
+                  <c:v>2016</c:v>
+                </c:pt>
+                <c:pt idx="3">
+                  <c:v>2017</c:v>
+                </c:pt>
+                <c:pt idx="4">
+                  <c:v>2017</c:v>
+                </c:pt>
+                <c:pt idx="5">
+                  <c:v>2017</c:v>
+                </c:pt>
+                <c:pt idx="6">
+                  <c:v>2017</c:v>
+                </c:pt>
+                <c:pt idx="7">
+                  <c:v>2017</c:v>
+                </c:pt>
+              </c:numCache>
+            </c:numRef>
+          </c:xVal>
+          <c:yVal>
+            <c:numRef>
+              <c:f>(SQUATS!$E$1,SQUATS!$E$7,SQUATS!$E$11,SQUATS!$E$12,SQUATS!$E$13,SQUATS!$E$14,SQUATS!$E$15,SQUATS!$E$16)</c:f>
+              <c:numCache>
+                <c:formatCode>General</c:formatCode>
+                <c:ptCount val="8"/>
+                <c:pt idx="0">
+                  <c:v>98</c:v>
+                </c:pt>
+                <c:pt idx="1">
+                  <c:v>96</c:v>
+                </c:pt>
+                <c:pt idx="2">
+                  <c:v>81</c:v>
+                </c:pt>
+                <c:pt idx="3">
+                  <c:v>99</c:v>
+                </c:pt>
+                <c:pt idx="4">
+                  <c:v>95.89</c:v>
+                </c:pt>
+                <c:pt idx="5">
+                  <c:v>83</c:v>
+                </c:pt>
+                <c:pt idx="6">
+                  <c:v>64</c:v>
+                </c:pt>
+                <c:pt idx="7">
+                  <c:v>89.5</c:v>
+                </c:pt>
+              </c:numCache>
+            </c:numRef>
+          </c:yVal>
+          <c:smooth val="0"/>
+          <c:extLst>
+            <c:ext xmlns:c16="http://schemas.microsoft.com/office/drawing/2014/chart" uri="{C3380CC4-5D6E-409C-BE32-E72D297353CC}">
+              <c16:uniqueId val="{00000000-703F-441A-BE8B-FD39FF16C9EB}"/>
+            </c:ext>
+          </c:extLst>
+        </c:ser>
+        <c:dLbls>
+          <c:showLegendKey val="0"/>
+          <c:showVal val="0"/>
+          <c:showCatName val="0"/>
+          <c:showSerName val="0"/>
+          <c:showPercent val="0"/>
+          <c:showBubbleSize val="0"/>
+        </c:dLbls>
+        <c:axId val="777562480"/>
+        <c:axId val="777560184"/>
+      </c:scatterChart>
+      <c:valAx>
+        <c:axId val="777562480"/>
+        <c:scaling>
+          <c:orientation val="minMax"/>
+        </c:scaling>
+        <c:delete val="0"/>
+        <c:axPos val="b"/>
+        <c:majorGridlines>
+          <c:spPr>
+            <a:ln w="9525" cap="flat" cmpd="sng" algn="ctr">
+              <a:solidFill>
+                <a:schemeClr val="tx1">
+                  <a:lumMod val="15000"/>
+                  <a:lumOff val="85000"/>
+                </a:schemeClr>
+              </a:solidFill>
+              <a:round/>
+            </a:ln>
+            <a:effectLst/>
+          </c:spPr>
+        </c:majorGridlines>
+        <c:numFmt formatCode="General" sourceLinked="1"/>
+        <c:majorTickMark val="none"/>
+        <c:minorTickMark val="none"/>
+        <c:tickLblPos val="nextTo"/>
+        <c:spPr>
+          <a:noFill/>
+          <a:ln w="9525" cap="flat" cmpd="sng" algn="ctr">
+            <a:solidFill>
+              <a:schemeClr val="tx1">
+                <a:lumMod val="25000"/>
+                <a:lumOff val="75000"/>
+              </a:schemeClr>
+            </a:solidFill>
+            <a:round/>
+          </a:ln>
+          <a:effectLst/>
+        </c:spPr>
+        <c:txPr>
+          <a:bodyPr rot="-60000000" spcFirstLastPara="1" vertOverflow="ellipsis" vert="horz" wrap="square" anchor="ctr" anchorCtr="1"/>
+          <a:lstStyle/>
+          <a:p>
+            <a:pPr>
+              <a:defRPr sz="900" b="0" i="0" u="none" strike="noStrike" kern="1200" baseline="0">
+                <a:solidFill>
+                  <a:schemeClr val="tx1">
+                    <a:lumMod val="65000"/>
+                    <a:lumOff val="35000"/>
+                  </a:schemeClr>
+                </a:solidFill>
+                <a:latin typeface="+mn-lt"/>
+                <a:ea typeface="+mn-ea"/>
+                <a:cs typeface="+mn-cs"/>
+              </a:defRPr>
+            </a:pPr>
+            <a:endParaRPr lang="ko-KR"/>
+          </a:p>
+        </c:txPr>
+        <c:crossAx val="777560184"/>
+        <c:crosses val="autoZero"/>
+        <c:crossBetween val="midCat"/>
+      </c:valAx>
+      <c:valAx>
+        <c:axId val="777560184"/>
+        <c:scaling>
+          <c:orientation val="minMax"/>
+          <c:max val="100"/>
+        </c:scaling>
+        <c:delete val="0"/>
+        <c:axPos val="l"/>
+        <c:majorGridlines>
+          <c:spPr>
+            <a:ln w="9525" cap="flat" cmpd="sng" algn="ctr">
+              <a:solidFill>
+                <a:schemeClr val="tx1">
+                  <a:lumMod val="15000"/>
+                  <a:lumOff val="85000"/>
+                </a:schemeClr>
+              </a:solidFill>
+              <a:round/>
+            </a:ln>
+            <a:effectLst/>
+          </c:spPr>
+        </c:majorGridlines>
+        <c:numFmt formatCode="General" sourceLinked="1"/>
+        <c:majorTickMark val="none"/>
+        <c:minorTickMark val="none"/>
+        <c:tickLblPos val="nextTo"/>
+        <c:spPr>
+          <a:noFill/>
+          <a:ln w="9525" cap="flat" cmpd="sng" algn="ctr">
+            <a:solidFill>
+              <a:schemeClr val="tx1">
+                <a:lumMod val="25000"/>
+                <a:lumOff val="75000"/>
+              </a:schemeClr>
+            </a:solidFill>
+            <a:round/>
+          </a:ln>
+          <a:effectLst/>
+        </c:spPr>
+        <c:txPr>
+          <a:bodyPr rot="-60000000" spcFirstLastPara="1" vertOverflow="ellipsis" vert="horz" wrap="square" anchor="ctr" anchorCtr="1"/>
+          <a:lstStyle/>
+          <a:p>
+            <a:pPr>
+              <a:defRPr sz="900" b="0" i="0" u="none" strike="noStrike" kern="1200" baseline="0">
+                <a:solidFill>
+                  <a:schemeClr val="tx1">
+                    <a:lumMod val="65000"/>
+                    <a:lumOff val="35000"/>
+                  </a:schemeClr>
+                </a:solidFill>
+                <a:latin typeface="+mn-lt"/>
+                <a:ea typeface="+mn-ea"/>
+                <a:cs typeface="+mn-cs"/>
+              </a:defRPr>
+            </a:pPr>
+            <a:endParaRPr lang="ko-KR"/>
+          </a:p>
+        </c:txPr>
+        <c:crossAx val="777562480"/>
+        <c:crosses val="autoZero"/>
+        <c:crossBetween val="midCat"/>
+        <c:majorUnit val="5"/>
+      </c:valAx>
+      <c:spPr>
+        <a:noFill/>
+        <a:ln>
+          <a:noFill/>
+        </a:ln>
+        <a:effectLst/>
+      </c:spPr>
+    </c:plotArea>
+    <c:plotVisOnly val="1"/>
+    <c:dispBlanksAs val="gap"/>
+    <c:extLst>
+      <c:ext xmlns:c16r3="http://schemas.microsoft.com/office/drawing/2017/03/chart" uri="{56B9EC1D-385E-4148-901F-78D8002777C0}">
+        <c16r3:dataDisplayOptions16>
+          <c16r3:dispNaAsBlank val="1"/>
+        </c16r3:dataDisplayOptions16>
+      </c:ext>
+    </c:extLst>
+    <c:showDLblsOverMax val="0"/>
+  </c:chart>
+  <c:spPr>
+    <a:noFill/>
+    <a:ln>
+      <a:noFill/>
+    </a:ln>
+    <a:effectLst/>
+  </c:spPr>
+  <c:txPr>
+    <a:bodyPr/>
+    <a:lstStyle/>
+    <a:p>
+      <a:pPr>
+        <a:defRPr/>
+      </a:pPr>
+      <a:endParaRPr lang="ko-KR"/>
+    </a:p>
+  </c:txPr>
+  <c:externalData r:id="rId3">
+    <c:autoUpdate val="0"/>
+  </c:externalData>
+</c:chartSpace>
+</file>
+
+<file path=ppt/charts/chart14.xml><?xml version="1.0" encoding="utf-8"?>
+<c:chartSpace xmlns:c="http://schemas.openxmlformats.org/drawingml/2006/chart" xmlns:a="http://schemas.openxmlformats.org/drawingml/2006/main" xmlns:r="http://schemas.openxmlformats.org/officeDocument/2006/relationships" xmlns:c16r2="http://schemas.microsoft.com/office/drawing/2015/06/chart">
+  <c:date1904 val="0"/>
+  <c:lang val="ko-KR"/>
+  <c:roundedCorners val="0"/>
+  <mc:AlternateContent xmlns:mc="http://schemas.openxmlformats.org/markup-compatibility/2006">
+    <mc:Choice xmlns:c14="http://schemas.microsoft.com/office/drawing/2007/8/2/chart" Requires="c14">
+      <c14:style val="102"/>
+    </mc:Choice>
+    <mc:Fallback>
+      <c:style val="2"/>
+    </mc:Fallback>
+  </mc:AlternateContent>
+  <c:chart>
+    <c:autoTitleDeleted val="1"/>
+    <c:plotArea>
+      <c:layout/>
+      <c:scatterChart>
+        <c:scatterStyle val="lineMarker"/>
+        <c:varyColors val="0"/>
+        <c:ser>
+          <c:idx val="0"/>
+          <c:order val="0"/>
+          <c:spPr>
+            <a:ln w="19050" cap="rnd">
+              <a:noFill/>
+              <a:round/>
+            </a:ln>
+            <a:effectLst/>
+          </c:spPr>
+          <c:marker>
+            <c:symbol val="circle"/>
+            <c:size val="5"/>
+            <c:spPr>
+              <a:solidFill>
+                <a:schemeClr val="accent1"/>
+              </a:solidFill>
+              <a:ln w="9525">
+                <a:solidFill>
+                  <a:schemeClr val="accent1"/>
+                </a:solidFill>
+              </a:ln>
+              <a:effectLst/>
+            </c:spPr>
+          </c:marker>
+          <c:xVal>
+            <c:numRef>
+              <c:f>SQUATS!$C$11:$C$16</c:f>
+              <c:numCache>
+                <c:formatCode>General</c:formatCode>
+                <c:ptCount val="6"/>
+                <c:pt idx="0">
+                  <c:v>2016</c:v>
+                </c:pt>
+                <c:pt idx="1">
+                  <c:v>2017</c:v>
+                </c:pt>
+                <c:pt idx="2">
+                  <c:v>2017</c:v>
+                </c:pt>
+                <c:pt idx="3">
+                  <c:v>2017</c:v>
+                </c:pt>
+                <c:pt idx="4">
+                  <c:v>2017</c:v>
+                </c:pt>
+                <c:pt idx="5">
+                  <c:v>2017</c:v>
+                </c:pt>
+              </c:numCache>
+            </c:numRef>
+          </c:xVal>
+          <c:yVal>
+            <c:numRef>
+              <c:f>SQUATS!$E$11</c:f>
+              <c:numCache>
+                <c:formatCode>General</c:formatCode>
+                <c:ptCount val="1"/>
+                <c:pt idx="0">
+                  <c:v>81</c:v>
+                </c:pt>
+              </c:numCache>
+            </c:numRef>
+          </c:yVal>
+          <c:smooth val="0"/>
+          <c:extLst>
+            <c:ext xmlns:c16="http://schemas.microsoft.com/office/drawing/2014/chart" uri="{C3380CC4-5D6E-409C-BE32-E72D297353CC}">
+              <c16:uniqueId val="{00000000-BDCA-4B8C-82FB-129FDC915A61}"/>
+            </c:ext>
+          </c:extLst>
+        </c:ser>
+        <c:ser>
+          <c:idx val="1"/>
+          <c:order val="1"/>
+          <c:spPr>
+            <a:ln w="19050" cap="rnd">
+              <a:noFill/>
+              <a:round/>
+            </a:ln>
+            <a:effectLst/>
+          </c:spPr>
+          <c:marker>
+            <c:symbol val="circle"/>
+            <c:size val="5"/>
+            <c:spPr>
+              <a:solidFill>
+                <a:schemeClr val="accent2"/>
+              </a:solidFill>
+              <a:ln w="9525">
+                <a:solidFill>
+                  <a:schemeClr val="accent2"/>
+                </a:solidFill>
+              </a:ln>
+              <a:effectLst/>
+            </c:spPr>
+          </c:marker>
+          <c:xVal>
+            <c:numRef>
+              <c:f>SQUATS!$C$11:$C$16</c:f>
+              <c:numCache>
+                <c:formatCode>General</c:formatCode>
+                <c:ptCount val="6"/>
+                <c:pt idx="0">
+                  <c:v>2016</c:v>
+                </c:pt>
+                <c:pt idx="1">
+                  <c:v>2017</c:v>
+                </c:pt>
+                <c:pt idx="2">
+                  <c:v>2017</c:v>
+                </c:pt>
+                <c:pt idx="3">
+                  <c:v>2017</c:v>
+                </c:pt>
+                <c:pt idx="4">
+                  <c:v>2017</c:v>
+                </c:pt>
+                <c:pt idx="5">
+                  <c:v>2017</c:v>
+                </c:pt>
+              </c:numCache>
+            </c:numRef>
+          </c:xVal>
+          <c:yVal>
+            <c:numRef>
+              <c:f>SQUATS!$E$12</c:f>
+              <c:numCache>
+                <c:formatCode>General</c:formatCode>
+                <c:ptCount val="1"/>
+                <c:pt idx="0">
+                  <c:v>99</c:v>
+                </c:pt>
+              </c:numCache>
+            </c:numRef>
+          </c:yVal>
+          <c:smooth val="0"/>
+          <c:extLst>
+            <c:ext xmlns:c16="http://schemas.microsoft.com/office/drawing/2014/chart" uri="{C3380CC4-5D6E-409C-BE32-E72D297353CC}">
+              <c16:uniqueId val="{00000001-BDCA-4B8C-82FB-129FDC915A61}"/>
+            </c:ext>
+          </c:extLst>
+        </c:ser>
+        <c:ser>
+          <c:idx val="2"/>
+          <c:order val="2"/>
+          <c:spPr>
+            <a:ln w="19050" cap="rnd">
+              <a:noFill/>
+              <a:round/>
+            </a:ln>
+            <a:effectLst/>
+          </c:spPr>
+          <c:marker>
+            <c:symbol val="circle"/>
+            <c:size val="5"/>
+            <c:spPr>
+              <a:solidFill>
+                <a:schemeClr val="accent3"/>
+              </a:solidFill>
+              <a:ln w="9525">
+                <a:solidFill>
+                  <a:schemeClr val="accent3"/>
+                </a:solidFill>
+              </a:ln>
+              <a:effectLst/>
+            </c:spPr>
+          </c:marker>
+          <c:xVal>
+            <c:numRef>
+              <c:f>SQUATS!$C$11:$C$16</c:f>
+              <c:numCache>
+                <c:formatCode>General</c:formatCode>
+                <c:ptCount val="6"/>
+                <c:pt idx="0">
+                  <c:v>2016</c:v>
+                </c:pt>
+                <c:pt idx="1">
+                  <c:v>2017</c:v>
+                </c:pt>
+                <c:pt idx="2">
+                  <c:v>2017</c:v>
+                </c:pt>
+                <c:pt idx="3">
+                  <c:v>2017</c:v>
+                </c:pt>
+                <c:pt idx="4">
+                  <c:v>2017</c:v>
+                </c:pt>
+                <c:pt idx="5">
+                  <c:v>2017</c:v>
+                </c:pt>
+              </c:numCache>
+            </c:numRef>
+          </c:xVal>
+          <c:yVal>
+            <c:numRef>
+              <c:f>SQUATS!$E$13</c:f>
+              <c:numCache>
+                <c:formatCode>General</c:formatCode>
+                <c:ptCount val="1"/>
+                <c:pt idx="0">
+                  <c:v>95.89</c:v>
+                </c:pt>
+              </c:numCache>
+            </c:numRef>
+          </c:yVal>
+          <c:smooth val="0"/>
+          <c:extLst>
+            <c:ext xmlns:c16="http://schemas.microsoft.com/office/drawing/2014/chart" uri="{C3380CC4-5D6E-409C-BE32-E72D297353CC}">
+              <c16:uniqueId val="{00000002-BDCA-4B8C-82FB-129FDC915A61}"/>
+            </c:ext>
+          </c:extLst>
+        </c:ser>
+        <c:ser>
+          <c:idx val="3"/>
+          <c:order val="3"/>
+          <c:spPr>
+            <a:ln w="19050" cap="rnd">
+              <a:noFill/>
+              <a:round/>
+            </a:ln>
+            <a:effectLst/>
+          </c:spPr>
+          <c:marker>
+            <c:symbol val="circle"/>
+            <c:size val="5"/>
+            <c:spPr>
+              <a:solidFill>
+                <a:schemeClr val="accent4"/>
+              </a:solidFill>
+              <a:ln w="9525">
+                <a:solidFill>
+                  <a:schemeClr val="accent4"/>
+                </a:solidFill>
+              </a:ln>
+              <a:effectLst/>
+            </c:spPr>
+          </c:marker>
+          <c:xVal>
+            <c:numRef>
+              <c:f>SQUATS!$C$11:$C$16</c:f>
+              <c:numCache>
+                <c:formatCode>General</c:formatCode>
+                <c:ptCount val="6"/>
+                <c:pt idx="0">
+                  <c:v>2016</c:v>
+                </c:pt>
+                <c:pt idx="1">
+                  <c:v>2017</c:v>
+                </c:pt>
+                <c:pt idx="2">
+                  <c:v>2017</c:v>
+                </c:pt>
+                <c:pt idx="3">
+                  <c:v>2017</c:v>
+                </c:pt>
+                <c:pt idx="4">
+                  <c:v>2017</c:v>
+                </c:pt>
+                <c:pt idx="5">
+                  <c:v>2017</c:v>
+                </c:pt>
+              </c:numCache>
+            </c:numRef>
+          </c:xVal>
+          <c:yVal>
+            <c:numRef>
+              <c:f>SQUATS!$E$14</c:f>
+              <c:numCache>
+                <c:formatCode>General</c:formatCode>
+                <c:ptCount val="1"/>
+                <c:pt idx="0">
+                  <c:v>83</c:v>
+                </c:pt>
+              </c:numCache>
+            </c:numRef>
+          </c:yVal>
+          <c:smooth val="0"/>
+          <c:extLst>
+            <c:ext xmlns:c16="http://schemas.microsoft.com/office/drawing/2014/chart" uri="{C3380CC4-5D6E-409C-BE32-E72D297353CC}">
+              <c16:uniqueId val="{00000003-BDCA-4B8C-82FB-129FDC915A61}"/>
+            </c:ext>
+          </c:extLst>
+        </c:ser>
+        <c:ser>
+          <c:idx val="4"/>
+          <c:order val="4"/>
+          <c:spPr>
+            <a:ln w="19050" cap="rnd">
+              <a:noFill/>
+              <a:round/>
+            </a:ln>
+            <a:effectLst/>
+          </c:spPr>
+          <c:marker>
+            <c:symbol val="circle"/>
+            <c:size val="5"/>
+            <c:spPr>
+              <a:solidFill>
+                <a:schemeClr val="accent5"/>
+              </a:solidFill>
+              <a:ln w="9525">
+                <a:solidFill>
+                  <a:schemeClr val="accent5"/>
+                </a:solidFill>
+              </a:ln>
+              <a:effectLst/>
+            </c:spPr>
+          </c:marker>
+          <c:xVal>
+            <c:numRef>
+              <c:f>SQUATS!$C$11:$C$16</c:f>
+              <c:numCache>
+                <c:formatCode>General</c:formatCode>
+                <c:ptCount val="6"/>
+                <c:pt idx="0">
+                  <c:v>2016</c:v>
+                </c:pt>
+                <c:pt idx="1">
+                  <c:v>2017</c:v>
+                </c:pt>
+                <c:pt idx="2">
+                  <c:v>2017</c:v>
+                </c:pt>
+                <c:pt idx="3">
+                  <c:v>2017</c:v>
+                </c:pt>
+                <c:pt idx="4">
+                  <c:v>2017</c:v>
+                </c:pt>
+                <c:pt idx="5">
+                  <c:v>2017</c:v>
+                </c:pt>
+              </c:numCache>
+            </c:numRef>
+          </c:xVal>
+          <c:yVal>
+            <c:numRef>
+              <c:f>SQUATS!$E$15</c:f>
+              <c:numCache>
+                <c:formatCode>General</c:formatCode>
+                <c:ptCount val="1"/>
+                <c:pt idx="0">
+                  <c:v>64</c:v>
+                </c:pt>
+              </c:numCache>
+            </c:numRef>
+          </c:yVal>
+          <c:smooth val="0"/>
+          <c:extLst>
+            <c:ext xmlns:c16="http://schemas.microsoft.com/office/drawing/2014/chart" uri="{C3380CC4-5D6E-409C-BE32-E72D297353CC}">
+              <c16:uniqueId val="{00000004-BDCA-4B8C-82FB-129FDC915A61}"/>
+            </c:ext>
+          </c:extLst>
+        </c:ser>
+        <c:ser>
+          <c:idx val="5"/>
+          <c:order val="5"/>
+          <c:spPr>
+            <a:ln w="19050" cap="rnd">
+              <a:noFill/>
+              <a:round/>
+            </a:ln>
+            <a:effectLst/>
+          </c:spPr>
+          <c:marker>
+            <c:symbol val="circle"/>
+            <c:size val="5"/>
+            <c:spPr>
+              <a:solidFill>
+                <a:schemeClr val="accent6"/>
+              </a:solidFill>
+              <a:ln w="9525">
+                <a:solidFill>
+                  <a:schemeClr val="accent6"/>
+                </a:solidFill>
+              </a:ln>
+              <a:effectLst/>
+            </c:spPr>
+          </c:marker>
+          <c:xVal>
+            <c:numRef>
+              <c:f>SQUATS!$C$11:$C$16</c:f>
+              <c:numCache>
+                <c:formatCode>General</c:formatCode>
+                <c:ptCount val="6"/>
+                <c:pt idx="0">
+                  <c:v>2016</c:v>
+                </c:pt>
+                <c:pt idx="1">
+                  <c:v>2017</c:v>
+                </c:pt>
+                <c:pt idx="2">
+                  <c:v>2017</c:v>
+                </c:pt>
+                <c:pt idx="3">
+                  <c:v>2017</c:v>
+                </c:pt>
+                <c:pt idx="4">
+                  <c:v>2017</c:v>
+                </c:pt>
+                <c:pt idx="5">
+                  <c:v>2017</c:v>
+                </c:pt>
+              </c:numCache>
+            </c:numRef>
+          </c:xVal>
+          <c:yVal>
+            <c:numRef>
+              <c:f>SQUATS!$E$16</c:f>
+              <c:numCache>
+                <c:formatCode>General</c:formatCode>
+                <c:ptCount val="1"/>
+                <c:pt idx="0">
+                  <c:v>89.5</c:v>
+                </c:pt>
+              </c:numCache>
+            </c:numRef>
+          </c:yVal>
+          <c:smooth val="0"/>
+          <c:extLst>
+            <c:ext xmlns:c16="http://schemas.microsoft.com/office/drawing/2014/chart" uri="{C3380CC4-5D6E-409C-BE32-E72D297353CC}">
+              <c16:uniqueId val="{00000005-BDCA-4B8C-82FB-129FDC915A61}"/>
+            </c:ext>
+          </c:extLst>
+        </c:ser>
+        <c:dLbls>
+          <c:showLegendKey val="0"/>
+          <c:showVal val="0"/>
+          <c:showCatName val="0"/>
+          <c:showSerName val="0"/>
+          <c:showPercent val="0"/>
+          <c:showBubbleSize val="0"/>
+        </c:dLbls>
+        <c:axId val="842452576"/>
+        <c:axId val="842443392"/>
+      </c:scatterChart>
+      <c:valAx>
+        <c:axId val="842452576"/>
+        <c:scaling>
+          <c:orientation val="minMax"/>
+          <c:max val="2018"/>
+          <c:min val="2008"/>
+        </c:scaling>
+        <c:delete val="0"/>
+        <c:axPos val="b"/>
+        <c:majorGridlines>
+          <c:spPr>
+            <a:ln w="9525" cap="flat" cmpd="sng" algn="ctr">
+              <a:solidFill>
+                <a:schemeClr val="tx1">
+                  <a:lumMod val="15000"/>
+                  <a:lumOff val="85000"/>
+                </a:schemeClr>
+              </a:solidFill>
+              <a:round/>
+            </a:ln>
+            <a:effectLst/>
+          </c:spPr>
+        </c:majorGridlines>
+        <c:numFmt formatCode="General" sourceLinked="1"/>
+        <c:majorTickMark val="none"/>
+        <c:minorTickMark val="none"/>
+        <c:tickLblPos val="nextTo"/>
+        <c:spPr>
+          <a:noFill/>
+          <a:ln w="9525" cap="flat" cmpd="sng" algn="ctr">
+            <a:solidFill>
+              <a:schemeClr val="tx1">
+                <a:lumMod val="25000"/>
+                <a:lumOff val="75000"/>
+              </a:schemeClr>
+            </a:solidFill>
+            <a:round/>
+          </a:ln>
+          <a:effectLst/>
+        </c:spPr>
+        <c:txPr>
+          <a:bodyPr rot="-60000000" spcFirstLastPara="1" vertOverflow="ellipsis" vert="horz" wrap="square" anchor="ctr" anchorCtr="1"/>
+          <a:lstStyle/>
+          <a:p>
+            <a:pPr>
+              <a:defRPr sz="900" b="0" i="0" u="none" strike="noStrike" kern="1200" baseline="0">
+                <a:solidFill>
+                  <a:schemeClr val="tx1">
+                    <a:lumMod val="65000"/>
+                    <a:lumOff val="35000"/>
+                  </a:schemeClr>
+                </a:solidFill>
+                <a:latin typeface="+mn-lt"/>
+                <a:ea typeface="+mn-ea"/>
+                <a:cs typeface="+mn-cs"/>
+              </a:defRPr>
+            </a:pPr>
+            <a:endParaRPr lang="ko-KR"/>
+          </a:p>
+        </c:txPr>
+        <c:crossAx val="842443392"/>
+        <c:crosses val="autoZero"/>
+        <c:crossBetween val="midCat"/>
+      </c:valAx>
+      <c:valAx>
+        <c:axId val="842443392"/>
+        <c:scaling>
+          <c:orientation val="minMax"/>
+          <c:max val="100"/>
+        </c:scaling>
+        <c:delete val="0"/>
+        <c:axPos val="l"/>
+        <c:majorGridlines>
+          <c:spPr>
+            <a:ln w="9525" cap="flat" cmpd="sng" algn="ctr">
+              <a:solidFill>
+                <a:schemeClr val="tx1">
+                  <a:lumMod val="15000"/>
+                  <a:lumOff val="85000"/>
+                </a:schemeClr>
+              </a:solidFill>
+              <a:round/>
+            </a:ln>
+            <a:effectLst/>
+          </c:spPr>
+        </c:majorGridlines>
+        <c:numFmt formatCode="General" sourceLinked="1"/>
+        <c:majorTickMark val="none"/>
+        <c:minorTickMark val="none"/>
+        <c:tickLblPos val="nextTo"/>
+        <c:spPr>
+          <a:noFill/>
+          <a:ln w="9525" cap="flat" cmpd="sng" algn="ctr">
+            <a:solidFill>
+              <a:schemeClr val="tx1">
+                <a:lumMod val="25000"/>
+                <a:lumOff val="75000"/>
+              </a:schemeClr>
+            </a:solidFill>
+            <a:round/>
+          </a:ln>
+          <a:effectLst/>
+        </c:spPr>
+        <c:txPr>
+          <a:bodyPr rot="-60000000" spcFirstLastPara="1" vertOverflow="ellipsis" vert="horz" wrap="square" anchor="ctr" anchorCtr="1"/>
+          <a:lstStyle/>
+          <a:p>
+            <a:pPr>
+              <a:defRPr sz="900" b="0" i="0" u="none" strike="noStrike" kern="1200" baseline="0">
+                <a:solidFill>
+                  <a:schemeClr val="tx1">
+                    <a:lumMod val="65000"/>
+                    <a:lumOff val="35000"/>
+                  </a:schemeClr>
+                </a:solidFill>
+                <a:latin typeface="+mn-lt"/>
+                <a:ea typeface="+mn-ea"/>
+                <a:cs typeface="+mn-cs"/>
+              </a:defRPr>
+            </a:pPr>
+            <a:endParaRPr lang="ko-KR"/>
+          </a:p>
+        </c:txPr>
+        <c:crossAx val="842452576"/>
+        <c:crosses val="autoZero"/>
+        <c:crossBetween val="midCat"/>
+        <c:majorUnit val="5"/>
+      </c:valAx>
+      <c:spPr>
+        <a:noFill/>
+        <a:ln>
+          <a:noFill/>
+        </a:ln>
+        <a:effectLst/>
+      </c:spPr>
+    </c:plotArea>
+    <c:plotVisOnly val="1"/>
+    <c:dispBlanksAs val="gap"/>
+    <c:extLst>
+      <c:ext xmlns:c16r3="http://schemas.microsoft.com/office/drawing/2017/03/chart" uri="{56B9EC1D-385E-4148-901F-78D8002777C0}">
+        <c16r3:dataDisplayOptions16>
+          <c16r3:dispNaAsBlank val="1"/>
+        </c16r3:dataDisplayOptions16>
+      </c:ext>
+    </c:extLst>
+    <c:showDLblsOverMax val="0"/>
+  </c:chart>
+  <c:spPr>
+    <a:noFill/>
+    <a:ln>
+      <a:noFill/>
+    </a:ln>
+    <a:effectLst/>
+  </c:spPr>
+  <c:txPr>
+    <a:bodyPr/>
+    <a:lstStyle/>
+    <a:p>
+      <a:pPr>
+        <a:defRPr/>
+      </a:pPr>
+      <a:endParaRPr lang="ko-KR"/>
+    </a:p>
+  </c:txPr>
+  <c:externalData r:id="rId3">
+    <c:autoUpdate val="0"/>
+  </c:externalData>
+</c:chartSpace>
+</file>
+
+<file path=ppt/charts/chart15.xml><?xml version="1.0" encoding="utf-8"?>
+<c:chartSpace xmlns:c="http://schemas.openxmlformats.org/drawingml/2006/chart" xmlns:a="http://schemas.openxmlformats.org/drawingml/2006/main" xmlns:r="http://schemas.openxmlformats.org/officeDocument/2006/relationships" xmlns:c16r2="http://schemas.microsoft.com/office/drawing/2015/06/chart">
+  <c:date1904 val="0"/>
+  <c:lang val="ko-KR"/>
+  <c:roundedCorners val="0"/>
+  <mc:AlternateContent xmlns:mc="http://schemas.openxmlformats.org/markup-compatibility/2006">
+    <mc:Choice xmlns:c14="http://schemas.microsoft.com/office/drawing/2007/8/2/chart" Requires="c14">
+      <c14:style val="102"/>
+    </mc:Choice>
+    <mc:Fallback>
+      <c:style val="2"/>
+    </mc:Fallback>
+  </mc:AlternateContent>
+  <c:chart>
+    <c:autoTitleDeleted val="1"/>
+    <c:plotArea>
+      <c:layout/>
+      <c:scatterChart>
+        <c:scatterStyle val="lineMarker"/>
+        <c:varyColors val="0"/>
+        <c:ser>
+          <c:idx val="0"/>
+          <c:order val="0"/>
+          <c:spPr>
+            <a:ln w="19050" cap="rnd">
+              <a:noFill/>
+              <a:round/>
+            </a:ln>
+            <a:effectLst/>
+          </c:spPr>
+          <c:marker>
+            <c:symbol val="circle"/>
+            <c:size val="5"/>
+            <c:spPr>
+              <a:solidFill>
+                <a:schemeClr val="accent1"/>
+              </a:solidFill>
+              <a:ln w="9525">
+                <a:solidFill>
+                  <a:schemeClr val="accent1"/>
+                </a:solidFill>
+              </a:ln>
+              <a:effectLst/>
+            </c:spPr>
+          </c:marker>
+          <c:xVal>
+            <c:numRef>
+              <c:f>(LSLR!$C$4,LSLR!$C$5,LSLR!$C$6)</c:f>
+              <c:numCache>
+                <c:formatCode>General</c:formatCode>
+                <c:ptCount val="3"/>
+                <c:pt idx="0">
+                  <c:v>2014</c:v>
+                </c:pt>
+                <c:pt idx="1">
+                  <c:v>2014</c:v>
+                </c:pt>
+                <c:pt idx="2">
+                  <c:v>2014</c:v>
+                </c:pt>
+              </c:numCache>
+            </c:numRef>
+          </c:xVal>
+          <c:yVal>
+            <c:numRef>
+              <c:f>(LSLR!$E$4,LSLR!$E$5,LSLR!$E$6)</c:f>
+              <c:numCache>
+                <c:formatCode>General</c:formatCode>
+                <c:ptCount val="3"/>
+                <c:pt idx="0">
+                  <c:v>81</c:v>
+                </c:pt>
+                <c:pt idx="1">
+                  <c:v>94</c:v>
+                </c:pt>
+                <c:pt idx="2">
+                  <c:v>93</c:v>
+                </c:pt>
+              </c:numCache>
+            </c:numRef>
+          </c:yVal>
+          <c:smooth val="0"/>
+          <c:extLst>
+            <c:ext xmlns:c16="http://schemas.microsoft.com/office/drawing/2014/chart" uri="{C3380CC4-5D6E-409C-BE32-E72D297353CC}">
+              <c16:uniqueId val="{00000000-E6D3-463F-AE77-F7938893B24D}"/>
+            </c:ext>
+          </c:extLst>
+        </c:ser>
+        <c:dLbls>
+          <c:showLegendKey val="0"/>
+          <c:showVal val="0"/>
+          <c:showCatName val="0"/>
+          <c:showSerName val="0"/>
+          <c:showPercent val="0"/>
+          <c:showBubbleSize val="0"/>
+        </c:dLbls>
+        <c:axId val="852374144"/>
+        <c:axId val="852370536"/>
+      </c:scatterChart>
+      <c:valAx>
+        <c:axId val="852374144"/>
+        <c:scaling>
+          <c:orientation val="minMax"/>
+          <c:max val="2016"/>
+          <c:min val="2009"/>
+        </c:scaling>
+        <c:delete val="0"/>
+        <c:axPos val="b"/>
+        <c:majorGridlines>
+          <c:spPr>
+            <a:ln w="9525" cap="flat" cmpd="sng" algn="ctr">
+              <a:solidFill>
+                <a:schemeClr val="tx1">
+                  <a:lumMod val="15000"/>
+                  <a:lumOff val="85000"/>
+                </a:schemeClr>
+              </a:solidFill>
+              <a:round/>
+            </a:ln>
+            <a:effectLst/>
+          </c:spPr>
+        </c:majorGridlines>
+        <c:numFmt formatCode="General" sourceLinked="1"/>
+        <c:majorTickMark val="none"/>
+        <c:minorTickMark val="none"/>
+        <c:tickLblPos val="nextTo"/>
+        <c:spPr>
+          <a:noFill/>
+          <a:ln w="9525" cap="flat" cmpd="sng" algn="ctr">
+            <a:solidFill>
+              <a:schemeClr val="tx1">
+                <a:lumMod val="25000"/>
+                <a:lumOff val="75000"/>
+              </a:schemeClr>
+            </a:solidFill>
+            <a:round/>
+          </a:ln>
+          <a:effectLst/>
+        </c:spPr>
+        <c:txPr>
+          <a:bodyPr rot="-60000000" spcFirstLastPara="1" vertOverflow="ellipsis" vert="horz" wrap="square" anchor="ctr" anchorCtr="1"/>
+          <a:lstStyle/>
+          <a:p>
+            <a:pPr>
+              <a:defRPr sz="900" b="0" i="0" u="none" strike="noStrike" kern="1200" baseline="0">
+                <a:solidFill>
+                  <a:schemeClr val="tx1">
+                    <a:lumMod val="65000"/>
+                    <a:lumOff val="35000"/>
+                  </a:schemeClr>
+                </a:solidFill>
+                <a:latin typeface="+mn-lt"/>
+                <a:ea typeface="+mn-ea"/>
+                <a:cs typeface="+mn-cs"/>
+              </a:defRPr>
+            </a:pPr>
+            <a:endParaRPr lang="ko-KR"/>
+          </a:p>
+        </c:txPr>
+        <c:crossAx val="852370536"/>
+        <c:crosses val="autoZero"/>
+        <c:crossBetween val="midCat"/>
+      </c:valAx>
+      <c:valAx>
+        <c:axId val="852370536"/>
+        <c:scaling>
+          <c:orientation val="minMax"/>
+          <c:max val="100"/>
+          <c:min val="0"/>
+        </c:scaling>
+        <c:delete val="0"/>
+        <c:axPos val="l"/>
+        <c:majorGridlines>
+          <c:spPr>
+            <a:ln w="9525" cap="flat" cmpd="sng" algn="ctr">
+              <a:solidFill>
+                <a:schemeClr val="tx1">
+                  <a:lumMod val="15000"/>
+                  <a:lumOff val="85000"/>
+                </a:schemeClr>
+              </a:solidFill>
+              <a:round/>
+            </a:ln>
+            <a:effectLst/>
+          </c:spPr>
+        </c:majorGridlines>
+        <c:numFmt formatCode="General" sourceLinked="1"/>
+        <c:majorTickMark val="none"/>
+        <c:minorTickMark val="none"/>
+        <c:tickLblPos val="nextTo"/>
+        <c:spPr>
+          <a:noFill/>
+          <a:ln w="9525" cap="flat" cmpd="sng" algn="ctr">
+            <a:solidFill>
+              <a:schemeClr val="tx1">
+                <a:lumMod val="25000"/>
+                <a:lumOff val="75000"/>
+              </a:schemeClr>
+            </a:solidFill>
+            <a:round/>
+          </a:ln>
+          <a:effectLst/>
+        </c:spPr>
+        <c:txPr>
+          <a:bodyPr rot="-60000000" spcFirstLastPara="1" vertOverflow="ellipsis" vert="horz" wrap="square" anchor="ctr" anchorCtr="1"/>
+          <a:lstStyle/>
+          <a:p>
+            <a:pPr>
+              <a:defRPr sz="900" b="0" i="0" u="none" strike="noStrike" kern="1200" baseline="0">
+                <a:solidFill>
+                  <a:schemeClr val="tx1">
+                    <a:lumMod val="65000"/>
+                    <a:lumOff val="35000"/>
+                  </a:schemeClr>
+                </a:solidFill>
+                <a:latin typeface="+mn-lt"/>
+                <a:ea typeface="+mn-ea"/>
+                <a:cs typeface="+mn-cs"/>
+              </a:defRPr>
+            </a:pPr>
+            <a:endParaRPr lang="ko-KR"/>
+          </a:p>
+        </c:txPr>
+        <c:crossAx val="852374144"/>
+        <c:crosses val="autoZero"/>
+        <c:crossBetween val="midCat"/>
+        <c:majorUnit val="5"/>
+      </c:valAx>
+      <c:spPr>
+        <a:noFill/>
+        <a:ln>
+          <a:noFill/>
+        </a:ln>
+        <a:effectLst/>
+      </c:spPr>
+    </c:plotArea>
+    <c:plotVisOnly val="1"/>
+    <c:dispBlanksAs val="gap"/>
+    <c:extLst>
+      <c:ext xmlns:c16r3="http://schemas.microsoft.com/office/drawing/2017/03/chart" uri="{56B9EC1D-385E-4148-901F-78D8002777C0}">
+        <c16r3:dataDisplayOptions16>
+          <c16r3:dispNaAsBlank val="1"/>
+        </c16r3:dataDisplayOptions16>
+      </c:ext>
+    </c:extLst>
+    <c:showDLblsOverMax val="0"/>
+  </c:chart>
+  <c:spPr>
+    <a:noFill/>
+    <a:ln>
+      <a:noFill/>
+    </a:ln>
+    <a:effectLst/>
+  </c:spPr>
+  <c:txPr>
+    <a:bodyPr/>
+    <a:lstStyle/>
+    <a:p>
+      <a:pPr>
+        <a:defRPr/>
+      </a:pPr>
+      <a:endParaRPr lang="ko-KR"/>
+    </a:p>
+  </c:txPr>
+  <c:externalData r:id="rId3">
+    <c:autoUpdate val="0"/>
+  </c:externalData>
+</c:chartSpace>
+</file>
+
+<file path=ppt/charts/chart16.xml><?xml version="1.0" encoding="utf-8"?>
+<c:chartSpace xmlns:c="http://schemas.openxmlformats.org/drawingml/2006/chart" xmlns:a="http://schemas.openxmlformats.org/drawingml/2006/main" xmlns:r="http://schemas.openxmlformats.org/officeDocument/2006/relationships" xmlns:c16r2="http://schemas.microsoft.com/office/drawing/2015/06/chart">
+  <c:date1904 val="0"/>
+  <c:lang val="ko-KR"/>
+  <c:roundedCorners val="0"/>
+  <mc:AlternateContent xmlns:mc="http://schemas.openxmlformats.org/markup-compatibility/2006">
+    <mc:Choice xmlns:c14="http://schemas.microsoft.com/office/drawing/2007/8/2/chart" Requires="c14">
+      <c14:style val="102"/>
+    </mc:Choice>
+    <mc:Fallback>
+      <c:style val="2"/>
+    </mc:Fallback>
+  </mc:AlternateContent>
+  <c:chart>
+    <c:autoTitleDeleted val="1"/>
+    <c:plotArea>
+      <c:layout/>
+      <c:scatterChart>
+        <c:scatterStyle val="lineMarker"/>
+        <c:varyColors val="0"/>
+        <c:ser>
+          <c:idx val="0"/>
+          <c:order val="0"/>
+          <c:spPr>
+            <a:ln w="19050" cap="rnd">
+              <a:noFill/>
+              <a:round/>
+            </a:ln>
+            <a:effectLst/>
+          </c:spPr>
+          <c:marker>
+            <c:symbol val="circle"/>
+            <c:size val="5"/>
+            <c:spPr>
+              <a:solidFill>
+                <a:schemeClr val="accent1"/>
+              </a:solidFill>
+              <a:ln w="9525">
+                <a:solidFill>
+                  <a:schemeClr val="accent1"/>
+                </a:solidFill>
+              </a:ln>
+              <a:effectLst/>
+            </c:spPr>
+          </c:marker>
+          <c:xVal>
+            <c:numRef>
+              <c:f>(LSLR!$C$4,LSLR!$C$5,LSLR!$C$6)</c:f>
+              <c:numCache>
+                <c:formatCode>General</c:formatCode>
+                <c:ptCount val="3"/>
+                <c:pt idx="0">
+                  <c:v>2014</c:v>
+                </c:pt>
+                <c:pt idx="1">
+                  <c:v>2014</c:v>
+                </c:pt>
+                <c:pt idx="2">
+                  <c:v>2014</c:v>
+                </c:pt>
+              </c:numCache>
+            </c:numRef>
+          </c:xVal>
+          <c:yVal>
+            <c:numRef>
+              <c:f>(LSLR!$E$4,LSLR!$E$5,LSLR!$E$6)</c:f>
+              <c:numCache>
+                <c:formatCode>General</c:formatCode>
+                <c:ptCount val="3"/>
+                <c:pt idx="0">
+                  <c:v>81</c:v>
+                </c:pt>
+                <c:pt idx="1">
+                  <c:v>94</c:v>
+                </c:pt>
+                <c:pt idx="2">
+                  <c:v>93</c:v>
+                </c:pt>
+              </c:numCache>
+            </c:numRef>
+          </c:yVal>
+          <c:smooth val="0"/>
+          <c:extLst>
+            <c:ext xmlns:c16="http://schemas.microsoft.com/office/drawing/2014/chart" uri="{C3380CC4-5D6E-409C-BE32-E72D297353CC}">
+              <c16:uniqueId val="{00000000-1B78-40E8-BF5D-3BEE2B17FB97}"/>
+            </c:ext>
+          </c:extLst>
+        </c:ser>
+        <c:dLbls>
+          <c:showLegendKey val="0"/>
+          <c:showVal val="0"/>
+          <c:showCatName val="0"/>
+          <c:showSerName val="0"/>
+          <c:showPercent val="0"/>
+          <c:showBubbleSize val="0"/>
+        </c:dLbls>
+        <c:axId val="852374144"/>
+        <c:axId val="852370536"/>
+      </c:scatterChart>
+      <c:valAx>
+        <c:axId val="852374144"/>
+        <c:scaling>
+          <c:orientation val="minMax"/>
+          <c:max val="2016"/>
+          <c:min val="2009"/>
+        </c:scaling>
+        <c:delete val="0"/>
+        <c:axPos val="b"/>
+        <c:majorGridlines>
+          <c:spPr>
+            <a:ln w="9525" cap="flat" cmpd="sng" algn="ctr">
+              <a:solidFill>
+                <a:schemeClr val="tx1">
+                  <a:lumMod val="15000"/>
+                  <a:lumOff val="85000"/>
+                </a:schemeClr>
+              </a:solidFill>
+              <a:round/>
+            </a:ln>
+            <a:effectLst/>
+          </c:spPr>
+        </c:majorGridlines>
+        <c:numFmt formatCode="General" sourceLinked="1"/>
+        <c:majorTickMark val="none"/>
+        <c:minorTickMark val="none"/>
+        <c:tickLblPos val="nextTo"/>
+        <c:spPr>
+          <a:noFill/>
+          <a:ln w="9525" cap="flat" cmpd="sng" algn="ctr">
+            <a:solidFill>
+              <a:schemeClr val="tx1">
+                <a:lumMod val="25000"/>
+                <a:lumOff val="75000"/>
+              </a:schemeClr>
+            </a:solidFill>
+            <a:round/>
+          </a:ln>
+          <a:effectLst/>
+        </c:spPr>
+        <c:txPr>
+          <a:bodyPr rot="-60000000" spcFirstLastPara="1" vertOverflow="ellipsis" vert="horz" wrap="square" anchor="ctr" anchorCtr="1"/>
+          <a:lstStyle/>
+          <a:p>
+            <a:pPr>
+              <a:defRPr sz="900" b="0" i="0" u="none" strike="noStrike" kern="1200" baseline="0">
+                <a:solidFill>
+                  <a:schemeClr val="tx1">
+                    <a:lumMod val="65000"/>
+                    <a:lumOff val="35000"/>
+                  </a:schemeClr>
+                </a:solidFill>
+                <a:latin typeface="+mn-lt"/>
+                <a:ea typeface="+mn-ea"/>
+                <a:cs typeface="+mn-cs"/>
+              </a:defRPr>
+            </a:pPr>
+            <a:endParaRPr lang="ko-KR"/>
+          </a:p>
+        </c:txPr>
+        <c:crossAx val="852370536"/>
+        <c:crosses val="autoZero"/>
+        <c:crossBetween val="midCat"/>
+      </c:valAx>
+      <c:valAx>
+        <c:axId val="852370536"/>
+        <c:scaling>
+          <c:orientation val="minMax"/>
+          <c:max val="100"/>
+          <c:min val="0"/>
+        </c:scaling>
+        <c:delete val="0"/>
+        <c:axPos val="l"/>
+        <c:majorGridlines>
+          <c:spPr>
+            <a:ln w="9525" cap="flat" cmpd="sng" algn="ctr">
+              <a:solidFill>
+                <a:schemeClr val="tx1">
+                  <a:lumMod val="15000"/>
+                  <a:lumOff val="85000"/>
+                </a:schemeClr>
+              </a:solidFill>
+              <a:round/>
+            </a:ln>
+            <a:effectLst/>
+          </c:spPr>
+        </c:majorGridlines>
+        <c:numFmt formatCode="General" sourceLinked="1"/>
+        <c:majorTickMark val="none"/>
+        <c:minorTickMark val="none"/>
+        <c:tickLblPos val="nextTo"/>
+        <c:spPr>
+          <a:noFill/>
+          <a:ln w="9525" cap="flat" cmpd="sng" algn="ctr">
+            <a:solidFill>
+              <a:schemeClr val="tx1">
+                <a:lumMod val="25000"/>
+                <a:lumOff val="75000"/>
+              </a:schemeClr>
+            </a:solidFill>
+            <a:round/>
+          </a:ln>
+          <a:effectLst/>
+        </c:spPr>
+        <c:txPr>
+          <a:bodyPr rot="-60000000" spcFirstLastPara="1" vertOverflow="ellipsis" vert="horz" wrap="square" anchor="ctr" anchorCtr="1"/>
+          <a:lstStyle/>
+          <a:p>
+            <a:pPr>
+              <a:defRPr sz="900" b="0" i="0" u="none" strike="noStrike" kern="1200" baseline="0">
+                <a:solidFill>
+                  <a:schemeClr val="tx1">
+                    <a:lumMod val="65000"/>
+                    <a:lumOff val="35000"/>
+                  </a:schemeClr>
+                </a:solidFill>
+                <a:latin typeface="+mn-lt"/>
+                <a:ea typeface="+mn-ea"/>
+                <a:cs typeface="+mn-cs"/>
+              </a:defRPr>
+            </a:pPr>
+            <a:endParaRPr lang="ko-KR"/>
+          </a:p>
+        </c:txPr>
+        <c:crossAx val="852374144"/>
+        <c:crosses val="autoZero"/>
+        <c:crossBetween val="midCat"/>
+        <c:majorUnit val="5"/>
+      </c:valAx>
+      <c:spPr>
+        <a:noFill/>
+        <a:ln>
+          <a:noFill/>
+        </a:ln>
+        <a:effectLst/>
+      </c:spPr>
+    </c:plotArea>
+    <c:plotVisOnly val="1"/>
+    <c:dispBlanksAs val="gap"/>
+    <c:extLst>
+      <c:ext xmlns:c16r3="http://schemas.microsoft.com/office/drawing/2017/03/chart" uri="{56B9EC1D-385E-4148-901F-78D8002777C0}">
+        <c16r3:dataDisplayOptions16>
+          <c16r3:dispNaAsBlank val="1"/>
+        </c16r3:dataDisplayOptions16>
+      </c:ext>
+    </c:extLst>
+    <c:showDLblsOverMax val="0"/>
+  </c:chart>
+  <c:spPr>
+    <a:noFill/>
+    <a:ln>
+      <a:noFill/>
+    </a:ln>
+    <a:effectLst/>
+  </c:spPr>
+  <c:txPr>
+    <a:bodyPr/>
+    <a:lstStyle/>
+    <a:p>
+      <a:pPr>
+        <a:defRPr/>
+      </a:pPr>
+      <a:endParaRPr lang="ko-KR"/>
+    </a:p>
+  </c:txPr>
+  <c:externalData r:id="rId3">
+    <c:autoUpdate val="0"/>
+  </c:externalData>
+</c:chartSpace>
+</file>
+
+<file path=ppt/charts/chart17.xml><?xml version="1.0" encoding="utf-8"?>
+<c:chartSpace xmlns:c="http://schemas.openxmlformats.org/drawingml/2006/chart" xmlns:a="http://schemas.openxmlformats.org/drawingml/2006/main" xmlns:r="http://schemas.openxmlformats.org/officeDocument/2006/relationships" xmlns:c16r2="http://schemas.microsoft.com/office/drawing/2015/06/chart">
+  <c:date1904 val="0"/>
+  <c:lang val="ko-KR"/>
+  <c:roundedCorners val="0"/>
+  <mc:AlternateContent xmlns:mc="http://schemas.openxmlformats.org/markup-compatibility/2006">
+    <mc:Choice xmlns:c14="http://schemas.microsoft.com/office/drawing/2007/8/2/chart" Requires="c14">
+      <c14:style val="102"/>
+    </mc:Choice>
+    <mc:Fallback>
+      <c:style val="2"/>
+    </mc:Fallback>
+  </mc:AlternateContent>
+  <c:chart>
+    <c:autoTitleDeleted val="1"/>
+    <c:plotArea>
+      <c:layout/>
+      <c:scatterChart>
+        <c:scatterStyle val="lineMarker"/>
+        <c:varyColors val="0"/>
+        <c:ser>
+          <c:idx val="0"/>
+          <c:order val="0"/>
+          <c:spPr>
+            <a:ln w="19050" cap="rnd">
+              <a:noFill/>
+              <a:round/>
+            </a:ln>
+            <a:effectLst/>
+          </c:spPr>
+          <c:marker>
+            <c:symbol val="circle"/>
+            <c:size val="5"/>
+            <c:spPr>
+              <a:solidFill>
+                <a:schemeClr val="accent1"/>
+              </a:solidFill>
+              <a:ln w="9525">
+                <a:solidFill>
+                  <a:schemeClr val="accent1"/>
+                </a:solidFill>
+              </a:ln>
+              <a:effectLst/>
+            </c:spPr>
+          </c:marker>
+          <c:xVal>
+            <c:numRef>
+              <c:f>(LUNGE!$C$1,LUNGE!$C$3,LUNGE!$C$4,LUNGE!$C$5,LUNGE!$C$6)</c:f>
+              <c:numCache>
+                <c:formatCode>General</c:formatCode>
+                <c:ptCount val="5"/>
+                <c:pt idx="0">
+                  <c:v>2016</c:v>
+                </c:pt>
+                <c:pt idx="1">
+                  <c:v>2017</c:v>
+                </c:pt>
+                <c:pt idx="2">
+                  <c:v>2017</c:v>
+                </c:pt>
+                <c:pt idx="3">
+                  <c:v>2017</c:v>
+                </c:pt>
+                <c:pt idx="4">
+                  <c:v>2017</c:v>
+                </c:pt>
+              </c:numCache>
+            </c:numRef>
+          </c:xVal>
+          <c:yVal>
+            <c:numRef>
+              <c:f>(LUNGE!$E$1,LUNGE!$E$3,LUNGE!$E$4,LUNGE!$E$5,LUNGE!$E$6)</c:f>
+              <c:numCache>
+                <c:formatCode>General</c:formatCode>
+                <c:ptCount val="5"/>
+                <c:pt idx="0">
+                  <c:v>81</c:v>
+                </c:pt>
+                <c:pt idx="1">
+                  <c:v>99</c:v>
+                </c:pt>
+                <c:pt idx="2">
+                  <c:v>95.89</c:v>
+                </c:pt>
+                <c:pt idx="3">
+                  <c:v>83</c:v>
+                </c:pt>
+                <c:pt idx="4">
+                  <c:v>89.5</c:v>
+                </c:pt>
+              </c:numCache>
+            </c:numRef>
+          </c:yVal>
+          <c:smooth val="0"/>
+          <c:extLst>
+            <c:ext xmlns:c16="http://schemas.microsoft.com/office/drawing/2014/chart" uri="{C3380CC4-5D6E-409C-BE32-E72D297353CC}">
+              <c16:uniqueId val="{00000000-8D92-469C-B7A1-633E6CF00F3A}"/>
+            </c:ext>
+          </c:extLst>
+        </c:ser>
+        <c:dLbls>
+          <c:showLegendKey val="0"/>
+          <c:showVal val="0"/>
+          <c:showCatName val="0"/>
+          <c:showSerName val="0"/>
+          <c:showPercent val="0"/>
+          <c:showBubbleSize val="0"/>
+        </c:dLbls>
+        <c:axId val="789756568"/>
+        <c:axId val="789755584"/>
+      </c:scatterChart>
+      <c:valAx>
+        <c:axId val="789756568"/>
+        <c:scaling>
+          <c:orientation val="minMax"/>
+          <c:max val="2018"/>
+          <c:min val="2015"/>
+        </c:scaling>
+        <c:delete val="0"/>
+        <c:axPos val="b"/>
+        <c:majorGridlines>
+          <c:spPr>
+            <a:ln w="9525" cap="flat" cmpd="sng" algn="ctr">
+              <a:solidFill>
+                <a:schemeClr val="tx1">
+                  <a:lumMod val="15000"/>
+                  <a:lumOff val="85000"/>
+                </a:schemeClr>
+              </a:solidFill>
+              <a:round/>
+            </a:ln>
+            <a:effectLst/>
+          </c:spPr>
+        </c:majorGridlines>
+        <c:numFmt formatCode="General" sourceLinked="1"/>
+        <c:majorTickMark val="none"/>
+        <c:minorTickMark val="none"/>
+        <c:tickLblPos val="nextTo"/>
+        <c:spPr>
+          <a:noFill/>
+          <a:ln w="9525" cap="flat" cmpd="sng" algn="ctr">
+            <a:solidFill>
+              <a:schemeClr val="tx1">
+                <a:lumMod val="25000"/>
+                <a:lumOff val="75000"/>
+              </a:schemeClr>
+            </a:solidFill>
+            <a:round/>
+          </a:ln>
+          <a:effectLst/>
+        </c:spPr>
+        <c:txPr>
+          <a:bodyPr rot="-60000000" spcFirstLastPara="1" vertOverflow="ellipsis" vert="horz" wrap="square" anchor="ctr" anchorCtr="1"/>
+          <a:lstStyle/>
+          <a:p>
+            <a:pPr>
+              <a:defRPr sz="900" b="0" i="0" u="none" strike="noStrike" kern="1200" baseline="0">
+                <a:solidFill>
+                  <a:schemeClr val="tx1">
+                    <a:lumMod val="65000"/>
+                    <a:lumOff val="35000"/>
+                  </a:schemeClr>
+                </a:solidFill>
+                <a:latin typeface="+mn-lt"/>
+                <a:ea typeface="+mn-ea"/>
+                <a:cs typeface="+mn-cs"/>
+              </a:defRPr>
+            </a:pPr>
+            <a:endParaRPr lang="ko-KR"/>
+          </a:p>
+        </c:txPr>
+        <c:crossAx val="789755584"/>
+        <c:crosses val="autoZero"/>
+        <c:crossBetween val="midCat"/>
+        <c:majorUnit val="1"/>
+      </c:valAx>
+      <c:valAx>
+        <c:axId val="789755584"/>
+        <c:scaling>
+          <c:orientation val="minMax"/>
+          <c:max val="100"/>
+        </c:scaling>
+        <c:delete val="0"/>
+        <c:axPos val="l"/>
+        <c:majorGridlines>
+          <c:spPr>
+            <a:ln w="9525" cap="flat" cmpd="sng" algn="ctr">
+              <a:solidFill>
+                <a:schemeClr val="tx1">
+                  <a:lumMod val="15000"/>
+                  <a:lumOff val="85000"/>
+                </a:schemeClr>
+              </a:solidFill>
+              <a:round/>
+            </a:ln>
+            <a:effectLst/>
+          </c:spPr>
+        </c:majorGridlines>
+        <c:numFmt formatCode="General" sourceLinked="1"/>
+        <c:majorTickMark val="none"/>
+        <c:minorTickMark val="none"/>
+        <c:tickLblPos val="nextTo"/>
+        <c:spPr>
+          <a:noFill/>
+          <a:ln w="9525" cap="flat" cmpd="sng" algn="ctr">
+            <a:solidFill>
+              <a:schemeClr val="tx1">
+                <a:lumMod val="25000"/>
+                <a:lumOff val="75000"/>
+              </a:schemeClr>
+            </a:solidFill>
+            <a:round/>
+          </a:ln>
+          <a:effectLst/>
+        </c:spPr>
+        <c:txPr>
+          <a:bodyPr rot="-60000000" spcFirstLastPara="1" vertOverflow="ellipsis" vert="horz" wrap="square" anchor="ctr" anchorCtr="1"/>
+          <a:lstStyle/>
+          <a:p>
+            <a:pPr>
+              <a:defRPr sz="900" b="0" i="0" u="none" strike="noStrike" kern="1200" baseline="0">
+                <a:solidFill>
+                  <a:schemeClr val="tx1">
+                    <a:lumMod val="65000"/>
+                    <a:lumOff val="35000"/>
+                  </a:schemeClr>
+                </a:solidFill>
+                <a:latin typeface="+mn-lt"/>
+                <a:ea typeface="+mn-ea"/>
+                <a:cs typeface="+mn-cs"/>
+              </a:defRPr>
+            </a:pPr>
+            <a:endParaRPr lang="ko-KR"/>
+          </a:p>
+        </c:txPr>
+        <c:crossAx val="789756568"/>
+        <c:crosses val="autoZero"/>
+        <c:crossBetween val="midCat"/>
+        <c:majorUnit val="5"/>
+      </c:valAx>
+      <c:spPr>
+        <a:noFill/>
+        <a:ln>
+          <a:noFill/>
+        </a:ln>
+        <a:effectLst/>
+      </c:spPr>
+    </c:plotArea>
+    <c:plotVisOnly val="1"/>
+    <c:dispBlanksAs val="gap"/>
+    <c:extLst>
+      <c:ext xmlns:c16r3="http://schemas.microsoft.com/office/drawing/2017/03/chart" uri="{56B9EC1D-385E-4148-901F-78D8002777C0}">
+        <c16r3:dataDisplayOptions16>
+          <c16r3:dispNaAsBlank val="1"/>
+        </c16r3:dataDisplayOptions16>
+      </c:ext>
+    </c:extLst>
+    <c:showDLblsOverMax val="0"/>
+  </c:chart>
+  <c:spPr>
+    <a:noFill/>
+    <a:ln>
+      <a:noFill/>
+    </a:ln>
+    <a:effectLst/>
+  </c:spPr>
+  <c:txPr>
+    <a:bodyPr/>
+    <a:lstStyle/>
+    <a:p>
+      <a:pPr>
+        <a:defRPr/>
+      </a:pPr>
+      <a:endParaRPr lang="ko-KR"/>
+    </a:p>
+  </c:txPr>
+  <c:externalData r:id="rId3">
+    <c:autoUpdate val="0"/>
+  </c:externalData>
+</c:chartSpace>
+</file>
+
 <file path=ppt/charts/chart2.xml><?xml version="1.0" encoding="utf-8"?>
 <c:chartSpace xmlns:c="http://schemas.openxmlformats.org/drawingml/2006/chart" xmlns:a="http://schemas.openxmlformats.org/drawingml/2006/main" xmlns:r="http://schemas.openxmlformats.org/officeDocument/2006/relationships" xmlns:c16r2="http://schemas.microsoft.com/office/drawing/2015/06/chart">
   <c:date1904 val="0"/>
@@ -1831,6 +5043,11 @@
                 </a:outerShdw>
               </a:effectLst>
             </c:spPr>
+            <c:extLst>
+              <c:ext xmlns:c16="http://schemas.microsoft.com/office/drawing/2014/chart" uri="{C3380CC4-5D6E-409C-BE32-E72D297353CC}">
+                <c16:uniqueId val="{00000001-D8D6-4D32-AFBE-B8CDCAAA4700}"/>
+              </c:ext>
+            </c:extLst>
           </c:dPt>
           <c:dPt>
             <c:idx val="1"/>
@@ -1850,6 +5067,11 @@
                 </a:outerShdw>
               </a:effectLst>
             </c:spPr>
+            <c:extLst>
+              <c:ext xmlns:c16="http://schemas.microsoft.com/office/drawing/2014/chart" uri="{C3380CC4-5D6E-409C-BE32-E72D297353CC}">
+                <c16:uniqueId val="{00000003-D8D6-4D32-AFBE-B8CDCAAA4700}"/>
+              </c:ext>
+            </c:extLst>
           </c:dPt>
           <c:dPt>
             <c:idx val="2"/>
@@ -1869,6 +5091,11 @@
                 </a:outerShdw>
               </a:effectLst>
             </c:spPr>
+            <c:extLst>
+              <c:ext xmlns:c16="http://schemas.microsoft.com/office/drawing/2014/chart" uri="{C3380CC4-5D6E-409C-BE32-E72D297353CC}">
+                <c16:uniqueId val="{00000005-D8D6-4D32-AFBE-B8CDCAAA4700}"/>
+              </c:ext>
+            </c:extLst>
           </c:dPt>
           <c:dLbls>
             <c:spPr>
@@ -2119,6 +5346,11 @@
                 </a:outerShdw>
               </a:effectLst>
             </c:spPr>
+            <c:extLst>
+              <c:ext xmlns:c16="http://schemas.microsoft.com/office/drawing/2014/chart" uri="{C3380CC4-5D6E-409C-BE32-E72D297353CC}">
+                <c16:uniqueId val="{00000001-D16A-47CB-87ED-6C04C022702E}"/>
+              </c:ext>
+            </c:extLst>
           </c:dPt>
           <c:dPt>
             <c:idx val="1"/>
@@ -2138,6 +5370,11 @@
                 </a:outerShdw>
               </a:effectLst>
             </c:spPr>
+            <c:extLst>
+              <c:ext xmlns:c16="http://schemas.microsoft.com/office/drawing/2014/chart" uri="{C3380CC4-5D6E-409C-BE32-E72D297353CC}">
+                <c16:uniqueId val="{00000003-D16A-47CB-87ED-6C04C022702E}"/>
+              </c:ext>
+            </c:extLst>
           </c:dPt>
           <c:dPt>
             <c:idx val="2"/>
@@ -2157,6 +5394,11 @@
                 </a:outerShdw>
               </a:effectLst>
             </c:spPr>
+            <c:extLst>
+              <c:ext xmlns:c16="http://schemas.microsoft.com/office/drawing/2014/chart" uri="{C3380CC4-5D6E-409C-BE32-E72D297353CC}">
+                <c16:uniqueId val="{00000005-D16A-47CB-87ED-6C04C022702E}"/>
+              </c:ext>
+            </c:extLst>
           </c:dPt>
           <c:dLbls>
             <c:spPr>
@@ -2466,6 +5708,11 @@
                 </a:outerShdw>
               </a:effectLst>
             </c:spPr>
+            <c:extLst>
+              <c:ext xmlns:c16="http://schemas.microsoft.com/office/drawing/2014/chart" uri="{C3380CC4-5D6E-409C-BE32-E72D297353CC}">
+                <c16:uniqueId val="{00000001-EC27-4C56-BC3B-F0DAFF239E25}"/>
+              </c:ext>
+            </c:extLst>
           </c:dPt>
           <c:dPt>
             <c:idx val="1"/>
@@ -2485,6 +5732,11 @@
                 </a:outerShdw>
               </a:effectLst>
             </c:spPr>
+            <c:extLst>
+              <c:ext xmlns:c16="http://schemas.microsoft.com/office/drawing/2014/chart" uri="{C3380CC4-5D6E-409C-BE32-E72D297353CC}">
+                <c16:uniqueId val="{00000003-EC27-4C56-BC3B-F0DAFF239E25}"/>
+              </c:ext>
+            </c:extLst>
           </c:dPt>
           <c:dPt>
             <c:idx val="2"/>
@@ -2504,6 +5756,11 @@
                 </a:outerShdw>
               </a:effectLst>
             </c:spPr>
+            <c:extLst>
+              <c:ext xmlns:c16="http://schemas.microsoft.com/office/drawing/2014/chart" uri="{C3380CC4-5D6E-409C-BE32-E72D297353CC}">
+                <c16:uniqueId val="{00000005-EC27-4C56-BC3B-F0DAFF239E25}"/>
+              </c:ext>
+            </c:extLst>
           </c:dPt>
           <c:dLbls>
             <c:spPr>
@@ -2813,6 +6070,11 @@
                 </a:outerShdw>
               </a:effectLst>
             </c:spPr>
+            <c:extLst>
+              <c:ext xmlns:c16="http://schemas.microsoft.com/office/drawing/2014/chart" uri="{C3380CC4-5D6E-409C-BE32-E72D297353CC}">
+                <c16:uniqueId val="{00000001-0089-45E2-A36F-664F423C542A}"/>
+              </c:ext>
+            </c:extLst>
           </c:dPt>
           <c:dPt>
             <c:idx val="1"/>
@@ -2832,6 +6094,11 @@
                 </a:outerShdw>
               </a:effectLst>
             </c:spPr>
+            <c:extLst>
+              <c:ext xmlns:c16="http://schemas.microsoft.com/office/drawing/2014/chart" uri="{C3380CC4-5D6E-409C-BE32-E72D297353CC}">
+                <c16:uniqueId val="{00000003-0089-45E2-A36F-664F423C542A}"/>
+              </c:ext>
+            </c:extLst>
           </c:dPt>
           <c:dPt>
             <c:idx val="2"/>
@@ -2851,6 +6118,11 @@
                 </a:outerShdw>
               </a:effectLst>
             </c:spPr>
+            <c:extLst>
+              <c:ext xmlns:c16="http://schemas.microsoft.com/office/drawing/2014/chart" uri="{C3380CC4-5D6E-409C-BE32-E72D297353CC}">
+                <c16:uniqueId val="{00000005-0089-45E2-A36F-664F423C542A}"/>
+              </c:ext>
+            </c:extLst>
           </c:dPt>
           <c:dLbls>
             <c:spPr>
@@ -3166,6 +6438,11 @@
                 </a:outerShdw>
               </a:effectLst>
             </c:spPr>
+            <c:extLst>
+              <c:ext xmlns:c16="http://schemas.microsoft.com/office/drawing/2014/chart" uri="{C3380CC4-5D6E-409C-BE32-E72D297353CC}">
+                <c16:uniqueId val="{00000001-4D9E-41FB-850C-56B752F25CBD}"/>
+              </c:ext>
+            </c:extLst>
           </c:dPt>
           <c:dPt>
             <c:idx val="1"/>
@@ -3185,6 +6462,11 @@
                 </a:outerShdw>
               </a:effectLst>
             </c:spPr>
+            <c:extLst>
+              <c:ext xmlns:c16="http://schemas.microsoft.com/office/drawing/2014/chart" uri="{C3380CC4-5D6E-409C-BE32-E72D297353CC}">
+                <c16:uniqueId val="{00000003-4D9E-41FB-850C-56B752F25CBD}"/>
+              </c:ext>
+            </c:extLst>
           </c:dPt>
           <c:dPt>
             <c:idx val="2"/>
@@ -3204,6 +6486,11 @@
                 </a:outerShdw>
               </a:effectLst>
             </c:spPr>
+            <c:extLst>
+              <c:ext xmlns:c16="http://schemas.microsoft.com/office/drawing/2014/chart" uri="{C3380CC4-5D6E-409C-BE32-E72D297353CC}">
+                <c16:uniqueId val="{00000005-4D9E-41FB-850C-56B752F25CBD}"/>
+              </c:ext>
+            </c:extLst>
           </c:dPt>
           <c:dLbls>
             <c:spPr>
@@ -3437,20 +6724,20 @@
               </a:defRPr>
             </a:pPr>
             <a:r>
-              <a:rPr lang="en-US" altLang="ko-KR" sz="2200" b="1" i="0" u="none" strike="noStrike" baseline="0" dirty="0">
+              <a:rPr lang="en-US" altLang="ko-KR" sz="1600" b="1" i="0" u="none" strike="noStrike" baseline="0" dirty="0">
                 <a:effectLst/>
               </a:rPr>
               <a:t>Seated Knee Extension</a:t>
             </a:r>
             <a:r>
-              <a:rPr lang="en-US" altLang="ko-KR" sz="2200" b="1" i="0" u="none" strike="noStrike" baseline="0" dirty="0"/>
+              <a:rPr lang="en-US" altLang="ko-KR" sz="1600" b="1" i="0" u="none" strike="noStrike" baseline="0" dirty="0"/>
               <a:t>  6</a:t>
             </a:r>
             <a:r>
-              <a:rPr lang="ko-KR" altLang="en-US" sz="2200" b="1" i="0" u="none" strike="noStrike" baseline="0" dirty="0"/>
+              <a:rPr lang="ko-KR" altLang="en-US" sz="1600" b="1" i="0" u="none" strike="noStrike" baseline="0" dirty="0"/>
               <a:t>개</a:t>
             </a:r>
-            <a:endParaRPr lang="ko-KR" dirty="0"/>
+            <a:endParaRPr lang="ko-KR" sz="1600" dirty="0"/>
           </a:p>
         </c:rich>
       </c:tx>
@@ -3520,6 +6807,11 @@
                 </a:outerShdw>
               </a:effectLst>
             </c:spPr>
+            <c:extLst>
+              <c:ext xmlns:c16="http://schemas.microsoft.com/office/drawing/2014/chart" uri="{C3380CC4-5D6E-409C-BE32-E72D297353CC}">
+                <c16:uniqueId val="{00000001-784D-476C-8A5B-8B7422ED4D11}"/>
+              </c:ext>
+            </c:extLst>
           </c:dPt>
           <c:dPt>
             <c:idx val="1"/>
@@ -3539,6 +6831,11 @@
                 </a:outerShdw>
               </a:effectLst>
             </c:spPr>
+            <c:extLst>
+              <c:ext xmlns:c16="http://schemas.microsoft.com/office/drawing/2014/chart" uri="{C3380CC4-5D6E-409C-BE32-E72D297353CC}">
+                <c16:uniqueId val="{00000003-784D-476C-8A5B-8B7422ED4D11}"/>
+              </c:ext>
+            </c:extLst>
           </c:dPt>
           <c:dPt>
             <c:idx val="2"/>
@@ -3558,6 +6855,11 @@
                 </a:outerShdw>
               </a:effectLst>
             </c:spPr>
+            <c:extLst>
+              <c:ext xmlns:c16="http://schemas.microsoft.com/office/drawing/2014/chart" uri="{C3380CC4-5D6E-409C-BE32-E72D297353CC}">
+                <c16:uniqueId val="{00000005-784D-476C-8A5B-8B7422ED4D11}"/>
+              </c:ext>
+            </c:extLst>
           </c:dPt>
           <c:dLbls>
             <c:spPr>
@@ -3791,32 +7093,32 @@
               </a:defRPr>
             </a:pPr>
             <a:r>
-              <a:rPr lang="en-US" altLang="ko-KR" sz="2200" b="1" i="0" u="none" strike="noStrike" baseline="0" dirty="0">
+              <a:rPr lang="en-US" altLang="ko-KR" sz="1600" b="1" i="0" u="none" strike="noStrike" baseline="0" dirty="0">
                 <a:effectLst/>
               </a:rPr>
               <a:t>Lying</a:t>
             </a:r>
             <a:r>
-              <a:rPr lang="ko-KR" altLang="en-US" sz="2200" b="1" i="0" u="none" strike="noStrike" baseline="0" dirty="0">
+              <a:rPr lang="ko-KR" altLang="en-US" sz="1600" b="1" i="0" u="none" strike="noStrike" baseline="0" dirty="0">
                 <a:effectLst/>
               </a:rPr>
               <a:t> </a:t>
             </a:r>
             <a:r>
-              <a:rPr lang="en-US" altLang="ko-KR" sz="2200" b="1" i="0" u="none" strike="noStrike" baseline="0" dirty="0">
+              <a:rPr lang="en-US" altLang="ko-KR" sz="1600" b="1" i="0" u="none" strike="noStrike" baseline="0" dirty="0">
                 <a:effectLst/>
               </a:rPr>
               <a:t>Hip Abduction </a:t>
             </a:r>
             <a:r>
-              <a:rPr lang="en-US" altLang="ko-KR" sz="2200" b="1" i="0" u="none" strike="noStrike" baseline="0" dirty="0"/>
+              <a:rPr lang="en-US" altLang="ko-KR" sz="1600" b="1" i="0" u="none" strike="noStrike" baseline="0" dirty="0"/>
               <a:t>6</a:t>
             </a:r>
             <a:r>
-              <a:rPr lang="ko-KR" altLang="en-US" sz="2200" b="1" i="0" u="none" strike="noStrike" baseline="0" dirty="0"/>
+              <a:rPr lang="ko-KR" altLang="en-US" sz="1600" b="1" i="0" u="none" strike="noStrike" baseline="0" dirty="0"/>
               <a:t>개</a:t>
             </a:r>
-            <a:endParaRPr lang="ko-KR" dirty="0"/>
+            <a:endParaRPr lang="ko-KR" sz="1600" dirty="0"/>
           </a:p>
         </c:rich>
       </c:tx>
@@ -4172,20 +7474,20 @@
               </a:defRPr>
             </a:pPr>
             <a:r>
-              <a:rPr lang="en-US" altLang="ko-KR" sz="2200" b="1" i="0" u="none" strike="noStrike" baseline="0" dirty="0">
+              <a:rPr lang="en-US" altLang="ko-KR" sz="1600" b="1" i="0" u="none" strike="noStrike" baseline="0" dirty="0">
                 <a:effectLst/>
               </a:rPr>
               <a:t>Lying Hit Extension </a:t>
             </a:r>
             <a:r>
-              <a:rPr lang="en-US" altLang="ko-KR" sz="2200" b="1" i="0" u="none" strike="noStrike" baseline="0" dirty="0"/>
+              <a:rPr lang="en-US" altLang="ko-KR" sz="1600" b="1" i="0" u="none" strike="noStrike" baseline="0" dirty="0"/>
               <a:t>6</a:t>
             </a:r>
             <a:r>
-              <a:rPr lang="ko-KR" altLang="en-US" sz="2200" b="1" i="0" u="none" strike="noStrike" baseline="0" dirty="0"/>
+              <a:rPr lang="ko-KR" altLang="en-US" sz="1600" b="1" i="0" u="none" strike="noStrike" baseline="0" dirty="0"/>
               <a:t>개</a:t>
             </a:r>
-            <a:endParaRPr lang="ko-KR" dirty="0"/>
+            <a:endParaRPr lang="ko-KR" sz="1600" dirty="0"/>
           </a:p>
         </c:rich>
       </c:tx>
@@ -4508,6 +7810,326 @@
 </file>
 
 <file path=ppt/charts/colors1.xml><?xml version="1.0" encoding="utf-8"?>
+<cs:colorStyle xmlns:cs="http://schemas.microsoft.com/office/drawing/2012/chartStyle" xmlns:a="http://schemas.openxmlformats.org/drawingml/2006/main" meth="cycle" id="10">
+  <a:schemeClr val="accent1"/>
+  <a:schemeClr val="accent2"/>
+  <a:schemeClr val="accent3"/>
+  <a:schemeClr val="accent4"/>
+  <a:schemeClr val="accent5"/>
+  <a:schemeClr val="accent6"/>
+  <cs:variation/>
+  <cs:variation>
+    <a:lumMod val="60000"/>
+  </cs:variation>
+  <cs:variation>
+    <a:lumMod val="80000"/>
+    <a:lumOff val="20000"/>
+  </cs:variation>
+  <cs:variation>
+    <a:lumMod val="80000"/>
+  </cs:variation>
+  <cs:variation>
+    <a:lumMod val="60000"/>
+    <a:lumOff val="40000"/>
+  </cs:variation>
+  <cs:variation>
+    <a:lumMod val="50000"/>
+  </cs:variation>
+  <cs:variation>
+    <a:lumMod val="70000"/>
+    <a:lumOff val="30000"/>
+  </cs:variation>
+  <cs:variation>
+    <a:lumMod val="70000"/>
+  </cs:variation>
+  <cs:variation>
+    <a:lumMod val="50000"/>
+    <a:lumOff val="50000"/>
+  </cs:variation>
+</cs:colorStyle>
+</file>
+
+<file path=ppt/charts/colors10.xml><?xml version="1.0" encoding="utf-8"?>
+<cs:colorStyle xmlns:cs="http://schemas.microsoft.com/office/drawing/2012/chartStyle" xmlns:a="http://schemas.openxmlformats.org/drawingml/2006/main" meth="cycle" id="10">
+  <a:schemeClr val="accent1"/>
+  <a:schemeClr val="accent2"/>
+  <a:schemeClr val="accent3"/>
+  <a:schemeClr val="accent4"/>
+  <a:schemeClr val="accent5"/>
+  <a:schemeClr val="accent6"/>
+  <cs:variation/>
+  <cs:variation>
+    <a:lumMod val="60000"/>
+  </cs:variation>
+  <cs:variation>
+    <a:lumMod val="80000"/>
+    <a:lumOff val="20000"/>
+  </cs:variation>
+  <cs:variation>
+    <a:lumMod val="80000"/>
+  </cs:variation>
+  <cs:variation>
+    <a:lumMod val="60000"/>
+    <a:lumOff val="40000"/>
+  </cs:variation>
+  <cs:variation>
+    <a:lumMod val="50000"/>
+  </cs:variation>
+  <cs:variation>
+    <a:lumMod val="70000"/>
+    <a:lumOff val="30000"/>
+  </cs:variation>
+  <cs:variation>
+    <a:lumMod val="70000"/>
+  </cs:variation>
+  <cs:variation>
+    <a:lumMod val="50000"/>
+    <a:lumOff val="50000"/>
+  </cs:variation>
+</cs:colorStyle>
+</file>
+
+<file path=ppt/charts/colors11.xml><?xml version="1.0" encoding="utf-8"?>
+<cs:colorStyle xmlns:cs="http://schemas.microsoft.com/office/drawing/2012/chartStyle" xmlns:a="http://schemas.openxmlformats.org/drawingml/2006/main" meth="cycle" id="10">
+  <a:schemeClr val="accent1"/>
+  <a:schemeClr val="accent2"/>
+  <a:schemeClr val="accent3"/>
+  <a:schemeClr val="accent4"/>
+  <a:schemeClr val="accent5"/>
+  <a:schemeClr val="accent6"/>
+  <cs:variation/>
+  <cs:variation>
+    <a:lumMod val="60000"/>
+  </cs:variation>
+  <cs:variation>
+    <a:lumMod val="80000"/>
+    <a:lumOff val="20000"/>
+  </cs:variation>
+  <cs:variation>
+    <a:lumMod val="80000"/>
+  </cs:variation>
+  <cs:variation>
+    <a:lumMod val="60000"/>
+    <a:lumOff val="40000"/>
+  </cs:variation>
+  <cs:variation>
+    <a:lumMod val="50000"/>
+  </cs:variation>
+  <cs:variation>
+    <a:lumMod val="70000"/>
+    <a:lumOff val="30000"/>
+  </cs:variation>
+  <cs:variation>
+    <a:lumMod val="70000"/>
+  </cs:variation>
+  <cs:variation>
+    <a:lumMod val="50000"/>
+    <a:lumOff val="50000"/>
+  </cs:variation>
+</cs:colorStyle>
+</file>
+
+<file path=ppt/charts/colors12.xml><?xml version="1.0" encoding="utf-8"?>
+<cs:colorStyle xmlns:cs="http://schemas.microsoft.com/office/drawing/2012/chartStyle" xmlns:a="http://schemas.openxmlformats.org/drawingml/2006/main" meth="cycle" id="10">
+  <a:schemeClr val="accent1"/>
+  <a:schemeClr val="accent2"/>
+  <a:schemeClr val="accent3"/>
+  <a:schemeClr val="accent4"/>
+  <a:schemeClr val="accent5"/>
+  <a:schemeClr val="accent6"/>
+  <cs:variation/>
+  <cs:variation>
+    <a:lumMod val="60000"/>
+  </cs:variation>
+  <cs:variation>
+    <a:lumMod val="80000"/>
+    <a:lumOff val="20000"/>
+  </cs:variation>
+  <cs:variation>
+    <a:lumMod val="80000"/>
+  </cs:variation>
+  <cs:variation>
+    <a:lumMod val="60000"/>
+    <a:lumOff val="40000"/>
+  </cs:variation>
+  <cs:variation>
+    <a:lumMod val="50000"/>
+  </cs:variation>
+  <cs:variation>
+    <a:lumMod val="70000"/>
+    <a:lumOff val="30000"/>
+  </cs:variation>
+  <cs:variation>
+    <a:lumMod val="70000"/>
+  </cs:variation>
+  <cs:variation>
+    <a:lumMod val="50000"/>
+    <a:lumOff val="50000"/>
+  </cs:variation>
+</cs:colorStyle>
+</file>
+
+<file path=ppt/charts/colors13.xml><?xml version="1.0" encoding="utf-8"?>
+<cs:colorStyle xmlns:cs="http://schemas.microsoft.com/office/drawing/2012/chartStyle" xmlns:a="http://schemas.openxmlformats.org/drawingml/2006/main" meth="cycle" id="10">
+  <a:schemeClr val="accent1"/>
+  <a:schemeClr val="accent2"/>
+  <a:schemeClr val="accent3"/>
+  <a:schemeClr val="accent4"/>
+  <a:schemeClr val="accent5"/>
+  <a:schemeClr val="accent6"/>
+  <cs:variation/>
+  <cs:variation>
+    <a:lumMod val="60000"/>
+  </cs:variation>
+  <cs:variation>
+    <a:lumMod val="80000"/>
+    <a:lumOff val="20000"/>
+  </cs:variation>
+  <cs:variation>
+    <a:lumMod val="80000"/>
+  </cs:variation>
+  <cs:variation>
+    <a:lumMod val="60000"/>
+    <a:lumOff val="40000"/>
+  </cs:variation>
+  <cs:variation>
+    <a:lumMod val="50000"/>
+  </cs:variation>
+  <cs:variation>
+    <a:lumMod val="70000"/>
+    <a:lumOff val="30000"/>
+  </cs:variation>
+  <cs:variation>
+    <a:lumMod val="70000"/>
+  </cs:variation>
+  <cs:variation>
+    <a:lumMod val="50000"/>
+    <a:lumOff val="50000"/>
+  </cs:variation>
+</cs:colorStyle>
+</file>
+
+<file path=ppt/charts/colors14.xml><?xml version="1.0" encoding="utf-8"?>
+<cs:colorStyle xmlns:cs="http://schemas.microsoft.com/office/drawing/2012/chartStyle" xmlns:a="http://schemas.openxmlformats.org/drawingml/2006/main" meth="cycle" id="10">
+  <a:schemeClr val="accent1"/>
+  <a:schemeClr val="accent2"/>
+  <a:schemeClr val="accent3"/>
+  <a:schemeClr val="accent4"/>
+  <a:schemeClr val="accent5"/>
+  <a:schemeClr val="accent6"/>
+  <cs:variation/>
+  <cs:variation>
+    <a:lumMod val="60000"/>
+  </cs:variation>
+  <cs:variation>
+    <a:lumMod val="80000"/>
+    <a:lumOff val="20000"/>
+  </cs:variation>
+  <cs:variation>
+    <a:lumMod val="80000"/>
+  </cs:variation>
+  <cs:variation>
+    <a:lumMod val="60000"/>
+    <a:lumOff val="40000"/>
+  </cs:variation>
+  <cs:variation>
+    <a:lumMod val="50000"/>
+  </cs:variation>
+  <cs:variation>
+    <a:lumMod val="70000"/>
+    <a:lumOff val="30000"/>
+  </cs:variation>
+  <cs:variation>
+    <a:lumMod val="70000"/>
+  </cs:variation>
+  <cs:variation>
+    <a:lumMod val="50000"/>
+    <a:lumOff val="50000"/>
+  </cs:variation>
+</cs:colorStyle>
+</file>
+
+<file path=ppt/charts/colors15.xml><?xml version="1.0" encoding="utf-8"?>
+<cs:colorStyle xmlns:cs="http://schemas.microsoft.com/office/drawing/2012/chartStyle" xmlns:a="http://schemas.openxmlformats.org/drawingml/2006/main" meth="cycle" id="10">
+  <a:schemeClr val="accent1"/>
+  <a:schemeClr val="accent2"/>
+  <a:schemeClr val="accent3"/>
+  <a:schemeClr val="accent4"/>
+  <a:schemeClr val="accent5"/>
+  <a:schemeClr val="accent6"/>
+  <cs:variation/>
+  <cs:variation>
+    <a:lumMod val="60000"/>
+  </cs:variation>
+  <cs:variation>
+    <a:lumMod val="80000"/>
+    <a:lumOff val="20000"/>
+  </cs:variation>
+  <cs:variation>
+    <a:lumMod val="80000"/>
+  </cs:variation>
+  <cs:variation>
+    <a:lumMod val="60000"/>
+    <a:lumOff val="40000"/>
+  </cs:variation>
+  <cs:variation>
+    <a:lumMod val="50000"/>
+  </cs:variation>
+  <cs:variation>
+    <a:lumMod val="70000"/>
+    <a:lumOff val="30000"/>
+  </cs:variation>
+  <cs:variation>
+    <a:lumMod val="70000"/>
+  </cs:variation>
+  <cs:variation>
+    <a:lumMod val="50000"/>
+    <a:lumOff val="50000"/>
+  </cs:variation>
+</cs:colorStyle>
+</file>
+
+<file path=ppt/charts/colors16.xml><?xml version="1.0" encoding="utf-8"?>
+<cs:colorStyle xmlns:cs="http://schemas.microsoft.com/office/drawing/2012/chartStyle" xmlns:a="http://schemas.openxmlformats.org/drawingml/2006/main" meth="cycle" id="10">
+  <a:schemeClr val="accent1"/>
+  <a:schemeClr val="accent2"/>
+  <a:schemeClr val="accent3"/>
+  <a:schemeClr val="accent4"/>
+  <a:schemeClr val="accent5"/>
+  <a:schemeClr val="accent6"/>
+  <cs:variation/>
+  <cs:variation>
+    <a:lumMod val="60000"/>
+  </cs:variation>
+  <cs:variation>
+    <a:lumMod val="80000"/>
+    <a:lumOff val="20000"/>
+  </cs:variation>
+  <cs:variation>
+    <a:lumMod val="80000"/>
+  </cs:variation>
+  <cs:variation>
+    <a:lumMod val="60000"/>
+    <a:lumOff val="40000"/>
+  </cs:variation>
+  <cs:variation>
+    <a:lumMod val="50000"/>
+  </cs:variation>
+  <cs:variation>
+    <a:lumMod val="70000"/>
+    <a:lumOff val="30000"/>
+  </cs:variation>
+  <cs:variation>
+    <a:lumMod val="70000"/>
+  </cs:variation>
+  <cs:variation>
+    <a:lumMod val="50000"/>
+    <a:lumOff val="50000"/>
+  </cs:variation>
+</cs:colorStyle>
+</file>
+
+<file path=ppt/charts/colors17.xml><?xml version="1.0" encoding="utf-8"?>
 <cs:colorStyle xmlns:cs="http://schemas.microsoft.com/office/drawing/2012/chartStyle" xmlns:a="http://schemas.openxmlformats.org/drawingml/2006/main" meth="cycle" id="10">
   <a:schemeClr val="accent1"/>
   <a:schemeClr val="accent2"/>
@@ -5335,6 +8957,4134 @@
 </cs:chartStyle>
 </file>
 
+<file path=ppt/charts/style10.xml><?xml version="1.0" encoding="utf-8"?>
+<cs:chartStyle xmlns:cs="http://schemas.microsoft.com/office/drawing/2012/chartStyle" xmlns:a="http://schemas.openxmlformats.org/drawingml/2006/main" id="240">
+  <cs:axisTitle>
+    <cs:lnRef idx="0"/>
+    <cs:fillRef idx="0"/>
+    <cs:effectRef idx="0"/>
+    <cs:fontRef idx="minor">
+      <a:schemeClr val="tx1">
+        <a:lumMod val="65000"/>
+        <a:lumOff val="35000"/>
+      </a:schemeClr>
+    </cs:fontRef>
+    <cs:defRPr sz="1000" kern="1200"/>
+  </cs:axisTitle>
+  <cs:categoryAxis>
+    <cs:lnRef idx="0"/>
+    <cs:fillRef idx="0"/>
+    <cs:effectRef idx="0"/>
+    <cs:fontRef idx="minor">
+      <a:schemeClr val="tx1">
+        <a:lumMod val="65000"/>
+        <a:lumOff val="35000"/>
+      </a:schemeClr>
+    </cs:fontRef>
+    <cs:spPr>
+      <a:ln w="9525" cap="flat" cmpd="sng" algn="ctr">
+        <a:solidFill>
+          <a:schemeClr val="tx1">
+            <a:lumMod val="25000"/>
+            <a:lumOff val="75000"/>
+          </a:schemeClr>
+        </a:solidFill>
+        <a:round/>
+      </a:ln>
+    </cs:spPr>
+    <cs:defRPr sz="900" kern="1200"/>
+  </cs:categoryAxis>
+  <cs:chartArea mods="allowNoFillOverride allowNoLineOverride">
+    <cs:lnRef idx="0"/>
+    <cs:fillRef idx="0"/>
+    <cs:effectRef idx="0"/>
+    <cs:fontRef idx="minor">
+      <a:schemeClr val="tx1"/>
+    </cs:fontRef>
+    <cs:spPr>
+      <a:solidFill>
+        <a:schemeClr val="bg1"/>
+      </a:solidFill>
+      <a:ln w="9525" cap="flat" cmpd="sng" algn="ctr">
+        <a:solidFill>
+          <a:schemeClr val="tx1">
+            <a:lumMod val="15000"/>
+            <a:lumOff val="85000"/>
+          </a:schemeClr>
+        </a:solidFill>
+        <a:round/>
+      </a:ln>
+    </cs:spPr>
+    <cs:defRPr sz="1000" kern="1200"/>
+  </cs:chartArea>
+  <cs:dataLabel>
+    <cs:lnRef idx="0"/>
+    <cs:fillRef idx="0"/>
+    <cs:effectRef idx="0"/>
+    <cs:fontRef idx="minor">
+      <a:schemeClr val="tx1">
+        <a:lumMod val="75000"/>
+        <a:lumOff val="25000"/>
+      </a:schemeClr>
+    </cs:fontRef>
+    <cs:defRPr sz="900" kern="1200"/>
+  </cs:dataLabel>
+  <cs:dataLabelCallout>
+    <cs:lnRef idx="0"/>
+    <cs:fillRef idx="0"/>
+    <cs:effectRef idx="0"/>
+    <cs:fontRef idx="minor">
+      <a:schemeClr val="dk1">
+        <a:lumMod val="65000"/>
+        <a:lumOff val="35000"/>
+      </a:schemeClr>
+    </cs:fontRef>
+    <cs:spPr>
+      <a:solidFill>
+        <a:schemeClr val="lt1"/>
+      </a:solidFill>
+      <a:ln>
+        <a:solidFill>
+          <a:schemeClr val="dk1">
+            <a:lumMod val="25000"/>
+            <a:lumOff val="75000"/>
+          </a:schemeClr>
+        </a:solidFill>
+      </a:ln>
+    </cs:spPr>
+    <cs:defRPr sz="900" kern="1200"/>
+    <cs:bodyPr rot="0" spcFirstLastPara="1" vertOverflow="clip" horzOverflow="clip" vert="horz" wrap="square" lIns="36576" tIns="18288" rIns="36576" bIns="18288" anchor="ctr" anchorCtr="1">
+      <a:spAutoFit/>
+    </cs:bodyPr>
+  </cs:dataLabelCallout>
+  <cs:dataPoint>
+    <cs:lnRef idx="0"/>
+    <cs:fillRef idx="1">
+      <cs:styleClr val="auto"/>
+    </cs:fillRef>
+    <cs:effectRef idx="0"/>
+    <cs:fontRef idx="minor">
+      <a:schemeClr val="tx1"/>
+    </cs:fontRef>
+  </cs:dataPoint>
+  <cs:dataPoint3D>
+    <cs:lnRef idx="0"/>
+    <cs:fillRef idx="1">
+      <cs:styleClr val="auto"/>
+    </cs:fillRef>
+    <cs:effectRef idx="0"/>
+    <cs:fontRef idx="minor">
+      <a:schemeClr val="tx1"/>
+    </cs:fontRef>
+  </cs:dataPoint3D>
+  <cs:dataPointLine>
+    <cs:lnRef idx="0">
+      <cs:styleClr val="auto"/>
+    </cs:lnRef>
+    <cs:fillRef idx="1"/>
+    <cs:effectRef idx="0"/>
+    <cs:fontRef idx="minor">
+      <a:schemeClr val="tx1"/>
+    </cs:fontRef>
+    <cs:spPr>
+      <a:ln w="19050" cap="rnd">
+        <a:solidFill>
+          <a:schemeClr val="phClr"/>
+        </a:solidFill>
+        <a:round/>
+      </a:ln>
+    </cs:spPr>
+  </cs:dataPointLine>
+  <cs:dataPointMarker>
+    <cs:lnRef idx="0">
+      <cs:styleClr val="auto"/>
+    </cs:lnRef>
+    <cs:fillRef idx="1">
+      <cs:styleClr val="auto"/>
+    </cs:fillRef>
+    <cs:effectRef idx="0"/>
+    <cs:fontRef idx="minor">
+      <a:schemeClr val="tx1"/>
+    </cs:fontRef>
+    <cs:spPr>
+      <a:ln w="9525">
+        <a:solidFill>
+          <a:schemeClr val="phClr"/>
+        </a:solidFill>
+      </a:ln>
+    </cs:spPr>
+  </cs:dataPointMarker>
+  <cs:dataPointMarkerLayout symbol="circle" size="5"/>
+  <cs:dataPointWireframe>
+    <cs:lnRef idx="0">
+      <cs:styleClr val="auto"/>
+    </cs:lnRef>
+    <cs:fillRef idx="0"/>
+    <cs:effectRef idx="0"/>
+    <cs:fontRef idx="minor">
+      <a:schemeClr val="dk1"/>
+    </cs:fontRef>
+    <cs:spPr>
+      <a:ln w="9525" cap="rnd">
+        <a:solidFill>
+          <a:schemeClr val="phClr"/>
+        </a:solidFill>
+        <a:round/>
+      </a:ln>
+    </cs:spPr>
+  </cs:dataPointWireframe>
+  <cs:dataTable>
+    <cs:lnRef idx="0"/>
+    <cs:fillRef idx="0"/>
+    <cs:effectRef idx="0"/>
+    <cs:fontRef idx="minor">
+      <a:schemeClr val="tx1">
+        <a:lumMod val="65000"/>
+        <a:lumOff val="35000"/>
+      </a:schemeClr>
+    </cs:fontRef>
+    <cs:spPr>
+      <a:noFill/>
+      <a:ln w="9525" cap="flat" cmpd="sng" algn="ctr">
+        <a:solidFill>
+          <a:schemeClr val="tx1">
+            <a:lumMod val="15000"/>
+            <a:lumOff val="85000"/>
+          </a:schemeClr>
+        </a:solidFill>
+        <a:round/>
+      </a:ln>
+    </cs:spPr>
+    <cs:defRPr sz="900" kern="1200"/>
+  </cs:dataTable>
+  <cs:downBar>
+    <cs:lnRef idx="0"/>
+    <cs:fillRef idx="0"/>
+    <cs:effectRef idx="0"/>
+    <cs:fontRef idx="minor">
+      <a:schemeClr val="tx1"/>
+    </cs:fontRef>
+    <cs:spPr>
+      <a:solidFill>
+        <a:schemeClr val="dk1">
+          <a:lumMod val="75000"/>
+          <a:lumOff val="25000"/>
+        </a:schemeClr>
+      </a:solidFill>
+      <a:ln w="9525" cap="flat" cmpd="sng" algn="ctr">
+        <a:solidFill>
+          <a:schemeClr val="tx1">
+            <a:lumMod val="65000"/>
+            <a:lumOff val="35000"/>
+          </a:schemeClr>
+        </a:solidFill>
+        <a:round/>
+      </a:ln>
+    </cs:spPr>
+  </cs:downBar>
+  <cs:dropLine>
+    <cs:lnRef idx="0"/>
+    <cs:fillRef idx="0"/>
+    <cs:effectRef idx="0"/>
+    <cs:fontRef idx="minor">
+      <a:schemeClr val="tx1"/>
+    </cs:fontRef>
+    <cs:spPr>
+      <a:ln w="9525" cap="flat" cmpd="sng" algn="ctr">
+        <a:solidFill>
+          <a:schemeClr val="tx1">
+            <a:lumMod val="35000"/>
+            <a:lumOff val="65000"/>
+          </a:schemeClr>
+        </a:solidFill>
+        <a:round/>
+      </a:ln>
+    </cs:spPr>
+  </cs:dropLine>
+  <cs:errorBar>
+    <cs:lnRef idx="0"/>
+    <cs:fillRef idx="0"/>
+    <cs:effectRef idx="0"/>
+    <cs:fontRef idx="minor">
+      <a:schemeClr val="tx1"/>
+    </cs:fontRef>
+    <cs:spPr>
+      <a:ln w="9525" cap="flat" cmpd="sng" algn="ctr">
+        <a:solidFill>
+          <a:schemeClr val="tx1">
+            <a:lumMod val="65000"/>
+            <a:lumOff val="35000"/>
+          </a:schemeClr>
+        </a:solidFill>
+        <a:round/>
+      </a:ln>
+    </cs:spPr>
+  </cs:errorBar>
+  <cs:floor>
+    <cs:lnRef idx="0"/>
+    <cs:fillRef idx="0"/>
+    <cs:effectRef idx="0"/>
+    <cs:fontRef idx="minor">
+      <a:schemeClr val="tx1"/>
+    </cs:fontRef>
+    <cs:spPr>
+      <a:noFill/>
+      <a:ln>
+        <a:noFill/>
+      </a:ln>
+    </cs:spPr>
+  </cs:floor>
+  <cs:gridlineMajor>
+    <cs:lnRef idx="0"/>
+    <cs:fillRef idx="0"/>
+    <cs:effectRef idx="0"/>
+    <cs:fontRef idx="minor">
+      <a:schemeClr val="tx1"/>
+    </cs:fontRef>
+    <cs:spPr>
+      <a:ln w="9525" cap="flat" cmpd="sng" algn="ctr">
+        <a:solidFill>
+          <a:schemeClr val="tx1">
+            <a:lumMod val="15000"/>
+            <a:lumOff val="85000"/>
+          </a:schemeClr>
+        </a:solidFill>
+        <a:round/>
+      </a:ln>
+    </cs:spPr>
+  </cs:gridlineMajor>
+  <cs:gridlineMinor>
+    <cs:lnRef idx="0"/>
+    <cs:fillRef idx="0"/>
+    <cs:effectRef idx="0"/>
+    <cs:fontRef idx="minor">
+      <a:schemeClr val="tx1"/>
+    </cs:fontRef>
+    <cs:spPr>
+      <a:ln w="9525" cap="flat" cmpd="sng" algn="ctr">
+        <a:solidFill>
+          <a:schemeClr val="tx1">
+            <a:lumMod val="5000"/>
+            <a:lumOff val="95000"/>
+          </a:schemeClr>
+        </a:solidFill>
+        <a:round/>
+      </a:ln>
+    </cs:spPr>
+  </cs:gridlineMinor>
+  <cs:hiLoLine>
+    <cs:lnRef idx="0"/>
+    <cs:fillRef idx="0"/>
+    <cs:effectRef idx="0"/>
+    <cs:fontRef idx="minor">
+      <a:schemeClr val="tx1"/>
+    </cs:fontRef>
+    <cs:spPr>
+      <a:ln w="9525" cap="flat" cmpd="sng" algn="ctr">
+        <a:solidFill>
+          <a:schemeClr val="tx1">
+            <a:lumMod val="50000"/>
+            <a:lumOff val="50000"/>
+          </a:schemeClr>
+        </a:solidFill>
+        <a:round/>
+      </a:ln>
+    </cs:spPr>
+  </cs:hiLoLine>
+  <cs:leaderLine>
+    <cs:lnRef idx="0"/>
+    <cs:fillRef idx="0"/>
+    <cs:effectRef idx="0"/>
+    <cs:fontRef idx="minor">
+      <a:schemeClr val="tx1"/>
+    </cs:fontRef>
+    <cs:spPr>
+      <a:ln w="9525" cap="flat" cmpd="sng" algn="ctr">
+        <a:solidFill>
+          <a:schemeClr val="tx1">
+            <a:lumMod val="35000"/>
+            <a:lumOff val="65000"/>
+          </a:schemeClr>
+        </a:solidFill>
+        <a:round/>
+      </a:ln>
+    </cs:spPr>
+  </cs:leaderLine>
+  <cs:legend>
+    <cs:lnRef idx="0"/>
+    <cs:fillRef idx="0"/>
+    <cs:effectRef idx="0"/>
+    <cs:fontRef idx="minor">
+      <a:schemeClr val="tx1">
+        <a:lumMod val="65000"/>
+        <a:lumOff val="35000"/>
+      </a:schemeClr>
+    </cs:fontRef>
+    <cs:defRPr sz="900" kern="1200"/>
+  </cs:legend>
+  <cs:plotArea mods="allowNoFillOverride allowNoLineOverride">
+    <cs:lnRef idx="0"/>
+    <cs:fillRef idx="0"/>
+    <cs:effectRef idx="0"/>
+    <cs:fontRef idx="minor">
+      <a:schemeClr val="tx1"/>
+    </cs:fontRef>
+  </cs:plotArea>
+  <cs:plotArea3D mods="allowNoFillOverride allowNoLineOverride">
+    <cs:lnRef idx="0"/>
+    <cs:fillRef idx="0"/>
+    <cs:effectRef idx="0"/>
+    <cs:fontRef idx="minor">
+      <a:schemeClr val="tx1"/>
+    </cs:fontRef>
+  </cs:plotArea3D>
+  <cs:seriesAxis>
+    <cs:lnRef idx="0"/>
+    <cs:fillRef idx="0"/>
+    <cs:effectRef idx="0"/>
+    <cs:fontRef idx="minor">
+      <a:schemeClr val="tx1">
+        <a:lumMod val="65000"/>
+        <a:lumOff val="35000"/>
+      </a:schemeClr>
+    </cs:fontRef>
+    <cs:defRPr sz="900" kern="1200"/>
+  </cs:seriesAxis>
+  <cs:seriesLine>
+    <cs:lnRef idx="0"/>
+    <cs:fillRef idx="0"/>
+    <cs:effectRef idx="0"/>
+    <cs:fontRef idx="minor">
+      <a:schemeClr val="tx1"/>
+    </cs:fontRef>
+    <cs:spPr>
+      <a:ln w="9525" cap="flat" cmpd="sng" algn="ctr">
+        <a:solidFill>
+          <a:schemeClr val="tx1">
+            <a:lumMod val="35000"/>
+            <a:lumOff val="65000"/>
+          </a:schemeClr>
+        </a:solidFill>
+        <a:round/>
+      </a:ln>
+    </cs:spPr>
+  </cs:seriesLine>
+  <cs:title>
+    <cs:lnRef idx="0"/>
+    <cs:fillRef idx="0"/>
+    <cs:effectRef idx="0"/>
+    <cs:fontRef idx="minor">
+      <a:schemeClr val="tx1">
+        <a:lumMod val="65000"/>
+        <a:lumOff val="35000"/>
+      </a:schemeClr>
+    </cs:fontRef>
+    <cs:defRPr sz="1400" b="0" kern="1200" spc="0" baseline="0"/>
+  </cs:title>
+  <cs:trendline>
+    <cs:lnRef idx="0">
+      <cs:styleClr val="auto"/>
+    </cs:lnRef>
+    <cs:fillRef idx="0"/>
+    <cs:effectRef idx="0"/>
+    <cs:fontRef idx="minor">
+      <a:schemeClr val="tx1"/>
+    </cs:fontRef>
+    <cs:spPr>
+      <a:ln w="19050" cap="rnd">
+        <a:solidFill>
+          <a:schemeClr val="phClr"/>
+        </a:solidFill>
+        <a:prstDash val="sysDot"/>
+      </a:ln>
+    </cs:spPr>
+  </cs:trendline>
+  <cs:trendlineLabel>
+    <cs:lnRef idx="0"/>
+    <cs:fillRef idx="0"/>
+    <cs:effectRef idx="0"/>
+    <cs:fontRef idx="minor">
+      <a:schemeClr val="tx1">
+        <a:lumMod val="65000"/>
+        <a:lumOff val="35000"/>
+      </a:schemeClr>
+    </cs:fontRef>
+    <cs:defRPr sz="900" kern="1200"/>
+  </cs:trendlineLabel>
+  <cs:upBar>
+    <cs:lnRef idx="0"/>
+    <cs:fillRef idx="0"/>
+    <cs:effectRef idx="0"/>
+    <cs:fontRef idx="minor">
+      <a:schemeClr val="tx1"/>
+    </cs:fontRef>
+    <cs:spPr>
+      <a:solidFill>
+        <a:schemeClr val="lt1"/>
+      </a:solidFill>
+      <a:ln w="9525" cap="flat" cmpd="sng" algn="ctr">
+        <a:solidFill>
+          <a:schemeClr val="tx1">
+            <a:lumMod val="65000"/>
+            <a:lumOff val="35000"/>
+          </a:schemeClr>
+        </a:solidFill>
+        <a:round/>
+      </a:ln>
+    </cs:spPr>
+  </cs:upBar>
+  <cs:valueAxis>
+    <cs:lnRef idx="0"/>
+    <cs:fillRef idx="0"/>
+    <cs:effectRef idx="0"/>
+    <cs:fontRef idx="minor">
+      <a:schemeClr val="tx1">
+        <a:lumMod val="65000"/>
+        <a:lumOff val="35000"/>
+      </a:schemeClr>
+    </cs:fontRef>
+    <cs:spPr>
+      <a:ln w="9525" cap="flat" cmpd="sng" algn="ctr">
+        <a:solidFill>
+          <a:schemeClr val="tx1">
+            <a:lumMod val="25000"/>
+            <a:lumOff val="75000"/>
+          </a:schemeClr>
+        </a:solidFill>
+        <a:round/>
+      </a:ln>
+    </cs:spPr>
+    <cs:defRPr sz="900" kern="1200"/>
+  </cs:valueAxis>
+  <cs:wall>
+    <cs:lnRef idx="0"/>
+    <cs:fillRef idx="0"/>
+    <cs:effectRef idx="0"/>
+    <cs:fontRef idx="minor">
+      <a:schemeClr val="tx1"/>
+    </cs:fontRef>
+    <cs:spPr>
+      <a:noFill/>
+      <a:ln>
+        <a:noFill/>
+      </a:ln>
+    </cs:spPr>
+  </cs:wall>
+</cs:chartStyle>
+</file>
+
+<file path=ppt/charts/style11.xml><?xml version="1.0" encoding="utf-8"?>
+<cs:chartStyle xmlns:cs="http://schemas.microsoft.com/office/drawing/2012/chartStyle" xmlns:a="http://schemas.openxmlformats.org/drawingml/2006/main" id="240">
+  <cs:axisTitle>
+    <cs:lnRef idx="0"/>
+    <cs:fillRef idx="0"/>
+    <cs:effectRef idx="0"/>
+    <cs:fontRef idx="minor">
+      <a:schemeClr val="tx1">
+        <a:lumMod val="65000"/>
+        <a:lumOff val="35000"/>
+      </a:schemeClr>
+    </cs:fontRef>
+    <cs:defRPr sz="1000" kern="1200"/>
+  </cs:axisTitle>
+  <cs:categoryAxis>
+    <cs:lnRef idx="0"/>
+    <cs:fillRef idx="0"/>
+    <cs:effectRef idx="0"/>
+    <cs:fontRef idx="minor">
+      <a:schemeClr val="tx1">
+        <a:lumMod val="65000"/>
+        <a:lumOff val="35000"/>
+      </a:schemeClr>
+    </cs:fontRef>
+    <cs:spPr>
+      <a:ln w="9525" cap="flat" cmpd="sng" algn="ctr">
+        <a:solidFill>
+          <a:schemeClr val="tx1">
+            <a:lumMod val="25000"/>
+            <a:lumOff val="75000"/>
+          </a:schemeClr>
+        </a:solidFill>
+        <a:round/>
+      </a:ln>
+    </cs:spPr>
+    <cs:defRPr sz="900" kern="1200"/>
+  </cs:categoryAxis>
+  <cs:chartArea mods="allowNoFillOverride allowNoLineOverride">
+    <cs:lnRef idx="0"/>
+    <cs:fillRef idx="0"/>
+    <cs:effectRef idx="0"/>
+    <cs:fontRef idx="minor">
+      <a:schemeClr val="tx1"/>
+    </cs:fontRef>
+    <cs:spPr>
+      <a:solidFill>
+        <a:schemeClr val="bg1"/>
+      </a:solidFill>
+      <a:ln w="9525" cap="flat" cmpd="sng" algn="ctr">
+        <a:solidFill>
+          <a:schemeClr val="tx1">
+            <a:lumMod val="15000"/>
+            <a:lumOff val="85000"/>
+          </a:schemeClr>
+        </a:solidFill>
+        <a:round/>
+      </a:ln>
+    </cs:spPr>
+    <cs:defRPr sz="1000" kern="1200"/>
+  </cs:chartArea>
+  <cs:dataLabel>
+    <cs:lnRef idx="0"/>
+    <cs:fillRef idx="0"/>
+    <cs:effectRef idx="0"/>
+    <cs:fontRef idx="minor">
+      <a:schemeClr val="tx1">
+        <a:lumMod val="75000"/>
+        <a:lumOff val="25000"/>
+      </a:schemeClr>
+    </cs:fontRef>
+    <cs:defRPr sz="900" kern="1200"/>
+  </cs:dataLabel>
+  <cs:dataLabelCallout>
+    <cs:lnRef idx="0"/>
+    <cs:fillRef idx="0"/>
+    <cs:effectRef idx="0"/>
+    <cs:fontRef idx="minor">
+      <a:schemeClr val="dk1">
+        <a:lumMod val="65000"/>
+        <a:lumOff val="35000"/>
+      </a:schemeClr>
+    </cs:fontRef>
+    <cs:spPr>
+      <a:solidFill>
+        <a:schemeClr val="lt1"/>
+      </a:solidFill>
+      <a:ln>
+        <a:solidFill>
+          <a:schemeClr val="dk1">
+            <a:lumMod val="25000"/>
+            <a:lumOff val="75000"/>
+          </a:schemeClr>
+        </a:solidFill>
+      </a:ln>
+    </cs:spPr>
+    <cs:defRPr sz="900" kern="1200"/>
+    <cs:bodyPr rot="0" spcFirstLastPara="1" vertOverflow="clip" horzOverflow="clip" vert="horz" wrap="square" lIns="36576" tIns="18288" rIns="36576" bIns="18288" anchor="ctr" anchorCtr="1">
+      <a:spAutoFit/>
+    </cs:bodyPr>
+  </cs:dataLabelCallout>
+  <cs:dataPoint>
+    <cs:lnRef idx="0"/>
+    <cs:fillRef idx="1">
+      <cs:styleClr val="auto"/>
+    </cs:fillRef>
+    <cs:effectRef idx="0"/>
+    <cs:fontRef idx="minor">
+      <a:schemeClr val="tx1"/>
+    </cs:fontRef>
+  </cs:dataPoint>
+  <cs:dataPoint3D>
+    <cs:lnRef idx="0"/>
+    <cs:fillRef idx="1">
+      <cs:styleClr val="auto"/>
+    </cs:fillRef>
+    <cs:effectRef idx="0"/>
+    <cs:fontRef idx="minor">
+      <a:schemeClr val="tx1"/>
+    </cs:fontRef>
+  </cs:dataPoint3D>
+  <cs:dataPointLine>
+    <cs:lnRef idx="0">
+      <cs:styleClr val="auto"/>
+    </cs:lnRef>
+    <cs:fillRef idx="1"/>
+    <cs:effectRef idx="0"/>
+    <cs:fontRef idx="minor">
+      <a:schemeClr val="tx1"/>
+    </cs:fontRef>
+    <cs:spPr>
+      <a:ln w="19050" cap="rnd">
+        <a:solidFill>
+          <a:schemeClr val="phClr"/>
+        </a:solidFill>
+        <a:round/>
+      </a:ln>
+    </cs:spPr>
+  </cs:dataPointLine>
+  <cs:dataPointMarker>
+    <cs:lnRef idx="0">
+      <cs:styleClr val="auto"/>
+    </cs:lnRef>
+    <cs:fillRef idx="1">
+      <cs:styleClr val="auto"/>
+    </cs:fillRef>
+    <cs:effectRef idx="0"/>
+    <cs:fontRef idx="minor">
+      <a:schemeClr val="tx1"/>
+    </cs:fontRef>
+    <cs:spPr>
+      <a:ln w="9525">
+        <a:solidFill>
+          <a:schemeClr val="phClr"/>
+        </a:solidFill>
+      </a:ln>
+    </cs:spPr>
+  </cs:dataPointMarker>
+  <cs:dataPointMarkerLayout symbol="circle" size="5"/>
+  <cs:dataPointWireframe>
+    <cs:lnRef idx="0">
+      <cs:styleClr val="auto"/>
+    </cs:lnRef>
+    <cs:fillRef idx="0"/>
+    <cs:effectRef idx="0"/>
+    <cs:fontRef idx="minor">
+      <a:schemeClr val="dk1"/>
+    </cs:fontRef>
+    <cs:spPr>
+      <a:ln w="9525" cap="rnd">
+        <a:solidFill>
+          <a:schemeClr val="phClr"/>
+        </a:solidFill>
+        <a:round/>
+      </a:ln>
+    </cs:spPr>
+  </cs:dataPointWireframe>
+  <cs:dataTable>
+    <cs:lnRef idx="0"/>
+    <cs:fillRef idx="0"/>
+    <cs:effectRef idx="0"/>
+    <cs:fontRef idx="minor">
+      <a:schemeClr val="tx1">
+        <a:lumMod val="65000"/>
+        <a:lumOff val="35000"/>
+      </a:schemeClr>
+    </cs:fontRef>
+    <cs:spPr>
+      <a:noFill/>
+      <a:ln w="9525" cap="flat" cmpd="sng" algn="ctr">
+        <a:solidFill>
+          <a:schemeClr val="tx1">
+            <a:lumMod val="15000"/>
+            <a:lumOff val="85000"/>
+          </a:schemeClr>
+        </a:solidFill>
+        <a:round/>
+      </a:ln>
+    </cs:spPr>
+    <cs:defRPr sz="900" kern="1200"/>
+  </cs:dataTable>
+  <cs:downBar>
+    <cs:lnRef idx="0"/>
+    <cs:fillRef idx="0"/>
+    <cs:effectRef idx="0"/>
+    <cs:fontRef idx="minor">
+      <a:schemeClr val="tx1"/>
+    </cs:fontRef>
+    <cs:spPr>
+      <a:solidFill>
+        <a:schemeClr val="dk1">
+          <a:lumMod val="75000"/>
+          <a:lumOff val="25000"/>
+        </a:schemeClr>
+      </a:solidFill>
+      <a:ln w="9525" cap="flat" cmpd="sng" algn="ctr">
+        <a:solidFill>
+          <a:schemeClr val="tx1">
+            <a:lumMod val="65000"/>
+            <a:lumOff val="35000"/>
+          </a:schemeClr>
+        </a:solidFill>
+        <a:round/>
+      </a:ln>
+    </cs:spPr>
+  </cs:downBar>
+  <cs:dropLine>
+    <cs:lnRef idx="0"/>
+    <cs:fillRef idx="0"/>
+    <cs:effectRef idx="0"/>
+    <cs:fontRef idx="minor">
+      <a:schemeClr val="tx1"/>
+    </cs:fontRef>
+    <cs:spPr>
+      <a:ln w="9525" cap="flat" cmpd="sng" algn="ctr">
+        <a:solidFill>
+          <a:schemeClr val="tx1">
+            <a:lumMod val="35000"/>
+            <a:lumOff val="65000"/>
+          </a:schemeClr>
+        </a:solidFill>
+        <a:round/>
+      </a:ln>
+    </cs:spPr>
+  </cs:dropLine>
+  <cs:errorBar>
+    <cs:lnRef idx="0"/>
+    <cs:fillRef idx="0"/>
+    <cs:effectRef idx="0"/>
+    <cs:fontRef idx="minor">
+      <a:schemeClr val="tx1"/>
+    </cs:fontRef>
+    <cs:spPr>
+      <a:ln w="9525" cap="flat" cmpd="sng" algn="ctr">
+        <a:solidFill>
+          <a:schemeClr val="tx1">
+            <a:lumMod val="65000"/>
+            <a:lumOff val="35000"/>
+          </a:schemeClr>
+        </a:solidFill>
+        <a:round/>
+      </a:ln>
+    </cs:spPr>
+  </cs:errorBar>
+  <cs:floor>
+    <cs:lnRef idx="0"/>
+    <cs:fillRef idx="0"/>
+    <cs:effectRef idx="0"/>
+    <cs:fontRef idx="minor">
+      <a:schemeClr val="tx1"/>
+    </cs:fontRef>
+    <cs:spPr>
+      <a:noFill/>
+      <a:ln>
+        <a:noFill/>
+      </a:ln>
+    </cs:spPr>
+  </cs:floor>
+  <cs:gridlineMajor>
+    <cs:lnRef idx="0"/>
+    <cs:fillRef idx="0"/>
+    <cs:effectRef idx="0"/>
+    <cs:fontRef idx="minor">
+      <a:schemeClr val="tx1"/>
+    </cs:fontRef>
+    <cs:spPr>
+      <a:ln w="9525" cap="flat" cmpd="sng" algn="ctr">
+        <a:solidFill>
+          <a:schemeClr val="tx1">
+            <a:lumMod val="15000"/>
+            <a:lumOff val="85000"/>
+          </a:schemeClr>
+        </a:solidFill>
+        <a:round/>
+      </a:ln>
+    </cs:spPr>
+  </cs:gridlineMajor>
+  <cs:gridlineMinor>
+    <cs:lnRef idx="0"/>
+    <cs:fillRef idx="0"/>
+    <cs:effectRef idx="0"/>
+    <cs:fontRef idx="minor">
+      <a:schemeClr val="tx1"/>
+    </cs:fontRef>
+    <cs:spPr>
+      <a:ln w="9525" cap="flat" cmpd="sng" algn="ctr">
+        <a:solidFill>
+          <a:schemeClr val="tx1">
+            <a:lumMod val="5000"/>
+            <a:lumOff val="95000"/>
+          </a:schemeClr>
+        </a:solidFill>
+        <a:round/>
+      </a:ln>
+    </cs:spPr>
+  </cs:gridlineMinor>
+  <cs:hiLoLine>
+    <cs:lnRef idx="0"/>
+    <cs:fillRef idx="0"/>
+    <cs:effectRef idx="0"/>
+    <cs:fontRef idx="minor">
+      <a:schemeClr val="tx1"/>
+    </cs:fontRef>
+    <cs:spPr>
+      <a:ln w="9525" cap="flat" cmpd="sng" algn="ctr">
+        <a:solidFill>
+          <a:schemeClr val="tx1">
+            <a:lumMod val="50000"/>
+            <a:lumOff val="50000"/>
+          </a:schemeClr>
+        </a:solidFill>
+        <a:round/>
+      </a:ln>
+    </cs:spPr>
+  </cs:hiLoLine>
+  <cs:leaderLine>
+    <cs:lnRef idx="0"/>
+    <cs:fillRef idx="0"/>
+    <cs:effectRef idx="0"/>
+    <cs:fontRef idx="minor">
+      <a:schemeClr val="tx1"/>
+    </cs:fontRef>
+    <cs:spPr>
+      <a:ln w="9525" cap="flat" cmpd="sng" algn="ctr">
+        <a:solidFill>
+          <a:schemeClr val="tx1">
+            <a:lumMod val="35000"/>
+            <a:lumOff val="65000"/>
+          </a:schemeClr>
+        </a:solidFill>
+        <a:round/>
+      </a:ln>
+    </cs:spPr>
+  </cs:leaderLine>
+  <cs:legend>
+    <cs:lnRef idx="0"/>
+    <cs:fillRef idx="0"/>
+    <cs:effectRef idx="0"/>
+    <cs:fontRef idx="minor">
+      <a:schemeClr val="tx1">
+        <a:lumMod val="65000"/>
+        <a:lumOff val="35000"/>
+      </a:schemeClr>
+    </cs:fontRef>
+    <cs:defRPr sz="900" kern="1200"/>
+  </cs:legend>
+  <cs:plotArea mods="allowNoFillOverride allowNoLineOverride">
+    <cs:lnRef idx="0"/>
+    <cs:fillRef idx="0"/>
+    <cs:effectRef idx="0"/>
+    <cs:fontRef idx="minor">
+      <a:schemeClr val="tx1"/>
+    </cs:fontRef>
+  </cs:plotArea>
+  <cs:plotArea3D mods="allowNoFillOverride allowNoLineOverride">
+    <cs:lnRef idx="0"/>
+    <cs:fillRef idx="0"/>
+    <cs:effectRef idx="0"/>
+    <cs:fontRef idx="minor">
+      <a:schemeClr val="tx1"/>
+    </cs:fontRef>
+  </cs:plotArea3D>
+  <cs:seriesAxis>
+    <cs:lnRef idx="0"/>
+    <cs:fillRef idx="0"/>
+    <cs:effectRef idx="0"/>
+    <cs:fontRef idx="minor">
+      <a:schemeClr val="tx1">
+        <a:lumMod val="65000"/>
+        <a:lumOff val="35000"/>
+      </a:schemeClr>
+    </cs:fontRef>
+    <cs:defRPr sz="900" kern="1200"/>
+  </cs:seriesAxis>
+  <cs:seriesLine>
+    <cs:lnRef idx="0"/>
+    <cs:fillRef idx="0"/>
+    <cs:effectRef idx="0"/>
+    <cs:fontRef idx="minor">
+      <a:schemeClr val="tx1"/>
+    </cs:fontRef>
+    <cs:spPr>
+      <a:ln w="9525" cap="flat" cmpd="sng" algn="ctr">
+        <a:solidFill>
+          <a:schemeClr val="tx1">
+            <a:lumMod val="35000"/>
+            <a:lumOff val="65000"/>
+          </a:schemeClr>
+        </a:solidFill>
+        <a:round/>
+      </a:ln>
+    </cs:spPr>
+  </cs:seriesLine>
+  <cs:title>
+    <cs:lnRef idx="0"/>
+    <cs:fillRef idx="0"/>
+    <cs:effectRef idx="0"/>
+    <cs:fontRef idx="minor">
+      <a:schemeClr val="tx1">
+        <a:lumMod val="65000"/>
+        <a:lumOff val="35000"/>
+      </a:schemeClr>
+    </cs:fontRef>
+    <cs:defRPr sz="1400" b="0" kern="1200" spc="0" baseline="0"/>
+  </cs:title>
+  <cs:trendline>
+    <cs:lnRef idx="0">
+      <cs:styleClr val="auto"/>
+    </cs:lnRef>
+    <cs:fillRef idx="0"/>
+    <cs:effectRef idx="0"/>
+    <cs:fontRef idx="minor">
+      <a:schemeClr val="tx1"/>
+    </cs:fontRef>
+    <cs:spPr>
+      <a:ln w="19050" cap="rnd">
+        <a:solidFill>
+          <a:schemeClr val="phClr"/>
+        </a:solidFill>
+        <a:prstDash val="sysDot"/>
+      </a:ln>
+    </cs:spPr>
+  </cs:trendline>
+  <cs:trendlineLabel>
+    <cs:lnRef idx="0"/>
+    <cs:fillRef idx="0"/>
+    <cs:effectRef idx="0"/>
+    <cs:fontRef idx="minor">
+      <a:schemeClr val="tx1">
+        <a:lumMod val="65000"/>
+        <a:lumOff val="35000"/>
+      </a:schemeClr>
+    </cs:fontRef>
+    <cs:defRPr sz="900" kern="1200"/>
+  </cs:trendlineLabel>
+  <cs:upBar>
+    <cs:lnRef idx="0"/>
+    <cs:fillRef idx="0"/>
+    <cs:effectRef idx="0"/>
+    <cs:fontRef idx="minor">
+      <a:schemeClr val="tx1"/>
+    </cs:fontRef>
+    <cs:spPr>
+      <a:solidFill>
+        <a:schemeClr val="lt1"/>
+      </a:solidFill>
+      <a:ln w="9525" cap="flat" cmpd="sng" algn="ctr">
+        <a:solidFill>
+          <a:schemeClr val="tx1">
+            <a:lumMod val="65000"/>
+            <a:lumOff val="35000"/>
+          </a:schemeClr>
+        </a:solidFill>
+        <a:round/>
+      </a:ln>
+    </cs:spPr>
+  </cs:upBar>
+  <cs:valueAxis>
+    <cs:lnRef idx="0"/>
+    <cs:fillRef idx="0"/>
+    <cs:effectRef idx="0"/>
+    <cs:fontRef idx="minor">
+      <a:schemeClr val="tx1">
+        <a:lumMod val="65000"/>
+        <a:lumOff val="35000"/>
+      </a:schemeClr>
+    </cs:fontRef>
+    <cs:spPr>
+      <a:ln w="9525" cap="flat" cmpd="sng" algn="ctr">
+        <a:solidFill>
+          <a:schemeClr val="tx1">
+            <a:lumMod val="25000"/>
+            <a:lumOff val="75000"/>
+          </a:schemeClr>
+        </a:solidFill>
+        <a:round/>
+      </a:ln>
+    </cs:spPr>
+    <cs:defRPr sz="900" kern="1200"/>
+  </cs:valueAxis>
+  <cs:wall>
+    <cs:lnRef idx="0"/>
+    <cs:fillRef idx="0"/>
+    <cs:effectRef idx="0"/>
+    <cs:fontRef idx="minor">
+      <a:schemeClr val="tx1"/>
+    </cs:fontRef>
+    <cs:spPr>
+      <a:noFill/>
+      <a:ln>
+        <a:noFill/>
+      </a:ln>
+    </cs:spPr>
+  </cs:wall>
+</cs:chartStyle>
+</file>
+
+<file path=ppt/charts/style12.xml><?xml version="1.0" encoding="utf-8"?>
+<cs:chartStyle xmlns:cs="http://schemas.microsoft.com/office/drawing/2012/chartStyle" xmlns:a="http://schemas.openxmlformats.org/drawingml/2006/main" id="240">
+  <cs:axisTitle>
+    <cs:lnRef idx="0"/>
+    <cs:fillRef idx="0"/>
+    <cs:effectRef idx="0"/>
+    <cs:fontRef idx="minor">
+      <a:schemeClr val="tx1">
+        <a:lumMod val="65000"/>
+        <a:lumOff val="35000"/>
+      </a:schemeClr>
+    </cs:fontRef>
+    <cs:defRPr sz="1000" kern="1200"/>
+  </cs:axisTitle>
+  <cs:categoryAxis>
+    <cs:lnRef idx="0"/>
+    <cs:fillRef idx="0"/>
+    <cs:effectRef idx="0"/>
+    <cs:fontRef idx="minor">
+      <a:schemeClr val="tx1">
+        <a:lumMod val="65000"/>
+        <a:lumOff val="35000"/>
+      </a:schemeClr>
+    </cs:fontRef>
+    <cs:spPr>
+      <a:ln w="9525" cap="flat" cmpd="sng" algn="ctr">
+        <a:solidFill>
+          <a:schemeClr val="tx1">
+            <a:lumMod val="25000"/>
+            <a:lumOff val="75000"/>
+          </a:schemeClr>
+        </a:solidFill>
+        <a:round/>
+      </a:ln>
+    </cs:spPr>
+    <cs:defRPr sz="900" kern="1200"/>
+  </cs:categoryAxis>
+  <cs:chartArea mods="allowNoFillOverride allowNoLineOverride">
+    <cs:lnRef idx="0"/>
+    <cs:fillRef idx="0"/>
+    <cs:effectRef idx="0"/>
+    <cs:fontRef idx="minor">
+      <a:schemeClr val="tx1"/>
+    </cs:fontRef>
+    <cs:spPr>
+      <a:solidFill>
+        <a:schemeClr val="bg1"/>
+      </a:solidFill>
+      <a:ln w="9525" cap="flat" cmpd="sng" algn="ctr">
+        <a:solidFill>
+          <a:schemeClr val="tx1">
+            <a:lumMod val="15000"/>
+            <a:lumOff val="85000"/>
+          </a:schemeClr>
+        </a:solidFill>
+        <a:round/>
+      </a:ln>
+    </cs:spPr>
+    <cs:defRPr sz="1000" kern="1200"/>
+  </cs:chartArea>
+  <cs:dataLabel>
+    <cs:lnRef idx="0"/>
+    <cs:fillRef idx="0"/>
+    <cs:effectRef idx="0"/>
+    <cs:fontRef idx="minor">
+      <a:schemeClr val="tx1">
+        <a:lumMod val="75000"/>
+        <a:lumOff val="25000"/>
+      </a:schemeClr>
+    </cs:fontRef>
+    <cs:defRPr sz="900" kern="1200"/>
+  </cs:dataLabel>
+  <cs:dataLabelCallout>
+    <cs:lnRef idx="0"/>
+    <cs:fillRef idx="0"/>
+    <cs:effectRef idx="0"/>
+    <cs:fontRef idx="minor">
+      <a:schemeClr val="dk1">
+        <a:lumMod val="65000"/>
+        <a:lumOff val="35000"/>
+      </a:schemeClr>
+    </cs:fontRef>
+    <cs:spPr>
+      <a:solidFill>
+        <a:schemeClr val="lt1"/>
+      </a:solidFill>
+      <a:ln>
+        <a:solidFill>
+          <a:schemeClr val="dk1">
+            <a:lumMod val="25000"/>
+            <a:lumOff val="75000"/>
+          </a:schemeClr>
+        </a:solidFill>
+      </a:ln>
+    </cs:spPr>
+    <cs:defRPr sz="900" kern="1200"/>
+    <cs:bodyPr rot="0" spcFirstLastPara="1" vertOverflow="clip" horzOverflow="clip" vert="horz" wrap="square" lIns="36576" tIns="18288" rIns="36576" bIns="18288" anchor="ctr" anchorCtr="1">
+      <a:spAutoFit/>
+    </cs:bodyPr>
+  </cs:dataLabelCallout>
+  <cs:dataPoint>
+    <cs:lnRef idx="0"/>
+    <cs:fillRef idx="1">
+      <cs:styleClr val="auto"/>
+    </cs:fillRef>
+    <cs:effectRef idx="0"/>
+    <cs:fontRef idx="minor">
+      <a:schemeClr val="tx1"/>
+    </cs:fontRef>
+  </cs:dataPoint>
+  <cs:dataPoint3D>
+    <cs:lnRef idx="0"/>
+    <cs:fillRef idx="1">
+      <cs:styleClr val="auto"/>
+    </cs:fillRef>
+    <cs:effectRef idx="0"/>
+    <cs:fontRef idx="minor">
+      <a:schemeClr val="tx1"/>
+    </cs:fontRef>
+  </cs:dataPoint3D>
+  <cs:dataPointLine>
+    <cs:lnRef idx="0">
+      <cs:styleClr val="auto"/>
+    </cs:lnRef>
+    <cs:fillRef idx="1"/>
+    <cs:effectRef idx="0"/>
+    <cs:fontRef idx="minor">
+      <a:schemeClr val="tx1"/>
+    </cs:fontRef>
+    <cs:spPr>
+      <a:ln w="19050" cap="rnd">
+        <a:solidFill>
+          <a:schemeClr val="phClr"/>
+        </a:solidFill>
+        <a:round/>
+      </a:ln>
+    </cs:spPr>
+  </cs:dataPointLine>
+  <cs:dataPointMarker>
+    <cs:lnRef idx="0">
+      <cs:styleClr val="auto"/>
+    </cs:lnRef>
+    <cs:fillRef idx="1">
+      <cs:styleClr val="auto"/>
+    </cs:fillRef>
+    <cs:effectRef idx="0"/>
+    <cs:fontRef idx="minor">
+      <a:schemeClr val="tx1"/>
+    </cs:fontRef>
+    <cs:spPr>
+      <a:ln w="9525">
+        <a:solidFill>
+          <a:schemeClr val="phClr"/>
+        </a:solidFill>
+      </a:ln>
+    </cs:spPr>
+  </cs:dataPointMarker>
+  <cs:dataPointMarkerLayout symbol="circle" size="5"/>
+  <cs:dataPointWireframe>
+    <cs:lnRef idx="0">
+      <cs:styleClr val="auto"/>
+    </cs:lnRef>
+    <cs:fillRef idx="0"/>
+    <cs:effectRef idx="0"/>
+    <cs:fontRef idx="minor">
+      <a:schemeClr val="dk1"/>
+    </cs:fontRef>
+    <cs:spPr>
+      <a:ln w="9525" cap="rnd">
+        <a:solidFill>
+          <a:schemeClr val="phClr"/>
+        </a:solidFill>
+        <a:round/>
+      </a:ln>
+    </cs:spPr>
+  </cs:dataPointWireframe>
+  <cs:dataTable>
+    <cs:lnRef idx="0"/>
+    <cs:fillRef idx="0"/>
+    <cs:effectRef idx="0"/>
+    <cs:fontRef idx="minor">
+      <a:schemeClr val="tx1">
+        <a:lumMod val="65000"/>
+        <a:lumOff val="35000"/>
+      </a:schemeClr>
+    </cs:fontRef>
+    <cs:spPr>
+      <a:noFill/>
+      <a:ln w="9525" cap="flat" cmpd="sng" algn="ctr">
+        <a:solidFill>
+          <a:schemeClr val="tx1">
+            <a:lumMod val="15000"/>
+            <a:lumOff val="85000"/>
+          </a:schemeClr>
+        </a:solidFill>
+        <a:round/>
+      </a:ln>
+    </cs:spPr>
+    <cs:defRPr sz="900" kern="1200"/>
+  </cs:dataTable>
+  <cs:downBar>
+    <cs:lnRef idx="0"/>
+    <cs:fillRef idx="0"/>
+    <cs:effectRef idx="0"/>
+    <cs:fontRef idx="minor">
+      <a:schemeClr val="tx1"/>
+    </cs:fontRef>
+    <cs:spPr>
+      <a:solidFill>
+        <a:schemeClr val="dk1">
+          <a:lumMod val="75000"/>
+          <a:lumOff val="25000"/>
+        </a:schemeClr>
+      </a:solidFill>
+      <a:ln w="9525" cap="flat" cmpd="sng" algn="ctr">
+        <a:solidFill>
+          <a:schemeClr val="tx1">
+            <a:lumMod val="65000"/>
+            <a:lumOff val="35000"/>
+          </a:schemeClr>
+        </a:solidFill>
+        <a:round/>
+      </a:ln>
+    </cs:spPr>
+  </cs:downBar>
+  <cs:dropLine>
+    <cs:lnRef idx="0"/>
+    <cs:fillRef idx="0"/>
+    <cs:effectRef idx="0"/>
+    <cs:fontRef idx="minor">
+      <a:schemeClr val="tx1"/>
+    </cs:fontRef>
+    <cs:spPr>
+      <a:ln w="9525" cap="flat" cmpd="sng" algn="ctr">
+        <a:solidFill>
+          <a:schemeClr val="tx1">
+            <a:lumMod val="35000"/>
+            <a:lumOff val="65000"/>
+          </a:schemeClr>
+        </a:solidFill>
+        <a:round/>
+      </a:ln>
+    </cs:spPr>
+  </cs:dropLine>
+  <cs:errorBar>
+    <cs:lnRef idx="0"/>
+    <cs:fillRef idx="0"/>
+    <cs:effectRef idx="0"/>
+    <cs:fontRef idx="minor">
+      <a:schemeClr val="tx1"/>
+    </cs:fontRef>
+    <cs:spPr>
+      <a:ln w="9525" cap="flat" cmpd="sng" algn="ctr">
+        <a:solidFill>
+          <a:schemeClr val="tx1">
+            <a:lumMod val="65000"/>
+            <a:lumOff val="35000"/>
+          </a:schemeClr>
+        </a:solidFill>
+        <a:round/>
+      </a:ln>
+    </cs:spPr>
+  </cs:errorBar>
+  <cs:floor>
+    <cs:lnRef idx="0"/>
+    <cs:fillRef idx="0"/>
+    <cs:effectRef idx="0"/>
+    <cs:fontRef idx="minor">
+      <a:schemeClr val="tx1"/>
+    </cs:fontRef>
+    <cs:spPr>
+      <a:noFill/>
+      <a:ln>
+        <a:noFill/>
+      </a:ln>
+    </cs:spPr>
+  </cs:floor>
+  <cs:gridlineMajor>
+    <cs:lnRef idx="0"/>
+    <cs:fillRef idx="0"/>
+    <cs:effectRef idx="0"/>
+    <cs:fontRef idx="minor">
+      <a:schemeClr val="tx1"/>
+    </cs:fontRef>
+    <cs:spPr>
+      <a:ln w="9525" cap="flat" cmpd="sng" algn="ctr">
+        <a:solidFill>
+          <a:schemeClr val="tx1">
+            <a:lumMod val="15000"/>
+            <a:lumOff val="85000"/>
+          </a:schemeClr>
+        </a:solidFill>
+        <a:round/>
+      </a:ln>
+    </cs:spPr>
+  </cs:gridlineMajor>
+  <cs:gridlineMinor>
+    <cs:lnRef idx="0"/>
+    <cs:fillRef idx="0"/>
+    <cs:effectRef idx="0"/>
+    <cs:fontRef idx="minor">
+      <a:schemeClr val="tx1"/>
+    </cs:fontRef>
+    <cs:spPr>
+      <a:ln w="9525" cap="flat" cmpd="sng" algn="ctr">
+        <a:solidFill>
+          <a:schemeClr val="tx1">
+            <a:lumMod val="5000"/>
+            <a:lumOff val="95000"/>
+          </a:schemeClr>
+        </a:solidFill>
+        <a:round/>
+      </a:ln>
+    </cs:spPr>
+  </cs:gridlineMinor>
+  <cs:hiLoLine>
+    <cs:lnRef idx="0"/>
+    <cs:fillRef idx="0"/>
+    <cs:effectRef idx="0"/>
+    <cs:fontRef idx="minor">
+      <a:schemeClr val="tx1"/>
+    </cs:fontRef>
+    <cs:spPr>
+      <a:ln w="9525" cap="flat" cmpd="sng" algn="ctr">
+        <a:solidFill>
+          <a:schemeClr val="tx1">
+            <a:lumMod val="50000"/>
+            <a:lumOff val="50000"/>
+          </a:schemeClr>
+        </a:solidFill>
+        <a:round/>
+      </a:ln>
+    </cs:spPr>
+  </cs:hiLoLine>
+  <cs:leaderLine>
+    <cs:lnRef idx="0"/>
+    <cs:fillRef idx="0"/>
+    <cs:effectRef idx="0"/>
+    <cs:fontRef idx="minor">
+      <a:schemeClr val="tx1"/>
+    </cs:fontRef>
+    <cs:spPr>
+      <a:ln w="9525" cap="flat" cmpd="sng" algn="ctr">
+        <a:solidFill>
+          <a:schemeClr val="tx1">
+            <a:lumMod val="35000"/>
+            <a:lumOff val="65000"/>
+          </a:schemeClr>
+        </a:solidFill>
+        <a:round/>
+      </a:ln>
+    </cs:spPr>
+  </cs:leaderLine>
+  <cs:legend>
+    <cs:lnRef idx="0"/>
+    <cs:fillRef idx="0"/>
+    <cs:effectRef idx="0"/>
+    <cs:fontRef idx="minor">
+      <a:schemeClr val="tx1">
+        <a:lumMod val="65000"/>
+        <a:lumOff val="35000"/>
+      </a:schemeClr>
+    </cs:fontRef>
+    <cs:defRPr sz="900" kern="1200"/>
+  </cs:legend>
+  <cs:plotArea mods="allowNoFillOverride allowNoLineOverride">
+    <cs:lnRef idx="0"/>
+    <cs:fillRef idx="0"/>
+    <cs:effectRef idx="0"/>
+    <cs:fontRef idx="minor">
+      <a:schemeClr val="tx1"/>
+    </cs:fontRef>
+  </cs:plotArea>
+  <cs:plotArea3D mods="allowNoFillOverride allowNoLineOverride">
+    <cs:lnRef idx="0"/>
+    <cs:fillRef idx="0"/>
+    <cs:effectRef idx="0"/>
+    <cs:fontRef idx="minor">
+      <a:schemeClr val="tx1"/>
+    </cs:fontRef>
+  </cs:plotArea3D>
+  <cs:seriesAxis>
+    <cs:lnRef idx="0"/>
+    <cs:fillRef idx="0"/>
+    <cs:effectRef idx="0"/>
+    <cs:fontRef idx="minor">
+      <a:schemeClr val="tx1">
+        <a:lumMod val="65000"/>
+        <a:lumOff val="35000"/>
+      </a:schemeClr>
+    </cs:fontRef>
+    <cs:defRPr sz="900" kern="1200"/>
+  </cs:seriesAxis>
+  <cs:seriesLine>
+    <cs:lnRef idx="0"/>
+    <cs:fillRef idx="0"/>
+    <cs:effectRef idx="0"/>
+    <cs:fontRef idx="minor">
+      <a:schemeClr val="tx1"/>
+    </cs:fontRef>
+    <cs:spPr>
+      <a:ln w="9525" cap="flat" cmpd="sng" algn="ctr">
+        <a:solidFill>
+          <a:schemeClr val="tx1">
+            <a:lumMod val="35000"/>
+            <a:lumOff val="65000"/>
+          </a:schemeClr>
+        </a:solidFill>
+        <a:round/>
+      </a:ln>
+    </cs:spPr>
+  </cs:seriesLine>
+  <cs:title>
+    <cs:lnRef idx="0"/>
+    <cs:fillRef idx="0"/>
+    <cs:effectRef idx="0"/>
+    <cs:fontRef idx="minor">
+      <a:schemeClr val="tx1">
+        <a:lumMod val="65000"/>
+        <a:lumOff val="35000"/>
+      </a:schemeClr>
+    </cs:fontRef>
+    <cs:defRPr sz="1400" b="0" kern="1200" spc="0" baseline="0"/>
+  </cs:title>
+  <cs:trendline>
+    <cs:lnRef idx="0">
+      <cs:styleClr val="auto"/>
+    </cs:lnRef>
+    <cs:fillRef idx="0"/>
+    <cs:effectRef idx="0"/>
+    <cs:fontRef idx="minor">
+      <a:schemeClr val="tx1"/>
+    </cs:fontRef>
+    <cs:spPr>
+      <a:ln w="19050" cap="rnd">
+        <a:solidFill>
+          <a:schemeClr val="phClr"/>
+        </a:solidFill>
+        <a:prstDash val="sysDot"/>
+      </a:ln>
+    </cs:spPr>
+  </cs:trendline>
+  <cs:trendlineLabel>
+    <cs:lnRef idx="0"/>
+    <cs:fillRef idx="0"/>
+    <cs:effectRef idx="0"/>
+    <cs:fontRef idx="minor">
+      <a:schemeClr val="tx1">
+        <a:lumMod val="65000"/>
+        <a:lumOff val="35000"/>
+      </a:schemeClr>
+    </cs:fontRef>
+    <cs:defRPr sz="900" kern="1200"/>
+  </cs:trendlineLabel>
+  <cs:upBar>
+    <cs:lnRef idx="0"/>
+    <cs:fillRef idx="0"/>
+    <cs:effectRef idx="0"/>
+    <cs:fontRef idx="minor">
+      <a:schemeClr val="tx1"/>
+    </cs:fontRef>
+    <cs:spPr>
+      <a:solidFill>
+        <a:schemeClr val="lt1"/>
+      </a:solidFill>
+      <a:ln w="9525" cap="flat" cmpd="sng" algn="ctr">
+        <a:solidFill>
+          <a:schemeClr val="tx1">
+            <a:lumMod val="65000"/>
+            <a:lumOff val="35000"/>
+          </a:schemeClr>
+        </a:solidFill>
+        <a:round/>
+      </a:ln>
+    </cs:spPr>
+  </cs:upBar>
+  <cs:valueAxis>
+    <cs:lnRef idx="0"/>
+    <cs:fillRef idx="0"/>
+    <cs:effectRef idx="0"/>
+    <cs:fontRef idx="minor">
+      <a:schemeClr val="tx1">
+        <a:lumMod val="65000"/>
+        <a:lumOff val="35000"/>
+      </a:schemeClr>
+    </cs:fontRef>
+    <cs:spPr>
+      <a:ln w="9525" cap="flat" cmpd="sng" algn="ctr">
+        <a:solidFill>
+          <a:schemeClr val="tx1">
+            <a:lumMod val="25000"/>
+            <a:lumOff val="75000"/>
+          </a:schemeClr>
+        </a:solidFill>
+        <a:round/>
+      </a:ln>
+    </cs:spPr>
+    <cs:defRPr sz="900" kern="1200"/>
+  </cs:valueAxis>
+  <cs:wall>
+    <cs:lnRef idx="0"/>
+    <cs:fillRef idx="0"/>
+    <cs:effectRef idx="0"/>
+    <cs:fontRef idx="minor">
+      <a:schemeClr val="tx1"/>
+    </cs:fontRef>
+    <cs:spPr>
+      <a:noFill/>
+      <a:ln>
+        <a:noFill/>
+      </a:ln>
+    </cs:spPr>
+  </cs:wall>
+</cs:chartStyle>
+</file>
+
+<file path=ppt/charts/style13.xml><?xml version="1.0" encoding="utf-8"?>
+<cs:chartStyle xmlns:cs="http://schemas.microsoft.com/office/drawing/2012/chartStyle" xmlns:a="http://schemas.openxmlformats.org/drawingml/2006/main" id="240">
+  <cs:axisTitle>
+    <cs:lnRef idx="0"/>
+    <cs:fillRef idx="0"/>
+    <cs:effectRef idx="0"/>
+    <cs:fontRef idx="minor">
+      <a:schemeClr val="tx1">
+        <a:lumMod val="65000"/>
+        <a:lumOff val="35000"/>
+      </a:schemeClr>
+    </cs:fontRef>
+    <cs:defRPr sz="1000" kern="1200"/>
+  </cs:axisTitle>
+  <cs:categoryAxis>
+    <cs:lnRef idx="0"/>
+    <cs:fillRef idx="0"/>
+    <cs:effectRef idx="0"/>
+    <cs:fontRef idx="minor">
+      <a:schemeClr val="tx1">
+        <a:lumMod val="65000"/>
+        <a:lumOff val="35000"/>
+      </a:schemeClr>
+    </cs:fontRef>
+    <cs:spPr>
+      <a:ln w="9525" cap="flat" cmpd="sng" algn="ctr">
+        <a:solidFill>
+          <a:schemeClr val="tx1">
+            <a:lumMod val="25000"/>
+            <a:lumOff val="75000"/>
+          </a:schemeClr>
+        </a:solidFill>
+        <a:round/>
+      </a:ln>
+    </cs:spPr>
+    <cs:defRPr sz="900" kern="1200"/>
+  </cs:categoryAxis>
+  <cs:chartArea mods="allowNoFillOverride allowNoLineOverride">
+    <cs:lnRef idx="0"/>
+    <cs:fillRef idx="0"/>
+    <cs:effectRef idx="0"/>
+    <cs:fontRef idx="minor">
+      <a:schemeClr val="tx1"/>
+    </cs:fontRef>
+    <cs:spPr>
+      <a:solidFill>
+        <a:schemeClr val="bg1"/>
+      </a:solidFill>
+      <a:ln w="9525" cap="flat" cmpd="sng" algn="ctr">
+        <a:solidFill>
+          <a:schemeClr val="tx1">
+            <a:lumMod val="15000"/>
+            <a:lumOff val="85000"/>
+          </a:schemeClr>
+        </a:solidFill>
+        <a:round/>
+      </a:ln>
+    </cs:spPr>
+    <cs:defRPr sz="1000" kern="1200"/>
+  </cs:chartArea>
+  <cs:dataLabel>
+    <cs:lnRef idx="0"/>
+    <cs:fillRef idx="0"/>
+    <cs:effectRef idx="0"/>
+    <cs:fontRef idx="minor">
+      <a:schemeClr val="tx1">
+        <a:lumMod val="75000"/>
+        <a:lumOff val="25000"/>
+      </a:schemeClr>
+    </cs:fontRef>
+    <cs:defRPr sz="900" kern="1200"/>
+  </cs:dataLabel>
+  <cs:dataLabelCallout>
+    <cs:lnRef idx="0"/>
+    <cs:fillRef idx="0"/>
+    <cs:effectRef idx="0"/>
+    <cs:fontRef idx="minor">
+      <a:schemeClr val="dk1">
+        <a:lumMod val="65000"/>
+        <a:lumOff val="35000"/>
+      </a:schemeClr>
+    </cs:fontRef>
+    <cs:spPr>
+      <a:solidFill>
+        <a:schemeClr val="lt1"/>
+      </a:solidFill>
+      <a:ln>
+        <a:solidFill>
+          <a:schemeClr val="dk1">
+            <a:lumMod val="25000"/>
+            <a:lumOff val="75000"/>
+          </a:schemeClr>
+        </a:solidFill>
+      </a:ln>
+    </cs:spPr>
+    <cs:defRPr sz="900" kern="1200"/>
+    <cs:bodyPr rot="0" spcFirstLastPara="1" vertOverflow="clip" horzOverflow="clip" vert="horz" wrap="square" lIns="36576" tIns="18288" rIns="36576" bIns="18288" anchor="ctr" anchorCtr="1">
+      <a:spAutoFit/>
+    </cs:bodyPr>
+  </cs:dataLabelCallout>
+  <cs:dataPoint>
+    <cs:lnRef idx="0"/>
+    <cs:fillRef idx="1">
+      <cs:styleClr val="auto"/>
+    </cs:fillRef>
+    <cs:effectRef idx="0"/>
+    <cs:fontRef idx="minor">
+      <a:schemeClr val="tx1"/>
+    </cs:fontRef>
+  </cs:dataPoint>
+  <cs:dataPoint3D>
+    <cs:lnRef idx="0"/>
+    <cs:fillRef idx="1">
+      <cs:styleClr val="auto"/>
+    </cs:fillRef>
+    <cs:effectRef idx="0"/>
+    <cs:fontRef idx="minor">
+      <a:schemeClr val="tx1"/>
+    </cs:fontRef>
+  </cs:dataPoint3D>
+  <cs:dataPointLine>
+    <cs:lnRef idx="0">
+      <cs:styleClr val="auto"/>
+    </cs:lnRef>
+    <cs:fillRef idx="1"/>
+    <cs:effectRef idx="0"/>
+    <cs:fontRef idx="minor">
+      <a:schemeClr val="tx1"/>
+    </cs:fontRef>
+    <cs:spPr>
+      <a:ln w="19050" cap="rnd">
+        <a:solidFill>
+          <a:schemeClr val="phClr"/>
+        </a:solidFill>
+        <a:round/>
+      </a:ln>
+    </cs:spPr>
+  </cs:dataPointLine>
+  <cs:dataPointMarker>
+    <cs:lnRef idx="0">
+      <cs:styleClr val="auto"/>
+    </cs:lnRef>
+    <cs:fillRef idx="1">
+      <cs:styleClr val="auto"/>
+    </cs:fillRef>
+    <cs:effectRef idx="0"/>
+    <cs:fontRef idx="minor">
+      <a:schemeClr val="tx1"/>
+    </cs:fontRef>
+    <cs:spPr>
+      <a:ln w="9525">
+        <a:solidFill>
+          <a:schemeClr val="phClr"/>
+        </a:solidFill>
+      </a:ln>
+    </cs:spPr>
+  </cs:dataPointMarker>
+  <cs:dataPointMarkerLayout symbol="circle" size="5"/>
+  <cs:dataPointWireframe>
+    <cs:lnRef idx="0">
+      <cs:styleClr val="auto"/>
+    </cs:lnRef>
+    <cs:fillRef idx="0"/>
+    <cs:effectRef idx="0"/>
+    <cs:fontRef idx="minor">
+      <a:schemeClr val="dk1"/>
+    </cs:fontRef>
+    <cs:spPr>
+      <a:ln w="9525" cap="rnd">
+        <a:solidFill>
+          <a:schemeClr val="phClr"/>
+        </a:solidFill>
+        <a:round/>
+      </a:ln>
+    </cs:spPr>
+  </cs:dataPointWireframe>
+  <cs:dataTable>
+    <cs:lnRef idx="0"/>
+    <cs:fillRef idx="0"/>
+    <cs:effectRef idx="0"/>
+    <cs:fontRef idx="minor">
+      <a:schemeClr val="tx1">
+        <a:lumMod val="65000"/>
+        <a:lumOff val="35000"/>
+      </a:schemeClr>
+    </cs:fontRef>
+    <cs:spPr>
+      <a:noFill/>
+      <a:ln w="9525" cap="flat" cmpd="sng" algn="ctr">
+        <a:solidFill>
+          <a:schemeClr val="tx1">
+            <a:lumMod val="15000"/>
+            <a:lumOff val="85000"/>
+          </a:schemeClr>
+        </a:solidFill>
+        <a:round/>
+      </a:ln>
+    </cs:spPr>
+    <cs:defRPr sz="900" kern="1200"/>
+  </cs:dataTable>
+  <cs:downBar>
+    <cs:lnRef idx="0"/>
+    <cs:fillRef idx="0"/>
+    <cs:effectRef idx="0"/>
+    <cs:fontRef idx="minor">
+      <a:schemeClr val="tx1"/>
+    </cs:fontRef>
+    <cs:spPr>
+      <a:solidFill>
+        <a:schemeClr val="dk1">
+          <a:lumMod val="75000"/>
+          <a:lumOff val="25000"/>
+        </a:schemeClr>
+      </a:solidFill>
+      <a:ln w="9525" cap="flat" cmpd="sng" algn="ctr">
+        <a:solidFill>
+          <a:schemeClr val="tx1">
+            <a:lumMod val="65000"/>
+            <a:lumOff val="35000"/>
+          </a:schemeClr>
+        </a:solidFill>
+        <a:round/>
+      </a:ln>
+    </cs:spPr>
+  </cs:downBar>
+  <cs:dropLine>
+    <cs:lnRef idx="0"/>
+    <cs:fillRef idx="0"/>
+    <cs:effectRef idx="0"/>
+    <cs:fontRef idx="minor">
+      <a:schemeClr val="tx1"/>
+    </cs:fontRef>
+    <cs:spPr>
+      <a:ln w="9525" cap="flat" cmpd="sng" algn="ctr">
+        <a:solidFill>
+          <a:schemeClr val="tx1">
+            <a:lumMod val="35000"/>
+            <a:lumOff val="65000"/>
+          </a:schemeClr>
+        </a:solidFill>
+        <a:round/>
+      </a:ln>
+    </cs:spPr>
+  </cs:dropLine>
+  <cs:errorBar>
+    <cs:lnRef idx="0"/>
+    <cs:fillRef idx="0"/>
+    <cs:effectRef idx="0"/>
+    <cs:fontRef idx="minor">
+      <a:schemeClr val="tx1"/>
+    </cs:fontRef>
+    <cs:spPr>
+      <a:ln w="9525" cap="flat" cmpd="sng" algn="ctr">
+        <a:solidFill>
+          <a:schemeClr val="tx1">
+            <a:lumMod val="65000"/>
+            <a:lumOff val="35000"/>
+          </a:schemeClr>
+        </a:solidFill>
+        <a:round/>
+      </a:ln>
+    </cs:spPr>
+  </cs:errorBar>
+  <cs:floor>
+    <cs:lnRef idx="0"/>
+    <cs:fillRef idx="0"/>
+    <cs:effectRef idx="0"/>
+    <cs:fontRef idx="minor">
+      <a:schemeClr val="tx1"/>
+    </cs:fontRef>
+    <cs:spPr>
+      <a:noFill/>
+      <a:ln>
+        <a:noFill/>
+      </a:ln>
+    </cs:spPr>
+  </cs:floor>
+  <cs:gridlineMajor>
+    <cs:lnRef idx="0"/>
+    <cs:fillRef idx="0"/>
+    <cs:effectRef idx="0"/>
+    <cs:fontRef idx="minor">
+      <a:schemeClr val="tx1"/>
+    </cs:fontRef>
+    <cs:spPr>
+      <a:ln w="9525" cap="flat" cmpd="sng" algn="ctr">
+        <a:solidFill>
+          <a:schemeClr val="tx1">
+            <a:lumMod val="15000"/>
+            <a:lumOff val="85000"/>
+          </a:schemeClr>
+        </a:solidFill>
+        <a:round/>
+      </a:ln>
+    </cs:spPr>
+  </cs:gridlineMajor>
+  <cs:gridlineMinor>
+    <cs:lnRef idx="0"/>
+    <cs:fillRef idx="0"/>
+    <cs:effectRef idx="0"/>
+    <cs:fontRef idx="minor">
+      <a:schemeClr val="tx1"/>
+    </cs:fontRef>
+    <cs:spPr>
+      <a:ln w="9525" cap="flat" cmpd="sng" algn="ctr">
+        <a:solidFill>
+          <a:schemeClr val="tx1">
+            <a:lumMod val="5000"/>
+            <a:lumOff val="95000"/>
+          </a:schemeClr>
+        </a:solidFill>
+        <a:round/>
+      </a:ln>
+    </cs:spPr>
+  </cs:gridlineMinor>
+  <cs:hiLoLine>
+    <cs:lnRef idx="0"/>
+    <cs:fillRef idx="0"/>
+    <cs:effectRef idx="0"/>
+    <cs:fontRef idx="minor">
+      <a:schemeClr val="tx1"/>
+    </cs:fontRef>
+    <cs:spPr>
+      <a:ln w="9525" cap="flat" cmpd="sng" algn="ctr">
+        <a:solidFill>
+          <a:schemeClr val="tx1">
+            <a:lumMod val="50000"/>
+            <a:lumOff val="50000"/>
+          </a:schemeClr>
+        </a:solidFill>
+        <a:round/>
+      </a:ln>
+    </cs:spPr>
+  </cs:hiLoLine>
+  <cs:leaderLine>
+    <cs:lnRef idx="0"/>
+    <cs:fillRef idx="0"/>
+    <cs:effectRef idx="0"/>
+    <cs:fontRef idx="minor">
+      <a:schemeClr val="tx1"/>
+    </cs:fontRef>
+    <cs:spPr>
+      <a:ln w="9525" cap="flat" cmpd="sng" algn="ctr">
+        <a:solidFill>
+          <a:schemeClr val="tx1">
+            <a:lumMod val="35000"/>
+            <a:lumOff val="65000"/>
+          </a:schemeClr>
+        </a:solidFill>
+        <a:round/>
+      </a:ln>
+    </cs:spPr>
+  </cs:leaderLine>
+  <cs:legend>
+    <cs:lnRef idx="0"/>
+    <cs:fillRef idx="0"/>
+    <cs:effectRef idx="0"/>
+    <cs:fontRef idx="minor">
+      <a:schemeClr val="tx1">
+        <a:lumMod val="65000"/>
+        <a:lumOff val="35000"/>
+      </a:schemeClr>
+    </cs:fontRef>
+    <cs:defRPr sz="900" kern="1200"/>
+  </cs:legend>
+  <cs:plotArea mods="allowNoFillOverride allowNoLineOverride">
+    <cs:lnRef idx="0"/>
+    <cs:fillRef idx="0"/>
+    <cs:effectRef idx="0"/>
+    <cs:fontRef idx="minor">
+      <a:schemeClr val="tx1"/>
+    </cs:fontRef>
+  </cs:plotArea>
+  <cs:plotArea3D mods="allowNoFillOverride allowNoLineOverride">
+    <cs:lnRef idx="0"/>
+    <cs:fillRef idx="0"/>
+    <cs:effectRef idx="0"/>
+    <cs:fontRef idx="minor">
+      <a:schemeClr val="tx1"/>
+    </cs:fontRef>
+  </cs:plotArea3D>
+  <cs:seriesAxis>
+    <cs:lnRef idx="0"/>
+    <cs:fillRef idx="0"/>
+    <cs:effectRef idx="0"/>
+    <cs:fontRef idx="minor">
+      <a:schemeClr val="tx1">
+        <a:lumMod val="65000"/>
+        <a:lumOff val="35000"/>
+      </a:schemeClr>
+    </cs:fontRef>
+    <cs:defRPr sz="900" kern="1200"/>
+  </cs:seriesAxis>
+  <cs:seriesLine>
+    <cs:lnRef idx="0"/>
+    <cs:fillRef idx="0"/>
+    <cs:effectRef idx="0"/>
+    <cs:fontRef idx="minor">
+      <a:schemeClr val="tx1"/>
+    </cs:fontRef>
+    <cs:spPr>
+      <a:ln w="9525" cap="flat" cmpd="sng" algn="ctr">
+        <a:solidFill>
+          <a:schemeClr val="tx1">
+            <a:lumMod val="35000"/>
+            <a:lumOff val="65000"/>
+          </a:schemeClr>
+        </a:solidFill>
+        <a:round/>
+      </a:ln>
+    </cs:spPr>
+  </cs:seriesLine>
+  <cs:title>
+    <cs:lnRef idx="0"/>
+    <cs:fillRef idx="0"/>
+    <cs:effectRef idx="0"/>
+    <cs:fontRef idx="minor">
+      <a:schemeClr val="tx1">
+        <a:lumMod val="65000"/>
+        <a:lumOff val="35000"/>
+      </a:schemeClr>
+    </cs:fontRef>
+    <cs:defRPr sz="1400" b="0" kern="1200" spc="0" baseline="0"/>
+  </cs:title>
+  <cs:trendline>
+    <cs:lnRef idx="0">
+      <cs:styleClr val="auto"/>
+    </cs:lnRef>
+    <cs:fillRef idx="0"/>
+    <cs:effectRef idx="0"/>
+    <cs:fontRef idx="minor">
+      <a:schemeClr val="tx1"/>
+    </cs:fontRef>
+    <cs:spPr>
+      <a:ln w="19050" cap="rnd">
+        <a:solidFill>
+          <a:schemeClr val="phClr"/>
+        </a:solidFill>
+        <a:prstDash val="sysDot"/>
+      </a:ln>
+    </cs:spPr>
+  </cs:trendline>
+  <cs:trendlineLabel>
+    <cs:lnRef idx="0"/>
+    <cs:fillRef idx="0"/>
+    <cs:effectRef idx="0"/>
+    <cs:fontRef idx="minor">
+      <a:schemeClr val="tx1">
+        <a:lumMod val="65000"/>
+        <a:lumOff val="35000"/>
+      </a:schemeClr>
+    </cs:fontRef>
+    <cs:defRPr sz="900" kern="1200"/>
+  </cs:trendlineLabel>
+  <cs:upBar>
+    <cs:lnRef idx="0"/>
+    <cs:fillRef idx="0"/>
+    <cs:effectRef idx="0"/>
+    <cs:fontRef idx="minor">
+      <a:schemeClr val="tx1"/>
+    </cs:fontRef>
+    <cs:spPr>
+      <a:solidFill>
+        <a:schemeClr val="lt1"/>
+      </a:solidFill>
+      <a:ln w="9525" cap="flat" cmpd="sng" algn="ctr">
+        <a:solidFill>
+          <a:schemeClr val="tx1">
+            <a:lumMod val="65000"/>
+            <a:lumOff val="35000"/>
+          </a:schemeClr>
+        </a:solidFill>
+        <a:round/>
+      </a:ln>
+    </cs:spPr>
+  </cs:upBar>
+  <cs:valueAxis>
+    <cs:lnRef idx="0"/>
+    <cs:fillRef idx="0"/>
+    <cs:effectRef idx="0"/>
+    <cs:fontRef idx="minor">
+      <a:schemeClr val="tx1">
+        <a:lumMod val="65000"/>
+        <a:lumOff val="35000"/>
+      </a:schemeClr>
+    </cs:fontRef>
+    <cs:spPr>
+      <a:ln w="9525" cap="flat" cmpd="sng" algn="ctr">
+        <a:solidFill>
+          <a:schemeClr val="tx1">
+            <a:lumMod val="25000"/>
+            <a:lumOff val="75000"/>
+          </a:schemeClr>
+        </a:solidFill>
+        <a:round/>
+      </a:ln>
+    </cs:spPr>
+    <cs:defRPr sz="900" kern="1200"/>
+  </cs:valueAxis>
+  <cs:wall>
+    <cs:lnRef idx="0"/>
+    <cs:fillRef idx="0"/>
+    <cs:effectRef idx="0"/>
+    <cs:fontRef idx="minor">
+      <a:schemeClr val="tx1"/>
+    </cs:fontRef>
+    <cs:spPr>
+      <a:noFill/>
+      <a:ln>
+        <a:noFill/>
+      </a:ln>
+    </cs:spPr>
+  </cs:wall>
+</cs:chartStyle>
+</file>
+
+<file path=ppt/charts/style14.xml><?xml version="1.0" encoding="utf-8"?>
+<cs:chartStyle xmlns:cs="http://schemas.microsoft.com/office/drawing/2012/chartStyle" xmlns:a="http://schemas.openxmlformats.org/drawingml/2006/main" id="240">
+  <cs:axisTitle>
+    <cs:lnRef idx="0"/>
+    <cs:fillRef idx="0"/>
+    <cs:effectRef idx="0"/>
+    <cs:fontRef idx="minor">
+      <a:schemeClr val="tx1">
+        <a:lumMod val="65000"/>
+        <a:lumOff val="35000"/>
+      </a:schemeClr>
+    </cs:fontRef>
+    <cs:defRPr sz="1000" kern="1200"/>
+  </cs:axisTitle>
+  <cs:categoryAxis>
+    <cs:lnRef idx="0"/>
+    <cs:fillRef idx="0"/>
+    <cs:effectRef idx="0"/>
+    <cs:fontRef idx="minor">
+      <a:schemeClr val="tx1">
+        <a:lumMod val="65000"/>
+        <a:lumOff val="35000"/>
+      </a:schemeClr>
+    </cs:fontRef>
+    <cs:spPr>
+      <a:ln w="9525" cap="flat" cmpd="sng" algn="ctr">
+        <a:solidFill>
+          <a:schemeClr val="tx1">
+            <a:lumMod val="25000"/>
+            <a:lumOff val="75000"/>
+          </a:schemeClr>
+        </a:solidFill>
+        <a:round/>
+      </a:ln>
+    </cs:spPr>
+    <cs:defRPr sz="900" kern="1200"/>
+  </cs:categoryAxis>
+  <cs:chartArea mods="allowNoFillOverride allowNoLineOverride">
+    <cs:lnRef idx="0"/>
+    <cs:fillRef idx="0"/>
+    <cs:effectRef idx="0"/>
+    <cs:fontRef idx="minor">
+      <a:schemeClr val="tx1"/>
+    </cs:fontRef>
+    <cs:spPr>
+      <a:solidFill>
+        <a:schemeClr val="bg1"/>
+      </a:solidFill>
+      <a:ln w="9525" cap="flat" cmpd="sng" algn="ctr">
+        <a:solidFill>
+          <a:schemeClr val="tx1">
+            <a:lumMod val="15000"/>
+            <a:lumOff val="85000"/>
+          </a:schemeClr>
+        </a:solidFill>
+        <a:round/>
+      </a:ln>
+    </cs:spPr>
+    <cs:defRPr sz="1000" kern="1200"/>
+  </cs:chartArea>
+  <cs:dataLabel>
+    <cs:lnRef idx="0"/>
+    <cs:fillRef idx="0"/>
+    <cs:effectRef idx="0"/>
+    <cs:fontRef idx="minor">
+      <a:schemeClr val="tx1">
+        <a:lumMod val="75000"/>
+        <a:lumOff val="25000"/>
+      </a:schemeClr>
+    </cs:fontRef>
+    <cs:defRPr sz="900" kern="1200"/>
+  </cs:dataLabel>
+  <cs:dataLabelCallout>
+    <cs:lnRef idx="0"/>
+    <cs:fillRef idx="0"/>
+    <cs:effectRef idx="0"/>
+    <cs:fontRef idx="minor">
+      <a:schemeClr val="dk1">
+        <a:lumMod val="65000"/>
+        <a:lumOff val="35000"/>
+      </a:schemeClr>
+    </cs:fontRef>
+    <cs:spPr>
+      <a:solidFill>
+        <a:schemeClr val="lt1"/>
+      </a:solidFill>
+      <a:ln>
+        <a:solidFill>
+          <a:schemeClr val="dk1">
+            <a:lumMod val="25000"/>
+            <a:lumOff val="75000"/>
+          </a:schemeClr>
+        </a:solidFill>
+      </a:ln>
+    </cs:spPr>
+    <cs:defRPr sz="900" kern="1200"/>
+    <cs:bodyPr rot="0" spcFirstLastPara="1" vertOverflow="clip" horzOverflow="clip" vert="horz" wrap="square" lIns="36576" tIns="18288" rIns="36576" bIns="18288" anchor="ctr" anchorCtr="1">
+      <a:spAutoFit/>
+    </cs:bodyPr>
+  </cs:dataLabelCallout>
+  <cs:dataPoint>
+    <cs:lnRef idx="0"/>
+    <cs:fillRef idx="1">
+      <cs:styleClr val="auto"/>
+    </cs:fillRef>
+    <cs:effectRef idx="0"/>
+    <cs:fontRef idx="minor">
+      <a:schemeClr val="tx1"/>
+    </cs:fontRef>
+  </cs:dataPoint>
+  <cs:dataPoint3D>
+    <cs:lnRef idx="0"/>
+    <cs:fillRef idx="1">
+      <cs:styleClr val="auto"/>
+    </cs:fillRef>
+    <cs:effectRef idx="0"/>
+    <cs:fontRef idx="minor">
+      <a:schemeClr val="tx1"/>
+    </cs:fontRef>
+  </cs:dataPoint3D>
+  <cs:dataPointLine>
+    <cs:lnRef idx="0">
+      <cs:styleClr val="auto"/>
+    </cs:lnRef>
+    <cs:fillRef idx="1"/>
+    <cs:effectRef idx="0"/>
+    <cs:fontRef idx="minor">
+      <a:schemeClr val="tx1"/>
+    </cs:fontRef>
+    <cs:spPr>
+      <a:ln w="19050" cap="rnd">
+        <a:solidFill>
+          <a:schemeClr val="phClr"/>
+        </a:solidFill>
+        <a:round/>
+      </a:ln>
+    </cs:spPr>
+  </cs:dataPointLine>
+  <cs:dataPointMarker>
+    <cs:lnRef idx="0">
+      <cs:styleClr val="auto"/>
+    </cs:lnRef>
+    <cs:fillRef idx="1">
+      <cs:styleClr val="auto"/>
+    </cs:fillRef>
+    <cs:effectRef idx="0"/>
+    <cs:fontRef idx="minor">
+      <a:schemeClr val="tx1"/>
+    </cs:fontRef>
+    <cs:spPr>
+      <a:ln w="9525">
+        <a:solidFill>
+          <a:schemeClr val="phClr"/>
+        </a:solidFill>
+      </a:ln>
+    </cs:spPr>
+  </cs:dataPointMarker>
+  <cs:dataPointMarkerLayout symbol="circle" size="5"/>
+  <cs:dataPointWireframe>
+    <cs:lnRef idx="0">
+      <cs:styleClr val="auto"/>
+    </cs:lnRef>
+    <cs:fillRef idx="0"/>
+    <cs:effectRef idx="0"/>
+    <cs:fontRef idx="minor">
+      <a:schemeClr val="dk1"/>
+    </cs:fontRef>
+    <cs:spPr>
+      <a:ln w="9525" cap="rnd">
+        <a:solidFill>
+          <a:schemeClr val="phClr"/>
+        </a:solidFill>
+        <a:round/>
+      </a:ln>
+    </cs:spPr>
+  </cs:dataPointWireframe>
+  <cs:dataTable>
+    <cs:lnRef idx="0"/>
+    <cs:fillRef idx="0"/>
+    <cs:effectRef idx="0"/>
+    <cs:fontRef idx="minor">
+      <a:schemeClr val="tx1">
+        <a:lumMod val="65000"/>
+        <a:lumOff val="35000"/>
+      </a:schemeClr>
+    </cs:fontRef>
+    <cs:spPr>
+      <a:noFill/>
+      <a:ln w="9525" cap="flat" cmpd="sng" algn="ctr">
+        <a:solidFill>
+          <a:schemeClr val="tx1">
+            <a:lumMod val="15000"/>
+            <a:lumOff val="85000"/>
+          </a:schemeClr>
+        </a:solidFill>
+        <a:round/>
+      </a:ln>
+    </cs:spPr>
+    <cs:defRPr sz="900" kern="1200"/>
+  </cs:dataTable>
+  <cs:downBar>
+    <cs:lnRef idx="0"/>
+    <cs:fillRef idx="0"/>
+    <cs:effectRef idx="0"/>
+    <cs:fontRef idx="minor">
+      <a:schemeClr val="tx1"/>
+    </cs:fontRef>
+    <cs:spPr>
+      <a:solidFill>
+        <a:schemeClr val="dk1">
+          <a:lumMod val="75000"/>
+          <a:lumOff val="25000"/>
+        </a:schemeClr>
+      </a:solidFill>
+      <a:ln w="9525" cap="flat" cmpd="sng" algn="ctr">
+        <a:solidFill>
+          <a:schemeClr val="tx1">
+            <a:lumMod val="65000"/>
+            <a:lumOff val="35000"/>
+          </a:schemeClr>
+        </a:solidFill>
+        <a:round/>
+      </a:ln>
+    </cs:spPr>
+  </cs:downBar>
+  <cs:dropLine>
+    <cs:lnRef idx="0"/>
+    <cs:fillRef idx="0"/>
+    <cs:effectRef idx="0"/>
+    <cs:fontRef idx="minor">
+      <a:schemeClr val="tx1"/>
+    </cs:fontRef>
+    <cs:spPr>
+      <a:ln w="9525" cap="flat" cmpd="sng" algn="ctr">
+        <a:solidFill>
+          <a:schemeClr val="tx1">
+            <a:lumMod val="35000"/>
+            <a:lumOff val="65000"/>
+          </a:schemeClr>
+        </a:solidFill>
+        <a:round/>
+      </a:ln>
+    </cs:spPr>
+  </cs:dropLine>
+  <cs:errorBar>
+    <cs:lnRef idx="0"/>
+    <cs:fillRef idx="0"/>
+    <cs:effectRef idx="0"/>
+    <cs:fontRef idx="minor">
+      <a:schemeClr val="tx1"/>
+    </cs:fontRef>
+    <cs:spPr>
+      <a:ln w="9525" cap="flat" cmpd="sng" algn="ctr">
+        <a:solidFill>
+          <a:schemeClr val="tx1">
+            <a:lumMod val="65000"/>
+            <a:lumOff val="35000"/>
+          </a:schemeClr>
+        </a:solidFill>
+        <a:round/>
+      </a:ln>
+    </cs:spPr>
+  </cs:errorBar>
+  <cs:floor>
+    <cs:lnRef idx="0"/>
+    <cs:fillRef idx="0"/>
+    <cs:effectRef idx="0"/>
+    <cs:fontRef idx="minor">
+      <a:schemeClr val="tx1"/>
+    </cs:fontRef>
+    <cs:spPr>
+      <a:noFill/>
+      <a:ln>
+        <a:noFill/>
+      </a:ln>
+    </cs:spPr>
+  </cs:floor>
+  <cs:gridlineMajor>
+    <cs:lnRef idx="0"/>
+    <cs:fillRef idx="0"/>
+    <cs:effectRef idx="0"/>
+    <cs:fontRef idx="minor">
+      <a:schemeClr val="tx1"/>
+    </cs:fontRef>
+    <cs:spPr>
+      <a:ln w="9525" cap="flat" cmpd="sng" algn="ctr">
+        <a:solidFill>
+          <a:schemeClr val="tx1">
+            <a:lumMod val="15000"/>
+            <a:lumOff val="85000"/>
+          </a:schemeClr>
+        </a:solidFill>
+        <a:round/>
+      </a:ln>
+    </cs:spPr>
+  </cs:gridlineMajor>
+  <cs:gridlineMinor>
+    <cs:lnRef idx="0"/>
+    <cs:fillRef idx="0"/>
+    <cs:effectRef idx="0"/>
+    <cs:fontRef idx="minor">
+      <a:schemeClr val="tx1"/>
+    </cs:fontRef>
+    <cs:spPr>
+      <a:ln w="9525" cap="flat" cmpd="sng" algn="ctr">
+        <a:solidFill>
+          <a:schemeClr val="tx1">
+            <a:lumMod val="5000"/>
+            <a:lumOff val="95000"/>
+          </a:schemeClr>
+        </a:solidFill>
+        <a:round/>
+      </a:ln>
+    </cs:spPr>
+  </cs:gridlineMinor>
+  <cs:hiLoLine>
+    <cs:lnRef idx="0"/>
+    <cs:fillRef idx="0"/>
+    <cs:effectRef idx="0"/>
+    <cs:fontRef idx="minor">
+      <a:schemeClr val="tx1"/>
+    </cs:fontRef>
+    <cs:spPr>
+      <a:ln w="9525" cap="flat" cmpd="sng" algn="ctr">
+        <a:solidFill>
+          <a:schemeClr val="tx1">
+            <a:lumMod val="50000"/>
+            <a:lumOff val="50000"/>
+          </a:schemeClr>
+        </a:solidFill>
+        <a:round/>
+      </a:ln>
+    </cs:spPr>
+  </cs:hiLoLine>
+  <cs:leaderLine>
+    <cs:lnRef idx="0"/>
+    <cs:fillRef idx="0"/>
+    <cs:effectRef idx="0"/>
+    <cs:fontRef idx="minor">
+      <a:schemeClr val="tx1"/>
+    </cs:fontRef>
+    <cs:spPr>
+      <a:ln w="9525" cap="flat" cmpd="sng" algn="ctr">
+        <a:solidFill>
+          <a:schemeClr val="tx1">
+            <a:lumMod val="35000"/>
+            <a:lumOff val="65000"/>
+          </a:schemeClr>
+        </a:solidFill>
+        <a:round/>
+      </a:ln>
+    </cs:spPr>
+  </cs:leaderLine>
+  <cs:legend>
+    <cs:lnRef idx="0"/>
+    <cs:fillRef idx="0"/>
+    <cs:effectRef idx="0"/>
+    <cs:fontRef idx="minor">
+      <a:schemeClr val="tx1">
+        <a:lumMod val="65000"/>
+        <a:lumOff val="35000"/>
+      </a:schemeClr>
+    </cs:fontRef>
+    <cs:defRPr sz="900" kern="1200"/>
+  </cs:legend>
+  <cs:plotArea mods="allowNoFillOverride allowNoLineOverride">
+    <cs:lnRef idx="0"/>
+    <cs:fillRef idx="0"/>
+    <cs:effectRef idx="0"/>
+    <cs:fontRef idx="minor">
+      <a:schemeClr val="tx1"/>
+    </cs:fontRef>
+  </cs:plotArea>
+  <cs:plotArea3D mods="allowNoFillOverride allowNoLineOverride">
+    <cs:lnRef idx="0"/>
+    <cs:fillRef idx="0"/>
+    <cs:effectRef idx="0"/>
+    <cs:fontRef idx="minor">
+      <a:schemeClr val="tx1"/>
+    </cs:fontRef>
+  </cs:plotArea3D>
+  <cs:seriesAxis>
+    <cs:lnRef idx="0"/>
+    <cs:fillRef idx="0"/>
+    <cs:effectRef idx="0"/>
+    <cs:fontRef idx="minor">
+      <a:schemeClr val="tx1">
+        <a:lumMod val="65000"/>
+        <a:lumOff val="35000"/>
+      </a:schemeClr>
+    </cs:fontRef>
+    <cs:defRPr sz="900" kern="1200"/>
+  </cs:seriesAxis>
+  <cs:seriesLine>
+    <cs:lnRef idx="0"/>
+    <cs:fillRef idx="0"/>
+    <cs:effectRef idx="0"/>
+    <cs:fontRef idx="minor">
+      <a:schemeClr val="tx1"/>
+    </cs:fontRef>
+    <cs:spPr>
+      <a:ln w="9525" cap="flat" cmpd="sng" algn="ctr">
+        <a:solidFill>
+          <a:schemeClr val="tx1">
+            <a:lumMod val="35000"/>
+            <a:lumOff val="65000"/>
+          </a:schemeClr>
+        </a:solidFill>
+        <a:round/>
+      </a:ln>
+    </cs:spPr>
+  </cs:seriesLine>
+  <cs:title>
+    <cs:lnRef idx="0"/>
+    <cs:fillRef idx="0"/>
+    <cs:effectRef idx="0"/>
+    <cs:fontRef idx="minor">
+      <a:schemeClr val="tx1">
+        <a:lumMod val="65000"/>
+        <a:lumOff val="35000"/>
+      </a:schemeClr>
+    </cs:fontRef>
+    <cs:defRPr sz="1400" b="0" kern="1200" spc="0" baseline="0"/>
+  </cs:title>
+  <cs:trendline>
+    <cs:lnRef idx="0">
+      <cs:styleClr val="auto"/>
+    </cs:lnRef>
+    <cs:fillRef idx="0"/>
+    <cs:effectRef idx="0"/>
+    <cs:fontRef idx="minor">
+      <a:schemeClr val="tx1"/>
+    </cs:fontRef>
+    <cs:spPr>
+      <a:ln w="19050" cap="rnd">
+        <a:solidFill>
+          <a:schemeClr val="phClr"/>
+        </a:solidFill>
+        <a:prstDash val="sysDot"/>
+      </a:ln>
+    </cs:spPr>
+  </cs:trendline>
+  <cs:trendlineLabel>
+    <cs:lnRef idx="0"/>
+    <cs:fillRef idx="0"/>
+    <cs:effectRef idx="0"/>
+    <cs:fontRef idx="minor">
+      <a:schemeClr val="tx1">
+        <a:lumMod val="65000"/>
+        <a:lumOff val="35000"/>
+      </a:schemeClr>
+    </cs:fontRef>
+    <cs:defRPr sz="900" kern="1200"/>
+  </cs:trendlineLabel>
+  <cs:upBar>
+    <cs:lnRef idx="0"/>
+    <cs:fillRef idx="0"/>
+    <cs:effectRef idx="0"/>
+    <cs:fontRef idx="minor">
+      <a:schemeClr val="tx1"/>
+    </cs:fontRef>
+    <cs:spPr>
+      <a:solidFill>
+        <a:schemeClr val="lt1"/>
+      </a:solidFill>
+      <a:ln w="9525" cap="flat" cmpd="sng" algn="ctr">
+        <a:solidFill>
+          <a:schemeClr val="tx1">
+            <a:lumMod val="65000"/>
+            <a:lumOff val="35000"/>
+          </a:schemeClr>
+        </a:solidFill>
+        <a:round/>
+      </a:ln>
+    </cs:spPr>
+  </cs:upBar>
+  <cs:valueAxis>
+    <cs:lnRef idx="0"/>
+    <cs:fillRef idx="0"/>
+    <cs:effectRef idx="0"/>
+    <cs:fontRef idx="minor">
+      <a:schemeClr val="tx1">
+        <a:lumMod val="65000"/>
+        <a:lumOff val="35000"/>
+      </a:schemeClr>
+    </cs:fontRef>
+    <cs:spPr>
+      <a:ln w="9525" cap="flat" cmpd="sng" algn="ctr">
+        <a:solidFill>
+          <a:schemeClr val="tx1">
+            <a:lumMod val="25000"/>
+            <a:lumOff val="75000"/>
+          </a:schemeClr>
+        </a:solidFill>
+        <a:round/>
+      </a:ln>
+    </cs:spPr>
+    <cs:defRPr sz="900" kern="1200"/>
+  </cs:valueAxis>
+  <cs:wall>
+    <cs:lnRef idx="0"/>
+    <cs:fillRef idx="0"/>
+    <cs:effectRef idx="0"/>
+    <cs:fontRef idx="minor">
+      <a:schemeClr val="tx1"/>
+    </cs:fontRef>
+    <cs:spPr>
+      <a:noFill/>
+      <a:ln>
+        <a:noFill/>
+      </a:ln>
+    </cs:spPr>
+  </cs:wall>
+</cs:chartStyle>
+</file>
+
+<file path=ppt/charts/style15.xml><?xml version="1.0" encoding="utf-8"?>
+<cs:chartStyle xmlns:cs="http://schemas.microsoft.com/office/drawing/2012/chartStyle" xmlns:a="http://schemas.openxmlformats.org/drawingml/2006/main" id="240">
+  <cs:axisTitle>
+    <cs:lnRef idx="0"/>
+    <cs:fillRef idx="0"/>
+    <cs:effectRef idx="0"/>
+    <cs:fontRef idx="minor">
+      <a:schemeClr val="tx1">
+        <a:lumMod val="65000"/>
+        <a:lumOff val="35000"/>
+      </a:schemeClr>
+    </cs:fontRef>
+    <cs:defRPr sz="1000" kern="1200"/>
+  </cs:axisTitle>
+  <cs:categoryAxis>
+    <cs:lnRef idx="0"/>
+    <cs:fillRef idx="0"/>
+    <cs:effectRef idx="0"/>
+    <cs:fontRef idx="minor">
+      <a:schemeClr val="tx1">
+        <a:lumMod val="65000"/>
+        <a:lumOff val="35000"/>
+      </a:schemeClr>
+    </cs:fontRef>
+    <cs:spPr>
+      <a:ln w="9525" cap="flat" cmpd="sng" algn="ctr">
+        <a:solidFill>
+          <a:schemeClr val="tx1">
+            <a:lumMod val="25000"/>
+            <a:lumOff val="75000"/>
+          </a:schemeClr>
+        </a:solidFill>
+        <a:round/>
+      </a:ln>
+    </cs:spPr>
+    <cs:defRPr sz="900" kern="1200"/>
+  </cs:categoryAxis>
+  <cs:chartArea mods="allowNoFillOverride allowNoLineOverride">
+    <cs:lnRef idx="0"/>
+    <cs:fillRef idx="0"/>
+    <cs:effectRef idx="0"/>
+    <cs:fontRef idx="minor">
+      <a:schemeClr val="tx1"/>
+    </cs:fontRef>
+    <cs:spPr>
+      <a:solidFill>
+        <a:schemeClr val="bg1"/>
+      </a:solidFill>
+      <a:ln w="9525" cap="flat" cmpd="sng" algn="ctr">
+        <a:solidFill>
+          <a:schemeClr val="tx1">
+            <a:lumMod val="15000"/>
+            <a:lumOff val="85000"/>
+          </a:schemeClr>
+        </a:solidFill>
+        <a:round/>
+      </a:ln>
+    </cs:spPr>
+    <cs:defRPr sz="1000" kern="1200"/>
+  </cs:chartArea>
+  <cs:dataLabel>
+    <cs:lnRef idx="0"/>
+    <cs:fillRef idx="0"/>
+    <cs:effectRef idx="0"/>
+    <cs:fontRef idx="minor">
+      <a:schemeClr val="tx1">
+        <a:lumMod val="75000"/>
+        <a:lumOff val="25000"/>
+      </a:schemeClr>
+    </cs:fontRef>
+    <cs:defRPr sz="900" kern="1200"/>
+  </cs:dataLabel>
+  <cs:dataLabelCallout>
+    <cs:lnRef idx="0"/>
+    <cs:fillRef idx="0"/>
+    <cs:effectRef idx="0"/>
+    <cs:fontRef idx="minor">
+      <a:schemeClr val="dk1">
+        <a:lumMod val="65000"/>
+        <a:lumOff val="35000"/>
+      </a:schemeClr>
+    </cs:fontRef>
+    <cs:spPr>
+      <a:solidFill>
+        <a:schemeClr val="lt1"/>
+      </a:solidFill>
+      <a:ln>
+        <a:solidFill>
+          <a:schemeClr val="dk1">
+            <a:lumMod val="25000"/>
+            <a:lumOff val="75000"/>
+          </a:schemeClr>
+        </a:solidFill>
+      </a:ln>
+    </cs:spPr>
+    <cs:defRPr sz="900" kern="1200"/>
+    <cs:bodyPr rot="0" spcFirstLastPara="1" vertOverflow="clip" horzOverflow="clip" vert="horz" wrap="square" lIns="36576" tIns="18288" rIns="36576" bIns="18288" anchor="ctr" anchorCtr="1">
+      <a:spAutoFit/>
+    </cs:bodyPr>
+  </cs:dataLabelCallout>
+  <cs:dataPoint>
+    <cs:lnRef idx="0"/>
+    <cs:fillRef idx="1">
+      <cs:styleClr val="auto"/>
+    </cs:fillRef>
+    <cs:effectRef idx="0"/>
+    <cs:fontRef idx="minor">
+      <a:schemeClr val="tx1"/>
+    </cs:fontRef>
+  </cs:dataPoint>
+  <cs:dataPoint3D>
+    <cs:lnRef idx="0"/>
+    <cs:fillRef idx="1">
+      <cs:styleClr val="auto"/>
+    </cs:fillRef>
+    <cs:effectRef idx="0"/>
+    <cs:fontRef idx="minor">
+      <a:schemeClr val="tx1"/>
+    </cs:fontRef>
+  </cs:dataPoint3D>
+  <cs:dataPointLine>
+    <cs:lnRef idx="0">
+      <cs:styleClr val="auto"/>
+    </cs:lnRef>
+    <cs:fillRef idx="1"/>
+    <cs:effectRef idx="0"/>
+    <cs:fontRef idx="minor">
+      <a:schemeClr val="tx1"/>
+    </cs:fontRef>
+    <cs:spPr>
+      <a:ln w="19050" cap="rnd">
+        <a:solidFill>
+          <a:schemeClr val="phClr"/>
+        </a:solidFill>
+        <a:round/>
+      </a:ln>
+    </cs:spPr>
+  </cs:dataPointLine>
+  <cs:dataPointMarker>
+    <cs:lnRef idx="0">
+      <cs:styleClr val="auto"/>
+    </cs:lnRef>
+    <cs:fillRef idx="1">
+      <cs:styleClr val="auto"/>
+    </cs:fillRef>
+    <cs:effectRef idx="0"/>
+    <cs:fontRef idx="minor">
+      <a:schemeClr val="tx1"/>
+    </cs:fontRef>
+    <cs:spPr>
+      <a:ln w="9525">
+        <a:solidFill>
+          <a:schemeClr val="phClr"/>
+        </a:solidFill>
+      </a:ln>
+    </cs:spPr>
+  </cs:dataPointMarker>
+  <cs:dataPointMarkerLayout symbol="circle" size="5"/>
+  <cs:dataPointWireframe>
+    <cs:lnRef idx="0">
+      <cs:styleClr val="auto"/>
+    </cs:lnRef>
+    <cs:fillRef idx="0"/>
+    <cs:effectRef idx="0"/>
+    <cs:fontRef idx="minor">
+      <a:schemeClr val="dk1"/>
+    </cs:fontRef>
+    <cs:spPr>
+      <a:ln w="9525" cap="rnd">
+        <a:solidFill>
+          <a:schemeClr val="phClr"/>
+        </a:solidFill>
+        <a:round/>
+      </a:ln>
+    </cs:spPr>
+  </cs:dataPointWireframe>
+  <cs:dataTable>
+    <cs:lnRef idx="0"/>
+    <cs:fillRef idx="0"/>
+    <cs:effectRef idx="0"/>
+    <cs:fontRef idx="minor">
+      <a:schemeClr val="tx1">
+        <a:lumMod val="65000"/>
+        <a:lumOff val="35000"/>
+      </a:schemeClr>
+    </cs:fontRef>
+    <cs:spPr>
+      <a:noFill/>
+      <a:ln w="9525" cap="flat" cmpd="sng" algn="ctr">
+        <a:solidFill>
+          <a:schemeClr val="tx1">
+            <a:lumMod val="15000"/>
+            <a:lumOff val="85000"/>
+          </a:schemeClr>
+        </a:solidFill>
+        <a:round/>
+      </a:ln>
+    </cs:spPr>
+    <cs:defRPr sz="900" kern="1200"/>
+  </cs:dataTable>
+  <cs:downBar>
+    <cs:lnRef idx="0"/>
+    <cs:fillRef idx="0"/>
+    <cs:effectRef idx="0"/>
+    <cs:fontRef idx="minor">
+      <a:schemeClr val="tx1"/>
+    </cs:fontRef>
+    <cs:spPr>
+      <a:solidFill>
+        <a:schemeClr val="dk1">
+          <a:lumMod val="75000"/>
+          <a:lumOff val="25000"/>
+        </a:schemeClr>
+      </a:solidFill>
+      <a:ln w="9525" cap="flat" cmpd="sng" algn="ctr">
+        <a:solidFill>
+          <a:schemeClr val="tx1">
+            <a:lumMod val="65000"/>
+            <a:lumOff val="35000"/>
+          </a:schemeClr>
+        </a:solidFill>
+        <a:round/>
+      </a:ln>
+    </cs:spPr>
+  </cs:downBar>
+  <cs:dropLine>
+    <cs:lnRef idx="0"/>
+    <cs:fillRef idx="0"/>
+    <cs:effectRef idx="0"/>
+    <cs:fontRef idx="minor">
+      <a:schemeClr val="tx1"/>
+    </cs:fontRef>
+    <cs:spPr>
+      <a:ln w="9525" cap="flat" cmpd="sng" algn="ctr">
+        <a:solidFill>
+          <a:schemeClr val="tx1">
+            <a:lumMod val="35000"/>
+            <a:lumOff val="65000"/>
+          </a:schemeClr>
+        </a:solidFill>
+        <a:round/>
+      </a:ln>
+    </cs:spPr>
+  </cs:dropLine>
+  <cs:errorBar>
+    <cs:lnRef idx="0"/>
+    <cs:fillRef idx="0"/>
+    <cs:effectRef idx="0"/>
+    <cs:fontRef idx="minor">
+      <a:schemeClr val="tx1"/>
+    </cs:fontRef>
+    <cs:spPr>
+      <a:ln w="9525" cap="flat" cmpd="sng" algn="ctr">
+        <a:solidFill>
+          <a:schemeClr val="tx1">
+            <a:lumMod val="65000"/>
+            <a:lumOff val="35000"/>
+          </a:schemeClr>
+        </a:solidFill>
+        <a:round/>
+      </a:ln>
+    </cs:spPr>
+  </cs:errorBar>
+  <cs:floor>
+    <cs:lnRef idx="0"/>
+    <cs:fillRef idx="0"/>
+    <cs:effectRef idx="0"/>
+    <cs:fontRef idx="minor">
+      <a:schemeClr val="tx1"/>
+    </cs:fontRef>
+    <cs:spPr>
+      <a:noFill/>
+      <a:ln>
+        <a:noFill/>
+      </a:ln>
+    </cs:spPr>
+  </cs:floor>
+  <cs:gridlineMajor>
+    <cs:lnRef idx="0"/>
+    <cs:fillRef idx="0"/>
+    <cs:effectRef idx="0"/>
+    <cs:fontRef idx="minor">
+      <a:schemeClr val="tx1"/>
+    </cs:fontRef>
+    <cs:spPr>
+      <a:ln w="9525" cap="flat" cmpd="sng" algn="ctr">
+        <a:solidFill>
+          <a:schemeClr val="tx1">
+            <a:lumMod val="15000"/>
+            <a:lumOff val="85000"/>
+          </a:schemeClr>
+        </a:solidFill>
+        <a:round/>
+      </a:ln>
+    </cs:spPr>
+  </cs:gridlineMajor>
+  <cs:gridlineMinor>
+    <cs:lnRef idx="0"/>
+    <cs:fillRef idx="0"/>
+    <cs:effectRef idx="0"/>
+    <cs:fontRef idx="minor">
+      <a:schemeClr val="tx1"/>
+    </cs:fontRef>
+    <cs:spPr>
+      <a:ln w="9525" cap="flat" cmpd="sng" algn="ctr">
+        <a:solidFill>
+          <a:schemeClr val="tx1">
+            <a:lumMod val="5000"/>
+            <a:lumOff val="95000"/>
+          </a:schemeClr>
+        </a:solidFill>
+        <a:round/>
+      </a:ln>
+    </cs:spPr>
+  </cs:gridlineMinor>
+  <cs:hiLoLine>
+    <cs:lnRef idx="0"/>
+    <cs:fillRef idx="0"/>
+    <cs:effectRef idx="0"/>
+    <cs:fontRef idx="minor">
+      <a:schemeClr val="tx1"/>
+    </cs:fontRef>
+    <cs:spPr>
+      <a:ln w="9525" cap="flat" cmpd="sng" algn="ctr">
+        <a:solidFill>
+          <a:schemeClr val="tx1">
+            <a:lumMod val="50000"/>
+            <a:lumOff val="50000"/>
+          </a:schemeClr>
+        </a:solidFill>
+        <a:round/>
+      </a:ln>
+    </cs:spPr>
+  </cs:hiLoLine>
+  <cs:leaderLine>
+    <cs:lnRef idx="0"/>
+    <cs:fillRef idx="0"/>
+    <cs:effectRef idx="0"/>
+    <cs:fontRef idx="minor">
+      <a:schemeClr val="tx1"/>
+    </cs:fontRef>
+    <cs:spPr>
+      <a:ln w="9525" cap="flat" cmpd="sng" algn="ctr">
+        <a:solidFill>
+          <a:schemeClr val="tx1">
+            <a:lumMod val="35000"/>
+            <a:lumOff val="65000"/>
+          </a:schemeClr>
+        </a:solidFill>
+        <a:round/>
+      </a:ln>
+    </cs:spPr>
+  </cs:leaderLine>
+  <cs:legend>
+    <cs:lnRef idx="0"/>
+    <cs:fillRef idx="0"/>
+    <cs:effectRef idx="0"/>
+    <cs:fontRef idx="minor">
+      <a:schemeClr val="tx1">
+        <a:lumMod val="65000"/>
+        <a:lumOff val="35000"/>
+      </a:schemeClr>
+    </cs:fontRef>
+    <cs:defRPr sz="900" kern="1200"/>
+  </cs:legend>
+  <cs:plotArea mods="allowNoFillOverride allowNoLineOverride">
+    <cs:lnRef idx="0"/>
+    <cs:fillRef idx="0"/>
+    <cs:effectRef idx="0"/>
+    <cs:fontRef idx="minor">
+      <a:schemeClr val="tx1"/>
+    </cs:fontRef>
+  </cs:plotArea>
+  <cs:plotArea3D mods="allowNoFillOverride allowNoLineOverride">
+    <cs:lnRef idx="0"/>
+    <cs:fillRef idx="0"/>
+    <cs:effectRef idx="0"/>
+    <cs:fontRef idx="minor">
+      <a:schemeClr val="tx1"/>
+    </cs:fontRef>
+  </cs:plotArea3D>
+  <cs:seriesAxis>
+    <cs:lnRef idx="0"/>
+    <cs:fillRef idx="0"/>
+    <cs:effectRef idx="0"/>
+    <cs:fontRef idx="minor">
+      <a:schemeClr val="tx1">
+        <a:lumMod val="65000"/>
+        <a:lumOff val="35000"/>
+      </a:schemeClr>
+    </cs:fontRef>
+    <cs:defRPr sz="900" kern="1200"/>
+  </cs:seriesAxis>
+  <cs:seriesLine>
+    <cs:lnRef idx="0"/>
+    <cs:fillRef idx="0"/>
+    <cs:effectRef idx="0"/>
+    <cs:fontRef idx="minor">
+      <a:schemeClr val="tx1"/>
+    </cs:fontRef>
+    <cs:spPr>
+      <a:ln w="9525" cap="flat" cmpd="sng" algn="ctr">
+        <a:solidFill>
+          <a:schemeClr val="tx1">
+            <a:lumMod val="35000"/>
+            <a:lumOff val="65000"/>
+          </a:schemeClr>
+        </a:solidFill>
+        <a:round/>
+      </a:ln>
+    </cs:spPr>
+  </cs:seriesLine>
+  <cs:title>
+    <cs:lnRef idx="0"/>
+    <cs:fillRef idx="0"/>
+    <cs:effectRef idx="0"/>
+    <cs:fontRef idx="minor">
+      <a:schemeClr val="tx1">
+        <a:lumMod val="65000"/>
+        <a:lumOff val="35000"/>
+      </a:schemeClr>
+    </cs:fontRef>
+    <cs:defRPr sz="1400" b="0" kern="1200" spc="0" baseline="0"/>
+  </cs:title>
+  <cs:trendline>
+    <cs:lnRef idx="0">
+      <cs:styleClr val="auto"/>
+    </cs:lnRef>
+    <cs:fillRef idx="0"/>
+    <cs:effectRef idx="0"/>
+    <cs:fontRef idx="minor">
+      <a:schemeClr val="tx1"/>
+    </cs:fontRef>
+    <cs:spPr>
+      <a:ln w="19050" cap="rnd">
+        <a:solidFill>
+          <a:schemeClr val="phClr"/>
+        </a:solidFill>
+        <a:prstDash val="sysDot"/>
+      </a:ln>
+    </cs:spPr>
+  </cs:trendline>
+  <cs:trendlineLabel>
+    <cs:lnRef idx="0"/>
+    <cs:fillRef idx="0"/>
+    <cs:effectRef idx="0"/>
+    <cs:fontRef idx="minor">
+      <a:schemeClr val="tx1">
+        <a:lumMod val="65000"/>
+        <a:lumOff val="35000"/>
+      </a:schemeClr>
+    </cs:fontRef>
+    <cs:defRPr sz="900" kern="1200"/>
+  </cs:trendlineLabel>
+  <cs:upBar>
+    <cs:lnRef idx="0"/>
+    <cs:fillRef idx="0"/>
+    <cs:effectRef idx="0"/>
+    <cs:fontRef idx="minor">
+      <a:schemeClr val="tx1"/>
+    </cs:fontRef>
+    <cs:spPr>
+      <a:solidFill>
+        <a:schemeClr val="lt1"/>
+      </a:solidFill>
+      <a:ln w="9525" cap="flat" cmpd="sng" algn="ctr">
+        <a:solidFill>
+          <a:schemeClr val="tx1">
+            <a:lumMod val="65000"/>
+            <a:lumOff val="35000"/>
+          </a:schemeClr>
+        </a:solidFill>
+        <a:round/>
+      </a:ln>
+    </cs:spPr>
+  </cs:upBar>
+  <cs:valueAxis>
+    <cs:lnRef idx="0"/>
+    <cs:fillRef idx="0"/>
+    <cs:effectRef idx="0"/>
+    <cs:fontRef idx="minor">
+      <a:schemeClr val="tx1">
+        <a:lumMod val="65000"/>
+        <a:lumOff val="35000"/>
+      </a:schemeClr>
+    </cs:fontRef>
+    <cs:spPr>
+      <a:ln w="9525" cap="flat" cmpd="sng" algn="ctr">
+        <a:solidFill>
+          <a:schemeClr val="tx1">
+            <a:lumMod val="25000"/>
+            <a:lumOff val="75000"/>
+          </a:schemeClr>
+        </a:solidFill>
+        <a:round/>
+      </a:ln>
+    </cs:spPr>
+    <cs:defRPr sz="900" kern="1200"/>
+  </cs:valueAxis>
+  <cs:wall>
+    <cs:lnRef idx="0"/>
+    <cs:fillRef idx="0"/>
+    <cs:effectRef idx="0"/>
+    <cs:fontRef idx="minor">
+      <a:schemeClr val="tx1"/>
+    </cs:fontRef>
+    <cs:spPr>
+      <a:noFill/>
+      <a:ln>
+        <a:noFill/>
+      </a:ln>
+    </cs:spPr>
+  </cs:wall>
+</cs:chartStyle>
+</file>
+
+<file path=ppt/charts/style16.xml><?xml version="1.0" encoding="utf-8"?>
+<cs:chartStyle xmlns:cs="http://schemas.microsoft.com/office/drawing/2012/chartStyle" xmlns:a="http://schemas.openxmlformats.org/drawingml/2006/main" id="240">
+  <cs:axisTitle>
+    <cs:lnRef idx="0"/>
+    <cs:fillRef idx="0"/>
+    <cs:effectRef idx="0"/>
+    <cs:fontRef idx="minor">
+      <a:schemeClr val="tx1">
+        <a:lumMod val="65000"/>
+        <a:lumOff val="35000"/>
+      </a:schemeClr>
+    </cs:fontRef>
+    <cs:defRPr sz="1000" kern="1200"/>
+  </cs:axisTitle>
+  <cs:categoryAxis>
+    <cs:lnRef idx="0"/>
+    <cs:fillRef idx="0"/>
+    <cs:effectRef idx="0"/>
+    <cs:fontRef idx="minor">
+      <a:schemeClr val="tx1">
+        <a:lumMod val="65000"/>
+        <a:lumOff val="35000"/>
+      </a:schemeClr>
+    </cs:fontRef>
+    <cs:spPr>
+      <a:ln w="9525" cap="flat" cmpd="sng" algn="ctr">
+        <a:solidFill>
+          <a:schemeClr val="tx1">
+            <a:lumMod val="25000"/>
+            <a:lumOff val="75000"/>
+          </a:schemeClr>
+        </a:solidFill>
+        <a:round/>
+      </a:ln>
+    </cs:spPr>
+    <cs:defRPr sz="900" kern="1200"/>
+  </cs:categoryAxis>
+  <cs:chartArea mods="allowNoFillOverride allowNoLineOverride">
+    <cs:lnRef idx="0"/>
+    <cs:fillRef idx="0"/>
+    <cs:effectRef idx="0"/>
+    <cs:fontRef idx="minor">
+      <a:schemeClr val="tx1"/>
+    </cs:fontRef>
+    <cs:spPr>
+      <a:solidFill>
+        <a:schemeClr val="bg1"/>
+      </a:solidFill>
+      <a:ln w="9525" cap="flat" cmpd="sng" algn="ctr">
+        <a:solidFill>
+          <a:schemeClr val="tx1">
+            <a:lumMod val="15000"/>
+            <a:lumOff val="85000"/>
+          </a:schemeClr>
+        </a:solidFill>
+        <a:round/>
+      </a:ln>
+    </cs:spPr>
+    <cs:defRPr sz="1000" kern="1200"/>
+  </cs:chartArea>
+  <cs:dataLabel>
+    <cs:lnRef idx="0"/>
+    <cs:fillRef idx="0"/>
+    <cs:effectRef idx="0"/>
+    <cs:fontRef idx="minor">
+      <a:schemeClr val="tx1">
+        <a:lumMod val="75000"/>
+        <a:lumOff val="25000"/>
+      </a:schemeClr>
+    </cs:fontRef>
+    <cs:defRPr sz="900" kern="1200"/>
+  </cs:dataLabel>
+  <cs:dataLabelCallout>
+    <cs:lnRef idx="0"/>
+    <cs:fillRef idx="0"/>
+    <cs:effectRef idx="0"/>
+    <cs:fontRef idx="minor">
+      <a:schemeClr val="dk1">
+        <a:lumMod val="65000"/>
+        <a:lumOff val="35000"/>
+      </a:schemeClr>
+    </cs:fontRef>
+    <cs:spPr>
+      <a:solidFill>
+        <a:schemeClr val="lt1"/>
+      </a:solidFill>
+      <a:ln>
+        <a:solidFill>
+          <a:schemeClr val="dk1">
+            <a:lumMod val="25000"/>
+            <a:lumOff val="75000"/>
+          </a:schemeClr>
+        </a:solidFill>
+      </a:ln>
+    </cs:spPr>
+    <cs:defRPr sz="900" kern="1200"/>
+    <cs:bodyPr rot="0" spcFirstLastPara="1" vertOverflow="clip" horzOverflow="clip" vert="horz" wrap="square" lIns="36576" tIns="18288" rIns="36576" bIns="18288" anchor="ctr" anchorCtr="1">
+      <a:spAutoFit/>
+    </cs:bodyPr>
+  </cs:dataLabelCallout>
+  <cs:dataPoint>
+    <cs:lnRef idx="0"/>
+    <cs:fillRef idx="1">
+      <cs:styleClr val="auto"/>
+    </cs:fillRef>
+    <cs:effectRef idx="0"/>
+    <cs:fontRef idx="minor">
+      <a:schemeClr val="tx1"/>
+    </cs:fontRef>
+  </cs:dataPoint>
+  <cs:dataPoint3D>
+    <cs:lnRef idx="0"/>
+    <cs:fillRef idx="1">
+      <cs:styleClr val="auto"/>
+    </cs:fillRef>
+    <cs:effectRef idx="0"/>
+    <cs:fontRef idx="minor">
+      <a:schemeClr val="tx1"/>
+    </cs:fontRef>
+  </cs:dataPoint3D>
+  <cs:dataPointLine>
+    <cs:lnRef idx="0">
+      <cs:styleClr val="auto"/>
+    </cs:lnRef>
+    <cs:fillRef idx="1"/>
+    <cs:effectRef idx="0"/>
+    <cs:fontRef idx="minor">
+      <a:schemeClr val="tx1"/>
+    </cs:fontRef>
+    <cs:spPr>
+      <a:ln w="19050" cap="rnd">
+        <a:solidFill>
+          <a:schemeClr val="phClr"/>
+        </a:solidFill>
+        <a:round/>
+      </a:ln>
+    </cs:spPr>
+  </cs:dataPointLine>
+  <cs:dataPointMarker>
+    <cs:lnRef idx="0">
+      <cs:styleClr val="auto"/>
+    </cs:lnRef>
+    <cs:fillRef idx="1">
+      <cs:styleClr val="auto"/>
+    </cs:fillRef>
+    <cs:effectRef idx="0"/>
+    <cs:fontRef idx="minor">
+      <a:schemeClr val="tx1"/>
+    </cs:fontRef>
+    <cs:spPr>
+      <a:ln w="9525">
+        <a:solidFill>
+          <a:schemeClr val="phClr"/>
+        </a:solidFill>
+      </a:ln>
+    </cs:spPr>
+  </cs:dataPointMarker>
+  <cs:dataPointMarkerLayout symbol="circle" size="5"/>
+  <cs:dataPointWireframe>
+    <cs:lnRef idx="0">
+      <cs:styleClr val="auto"/>
+    </cs:lnRef>
+    <cs:fillRef idx="0"/>
+    <cs:effectRef idx="0"/>
+    <cs:fontRef idx="minor">
+      <a:schemeClr val="dk1"/>
+    </cs:fontRef>
+    <cs:spPr>
+      <a:ln w="9525" cap="rnd">
+        <a:solidFill>
+          <a:schemeClr val="phClr"/>
+        </a:solidFill>
+        <a:round/>
+      </a:ln>
+    </cs:spPr>
+  </cs:dataPointWireframe>
+  <cs:dataTable>
+    <cs:lnRef idx="0"/>
+    <cs:fillRef idx="0"/>
+    <cs:effectRef idx="0"/>
+    <cs:fontRef idx="minor">
+      <a:schemeClr val="tx1">
+        <a:lumMod val="65000"/>
+        <a:lumOff val="35000"/>
+      </a:schemeClr>
+    </cs:fontRef>
+    <cs:spPr>
+      <a:noFill/>
+      <a:ln w="9525" cap="flat" cmpd="sng" algn="ctr">
+        <a:solidFill>
+          <a:schemeClr val="tx1">
+            <a:lumMod val="15000"/>
+            <a:lumOff val="85000"/>
+          </a:schemeClr>
+        </a:solidFill>
+        <a:round/>
+      </a:ln>
+    </cs:spPr>
+    <cs:defRPr sz="900" kern="1200"/>
+  </cs:dataTable>
+  <cs:downBar>
+    <cs:lnRef idx="0"/>
+    <cs:fillRef idx="0"/>
+    <cs:effectRef idx="0"/>
+    <cs:fontRef idx="minor">
+      <a:schemeClr val="tx1"/>
+    </cs:fontRef>
+    <cs:spPr>
+      <a:solidFill>
+        <a:schemeClr val="dk1">
+          <a:lumMod val="75000"/>
+          <a:lumOff val="25000"/>
+        </a:schemeClr>
+      </a:solidFill>
+      <a:ln w="9525" cap="flat" cmpd="sng" algn="ctr">
+        <a:solidFill>
+          <a:schemeClr val="tx1">
+            <a:lumMod val="65000"/>
+            <a:lumOff val="35000"/>
+          </a:schemeClr>
+        </a:solidFill>
+        <a:round/>
+      </a:ln>
+    </cs:spPr>
+  </cs:downBar>
+  <cs:dropLine>
+    <cs:lnRef idx="0"/>
+    <cs:fillRef idx="0"/>
+    <cs:effectRef idx="0"/>
+    <cs:fontRef idx="minor">
+      <a:schemeClr val="tx1"/>
+    </cs:fontRef>
+    <cs:spPr>
+      <a:ln w="9525" cap="flat" cmpd="sng" algn="ctr">
+        <a:solidFill>
+          <a:schemeClr val="tx1">
+            <a:lumMod val="35000"/>
+            <a:lumOff val="65000"/>
+          </a:schemeClr>
+        </a:solidFill>
+        <a:round/>
+      </a:ln>
+    </cs:spPr>
+  </cs:dropLine>
+  <cs:errorBar>
+    <cs:lnRef idx="0"/>
+    <cs:fillRef idx="0"/>
+    <cs:effectRef idx="0"/>
+    <cs:fontRef idx="minor">
+      <a:schemeClr val="tx1"/>
+    </cs:fontRef>
+    <cs:spPr>
+      <a:ln w="9525" cap="flat" cmpd="sng" algn="ctr">
+        <a:solidFill>
+          <a:schemeClr val="tx1">
+            <a:lumMod val="65000"/>
+            <a:lumOff val="35000"/>
+          </a:schemeClr>
+        </a:solidFill>
+        <a:round/>
+      </a:ln>
+    </cs:spPr>
+  </cs:errorBar>
+  <cs:floor>
+    <cs:lnRef idx="0"/>
+    <cs:fillRef idx="0"/>
+    <cs:effectRef idx="0"/>
+    <cs:fontRef idx="minor">
+      <a:schemeClr val="tx1"/>
+    </cs:fontRef>
+    <cs:spPr>
+      <a:noFill/>
+      <a:ln>
+        <a:noFill/>
+      </a:ln>
+    </cs:spPr>
+  </cs:floor>
+  <cs:gridlineMajor>
+    <cs:lnRef idx="0"/>
+    <cs:fillRef idx="0"/>
+    <cs:effectRef idx="0"/>
+    <cs:fontRef idx="minor">
+      <a:schemeClr val="tx1"/>
+    </cs:fontRef>
+    <cs:spPr>
+      <a:ln w="9525" cap="flat" cmpd="sng" algn="ctr">
+        <a:solidFill>
+          <a:schemeClr val="tx1">
+            <a:lumMod val="15000"/>
+            <a:lumOff val="85000"/>
+          </a:schemeClr>
+        </a:solidFill>
+        <a:round/>
+      </a:ln>
+    </cs:spPr>
+  </cs:gridlineMajor>
+  <cs:gridlineMinor>
+    <cs:lnRef idx="0"/>
+    <cs:fillRef idx="0"/>
+    <cs:effectRef idx="0"/>
+    <cs:fontRef idx="minor">
+      <a:schemeClr val="tx1"/>
+    </cs:fontRef>
+    <cs:spPr>
+      <a:ln w="9525" cap="flat" cmpd="sng" algn="ctr">
+        <a:solidFill>
+          <a:schemeClr val="tx1">
+            <a:lumMod val="5000"/>
+            <a:lumOff val="95000"/>
+          </a:schemeClr>
+        </a:solidFill>
+        <a:round/>
+      </a:ln>
+    </cs:spPr>
+  </cs:gridlineMinor>
+  <cs:hiLoLine>
+    <cs:lnRef idx="0"/>
+    <cs:fillRef idx="0"/>
+    <cs:effectRef idx="0"/>
+    <cs:fontRef idx="minor">
+      <a:schemeClr val="tx1"/>
+    </cs:fontRef>
+    <cs:spPr>
+      <a:ln w="9525" cap="flat" cmpd="sng" algn="ctr">
+        <a:solidFill>
+          <a:schemeClr val="tx1">
+            <a:lumMod val="50000"/>
+            <a:lumOff val="50000"/>
+          </a:schemeClr>
+        </a:solidFill>
+        <a:round/>
+      </a:ln>
+    </cs:spPr>
+  </cs:hiLoLine>
+  <cs:leaderLine>
+    <cs:lnRef idx="0"/>
+    <cs:fillRef idx="0"/>
+    <cs:effectRef idx="0"/>
+    <cs:fontRef idx="minor">
+      <a:schemeClr val="tx1"/>
+    </cs:fontRef>
+    <cs:spPr>
+      <a:ln w="9525" cap="flat" cmpd="sng" algn="ctr">
+        <a:solidFill>
+          <a:schemeClr val="tx1">
+            <a:lumMod val="35000"/>
+            <a:lumOff val="65000"/>
+          </a:schemeClr>
+        </a:solidFill>
+        <a:round/>
+      </a:ln>
+    </cs:spPr>
+  </cs:leaderLine>
+  <cs:legend>
+    <cs:lnRef idx="0"/>
+    <cs:fillRef idx="0"/>
+    <cs:effectRef idx="0"/>
+    <cs:fontRef idx="minor">
+      <a:schemeClr val="tx1">
+        <a:lumMod val="65000"/>
+        <a:lumOff val="35000"/>
+      </a:schemeClr>
+    </cs:fontRef>
+    <cs:defRPr sz="900" kern="1200"/>
+  </cs:legend>
+  <cs:plotArea mods="allowNoFillOverride allowNoLineOverride">
+    <cs:lnRef idx="0"/>
+    <cs:fillRef idx="0"/>
+    <cs:effectRef idx="0"/>
+    <cs:fontRef idx="minor">
+      <a:schemeClr val="tx1"/>
+    </cs:fontRef>
+  </cs:plotArea>
+  <cs:plotArea3D mods="allowNoFillOverride allowNoLineOverride">
+    <cs:lnRef idx="0"/>
+    <cs:fillRef idx="0"/>
+    <cs:effectRef idx="0"/>
+    <cs:fontRef idx="minor">
+      <a:schemeClr val="tx1"/>
+    </cs:fontRef>
+  </cs:plotArea3D>
+  <cs:seriesAxis>
+    <cs:lnRef idx="0"/>
+    <cs:fillRef idx="0"/>
+    <cs:effectRef idx="0"/>
+    <cs:fontRef idx="minor">
+      <a:schemeClr val="tx1">
+        <a:lumMod val="65000"/>
+        <a:lumOff val="35000"/>
+      </a:schemeClr>
+    </cs:fontRef>
+    <cs:defRPr sz="900" kern="1200"/>
+  </cs:seriesAxis>
+  <cs:seriesLine>
+    <cs:lnRef idx="0"/>
+    <cs:fillRef idx="0"/>
+    <cs:effectRef idx="0"/>
+    <cs:fontRef idx="minor">
+      <a:schemeClr val="tx1"/>
+    </cs:fontRef>
+    <cs:spPr>
+      <a:ln w="9525" cap="flat" cmpd="sng" algn="ctr">
+        <a:solidFill>
+          <a:schemeClr val="tx1">
+            <a:lumMod val="35000"/>
+            <a:lumOff val="65000"/>
+          </a:schemeClr>
+        </a:solidFill>
+        <a:round/>
+      </a:ln>
+    </cs:spPr>
+  </cs:seriesLine>
+  <cs:title>
+    <cs:lnRef idx="0"/>
+    <cs:fillRef idx="0"/>
+    <cs:effectRef idx="0"/>
+    <cs:fontRef idx="minor">
+      <a:schemeClr val="tx1">
+        <a:lumMod val="65000"/>
+        <a:lumOff val="35000"/>
+      </a:schemeClr>
+    </cs:fontRef>
+    <cs:defRPr sz="1400" b="0" kern="1200" spc="0" baseline="0"/>
+  </cs:title>
+  <cs:trendline>
+    <cs:lnRef idx="0">
+      <cs:styleClr val="auto"/>
+    </cs:lnRef>
+    <cs:fillRef idx="0"/>
+    <cs:effectRef idx="0"/>
+    <cs:fontRef idx="minor">
+      <a:schemeClr val="tx1"/>
+    </cs:fontRef>
+    <cs:spPr>
+      <a:ln w="19050" cap="rnd">
+        <a:solidFill>
+          <a:schemeClr val="phClr"/>
+        </a:solidFill>
+        <a:prstDash val="sysDot"/>
+      </a:ln>
+    </cs:spPr>
+  </cs:trendline>
+  <cs:trendlineLabel>
+    <cs:lnRef idx="0"/>
+    <cs:fillRef idx="0"/>
+    <cs:effectRef idx="0"/>
+    <cs:fontRef idx="minor">
+      <a:schemeClr val="tx1">
+        <a:lumMod val="65000"/>
+        <a:lumOff val="35000"/>
+      </a:schemeClr>
+    </cs:fontRef>
+    <cs:defRPr sz="900" kern="1200"/>
+  </cs:trendlineLabel>
+  <cs:upBar>
+    <cs:lnRef idx="0"/>
+    <cs:fillRef idx="0"/>
+    <cs:effectRef idx="0"/>
+    <cs:fontRef idx="minor">
+      <a:schemeClr val="tx1"/>
+    </cs:fontRef>
+    <cs:spPr>
+      <a:solidFill>
+        <a:schemeClr val="lt1"/>
+      </a:solidFill>
+      <a:ln w="9525" cap="flat" cmpd="sng" algn="ctr">
+        <a:solidFill>
+          <a:schemeClr val="tx1">
+            <a:lumMod val="65000"/>
+            <a:lumOff val="35000"/>
+          </a:schemeClr>
+        </a:solidFill>
+        <a:round/>
+      </a:ln>
+    </cs:spPr>
+  </cs:upBar>
+  <cs:valueAxis>
+    <cs:lnRef idx="0"/>
+    <cs:fillRef idx="0"/>
+    <cs:effectRef idx="0"/>
+    <cs:fontRef idx="minor">
+      <a:schemeClr val="tx1">
+        <a:lumMod val="65000"/>
+        <a:lumOff val="35000"/>
+      </a:schemeClr>
+    </cs:fontRef>
+    <cs:spPr>
+      <a:ln w="9525" cap="flat" cmpd="sng" algn="ctr">
+        <a:solidFill>
+          <a:schemeClr val="tx1">
+            <a:lumMod val="25000"/>
+            <a:lumOff val="75000"/>
+          </a:schemeClr>
+        </a:solidFill>
+        <a:round/>
+      </a:ln>
+    </cs:spPr>
+    <cs:defRPr sz="900" kern="1200"/>
+  </cs:valueAxis>
+  <cs:wall>
+    <cs:lnRef idx="0"/>
+    <cs:fillRef idx="0"/>
+    <cs:effectRef idx="0"/>
+    <cs:fontRef idx="minor">
+      <a:schemeClr val="tx1"/>
+    </cs:fontRef>
+    <cs:spPr>
+      <a:noFill/>
+      <a:ln>
+        <a:noFill/>
+      </a:ln>
+    </cs:spPr>
+  </cs:wall>
+</cs:chartStyle>
+</file>
+
+<file path=ppt/charts/style17.xml><?xml version="1.0" encoding="utf-8"?>
+<cs:chartStyle xmlns:cs="http://schemas.microsoft.com/office/drawing/2012/chartStyle" xmlns:a="http://schemas.openxmlformats.org/drawingml/2006/main" id="240">
+  <cs:axisTitle>
+    <cs:lnRef idx="0"/>
+    <cs:fillRef idx="0"/>
+    <cs:effectRef idx="0"/>
+    <cs:fontRef idx="minor">
+      <a:schemeClr val="tx1">
+        <a:lumMod val="65000"/>
+        <a:lumOff val="35000"/>
+      </a:schemeClr>
+    </cs:fontRef>
+    <cs:defRPr sz="1000" kern="1200"/>
+  </cs:axisTitle>
+  <cs:categoryAxis>
+    <cs:lnRef idx="0"/>
+    <cs:fillRef idx="0"/>
+    <cs:effectRef idx="0"/>
+    <cs:fontRef idx="minor">
+      <a:schemeClr val="tx1">
+        <a:lumMod val="65000"/>
+        <a:lumOff val="35000"/>
+      </a:schemeClr>
+    </cs:fontRef>
+    <cs:spPr>
+      <a:ln w="9525" cap="flat" cmpd="sng" algn="ctr">
+        <a:solidFill>
+          <a:schemeClr val="tx1">
+            <a:lumMod val="25000"/>
+            <a:lumOff val="75000"/>
+          </a:schemeClr>
+        </a:solidFill>
+        <a:round/>
+      </a:ln>
+    </cs:spPr>
+    <cs:defRPr sz="900" kern="1200"/>
+  </cs:categoryAxis>
+  <cs:chartArea mods="allowNoFillOverride allowNoLineOverride">
+    <cs:lnRef idx="0"/>
+    <cs:fillRef idx="0"/>
+    <cs:effectRef idx="0"/>
+    <cs:fontRef idx="minor">
+      <a:schemeClr val="tx1"/>
+    </cs:fontRef>
+    <cs:spPr>
+      <a:solidFill>
+        <a:schemeClr val="bg1"/>
+      </a:solidFill>
+      <a:ln w="9525" cap="flat" cmpd="sng" algn="ctr">
+        <a:solidFill>
+          <a:schemeClr val="tx1">
+            <a:lumMod val="15000"/>
+            <a:lumOff val="85000"/>
+          </a:schemeClr>
+        </a:solidFill>
+        <a:round/>
+      </a:ln>
+    </cs:spPr>
+    <cs:defRPr sz="1000" kern="1200"/>
+  </cs:chartArea>
+  <cs:dataLabel>
+    <cs:lnRef idx="0"/>
+    <cs:fillRef idx="0"/>
+    <cs:effectRef idx="0"/>
+    <cs:fontRef idx="minor">
+      <a:schemeClr val="tx1">
+        <a:lumMod val="75000"/>
+        <a:lumOff val="25000"/>
+      </a:schemeClr>
+    </cs:fontRef>
+    <cs:defRPr sz="900" kern="1200"/>
+  </cs:dataLabel>
+  <cs:dataLabelCallout>
+    <cs:lnRef idx="0"/>
+    <cs:fillRef idx="0"/>
+    <cs:effectRef idx="0"/>
+    <cs:fontRef idx="minor">
+      <a:schemeClr val="dk1">
+        <a:lumMod val="65000"/>
+        <a:lumOff val="35000"/>
+      </a:schemeClr>
+    </cs:fontRef>
+    <cs:spPr>
+      <a:solidFill>
+        <a:schemeClr val="lt1"/>
+      </a:solidFill>
+      <a:ln>
+        <a:solidFill>
+          <a:schemeClr val="dk1">
+            <a:lumMod val="25000"/>
+            <a:lumOff val="75000"/>
+          </a:schemeClr>
+        </a:solidFill>
+      </a:ln>
+    </cs:spPr>
+    <cs:defRPr sz="900" kern="1200"/>
+    <cs:bodyPr rot="0" spcFirstLastPara="1" vertOverflow="clip" horzOverflow="clip" vert="horz" wrap="square" lIns="36576" tIns="18288" rIns="36576" bIns="18288" anchor="ctr" anchorCtr="1">
+      <a:spAutoFit/>
+    </cs:bodyPr>
+  </cs:dataLabelCallout>
+  <cs:dataPoint>
+    <cs:lnRef idx="0"/>
+    <cs:fillRef idx="1">
+      <cs:styleClr val="auto"/>
+    </cs:fillRef>
+    <cs:effectRef idx="0"/>
+    <cs:fontRef idx="minor">
+      <a:schemeClr val="tx1"/>
+    </cs:fontRef>
+  </cs:dataPoint>
+  <cs:dataPoint3D>
+    <cs:lnRef idx="0"/>
+    <cs:fillRef idx="1">
+      <cs:styleClr val="auto"/>
+    </cs:fillRef>
+    <cs:effectRef idx="0"/>
+    <cs:fontRef idx="minor">
+      <a:schemeClr val="tx1"/>
+    </cs:fontRef>
+  </cs:dataPoint3D>
+  <cs:dataPointLine>
+    <cs:lnRef idx="0">
+      <cs:styleClr val="auto"/>
+    </cs:lnRef>
+    <cs:fillRef idx="1"/>
+    <cs:effectRef idx="0"/>
+    <cs:fontRef idx="minor">
+      <a:schemeClr val="tx1"/>
+    </cs:fontRef>
+    <cs:spPr>
+      <a:ln w="19050" cap="rnd">
+        <a:solidFill>
+          <a:schemeClr val="phClr"/>
+        </a:solidFill>
+        <a:round/>
+      </a:ln>
+    </cs:spPr>
+  </cs:dataPointLine>
+  <cs:dataPointMarker>
+    <cs:lnRef idx="0">
+      <cs:styleClr val="auto"/>
+    </cs:lnRef>
+    <cs:fillRef idx="1">
+      <cs:styleClr val="auto"/>
+    </cs:fillRef>
+    <cs:effectRef idx="0"/>
+    <cs:fontRef idx="minor">
+      <a:schemeClr val="tx1"/>
+    </cs:fontRef>
+    <cs:spPr>
+      <a:ln w="9525">
+        <a:solidFill>
+          <a:schemeClr val="phClr"/>
+        </a:solidFill>
+      </a:ln>
+    </cs:spPr>
+  </cs:dataPointMarker>
+  <cs:dataPointMarkerLayout symbol="circle" size="5"/>
+  <cs:dataPointWireframe>
+    <cs:lnRef idx="0">
+      <cs:styleClr val="auto"/>
+    </cs:lnRef>
+    <cs:fillRef idx="0"/>
+    <cs:effectRef idx="0"/>
+    <cs:fontRef idx="minor">
+      <a:schemeClr val="dk1"/>
+    </cs:fontRef>
+    <cs:spPr>
+      <a:ln w="9525" cap="rnd">
+        <a:solidFill>
+          <a:schemeClr val="phClr"/>
+        </a:solidFill>
+        <a:round/>
+      </a:ln>
+    </cs:spPr>
+  </cs:dataPointWireframe>
+  <cs:dataTable>
+    <cs:lnRef idx="0"/>
+    <cs:fillRef idx="0"/>
+    <cs:effectRef idx="0"/>
+    <cs:fontRef idx="minor">
+      <a:schemeClr val="tx1">
+        <a:lumMod val="65000"/>
+        <a:lumOff val="35000"/>
+      </a:schemeClr>
+    </cs:fontRef>
+    <cs:spPr>
+      <a:noFill/>
+      <a:ln w="9525" cap="flat" cmpd="sng" algn="ctr">
+        <a:solidFill>
+          <a:schemeClr val="tx1">
+            <a:lumMod val="15000"/>
+            <a:lumOff val="85000"/>
+          </a:schemeClr>
+        </a:solidFill>
+        <a:round/>
+      </a:ln>
+    </cs:spPr>
+    <cs:defRPr sz="900" kern="1200"/>
+  </cs:dataTable>
+  <cs:downBar>
+    <cs:lnRef idx="0"/>
+    <cs:fillRef idx="0"/>
+    <cs:effectRef idx="0"/>
+    <cs:fontRef idx="minor">
+      <a:schemeClr val="tx1"/>
+    </cs:fontRef>
+    <cs:spPr>
+      <a:solidFill>
+        <a:schemeClr val="dk1">
+          <a:lumMod val="75000"/>
+          <a:lumOff val="25000"/>
+        </a:schemeClr>
+      </a:solidFill>
+      <a:ln w="9525" cap="flat" cmpd="sng" algn="ctr">
+        <a:solidFill>
+          <a:schemeClr val="tx1">
+            <a:lumMod val="65000"/>
+            <a:lumOff val="35000"/>
+          </a:schemeClr>
+        </a:solidFill>
+        <a:round/>
+      </a:ln>
+    </cs:spPr>
+  </cs:downBar>
+  <cs:dropLine>
+    <cs:lnRef idx="0"/>
+    <cs:fillRef idx="0"/>
+    <cs:effectRef idx="0"/>
+    <cs:fontRef idx="minor">
+      <a:schemeClr val="tx1"/>
+    </cs:fontRef>
+    <cs:spPr>
+      <a:ln w="9525" cap="flat" cmpd="sng" algn="ctr">
+        <a:solidFill>
+          <a:schemeClr val="tx1">
+            <a:lumMod val="35000"/>
+            <a:lumOff val="65000"/>
+          </a:schemeClr>
+        </a:solidFill>
+        <a:round/>
+      </a:ln>
+    </cs:spPr>
+  </cs:dropLine>
+  <cs:errorBar>
+    <cs:lnRef idx="0"/>
+    <cs:fillRef idx="0"/>
+    <cs:effectRef idx="0"/>
+    <cs:fontRef idx="minor">
+      <a:schemeClr val="tx1"/>
+    </cs:fontRef>
+    <cs:spPr>
+      <a:ln w="9525" cap="flat" cmpd="sng" algn="ctr">
+        <a:solidFill>
+          <a:schemeClr val="tx1">
+            <a:lumMod val="65000"/>
+            <a:lumOff val="35000"/>
+          </a:schemeClr>
+        </a:solidFill>
+        <a:round/>
+      </a:ln>
+    </cs:spPr>
+  </cs:errorBar>
+  <cs:floor>
+    <cs:lnRef idx="0"/>
+    <cs:fillRef idx="0"/>
+    <cs:effectRef idx="0"/>
+    <cs:fontRef idx="minor">
+      <a:schemeClr val="tx1"/>
+    </cs:fontRef>
+    <cs:spPr>
+      <a:noFill/>
+      <a:ln>
+        <a:noFill/>
+      </a:ln>
+    </cs:spPr>
+  </cs:floor>
+  <cs:gridlineMajor>
+    <cs:lnRef idx="0"/>
+    <cs:fillRef idx="0"/>
+    <cs:effectRef idx="0"/>
+    <cs:fontRef idx="minor">
+      <a:schemeClr val="tx1"/>
+    </cs:fontRef>
+    <cs:spPr>
+      <a:ln w="9525" cap="flat" cmpd="sng" algn="ctr">
+        <a:solidFill>
+          <a:schemeClr val="tx1">
+            <a:lumMod val="15000"/>
+            <a:lumOff val="85000"/>
+          </a:schemeClr>
+        </a:solidFill>
+        <a:round/>
+      </a:ln>
+    </cs:spPr>
+  </cs:gridlineMajor>
+  <cs:gridlineMinor>
+    <cs:lnRef idx="0"/>
+    <cs:fillRef idx="0"/>
+    <cs:effectRef idx="0"/>
+    <cs:fontRef idx="minor">
+      <a:schemeClr val="tx1"/>
+    </cs:fontRef>
+    <cs:spPr>
+      <a:ln w="9525" cap="flat" cmpd="sng" algn="ctr">
+        <a:solidFill>
+          <a:schemeClr val="tx1">
+            <a:lumMod val="5000"/>
+            <a:lumOff val="95000"/>
+          </a:schemeClr>
+        </a:solidFill>
+        <a:round/>
+      </a:ln>
+    </cs:spPr>
+  </cs:gridlineMinor>
+  <cs:hiLoLine>
+    <cs:lnRef idx="0"/>
+    <cs:fillRef idx="0"/>
+    <cs:effectRef idx="0"/>
+    <cs:fontRef idx="minor">
+      <a:schemeClr val="tx1"/>
+    </cs:fontRef>
+    <cs:spPr>
+      <a:ln w="9525" cap="flat" cmpd="sng" algn="ctr">
+        <a:solidFill>
+          <a:schemeClr val="tx1">
+            <a:lumMod val="50000"/>
+            <a:lumOff val="50000"/>
+          </a:schemeClr>
+        </a:solidFill>
+        <a:round/>
+      </a:ln>
+    </cs:spPr>
+  </cs:hiLoLine>
+  <cs:leaderLine>
+    <cs:lnRef idx="0"/>
+    <cs:fillRef idx="0"/>
+    <cs:effectRef idx="0"/>
+    <cs:fontRef idx="minor">
+      <a:schemeClr val="tx1"/>
+    </cs:fontRef>
+    <cs:spPr>
+      <a:ln w="9525" cap="flat" cmpd="sng" algn="ctr">
+        <a:solidFill>
+          <a:schemeClr val="tx1">
+            <a:lumMod val="35000"/>
+            <a:lumOff val="65000"/>
+          </a:schemeClr>
+        </a:solidFill>
+        <a:round/>
+      </a:ln>
+    </cs:spPr>
+  </cs:leaderLine>
+  <cs:legend>
+    <cs:lnRef idx="0"/>
+    <cs:fillRef idx="0"/>
+    <cs:effectRef idx="0"/>
+    <cs:fontRef idx="minor">
+      <a:schemeClr val="tx1">
+        <a:lumMod val="65000"/>
+        <a:lumOff val="35000"/>
+      </a:schemeClr>
+    </cs:fontRef>
+    <cs:defRPr sz="900" kern="1200"/>
+  </cs:legend>
+  <cs:plotArea mods="allowNoFillOverride allowNoLineOverride">
+    <cs:lnRef idx="0"/>
+    <cs:fillRef idx="0"/>
+    <cs:effectRef idx="0"/>
+    <cs:fontRef idx="minor">
+      <a:schemeClr val="tx1"/>
+    </cs:fontRef>
+  </cs:plotArea>
+  <cs:plotArea3D mods="allowNoFillOverride allowNoLineOverride">
+    <cs:lnRef idx="0"/>
+    <cs:fillRef idx="0"/>
+    <cs:effectRef idx="0"/>
+    <cs:fontRef idx="minor">
+      <a:schemeClr val="tx1"/>
+    </cs:fontRef>
+  </cs:plotArea3D>
+  <cs:seriesAxis>
+    <cs:lnRef idx="0"/>
+    <cs:fillRef idx="0"/>
+    <cs:effectRef idx="0"/>
+    <cs:fontRef idx="minor">
+      <a:schemeClr val="tx1">
+        <a:lumMod val="65000"/>
+        <a:lumOff val="35000"/>
+      </a:schemeClr>
+    </cs:fontRef>
+    <cs:defRPr sz="900" kern="1200"/>
+  </cs:seriesAxis>
+  <cs:seriesLine>
+    <cs:lnRef idx="0"/>
+    <cs:fillRef idx="0"/>
+    <cs:effectRef idx="0"/>
+    <cs:fontRef idx="minor">
+      <a:schemeClr val="tx1"/>
+    </cs:fontRef>
+    <cs:spPr>
+      <a:ln w="9525" cap="flat" cmpd="sng" algn="ctr">
+        <a:solidFill>
+          <a:schemeClr val="tx1">
+            <a:lumMod val="35000"/>
+            <a:lumOff val="65000"/>
+          </a:schemeClr>
+        </a:solidFill>
+        <a:round/>
+      </a:ln>
+    </cs:spPr>
+  </cs:seriesLine>
+  <cs:title>
+    <cs:lnRef idx="0"/>
+    <cs:fillRef idx="0"/>
+    <cs:effectRef idx="0"/>
+    <cs:fontRef idx="minor">
+      <a:schemeClr val="tx1">
+        <a:lumMod val="65000"/>
+        <a:lumOff val="35000"/>
+      </a:schemeClr>
+    </cs:fontRef>
+    <cs:defRPr sz="1400" b="0" kern="1200" spc="0" baseline="0"/>
+  </cs:title>
+  <cs:trendline>
+    <cs:lnRef idx="0">
+      <cs:styleClr val="auto"/>
+    </cs:lnRef>
+    <cs:fillRef idx="0"/>
+    <cs:effectRef idx="0"/>
+    <cs:fontRef idx="minor">
+      <a:schemeClr val="tx1"/>
+    </cs:fontRef>
+    <cs:spPr>
+      <a:ln w="19050" cap="rnd">
+        <a:solidFill>
+          <a:schemeClr val="phClr"/>
+        </a:solidFill>
+        <a:prstDash val="sysDot"/>
+      </a:ln>
+    </cs:spPr>
+  </cs:trendline>
+  <cs:trendlineLabel>
+    <cs:lnRef idx="0"/>
+    <cs:fillRef idx="0"/>
+    <cs:effectRef idx="0"/>
+    <cs:fontRef idx="minor">
+      <a:schemeClr val="tx1">
+        <a:lumMod val="65000"/>
+        <a:lumOff val="35000"/>
+      </a:schemeClr>
+    </cs:fontRef>
+    <cs:defRPr sz="900" kern="1200"/>
+  </cs:trendlineLabel>
+  <cs:upBar>
+    <cs:lnRef idx="0"/>
+    <cs:fillRef idx="0"/>
+    <cs:effectRef idx="0"/>
+    <cs:fontRef idx="minor">
+      <a:schemeClr val="tx1"/>
+    </cs:fontRef>
+    <cs:spPr>
+      <a:solidFill>
+        <a:schemeClr val="lt1"/>
+      </a:solidFill>
+      <a:ln w="9525" cap="flat" cmpd="sng" algn="ctr">
+        <a:solidFill>
+          <a:schemeClr val="tx1">
+            <a:lumMod val="65000"/>
+            <a:lumOff val="35000"/>
+          </a:schemeClr>
+        </a:solidFill>
+        <a:round/>
+      </a:ln>
+    </cs:spPr>
+  </cs:upBar>
+  <cs:valueAxis>
+    <cs:lnRef idx="0"/>
+    <cs:fillRef idx="0"/>
+    <cs:effectRef idx="0"/>
+    <cs:fontRef idx="minor">
+      <a:schemeClr val="tx1">
+        <a:lumMod val="65000"/>
+        <a:lumOff val="35000"/>
+      </a:schemeClr>
+    </cs:fontRef>
+    <cs:spPr>
+      <a:ln w="9525" cap="flat" cmpd="sng" algn="ctr">
+        <a:solidFill>
+          <a:schemeClr val="tx1">
+            <a:lumMod val="25000"/>
+            <a:lumOff val="75000"/>
+          </a:schemeClr>
+        </a:solidFill>
+        <a:round/>
+      </a:ln>
+    </cs:spPr>
+    <cs:defRPr sz="900" kern="1200"/>
+  </cs:valueAxis>
+  <cs:wall>
+    <cs:lnRef idx="0"/>
+    <cs:fillRef idx="0"/>
+    <cs:effectRef idx="0"/>
+    <cs:fontRef idx="minor">
+      <a:schemeClr val="tx1"/>
+    </cs:fontRef>
+    <cs:spPr>
+      <a:noFill/>
+      <a:ln>
+        <a:noFill/>
+      </a:ln>
+    </cs:spPr>
+  </cs:wall>
+</cs:chartStyle>
+</file>
+
 <file path=ppt/charts/style2.xml><?xml version="1.0" encoding="utf-8"?>
 <cs:chartStyle xmlns:cs="http://schemas.microsoft.com/office/drawing/2012/chartStyle" xmlns:a="http://schemas.openxmlformats.org/drawingml/2006/main" id="261">
   <cs:axisTitle>
@@ -9730,7 +17480,7 @@
           <a:p>
             <a:fld id="{1C5F0CF7-B3DC-4CDF-992A-4BFE25C89ABD}" type="datetimeFigureOut">
               <a:rPr lang="ko-KR" altLang="en-US" smtClean="0"/>
-              <a:t>2019-03-28</a:t>
+              <a:t>2019-04-04</a:t>
             </a:fld>
             <a:endParaRPr lang="ko-KR" altLang="en-US"/>
           </a:p>
@@ -9928,7 +17678,7 @@
           <a:p>
             <a:fld id="{1C5F0CF7-B3DC-4CDF-992A-4BFE25C89ABD}" type="datetimeFigureOut">
               <a:rPr lang="ko-KR" altLang="en-US" smtClean="0"/>
-              <a:t>2019-03-28</a:t>
+              <a:t>2019-04-04</a:t>
             </a:fld>
             <a:endParaRPr lang="ko-KR" altLang="en-US"/>
           </a:p>
@@ -10136,7 +17886,7 @@
           <a:p>
             <a:fld id="{1C5F0CF7-B3DC-4CDF-992A-4BFE25C89ABD}" type="datetimeFigureOut">
               <a:rPr lang="ko-KR" altLang="en-US" smtClean="0"/>
-              <a:t>2019-03-28</a:t>
+              <a:t>2019-04-04</a:t>
             </a:fld>
             <a:endParaRPr lang="ko-KR" altLang="en-US"/>
           </a:p>
@@ -10334,7 +18084,7 @@
           <a:p>
             <a:fld id="{1C5F0CF7-B3DC-4CDF-992A-4BFE25C89ABD}" type="datetimeFigureOut">
               <a:rPr lang="ko-KR" altLang="en-US" smtClean="0"/>
-              <a:t>2019-03-28</a:t>
+              <a:t>2019-04-04</a:t>
             </a:fld>
             <a:endParaRPr lang="ko-KR" altLang="en-US"/>
           </a:p>
@@ -10609,7 +18359,7 @@
           <a:p>
             <a:fld id="{1C5F0CF7-B3DC-4CDF-992A-4BFE25C89ABD}" type="datetimeFigureOut">
               <a:rPr lang="ko-KR" altLang="en-US" smtClean="0"/>
-              <a:t>2019-03-28</a:t>
+              <a:t>2019-04-04</a:t>
             </a:fld>
             <a:endParaRPr lang="ko-KR" altLang="en-US"/>
           </a:p>
@@ -10874,7 +18624,7 @@
           <a:p>
             <a:fld id="{1C5F0CF7-B3DC-4CDF-992A-4BFE25C89ABD}" type="datetimeFigureOut">
               <a:rPr lang="ko-KR" altLang="en-US" smtClean="0"/>
-              <a:t>2019-03-28</a:t>
+              <a:t>2019-04-04</a:t>
             </a:fld>
             <a:endParaRPr lang="ko-KR" altLang="en-US"/>
           </a:p>
@@ -11286,7 +19036,7 @@
           <a:p>
             <a:fld id="{1C5F0CF7-B3DC-4CDF-992A-4BFE25C89ABD}" type="datetimeFigureOut">
               <a:rPr lang="ko-KR" altLang="en-US" smtClean="0"/>
-              <a:t>2019-03-28</a:t>
+              <a:t>2019-04-04</a:t>
             </a:fld>
             <a:endParaRPr lang="ko-KR" altLang="en-US"/>
           </a:p>
@@ -11427,7 +19177,7 @@
           <a:p>
             <a:fld id="{1C5F0CF7-B3DC-4CDF-992A-4BFE25C89ABD}" type="datetimeFigureOut">
               <a:rPr lang="ko-KR" altLang="en-US" smtClean="0"/>
-              <a:t>2019-03-28</a:t>
+              <a:t>2019-04-04</a:t>
             </a:fld>
             <a:endParaRPr lang="ko-KR" altLang="en-US"/>
           </a:p>
@@ -11540,7 +19290,7 @@
           <a:p>
             <a:fld id="{1C5F0CF7-B3DC-4CDF-992A-4BFE25C89ABD}" type="datetimeFigureOut">
               <a:rPr lang="ko-KR" altLang="en-US" smtClean="0"/>
-              <a:t>2019-03-28</a:t>
+              <a:t>2019-04-04</a:t>
             </a:fld>
             <a:endParaRPr lang="ko-KR" altLang="en-US"/>
           </a:p>
@@ -11851,7 +19601,7 @@
           <a:p>
             <a:fld id="{1C5F0CF7-B3DC-4CDF-992A-4BFE25C89ABD}" type="datetimeFigureOut">
               <a:rPr lang="ko-KR" altLang="en-US" smtClean="0"/>
-              <a:t>2019-03-28</a:t>
+              <a:t>2019-04-04</a:t>
             </a:fld>
             <a:endParaRPr lang="ko-KR" altLang="en-US"/>
           </a:p>
@@ -12139,7 +19889,7 @@
           <a:p>
             <a:fld id="{1C5F0CF7-B3DC-4CDF-992A-4BFE25C89ABD}" type="datetimeFigureOut">
               <a:rPr lang="ko-KR" altLang="en-US" smtClean="0"/>
-              <a:t>2019-03-28</a:t>
+              <a:t>2019-04-04</a:t>
             </a:fld>
             <a:endParaRPr lang="ko-KR" altLang="en-US"/>
           </a:p>
@@ -12380,7 +20130,7 @@
           <a:p>
             <a:fld id="{1C5F0CF7-B3DC-4CDF-992A-4BFE25C89ABD}" type="datetimeFigureOut">
               <a:rPr lang="ko-KR" altLang="en-US" smtClean="0"/>
-              <a:t>2019-03-28</a:t>
+              <a:t>2019-04-04</a:t>
             </a:fld>
             <a:endParaRPr lang="ko-KR" altLang="en-US"/>
           </a:p>
@@ -12815,12 +20565,37 @@
         </p:nvSpPr>
         <p:spPr/>
         <p:txBody>
-          <a:bodyPr/>
+          <a:bodyPr>
+            <a:normAutofit fontScale="90000"/>
+          </a:bodyPr>
           <a:lstStyle/>
           <a:p>
             <a:r>
               <a:rPr lang="ko-KR" altLang="en-US" dirty="0"/>
               <a:t>논문 자료조사 모음</a:t>
+            </a:r>
+            <a:br>
+              <a:rPr lang="en-US" altLang="ko-KR" dirty="0"/>
+            </a:br>
+            <a:r>
+              <a:rPr lang="en-US" altLang="ko-KR" dirty="0"/>
+              <a:t>(2019</a:t>
+            </a:r>
+            <a:r>
+              <a:rPr lang="ko-KR" altLang="en-US" dirty="0"/>
+              <a:t>년 </a:t>
+            </a:r>
+            <a:r>
+              <a:rPr lang="en-US" altLang="ko-KR" dirty="0"/>
+              <a:t>3</a:t>
+            </a:r>
+            <a:r>
+              <a:rPr lang="ko-KR" altLang="en-US" dirty="0"/>
+              <a:t>월부터</a:t>
+            </a:r>
+            <a:r>
+              <a:rPr lang="en-US" altLang="ko-KR" dirty="0"/>
+              <a:t>)</a:t>
             </a:r>
             <a:br>
               <a:rPr lang="en-US" altLang="ko-KR" dirty="0"/>
@@ -13602,7 +21377,11 @@
             <a:pPr algn="ctr"/>
             <a:r>
               <a:rPr lang="ko-KR" altLang="en-US" sz="2800" b="1" dirty="0"/>
-              <a:t>지난주</a:t>
+              <a:t>지난주 </a:t>
+            </a:r>
+            <a:r>
+              <a:rPr lang="en-US" altLang="ko-KR" sz="2800" b="1" dirty="0"/>
+              <a:t>20190328</a:t>
             </a:r>
             <a:endParaRPr lang="ko-KR" altLang="en-US" sz="2800" dirty="0"/>
           </a:p>
@@ -15025,7 +22804,7 @@
             <p:ph idx="1"/>
             <p:extLst>
               <p:ext uri="{D42A27DB-BD31-4B8C-83A1-F6EECF244321}">
-                <p14:modId xmlns:p14="http://schemas.microsoft.com/office/powerpoint/2010/main" val="1655473013"/>
+                <p14:modId xmlns:p14="http://schemas.microsoft.com/office/powerpoint/2010/main" val="40763625"/>
               </p:ext>
             </p:extLst>
           </p:nvPr>
@@ -15055,7 +22834,7 @@
           <p:nvPr>
             <p:extLst>
               <p:ext uri="{D42A27DB-BD31-4B8C-83A1-F6EECF244321}">
-                <p14:modId xmlns:p14="http://schemas.microsoft.com/office/powerpoint/2010/main" val="2343602091"/>
+                <p14:modId xmlns:p14="http://schemas.microsoft.com/office/powerpoint/2010/main" val="411783559"/>
               </p:ext>
             </p:extLst>
           </p:nvPr>
@@ -15085,7 +22864,7 @@
           <p:nvPr>
             <p:extLst>
               <p:ext uri="{D42A27DB-BD31-4B8C-83A1-F6EECF244321}">
-                <p14:modId xmlns:p14="http://schemas.microsoft.com/office/powerpoint/2010/main" val="3984239033"/>
+                <p14:modId xmlns:p14="http://schemas.microsoft.com/office/powerpoint/2010/main" val="2846530603"/>
               </p:ext>
             </p:extLst>
           </p:nvPr>
@@ -15104,6 +22883,712 @@
     <p:extLst>
       <p:ext uri="{BB962C8B-B14F-4D97-AF65-F5344CB8AC3E}">
         <p14:creationId xmlns:p14="http://schemas.microsoft.com/office/powerpoint/2010/main" val="455174747"/>
+      </p:ext>
+    </p:extLst>
+  </p:cSld>
+  <p:clrMapOvr>
+    <a:masterClrMapping/>
+  </p:clrMapOvr>
+</p:sld>
+</file>
+
+<file path=ppt/slides/slide24.xml><?xml version="1.0" encoding="utf-8"?>
+<p:sld xmlns:a="http://schemas.openxmlformats.org/drawingml/2006/main" xmlns:r="http://schemas.openxmlformats.org/officeDocument/2006/relationships" xmlns:p="http://schemas.openxmlformats.org/presentationml/2006/main">
+  <p:cSld>
+    <p:spTree>
+      <p:nvGrpSpPr>
+        <p:cNvPr id="1" name=""/>
+        <p:cNvGrpSpPr/>
+        <p:nvPr/>
+      </p:nvGrpSpPr>
+      <p:grpSpPr>
+        <a:xfrm>
+          <a:off x="0" y="0"/>
+          <a:ext cx="0" cy="0"/>
+          <a:chOff x="0" y="0"/>
+          <a:chExt cx="0" cy="0"/>
+        </a:xfrm>
+      </p:grpSpPr>
+      <p:sp>
+        <p:nvSpPr>
+          <p:cNvPr id="2" name="제목 1">
+            <a:extLst>
+              <a:ext uri="{FF2B5EF4-FFF2-40B4-BE49-F238E27FC236}">
+                <a16:creationId xmlns:a16="http://schemas.microsoft.com/office/drawing/2014/main" id="{992A73AA-963F-4480-9699-8F5D0AD5A2A3}"/>
+              </a:ext>
+            </a:extLst>
+          </p:cNvPr>
+          <p:cNvSpPr>
+            <a:spLocks noGrp="1"/>
+          </p:cNvSpPr>
+          <p:nvPr>
+            <p:ph type="title"/>
+          </p:nvPr>
+        </p:nvSpPr>
+        <p:spPr/>
+        <p:txBody>
+          <a:bodyPr>
+            <a:normAutofit/>
+          </a:bodyPr>
+          <a:lstStyle/>
+          <a:p>
+            <a:pPr algn="ctr"/>
+            <a:r>
+              <a:rPr lang="en-US" altLang="ko-KR" sz="2800" b="1" dirty="0"/>
+              <a:t>STROBE</a:t>
+            </a:r>
+            <a:endParaRPr lang="ko-KR" altLang="en-US" sz="2800" dirty="0"/>
+          </a:p>
+        </p:txBody>
+      </p:sp>
+      <p:sp>
+        <p:nvSpPr>
+          <p:cNvPr id="5" name="내용 개체 틀 4">
+            <a:extLst>
+              <a:ext uri="{FF2B5EF4-FFF2-40B4-BE49-F238E27FC236}">
+                <a16:creationId xmlns:a16="http://schemas.microsoft.com/office/drawing/2014/main" id="{E0074ACA-A7A4-4A34-B0B5-662CD615655C}"/>
+              </a:ext>
+            </a:extLst>
+          </p:cNvPr>
+          <p:cNvSpPr>
+            <a:spLocks noGrp="1"/>
+          </p:cNvSpPr>
+          <p:nvPr>
+            <p:ph idx="1"/>
+          </p:nvPr>
+        </p:nvSpPr>
+        <p:spPr/>
+        <p:txBody>
+          <a:bodyPr/>
+          <a:lstStyle/>
+          <a:p>
+            <a:r>
+              <a:rPr lang="en-US" altLang="ko-KR" b="1" dirty="0" err="1"/>
+              <a:t>STrengthening</a:t>
+            </a:r>
+            <a:r>
+              <a:rPr lang="en-US" altLang="ko-KR" b="1" dirty="0"/>
+              <a:t> the Reporting of </a:t>
+            </a:r>
+            <a:r>
+              <a:rPr lang="en-US" altLang="ko-KR" b="1" dirty="0" err="1"/>
+              <a:t>OBservational</a:t>
+            </a:r>
+            <a:r>
+              <a:rPr lang="en-US" altLang="ko-KR" b="1" dirty="0"/>
+              <a:t> studies in Epidemiology</a:t>
+            </a:r>
+            <a:endParaRPr lang="en-US" altLang="ko-KR" dirty="0"/>
+          </a:p>
+          <a:p>
+            <a:r>
+              <a:rPr lang="ko-KR" altLang="en-US" dirty="0" err="1"/>
+              <a:t>스트로브</a:t>
+            </a:r>
+            <a:r>
+              <a:rPr lang="ko-KR" altLang="en-US" dirty="0"/>
+              <a:t> </a:t>
+            </a:r>
+            <a:r>
+              <a:rPr lang="en-US" altLang="ko-KR" dirty="0"/>
+              <a:t>(STROBE)</a:t>
+            </a:r>
+            <a:r>
+              <a:rPr lang="ko-KR" altLang="en-US" dirty="0"/>
+              <a:t>는 공동의 목표를 가진 관찰 연구 수행 및 보급에 관련된 국제적 공동 협력을 의미 </a:t>
+            </a:r>
+            <a:endParaRPr lang="en-US" altLang="ko-KR" dirty="0"/>
+          </a:p>
+          <a:p>
+            <a:r>
+              <a:rPr lang="ko-KR" altLang="en-US" dirty="0"/>
+              <a:t>병리 학자</a:t>
+            </a:r>
+            <a:r>
+              <a:rPr lang="en-US" altLang="ko-KR" dirty="0"/>
+              <a:t>, </a:t>
+            </a:r>
+            <a:r>
+              <a:rPr lang="ko-KR" altLang="en-US" dirty="0"/>
+              <a:t>방법론 학자</a:t>
+            </a:r>
+            <a:r>
+              <a:rPr lang="en-US" altLang="ko-KR" dirty="0"/>
+              <a:t>, </a:t>
+            </a:r>
+            <a:r>
+              <a:rPr lang="ko-KR" altLang="en-US" dirty="0"/>
+              <a:t>통계 학자</a:t>
+            </a:r>
+            <a:r>
+              <a:rPr lang="en-US" altLang="ko-KR" dirty="0"/>
+              <a:t>, </a:t>
+            </a:r>
+            <a:r>
+              <a:rPr lang="ko-KR" altLang="en-US" dirty="0"/>
+              <a:t>연구자 및 저널 편집자의 국제적 공동 협력을 의미</a:t>
+            </a:r>
+            <a:endParaRPr lang="en-US" altLang="ko-KR" dirty="0"/>
+          </a:p>
+          <a:p>
+            <a:r>
+              <a:rPr lang="en-US" altLang="ko-KR" dirty="0"/>
+              <a:t>STROBE </a:t>
+            </a:r>
+            <a:r>
+              <a:rPr lang="ko-KR" altLang="en-US" dirty="0"/>
+              <a:t>성명서는 점점 더 많은 생물 의학 저널에 의해 보증</a:t>
+            </a:r>
+            <a:r>
+              <a:rPr lang="en-US" altLang="ko-KR" dirty="0"/>
+              <a:t> </a:t>
+            </a:r>
+          </a:p>
+          <a:p>
+            <a:endParaRPr lang="en-US" altLang="ko-KR" dirty="0"/>
+          </a:p>
+          <a:p>
+            <a:r>
+              <a:rPr lang="ko-KR" altLang="en-US" dirty="0"/>
+              <a:t>즉</a:t>
+            </a:r>
+            <a:r>
+              <a:rPr lang="en-US" altLang="ko-KR" dirty="0"/>
+              <a:t>, </a:t>
+            </a:r>
+            <a:r>
+              <a:rPr lang="ko-KR" altLang="en-US" b="1" dirty="0"/>
+              <a:t>의학 관측 연구를 위한 국제 표준 지침</a:t>
+            </a:r>
+            <a:r>
+              <a:rPr lang="en-US" altLang="ko-KR" dirty="0"/>
+              <a:t> </a:t>
+            </a:r>
+          </a:p>
+        </p:txBody>
+      </p:sp>
+    </p:spTree>
+    <p:extLst>
+      <p:ext uri="{BB962C8B-B14F-4D97-AF65-F5344CB8AC3E}">
+        <p14:creationId xmlns:p14="http://schemas.microsoft.com/office/powerpoint/2010/main" val="2850593472"/>
+      </p:ext>
+    </p:extLst>
+  </p:cSld>
+  <p:clrMapOvr>
+    <a:masterClrMapping/>
+  </p:clrMapOvr>
+</p:sld>
+</file>
+
+<file path=ppt/slides/slide25.xml><?xml version="1.0" encoding="utf-8"?>
+<p:sld xmlns:a="http://schemas.openxmlformats.org/drawingml/2006/main" xmlns:r="http://schemas.openxmlformats.org/officeDocument/2006/relationships" xmlns:p="http://schemas.openxmlformats.org/presentationml/2006/main">
+  <p:cSld>
+    <p:spTree>
+      <p:nvGrpSpPr>
+        <p:cNvPr id="1" name=""/>
+        <p:cNvGrpSpPr/>
+        <p:nvPr/>
+      </p:nvGrpSpPr>
+      <p:grpSpPr>
+        <a:xfrm>
+          <a:off x="0" y="0"/>
+          <a:ext cx="0" cy="0"/>
+          <a:chOff x="0" y="0"/>
+          <a:chExt cx="0" cy="0"/>
+        </a:xfrm>
+      </p:grpSpPr>
+      <p:sp>
+        <p:nvSpPr>
+          <p:cNvPr id="2" name="제목 1">
+            <a:extLst>
+              <a:ext uri="{FF2B5EF4-FFF2-40B4-BE49-F238E27FC236}">
+                <a16:creationId xmlns:a16="http://schemas.microsoft.com/office/drawing/2014/main" id="{992A73AA-963F-4480-9699-8F5D0AD5A2A3}"/>
+              </a:ext>
+            </a:extLst>
+          </p:cNvPr>
+          <p:cNvSpPr>
+            <a:spLocks noGrp="1"/>
+          </p:cNvSpPr>
+          <p:nvPr>
+            <p:ph type="title"/>
+          </p:nvPr>
+        </p:nvSpPr>
+        <p:spPr/>
+        <p:txBody>
+          <a:bodyPr>
+            <a:normAutofit/>
+          </a:bodyPr>
+          <a:lstStyle/>
+          <a:p>
+            <a:pPr algn="ctr"/>
+            <a:r>
+              <a:rPr lang="en-US" altLang="ko-KR" sz="2800" b="1" dirty="0"/>
+              <a:t>STROBE</a:t>
+            </a:r>
+            <a:endParaRPr lang="ko-KR" altLang="en-US" sz="2800" dirty="0"/>
+          </a:p>
+        </p:txBody>
+      </p:sp>
+      <p:sp>
+        <p:nvSpPr>
+          <p:cNvPr id="5" name="내용 개체 틀 4">
+            <a:extLst>
+              <a:ext uri="{FF2B5EF4-FFF2-40B4-BE49-F238E27FC236}">
+                <a16:creationId xmlns:a16="http://schemas.microsoft.com/office/drawing/2014/main" id="{E0074ACA-A7A4-4A34-B0B5-662CD615655C}"/>
+              </a:ext>
+            </a:extLst>
+          </p:cNvPr>
+          <p:cNvSpPr>
+            <a:spLocks noGrp="1"/>
+          </p:cNvSpPr>
+          <p:nvPr>
+            <p:ph idx="1"/>
+          </p:nvPr>
+        </p:nvSpPr>
+        <p:spPr/>
+        <p:txBody>
+          <a:bodyPr/>
+          <a:lstStyle/>
+          <a:p>
+            <a:r>
+              <a:rPr lang="ko-KR" altLang="en-US" dirty="0"/>
+              <a:t>관련 논문 선정 및 분배</a:t>
+            </a:r>
+            <a:r>
+              <a:rPr lang="en-US" altLang="ko-KR" dirty="0"/>
+              <a:t>!</a:t>
+            </a:r>
+          </a:p>
+        </p:txBody>
+      </p:sp>
+      <p:pic>
+        <p:nvPicPr>
+          <p:cNvPr id="4" name="그림 3">
+            <a:extLst>
+              <a:ext uri="{FF2B5EF4-FFF2-40B4-BE49-F238E27FC236}">
+                <a16:creationId xmlns:a16="http://schemas.microsoft.com/office/drawing/2014/main" id="{69515152-8B11-469E-8823-9908D25454B1}"/>
+              </a:ext>
+            </a:extLst>
+          </p:cNvPr>
+          <p:cNvPicPr>
+            <a:picLocks noChangeAspect="1"/>
+          </p:cNvPicPr>
+          <p:nvPr/>
+        </p:nvPicPr>
+        <p:blipFill>
+          <a:blip r:embed="rId2"/>
+          <a:stretch>
+            <a:fillRect/>
+          </a:stretch>
+        </p:blipFill>
+        <p:spPr>
+          <a:xfrm>
+            <a:off x="2700337" y="2405063"/>
+            <a:ext cx="6791325" cy="3771900"/>
+          </a:xfrm>
+          <a:prstGeom prst="rect">
+            <a:avLst/>
+          </a:prstGeom>
+        </p:spPr>
+      </p:pic>
+    </p:spTree>
+    <p:extLst>
+      <p:ext uri="{BB962C8B-B14F-4D97-AF65-F5344CB8AC3E}">
+        <p14:creationId xmlns:p14="http://schemas.microsoft.com/office/powerpoint/2010/main" val="3949028178"/>
+      </p:ext>
+    </p:extLst>
+  </p:cSld>
+  <p:clrMapOvr>
+    <a:masterClrMapping/>
+  </p:clrMapOvr>
+</p:sld>
+</file>
+
+<file path=ppt/slides/slide26.xml><?xml version="1.0" encoding="utf-8"?>
+<p:sld xmlns:a="http://schemas.openxmlformats.org/drawingml/2006/main" xmlns:r="http://schemas.openxmlformats.org/officeDocument/2006/relationships" xmlns:p="http://schemas.openxmlformats.org/presentationml/2006/main">
+  <p:cSld>
+    <p:spTree>
+      <p:nvGrpSpPr>
+        <p:cNvPr id="1" name=""/>
+        <p:cNvGrpSpPr/>
+        <p:nvPr/>
+      </p:nvGrpSpPr>
+      <p:grpSpPr>
+        <a:xfrm>
+          <a:off x="0" y="0"/>
+          <a:ext cx="0" cy="0"/>
+          <a:chOff x="0" y="0"/>
+          <a:chExt cx="0" cy="0"/>
+        </a:xfrm>
+      </p:grpSpPr>
+      <p:sp>
+        <p:nvSpPr>
+          <p:cNvPr id="2" name="제목 1">
+            <a:extLst>
+              <a:ext uri="{FF2B5EF4-FFF2-40B4-BE49-F238E27FC236}">
+                <a16:creationId xmlns:a16="http://schemas.microsoft.com/office/drawing/2014/main" id="{992A73AA-963F-4480-9699-8F5D0AD5A2A3}"/>
+              </a:ext>
+            </a:extLst>
+          </p:cNvPr>
+          <p:cNvSpPr>
+            <a:spLocks noGrp="1"/>
+          </p:cNvSpPr>
+          <p:nvPr>
+            <p:ph type="title"/>
+          </p:nvPr>
+        </p:nvSpPr>
+        <p:spPr/>
+        <p:txBody>
+          <a:bodyPr>
+            <a:normAutofit/>
+          </a:bodyPr>
+          <a:lstStyle/>
+          <a:p>
+            <a:pPr algn="ctr"/>
+            <a:r>
+              <a:rPr lang="en-US" altLang="ko-KR" sz="2800" dirty="0"/>
+              <a:t>SQUATS (STROBE </a:t>
+            </a:r>
+            <a:r>
+              <a:rPr lang="ko-KR" altLang="en-US" sz="2800" dirty="0"/>
+              <a:t>기준</a:t>
+            </a:r>
+            <a:r>
+              <a:rPr lang="en-US" altLang="ko-KR" sz="2800" dirty="0"/>
+              <a:t>)</a:t>
+            </a:r>
+            <a:endParaRPr lang="ko-KR" altLang="en-US" sz="2800" dirty="0"/>
+          </a:p>
+        </p:txBody>
+      </p:sp>
+      <p:graphicFrame>
+        <p:nvGraphicFramePr>
+          <p:cNvPr id="9" name="차트 8">
+            <a:extLst>
+              <a:ext uri="{FF2B5EF4-FFF2-40B4-BE49-F238E27FC236}">
+                <a16:creationId xmlns:a16="http://schemas.microsoft.com/office/drawing/2014/main" id="{2C306207-A376-4FC8-AD3A-011B899644CC}"/>
+              </a:ext>
+            </a:extLst>
+          </p:cNvPr>
+          <p:cNvGraphicFramePr>
+            <a:graphicFrameLocks/>
+          </p:cNvGraphicFramePr>
+          <p:nvPr/>
+        </p:nvGraphicFramePr>
+        <p:xfrm>
+          <a:off x="3810000" y="2057400"/>
+          <a:ext cx="4572000" cy="2743200"/>
+        </p:xfrm>
+        <a:graphic>
+          <a:graphicData uri="http://schemas.openxmlformats.org/drawingml/2006/chart">
+            <c:chart xmlns:c="http://schemas.openxmlformats.org/drawingml/2006/chart" xmlns:r="http://schemas.openxmlformats.org/officeDocument/2006/relationships" r:id="rId2"/>
+          </a:graphicData>
+        </a:graphic>
+      </p:graphicFrame>
+    </p:spTree>
+    <p:extLst>
+      <p:ext uri="{BB962C8B-B14F-4D97-AF65-F5344CB8AC3E}">
+        <p14:creationId xmlns:p14="http://schemas.microsoft.com/office/powerpoint/2010/main" val="1362762343"/>
+      </p:ext>
+    </p:extLst>
+  </p:cSld>
+  <p:clrMapOvr>
+    <a:masterClrMapping/>
+  </p:clrMapOvr>
+</p:sld>
+</file>
+
+<file path=ppt/slides/slide27.xml><?xml version="1.0" encoding="utf-8"?>
+<p:sld xmlns:a="http://schemas.openxmlformats.org/drawingml/2006/main" xmlns:r="http://schemas.openxmlformats.org/officeDocument/2006/relationships" xmlns:p="http://schemas.openxmlformats.org/presentationml/2006/main">
+  <p:cSld>
+    <p:spTree>
+      <p:nvGrpSpPr>
+        <p:cNvPr id="1" name=""/>
+        <p:cNvGrpSpPr/>
+        <p:nvPr/>
+      </p:nvGrpSpPr>
+      <p:grpSpPr>
+        <a:xfrm>
+          <a:off x="0" y="0"/>
+          <a:ext cx="0" cy="0"/>
+          <a:chOff x="0" y="0"/>
+          <a:chExt cx="0" cy="0"/>
+        </a:xfrm>
+      </p:grpSpPr>
+      <p:graphicFrame>
+        <p:nvGraphicFramePr>
+          <p:cNvPr id="11" name="차트 10">
+            <a:extLst>
+              <a:ext uri="{FF2B5EF4-FFF2-40B4-BE49-F238E27FC236}">
+                <a16:creationId xmlns:a16="http://schemas.microsoft.com/office/drawing/2014/main" id="{8B448686-C920-4811-859E-FB647A369C43}"/>
+              </a:ext>
+            </a:extLst>
+          </p:cNvPr>
+          <p:cNvGraphicFramePr>
+            <a:graphicFrameLocks/>
+          </p:cNvGraphicFramePr>
+          <p:nvPr>
+            <p:extLst>
+              <p:ext uri="{D42A27DB-BD31-4B8C-83A1-F6EECF244321}">
+                <p14:modId xmlns:p14="http://schemas.microsoft.com/office/powerpoint/2010/main" val="145922263"/>
+              </p:ext>
+            </p:extLst>
+          </p:nvPr>
+        </p:nvGraphicFramePr>
+        <p:xfrm>
+          <a:off x="3810000" y="2057400"/>
+          <a:ext cx="4572000" cy="2743200"/>
+        </p:xfrm>
+        <a:graphic>
+          <a:graphicData uri="http://schemas.openxmlformats.org/drawingml/2006/chart">
+            <c:chart xmlns:c="http://schemas.openxmlformats.org/drawingml/2006/chart" xmlns:r="http://schemas.openxmlformats.org/officeDocument/2006/relationships" r:id="rId2"/>
+          </a:graphicData>
+        </a:graphic>
+      </p:graphicFrame>
+      <p:sp>
+        <p:nvSpPr>
+          <p:cNvPr id="2" name="제목 1">
+            <a:extLst>
+              <a:ext uri="{FF2B5EF4-FFF2-40B4-BE49-F238E27FC236}">
+                <a16:creationId xmlns:a16="http://schemas.microsoft.com/office/drawing/2014/main" id="{992A73AA-963F-4480-9699-8F5D0AD5A2A3}"/>
+              </a:ext>
+            </a:extLst>
+          </p:cNvPr>
+          <p:cNvSpPr>
+            <a:spLocks noGrp="1"/>
+          </p:cNvSpPr>
+          <p:nvPr>
+            <p:ph type="title"/>
+          </p:nvPr>
+        </p:nvSpPr>
+        <p:spPr/>
+        <p:txBody>
+          <a:bodyPr>
+            <a:normAutofit/>
+          </a:bodyPr>
+          <a:lstStyle/>
+          <a:p>
+            <a:pPr algn="ctr"/>
+            <a:r>
+              <a:rPr lang="en-US" altLang="ko-KR" sz="2800" dirty="0"/>
+              <a:t>Lying Straight Leg Raise (STROBE </a:t>
+            </a:r>
+            <a:r>
+              <a:rPr lang="ko-KR" altLang="en-US" sz="2800" dirty="0"/>
+              <a:t>기준</a:t>
+            </a:r>
+            <a:r>
+              <a:rPr lang="en-US" altLang="ko-KR" sz="2800" dirty="0"/>
+              <a:t>)</a:t>
+            </a:r>
+            <a:endParaRPr lang="ko-KR" altLang="en-US" sz="2800" dirty="0"/>
+          </a:p>
+        </p:txBody>
+      </p:sp>
+    </p:spTree>
+    <p:extLst>
+      <p:ext uri="{BB962C8B-B14F-4D97-AF65-F5344CB8AC3E}">
+        <p14:creationId xmlns:p14="http://schemas.microsoft.com/office/powerpoint/2010/main" val="2756733978"/>
+      </p:ext>
+    </p:extLst>
+  </p:cSld>
+  <p:clrMapOvr>
+    <a:masterClrMapping/>
+  </p:clrMapOvr>
+</p:sld>
+</file>
+
+<file path=ppt/slides/slide28.xml><?xml version="1.0" encoding="utf-8"?>
+<p:sld xmlns:a="http://schemas.openxmlformats.org/drawingml/2006/main" xmlns:r="http://schemas.openxmlformats.org/officeDocument/2006/relationships" xmlns:p="http://schemas.openxmlformats.org/presentationml/2006/main">
+  <p:cSld>
+    <p:spTree>
+      <p:nvGrpSpPr>
+        <p:cNvPr id="1" name=""/>
+        <p:cNvGrpSpPr/>
+        <p:nvPr/>
+      </p:nvGrpSpPr>
+      <p:grpSpPr>
+        <a:xfrm>
+          <a:off x="0" y="0"/>
+          <a:ext cx="0" cy="0"/>
+          <a:chOff x="0" y="0"/>
+          <a:chExt cx="0" cy="0"/>
+        </a:xfrm>
+      </p:grpSpPr>
+      <p:graphicFrame>
+        <p:nvGraphicFramePr>
+          <p:cNvPr id="4" name="차트 3">
+            <a:extLst>
+              <a:ext uri="{FF2B5EF4-FFF2-40B4-BE49-F238E27FC236}">
+                <a16:creationId xmlns:a16="http://schemas.microsoft.com/office/drawing/2014/main" id="{73100945-E398-4931-B9FE-23C00514D578}"/>
+              </a:ext>
+            </a:extLst>
+          </p:cNvPr>
+          <p:cNvGraphicFramePr>
+            <a:graphicFrameLocks/>
+          </p:cNvGraphicFramePr>
+          <p:nvPr>
+            <p:extLst>
+              <p:ext uri="{D42A27DB-BD31-4B8C-83A1-F6EECF244321}">
+                <p14:modId xmlns:p14="http://schemas.microsoft.com/office/powerpoint/2010/main" val="3102163062"/>
+              </p:ext>
+            </p:extLst>
+          </p:nvPr>
+        </p:nvGraphicFramePr>
+        <p:xfrm>
+          <a:off x="3726729" y="2057400"/>
+          <a:ext cx="4572000" cy="2743200"/>
+        </p:xfrm>
+        <a:graphic>
+          <a:graphicData uri="http://schemas.openxmlformats.org/drawingml/2006/chart">
+            <c:chart xmlns:c="http://schemas.openxmlformats.org/drawingml/2006/chart" xmlns:r="http://schemas.openxmlformats.org/officeDocument/2006/relationships" r:id="rId2"/>
+          </a:graphicData>
+        </a:graphic>
+      </p:graphicFrame>
+      <p:sp>
+        <p:nvSpPr>
+          <p:cNvPr id="2" name="제목 1">
+            <a:extLst>
+              <a:ext uri="{FF2B5EF4-FFF2-40B4-BE49-F238E27FC236}">
+                <a16:creationId xmlns:a16="http://schemas.microsoft.com/office/drawing/2014/main" id="{992A73AA-963F-4480-9699-8F5D0AD5A2A3}"/>
+              </a:ext>
+            </a:extLst>
+          </p:cNvPr>
+          <p:cNvSpPr>
+            <a:spLocks noGrp="1"/>
+          </p:cNvSpPr>
+          <p:nvPr>
+            <p:ph type="title"/>
+          </p:nvPr>
+        </p:nvSpPr>
+        <p:spPr/>
+        <p:txBody>
+          <a:bodyPr>
+            <a:normAutofit/>
+          </a:bodyPr>
+          <a:lstStyle/>
+          <a:p>
+            <a:pPr algn="ctr"/>
+            <a:r>
+              <a:rPr lang="en-US" altLang="ko-KR" sz="2800" dirty="0"/>
+              <a:t>LUNGE (STROBE </a:t>
+            </a:r>
+            <a:r>
+              <a:rPr lang="ko-KR" altLang="en-US" sz="2800" dirty="0"/>
+              <a:t>기준</a:t>
+            </a:r>
+            <a:r>
+              <a:rPr lang="en-US" altLang="ko-KR" sz="2800" dirty="0"/>
+              <a:t>)</a:t>
+            </a:r>
+            <a:endParaRPr lang="ko-KR" altLang="en-US" sz="2800" dirty="0"/>
+          </a:p>
+        </p:txBody>
+      </p:sp>
+    </p:spTree>
+    <p:extLst>
+      <p:ext uri="{BB962C8B-B14F-4D97-AF65-F5344CB8AC3E}">
+        <p14:creationId xmlns:p14="http://schemas.microsoft.com/office/powerpoint/2010/main" val="2426765429"/>
+      </p:ext>
+    </p:extLst>
+  </p:cSld>
+  <p:clrMapOvr>
+    <a:masterClrMapping/>
+  </p:clrMapOvr>
+</p:sld>
+</file>
+
+<file path=ppt/slides/slide29.xml><?xml version="1.0" encoding="utf-8"?>
+<p:sld xmlns:a="http://schemas.openxmlformats.org/drawingml/2006/main" xmlns:r="http://schemas.openxmlformats.org/officeDocument/2006/relationships" xmlns:p="http://schemas.openxmlformats.org/presentationml/2006/main">
+  <p:cSld>
+    <p:spTree>
+      <p:nvGrpSpPr>
+        <p:cNvPr id="1" name=""/>
+        <p:cNvGrpSpPr/>
+        <p:nvPr/>
+      </p:nvGrpSpPr>
+      <p:grpSpPr>
+        <a:xfrm>
+          <a:off x="0" y="0"/>
+          <a:ext cx="0" cy="0"/>
+          <a:chOff x="0" y="0"/>
+          <a:chExt cx="0" cy="0"/>
+        </a:xfrm>
+      </p:grpSpPr>
+      <p:graphicFrame>
+        <p:nvGraphicFramePr>
+          <p:cNvPr id="4" name="차트 3">
+            <a:extLst>
+              <a:ext uri="{FF2B5EF4-FFF2-40B4-BE49-F238E27FC236}">
+                <a16:creationId xmlns:a16="http://schemas.microsoft.com/office/drawing/2014/main" id="{95DE6E2C-187E-4CC5-B5EF-EEA900A09EA1}"/>
+              </a:ext>
+            </a:extLst>
+          </p:cNvPr>
+          <p:cNvGraphicFramePr>
+            <a:graphicFrameLocks/>
+          </p:cNvGraphicFramePr>
+          <p:nvPr>
+            <p:extLst>
+              <p:ext uri="{D42A27DB-BD31-4B8C-83A1-F6EECF244321}">
+                <p14:modId xmlns:p14="http://schemas.microsoft.com/office/powerpoint/2010/main" val="46283088"/>
+              </p:ext>
+            </p:extLst>
+          </p:nvPr>
+        </p:nvGraphicFramePr>
+        <p:xfrm>
+          <a:off x="3810000" y="2057400"/>
+          <a:ext cx="4572000" cy="2743200"/>
+        </p:xfrm>
+        <a:graphic>
+          <a:graphicData uri="http://schemas.openxmlformats.org/drawingml/2006/chart">
+            <c:chart xmlns:c="http://schemas.openxmlformats.org/drawingml/2006/chart" xmlns:r="http://schemas.openxmlformats.org/officeDocument/2006/relationships" r:id="rId2"/>
+          </a:graphicData>
+        </a:graphic>
+      </p:graphicFrame>
+      <p:sp>
+        <p:nvSpPr>
+          <p:cNvPr id="2" name="제목 1">
+            <a:extLst>
+              <a:ext uri="{FF2B5EF4-FFF2-40B4-BE49-F238E27FC236}">
+                <a16:creationId xmlns:a16="http://schemas.microsoft.com/office/drawing/2014/main" id="{992A73AA-963F-4480-9699-8F5D0AD5A2A3}"/>
+              </a:ext>
+            </a:extLst>
+          </p:cNvPr>
+          <p:cNvSpPr>
+            <a:spLocks noGrp="1"/>
+          </p:cNvSpPr>
+          <p:nvPr>
+            <p:ph type="title"/>
+          </p:nvPr>
+        </p:nvSpPr>
+        <p:spPr/>
+        <p:txBody>
+          <a:bodyPr>
+            <a:normAutofit/>
+          </a:bodyPr>
+          <a:lstStyle/>
+          <a:p>
+            <a:pPr algn="ctr"/>
+            <a:r>
+              <a:rPr lang="en-US" altLang="ko-KR" sz="2800" dirty="0"/>
+              <a:t>SQUATS (Accuracy </a:t>
+            </a:r>
+            <a:r>
+              <a:rPr lang="ko-KR" altLang="en-US" sz="2800" dirty="0"/>
+              <a:t>기준</a:t>
+            </a:r>
+            <a:r>
+              <a:rPr lang="en-US" altLang="ko-KR" sz="2800" dirty="0"/>
+              <a:t>)</a:t>
+            </a:r>
+            <a:endParaRPr lang="ko-KR" altLang="en-US" sz="2800" dirty="0"/>
+          </a:p>
+        </p:txBody>
+      </p:sp>
+    </p:spTree>
+    <p:extLst>
+      <p:ext uri="{BB962C8B-B14F-4D97-AF65-F5344CB8AC3E}">
+        <p14:creationId xmlns:p14="http://schemas.microsoft.com/office/powerpoint/2010/main" val="3908297456"/>
       </p:ext>
     </p:extLst>
   </p:cSld>
@@ -15240,6 +23725,975 @@
     <p:extLst>
       <p:ext uri="{BB962C8B-B14F-4D97-AF65-F5344CB8AC3E}">
         <p14:creationId xmlns:p14="http://schemas.microsoft.com/office/powerpoint/2010/main" val="371220883"/>
+      </p:ext>
+    </p:extLst>
+  </p:cSld>
+  <p:clrMapOvr>
+    <a:masterClrMapping/>
+  </p:clrMapOvr>
+</p:sld>
+</file>
+
+<file path=ppt/slides/slide30.xml><?xml version="1.0" encoding="utf-8"?>
+<p:sld xmlns:a="http://schemas.openxmlformats.org/drawingml/2006/main" xmlns:r="http://schemas.openxmlformats.org/officeDocument/2006/relationships" xmlns:p="http://schemas.openxmlformats.org/presentationml/2006/main">
+  <p:cSld>
+    <p:spTree>
+      <p:nvGrpSpPr>
+        <p:cNvPr id="1" name=""/>
+        <p:cNvGrpSpPr/>
+        <p:nvPr/>
+      </p:nvGrpSpPr>
+      <p:grpSpPr>
+        <a:xfrm>
+          <a:off x="0" y="0"/>
+          <a:ext cx="0" cy="0"/>
+          <a:chOff x="0" y="0"/>
+          <a:chExt cx="0" cy="0"/>
+        </a:xfrm>
+      </p:grpSpPr>
+      <p:sp>
+        <p:nvSpPr>
+          <p:cNvPr id="2" name="제목 1">
+            <a:extLst>
+              <a:ext uri="{FF2B5EF4-FFF2-40B4-BE49-F238E27FC236}">
+                <a16:creationId xmlns:a16="http://schemas.microsoft.com/office/drawing/2014/main" id="{992A73AA-963F-4480-9699-8F5D0AD5A2A3}"/>
+              </a:ext>
+            </a:extLst>
+          </p:cNvPr>
+          <p:cNvSpPr>
+            <a:spLocks noGrp="1"/>
+          </p:cNvSpPr>
+          <p:nvPr>
+            <p:ph type="title"/>
+          </p:nvPr>
+        </p:nvSpPr>
+        <p:spPr/>
+        <p:txBody>
+          <a:bodyPr>
+            <a:normAutofit/>
+          </a:bodyPr>
+          <a:lstStyle/>
+          <a:p>
+            <a:pPr algn="ctr"/>
+            <a:r>
+              <a:rPr lang="ko-KR" altLang="en-US" sz="2800" b="1" dirty="0"/>
+              <a:t>선정사유</a:t>
+            </a:r>
+            <a:endParaRPr lang="ko-KR" altLang="en-US" sz="2800" dirty="0"/>
+          </a:p>
+        </p:txBody>
+      </p:sp>
+      <p:sp>
+        <p:nvSpPr>
+          <p:cNvPr id="5" name="내용 개체 틀 4">
+            <a:extLst>
+              <a:ext uri="{FF2B5EF4-FFF2-40B4-BE49-F238E27FC236}">
+                <a16:creationId xmlns:a16="http://schemas.microsoft.com/office/drawing/2014/main" id="{E0074ACA-A7A4-4A34-B0B5-662CD615655C}"/>
+              </a:ext>
+            </a:extLst>
+          </p:cNvPr>
+          <p:cNvSpPr>
+            <a:spLocks noGrp="1"/>
+          </p:cNvSpPr>
+          <p:nvPr>
+            <p:ph idx="1"/>
+          </p:nvPr>
+        </p:nvSpPr>
+        <p:spPr/>
+        <p:txBody>
+          <a:bodyPr/>
+          <a:lstStyle/>
+          <a:p>
+            <a:r>
+              <a:rPr lang="en-US" altLang="ko-KR" dirty="0"/>
+              <a:t>2007</a:t>
+            </a:r>
+            <a:r>
+              <a:rPr lang="ko-KR" altLang="en-US" dirty="0"/>
+              <a:t>년 논문이 최신 논문보다 </a:t>
+            </a:r>
+            <a:r>
+              <a:rPr lang="en-US" altLang="ko-KR" dirty="0"/>
+              <a:t>accuracy</a:t>
+            </a:r>
+            <a:r>
+              <a:rPr lang="ko-KR" altLang="en-US" dirty="0"/>
+              <a:t>가 높은 이유가 무엇인지 궁금하다</a:t>
+            </a:r>
+            <a:r>
+              <a:rPr lang="en-US" altLang="ko-KR" dirty="0"/>
+              <a:t>!</a:t>
+            </a:r>
+          </a:p>
+        </p:txBody>
+      </p:sp>
+    </p:spTree>
+    <p:extLst>
+      <p:ext uri="{BB962C8B-B14F-4D97-AF65-F5344CB8AC3E}">
+        <p14:creationId xmlns:p14="http://schemas.microsoft.com/office/powerpoint/2010/main" val="2544101968"/>
+      </p:ext>
+    </p:extLst>
+  </p:cSld>
+  <p:clrMapOvr>
+    <a:masterClrMapping/>
+  </p:clrMapOvr>
+</p:sld>
+</file>
+
+<file path=ppt/slides/slide31.xml><?xml version="1.0" encoding="utf-8"?>
+<p:sld xmlns:a="http://schemas.openxmlformats.org/drawingml/2006/main" xmlns:r="http://schemas.openxmlformats.org/officeDocument/2006/relationships" xmlns:p="http://schemas.openxmlformats.org/presentationml/2006/main">
+  <p:cSld>
+    <p:spTree>
+      <p:nvGrpSpPr>
+        <p:cNvPr id="1" name=""/>
+        <p:cNvGrpSpPr/>
+        <p:nvPr/>
+      </p:nvGrpSpPr>
+      <p:grpSpPr>
+        <a:xfrm>
+          <a:off x="0" y="0"/>
+          <a:ext cx="0" cy="0"/>
+          <a:chOff x="0" y="0"/>
+          <a:chExt cx="0" cy="0"/>
+        </a:xfrm>
+      </p:grpSpPr>
+      <p:pic>
+        <p:nvPicPr>
+          <p:cNvPr id="3" name="그림 2">
+            <a:extLst>
+              <a:ext uri="{FF2B5EF4-FFF2-40B4-BE49-F238E27FC236}">
+                <a16:creationId xmlns:a16="http://schemas.microsoft.com/office/drawing/2014/main" id="{97FA2C4E-3C6E-43E9-80B4-CB724ED6FBCB}"/>
+              </a:ext>
+            </a:extLst>
+          </p:cNvPr>
+          <p:cNvPicPr>
+            <a:picLocks noChangeAspect="1"/>
+          </p:cNvPicPr>
+          <p:nvPr/>
+        </p:nvPicPr>
+        <p:blipFill rotWithShape="1">
+          <a:blip r:embed="rId2"/>
+          <a:srcRect t="14835"/>
+          <a:stretch/>
+        </p:blipFill>
+        <p:spPr>
+          <a:xfrm>
+            <a:off x="2847975" y="2366128"/>
+            <a:ext cx="6496050" cy="3877510"/>
+          </a:xfrm>
+          <a:prstGeom prst="rect">
+            <a:avLst/>
+          </a:prstGeom>
+        </p:spPr>
+      </p:pic>
+      <p:sp>
+        <p:nvSpPr>
+          <p:cNvPr id="2" name="제목 1">
+            <a:extLst>
+              <a:ext uri="{FF2B5EF4-FFF2-40B4-BE49-F238E27FC236}">
+                <a16:creationId xmlns:a16="http://schemas.microsoft.com/office/drawing/2014/main" id="{992A73AA-963F-4480-9699-8F5D0AD5A2A3}"/>
+              </a:ext>
+            </a:extLst>
+          </p:cNvPr>
+          <p:cNvSpPr>
+            <a:spLocks noGrp="1"/>
+          </p:cNvSpPr>
+          <p:nvPr>
+            <p:ph type="title"/>
+          </p:nvPr>
+        </p:nvSpPr>
+        <p:spPr/>
+        <p:txBody>
+          <a:bodyPr>
+            <a:normAutofit/>
+          </a:bodyPr>
+          <a:lstStyle/>
+          <a:p>
+            <a:pPr algn="ctr"/>
+            <a:r>
+              <a:rPr lang="ko-KR" altLang="en-US" sz="2800" b="1" dirty="0"/>
+              <a:t>선정논문</a:t>
+            </a:r>
+            <a:endParaRPr lang="ko-KR" altLang="en-US" sz="2800" dirty="0"/>
+          </a:p>
+        </p:txBody>
+      </p:sp>
+      <p:sp>
+        <p:nvSpPr>
+          <p:cNvPr id="5" name="내용 개체 틀 4">
+            <a:extLst>
+              <a:ext uri="{FF2B5EF4-FFF2-40B4-BE49-F238E27FC236}">
+                <a16:creationId xmlns:a16="http://schemas.microsoft.com/office/drawing/2014/main" id="{E0074ACA-A7A4-4A34-B0B5-662CD615655C}"/>
+              </a:ext>
+            </a:extLst>
+          </p:cNvPr>
+          <p:cNvSpPr>
+            <a:spLocks noGrp="1"/>
+          </p:cNvSpPr>
+          <p:nvPr>
+            <p:ph idx="1"/>
+          </p:nvPr>
+        </p:nvSpPr>
+        <p:spPr/>
+        <p:txBody>
+          <a:bodyPr/>
+          <a:lstStyle/>
+          <a:p>
+            <a:r>
+              <a:rPr lang="ko-KR" altLang="en-US" dirty="0"/>
+              <a:t>관련 논문 선정 및 분배</a:t>
+            </a:r>
+            <a:r>
+              <a:rPr lang="en-US" altLang="ko-KR" dirty="0"/>
+              <a:t>!</a:t>
+            </a:r>
+          </a:p>
+        </p:txBody>
+      </p:sp>
+    </p:spTree>
+    <p:extLst>
+      <p:ext uri="{BB962C8B-B14F-4D97-AF65-F5344CB8AC3E}">
+        <p14:creationId xmlns:p14="http://schemas.microsoft.com/office/powerpoint/2010/main" val="3221973260"/>
+      </p:ext>
+    </p:extLst>
+  </p:cSld>
+  <p:clrMapOvr>
+    <a:masterClrMapping/>
+  </p:clrMapOvr>
+</p:sld>
+</file>
+
+<file path=ppt/slides/slide32.xml><?xml version="1.0" encoding="utf-8"?>
+<p:sld xmlns:a="http://schemas.openxmlformats.org/drawingml/2006/main" xmlns:r="http://schemas.openxmlformats.org/officeDocument/2006/relationships" xmlns:p="http://schemas.openxmlformats.org/presentationml/2006/main">
+  <p:cSld>
+    <p:spTree>
+      <p:nvGrpSpPr>
+        <p:cNvPr id="1" name=""/>
+        <p:cNvGrpSpPr/>
+        <p:nvPr/>
+      </p:nvGrpSpPr>
+      <p:grpSpPr>
+        <a:xfrm>
+          <a:off x="0" y="0"/>
+          <a:ext cx="0" cy="0"/>
+          <a:chOff x="0" y="0"/>
+          <a:chExt cx="0" cy="0"/>
+        </a:xfrm>
+      </p:grpSpPr>
+      <p:sp>
+        <p:nvSpPr>
+          <p:cNvPr id="2" name="제목 1">
+            <a:extLst>
+              <a:ext uri="{FF2B5EF4-FFF2-40B4-BE49-F238E27FC236}">
+                <a16:creationId xmlns:a16="http://schemas.microsoft.com/office/drawing/2014/main" id="{992A73AA-963F-4480-9699-8F5D0AD5A2A3}"/>
+              </a:ext>
+            </a:extLst>
+          </p:cNvPr>
+          <p:cNvSpPr>
+            <a:spLocks noGrp="1"/>
+          </p:cNvSpPr>
+          <p:nvPr>
+            <p:ph type="title"/>
+          </p:nvPr>
+        </p:nvSpPr>
+        <p:spPr/>
+        <p:txBody>
+          <a:bodyPr>
+            <a:normAutofit/>
+          </a:bodyPr>
+          <a:lstStyle/>
+          <a:p>
+            <a:pPr algn="ctr"/>
+            <a:r>
+              <a:rPr lang="ko-KR" altLang="en-US" sz="2800" b="1" dirty="0"/>
+              <a:t>또 다른 기준</a:t>
+            </a:r>
+            <a:endParaRPr lang="ko-KR" altLang="en-US" sz="2800" dirty="0"/>
+          </a:p>
+        </p:txBody>
+      </p:sp>
+      <p:sp>
+        <p:nvSpPr>
+          <p:cNvPr id="5" name="내용 개체 틀 4">
+            <a:extLst>
+              <a:ext uri="{FF2B5EF4-FFF2-40B4-BE49-F238E27FC236}">
+                <a16:creationId xmlns:a16="http://schemas.microsoft.com/office/drawing/2014/main" id="{E0074ACA-A7A4-4A34-B0B5-662CD615655C}"/>
+              </a:ext>
+            </a:extLst>
+          </p:cNvPr>
+          <p:cNvSpPr>
+            <a:spLocks noGrp="1"/>
+          </p:cNvSpPr>
+          <p:nvPr>
+            <p:ph idx="1"/>
+          </p:nvPr>
+        </p:nvSpPr>
+        <p:spPr/>
+        <p:txBody>
+          <a:bodyPr/>
+          <a:lstStyle/>
+          <a:p>
+            <a:r>
+              <a:rPr lang="en-US" altLang="ko-KR" dirty="0"/>
+              <a:t>STROBE </a:t>
+            </a:r>
+            <a:r>
+              <a:rPr lang="ko-KR" altLang="en-US" dirty="0"/>
+              <a:t>기준을 중심으로 </a:t>
+            </a:r>
+            <a:r>
+              <a:rPr lang="en-US" altLang="ko-KR" dirty="0"/>
+              <a:t>Accuracy </a:t>
+            </a:r>
+            <a:r>
+              <a:rPr lang="ko-KR" altLang="en-US" dirty="0"/>
+              <a:t>측정결과 과거의 것들은 </a:t>
+            </a:r>
+            <a:r>
+              <a:rPr lang="en-US" altLang="ko-KR" dirty="0"/>
+              <a:t>STROBE </a:t>
+            </a:r>
+            <a:r>
+              <a:rPr lang="ko-KR" altLang="en-US" dirty="0"/>
+              <a:t>기준에 </a:t>
+            </a:r>
+            <a:r>
+              <a:rPr lang="ko-KR" altLang="en-US" dirty="0" err="1"/>
+              <a:t>못미쳐</a:t>
+            </a:r>
+            <a:r>
+              <a:rPr lang="ko-KR" altLang="en-US" dirty="0"/>
+              <a:t> 탈락됨</a:t>
+            </a:r>
+            <a:endParaRPr lang="en-US" altLang="ko-KR" dirty="0"/>
+          </a:p>
+        </p:txBody>
+      </p:sp>
+    </p:spTree>
+    <p:extLst>
+      <p:ext uri="{BB962C8B-B14F-4D97-AF65-F5344CB8AC3E}">
+        <p14:creationId xmlns:p14="http://schemas.microsoft.com/office/powerpoint/2010/main" val="4061001222"/>
+      </p:ext>
+    </p:extLst>
+  </p:cSld>
+  <p:clrMapOvr>
+    <a:masterClrMapping/>
+  </p:clrMapOvr>
+</p:sld>
+</file>
+
+<file path=ppt/slides/slide33.xml><?xml version="1.0" encoding="utf-8"?>
+<p:sld xmlns:a="http://schemas.openxmlformats.org/drawingml/2006/main" xmlns:r="http://schemas.openxmlformats.org/officeDocument/2006/relationships" xmlns:p="http://schemas.openxmlformats.org/presentationml/2006/main">
+  <p:cSld>
+    <p:spTree>
+      <p:nvGrpSpPr>
+        <p:cNvPr id="1" name=""/>
+        <p:cNvGrpSpPr/>
+        <p:nvPr/>
+      </p:nvGrpSpPr>
+      <p:grpSpPr>
+        <a:xfrm>
+          <a:off x="0" y="0"/>
+          <a:ext cx="0" cy="0"/>
+          <a:chOff x="0" y="0"/>
+          <a:chExt cx="0" cy="0"/>
+        </a:xfrm>
+      </p:grpSpPr>
+      <p:graphicFrame>
+        <p:nvGraphicFramePr>
+          <p:cNvPr id="5" name="차트 4">
+            <a:extLst>
+              <a:ext uri="{FF2B5EF4-FFF2-40B4-BE49-F238E27FC236}">
+                <a16:creationId xmlns:a16="http://schemas.microsoft.com/office/drawing/2014/main" id="{6EE6539A-7DAB-4147-A723-1D01DA571689}"/>
+              </a:ext>
+            </a:extLst>
+          </p:cNvPr>
+          <p:cNvGraphicFramePr>
+            <a:graphicFrameLocks/>
+          </p:cNvGraphicFramePr>
+          <p:nvPr>
+            <p:extLst>
+              <p:ext uri="{D42A27DB-BD31-4B8C-83A1-F6EECF244321}">
+                <p14:modId xmlns:p14="http://schemas.microsoft.com/office/powerpoint/2010/main" val="2512041654"/>
+              </p:ext>
+            </p:extLst>
+          </p:nvPr>
+        </p:nvGraphicFramePr>
+        <p:xfrm>
+          <a:off x="3810000" y="2057400"/>
+          <a:ext cx="4572000" cy="2743200"/>
+        </p:xfrm>
+        <a:graphic>
+          <a:graphicData uri="http://schemas.openxmlformats.org/drawingml/2006/chart">
+            <c:chart xmlns:c="http://schemas.openxmlformats.org/drawingml/2006/chart" xmlns:r="http://schemas.openxmlformats.org/officeDocument/2006/relationships" r:id="rId2"/>
+          </a:graphicData>
+        </a:graphic>
+      </p:graphicFrame>
+      <p:sp>
+        <p:nvSpPr>
+          <p:cNvPr id="2" name="제목 1">
+            <a:extLst>
+              <a:ext uri="{FF2B5EF4-FFF2-40B4-BE49-F238E27FC236}">
+                <a16:creationId xmlns:a16="http://schemas.microsoft.com/office/drawing/2014/main" id="{992A73AA-963F-4480-9699-8F5D0AD5A2A3}"/>
+              </a:ext>
+            </a:extLst>
+          </p:cNvPr>
+          <p:cNvSpPr>
+            <a:spLocks noGrp="1"/>
+          </p:cNvSpPr>
+          <p:nvPr>
+            <p:ph type="title"/>
+          </p:nvPr>
+        </p:nvSpPr>
+        <p:spPr/>
+        <p:txBody>
+          <a:bodyPr>
+            <a:normAutofit/>
+          </a:bodyPr>
+          <a:lstStyle/>
+          <a:p>
+            <a:pPr algn="ctr"/>
+            <a:r>
+              <a:rPr lang="en-US" altLang="ko-KR" sz="2800" dirty="0"/>
+              <a:t>SQUATS (Accuracy x STROBE </a:t>
+            </a:r>
+            <a:r>
+              <a:rPr lang="ko-KR" altLang="en-US" sz="2800" dirty="0"/>
+              <a:t>기준</a:t>
+            </a:r>
+            <a:r>
+              <a:rPr lang="en-US" altLang="ko-KR" sz="2800" dirty="0"/>
+              <a:t>)</a:t>
+            </a:r>
+            <a:endParaRPr lang="ko-KR" altLang="en-US" sz="2800" dirty="0"/>
+          </a:p>
+        </p:txBody>
+      </p:sp>
+    </p:spTree>
+    <p:extLst>
+      <p:ext uri="{BB962C8B-B14F-4D97-AF65-F5344CB8AC3E}">
+        <p14:creationId xmlns:p14="http://schemas.microsoft.com/office/powerpoint/2010/main" val="3148979981"/>
+      </p:ext>
+    </p:extLst>
+  </p:cSld>
+  <p:clrMapOvr>
+    <a:masterClrMapping/>
+  </p:clrMapOvr>
+</p:sld>
+</file>
+
+<file path=ppt/slides/slide34.xml><?xml version="1.0" encoding="utf-8"?>
+<p:sld xmlns:a="http://schemas.openxmlformats.org/drawingml/2006/main" xmlns:r="http://schemas.openxmlformats.org/officeDocument/2006/relationships" xmlns:p="http://schemas.openxmlformats.org/presentationml/2006/main">
+  <p:cSld>
+    <p:spTree>
+      <p:nvGrpSpPr>
+        <p:cNvPr id="1" name=""/>
+        <p:cNvGrpSpPr/>
+        <p:nvPr/>
+      </p:nvGrpSpPr>
+      <p:grpSpPr>
+        <a:xfrm>
+          <a:off x="0" y="0"/>
+          <a:ext cx="0" cy="0"/>
+          <a:chOff x="0" y="0"/>
+          <a:chExt cx="0" cy="0"/>
+        </a:xfrm>
+      </p:grpSpPr>
+      <p:graphicFrame>
+        <p:nvGraphicFramePr>
+          <p:cNvPr id="5" name="차트 4">
+            <a:extLst>
+              <a:ext uri="{FF2B5EF4-FFF2-40B4-BE49-F238E27FC236}">
+                <a16:creationId xmlns:a16="http://schemas.microsoft.com/office/drawing/2014/main" id="{706B8598-4AFD-4CA9-AD20-FF49EFF1EDBD}"/>
+              </a:ext>
+            </a:extLst>
+          </p:cNvPr>
+          <p:cNvGraphicFramePr>
+            <a:graphicFrameLocks/>
+          </p:cNvGraphicFramePr>
+          <p:nvPr>
+            <p:extLst>
+              <p:ext uri="{D42A27DB-BD31-4B8C-83A1-F6EECF244321}">
+                <p14:modId xmlns:p14="http://schemas.microsoft.com/office/powerpoint/2010/main" val="1356961395"/>
+              </p:ext>
+            </p:extLst>
+          </p:nvPr>
+        </p:nvGraphicFramePr>
+        <p:xfrm>
+          <a:off x="3810000" y="2057400"/>
+          <a:ext cx="4572000" cy="2743200"/>
+        </p:xfrm>
+        <a:graphic>
+          <a:graphicData uri="http://schemas.openxmlformats.org/drawingml/2006/chart">
+            <c:chart xmlns:c="http://schemas.openxmlformats.org/drawingml/2006/chart" xmlns:r="http://schemas.openxmlformats.org/officeDocument/2006/relationships" r:id="rId2"/>
+          </a:graphicData>
+        </a:graphic>
+      </p:graphicFrame>
+      <p:graphicFrame>
+        <p:nvGraphicFramePr>
+          <p:cNvPr id="4" name="차트 3">
+            <a:extLst>
+              <a:ext uri="{FF2B5EF4-FFF2-40B4-BE49-F238E27FC236}">
+                <a16:creationId xmlns:a16="http://schemas.microsoft.com/office/drawing/2014/main" id="{706B8598-4AFD-4CA9-AD20-FF49EFF1EDBD}"/>
+              </a:ext>
+            </a:extLst>
+          </p:cNvPr>
+          <p:cNvGraphicFramePr>
+            <a:graphicFrameLocks/>
+          </p:cNvGraphicFramePr>
+          <p:nvPr>
+            <p:extLst>
+              <p:ext uri="{D42A27DB-BD31-4B8C-83A1-F6EECF244321}">
+                <p14:modId xmlns:p14="http://schemas.microsoft.com/office/powerpoint/2010/main" val="3684061590"/>
+              </p:ext>
+            </p:extLst>
+          </p:nvPr>
+        </p:nvGraphicFramePr>
+        <p:xfrm>
+          <a:off x="3810000" y="2057400"/>
+          <a:ext cx="4572000" cy="2743200"/>
+        </p:xfrm>
+        <a:graphic>
+          <a:graphicData uri="http://schemas.openxmlformats.org/drawingml/2006/chart">
+            <c:chart xmlns:c="http://schemas.openxmlformats.org/drawingml/2006/chart" xmlns:r="http://schemas.openxmlformats.org/officeDocument/2006/relationships" r:id="rId3"/>
+          </a:graphicData>
+        </a:graphic>
+      </p:graphicFrame>
+      <p:sp>
+        <p:nvSpPr>
+          <p:cNvPr id="2" name="제목 1">
+            <a:extLst>
+              <a:ext uri="{FF2B5EF4-FFF2-40B4-BE49-F238E27FC236}">
+                <a16:creationId xmlns:a16="http://schemas.microsoft.com/office/drawing/2014/main" id="{992A73AA-963F-4480-9699-8F5D0AD5A2A3}"/>
+              </a:ext>
+            </a:extLst>
+          </p:cNvPr>
+          <p:cNvSpPr>
+            <a:spLocks noGrp="1"/>
+          </p:cNvSpPr>
+          <p:nvPr>
+            <p:ph type="title"/>
+          </p:nvPr>
+        </p:nvSpPr>
+        <p:spPr/>
+        <p:txBody>
+          <a:bodyPr>
+            <a:normAutofit/>
+          </a:bodyPr>
+          <a:lstStyle/>
+          <a:p>
+            <a:pPr algn="ctr"/>
+            <a:r>
+              <a:rPr lang="en-US" altLang="ko-KR" sz="2800" dirty="0"/>
+              <a:t>Lying Straight Leg Raise (Accuracy </a:t>
+            </a:r>
+            <a:r>
+              <a:rPr lang="ko-KR" altLang="en-US" sz="2800" dirty="0"/>
+              <a:t>기준</a:t>
+            </a:r>
+            <a:r>
+              <a:rPr lang="en-US" altLang="ko-KR" sz="2800" dirty="0"/>
+              <a:t>)</a:t>
+            </a:r>
+            <a:endParaRPr lang="ko-KR" altLang="en-US" sz="2800" dirty="0"/>
+          </a:p>
+        </p:txBody>
+      </p:sp>
+    </p:spTree>
+    <p:extLst>
+      <p:ext uri="{BB962C8B-B14F-4D97-AF65-F5344CB8AC3E}">
+        <p14:creationId xmlns:p14="http://schemas.microsoft.com/office/powerpoint/2010/main" val="2464760333"/>
+      </p:ext>
+    </p:extLst>
+  </p:cSld>
+  <p:clrMapOvr>
+    <a:masterClrMapping/>
+  </p:clrMapOvr>
+</p:sld>
+</file>
+
+<file path=ppt/slides/slide35.xml><?xml version="1.0" encoding="utf-8"?>
+<p:sld xmlns:a="http://schemas.openxmlformats.org/drawingml/2006/main" xmlns:r="http://schemas.openxmlformats.org/officeDocument/2006/relationships" xmlns:p="http://schemas.openxmlformats.org/presentationml/2006/main">
+  <p:cSld>
+    <p:spTree>
+      <p:nvGrpSpPr>
+        <p:cNvPr id="1" name=""/>
+        <p:cNvGrpSpPr/>
+        <p:nvPr/>
+      </p:nvGrpSpPr>
+      <p:grpSpPr>
+        <a:xfrm>
+          <a:off x="0" y="0"/>
+          <a:ext cx="0" cy="0"/>
+          <a:chOff x="0" y="0"/>
+          <a:chExt cx="0" cy="0"/>
+        </a:xfrm>
+      </p:grpSpPr>
+      <p:graphicFrame>
+        <p:nvGraphicFramePr>
+          <p:cNvPr id="5" name="차트 4">
+            <a:extLst>
+              <a:ext uri="{FF2B5EF4-FFF2-40B4-BE49-F238E27FC236}">
+                <a16:creationId xmlns:a16="http://schemas.microsoft.com/office/drawing/2014/main" id="{39BBC723-A50F-4DDD-8C92-4EFA42FF6AF1}"/>
+              </a:ext>
+            </a:extLst>
+          </p:cNvPr>
+          <p:cNvGraphicFramePr>
+            <a:graphicFrameLocks/>
+          </p:cNvGraphicFramePr>
+          <p:nvPr>
+            <p:extLst>
+              <p:ext uri="{D42A27DB-BD31-4B8C-83A1-F6EECF244321}">
+                <p14:modId xmlns:p14="http://schemas.microsoft.com/office/powerpoint/2010/main" val="923110138"/>
+              </p:ext>
+            </p:extLst>
+          </p:nvPr>
+        </p:nvGraphicFramePr>
+        <p:xfrm>
+          <a:off x="3726729" y="2057400"/>
+          <a:ext cx="4572000" cy="2743200"/>
+        </p:xfrm>
+        <a:graphic>
+          <a:graphicData uri="http://schemas.openxmlformats.org/drawingml/2006/chart">
+            <c:chart xmlns:c="http://schemas.openxmlformats.org/drawingml/2006/chart" xmlns:r="http://schemas.openxmlformats.org/officeDocument/2006/relationships" r:id="rId2"/>
+          </a:graphicData>
+        </a:graphic>
+      </p:graphicFrame>
+      <p:sp>
+        <p:nvSpPr>
+          <p:cNvPr id="2" name="제목 1">
+            <a:extLst>
+              <a:ext uri="{FF2B5EF4-FFF2-40B4-BE49-F238E27FC236}">
+                <a16:creationId xmlns:a16="http://schemas.microsoft.com/office/drawing/2014/main" id="{992A73AA-963F-4480-9699-8F5D0AD5A2A3}"/>
+              </a:ext>
+            </a:extLst>
+          </p:cNvPr>
+          <p:cNvSpPr>
+            <a:spLocks noGrp="1"/>
+          </p:cNvSpPr>
+          <p:nvPr>
+            <p:ph type="title"/>
+          </p:nvPr>
+        </p:nvSpPr>
+        <p:spPr/>
+        <p:txBody>
+          <a:bodyPr>
+            <a:normAutofit/>
+          </a:bodyPr>
+          <a:lstStyle/>
+          <a:p>
+            <a:pPr algn="ctr"/>
+            <a:r>
+              <a:rPr lang="en-US" altLang="ko-KR" sz="2800" dirty="0"/>
+              <a:t>LUNGE (Accuracy </a:t>
+            </a:r>
+            <a:r>
+              <a:rPr lang="ko-KR" altLang="en-US" sz="2800" dirty="0"/>
+              <a:t>기준</a:t>
+            </a:r>
+            <a:r>
+              <a:rPr lang="en-US" altLang="ko-KR" sz="2800" dirty="0"/>
+              <a:t>)</a:t>
+            </a:r>
+            <a:endParaRPr lang="ko-KR" altLang="en-US" sz="2800" dirty="0"/>
+          </a:p>
+        </p:txBody>
+      </p:sp>
+    </p:spTree>
+    <p:extLst>
+      <p:ext uri="{BB962C8B-B14F-4D97-AF65-F5344CB8AC3E}">
+        <p14:creationId xmlns:p14="http://schemas.microsoft.com/office/powerpoint/2010/main" val="953959688"/>
+      </p:ext>
+    </p:extLst>
+  </p:cSld>
+  <p:clrMapOvr>
+    <a:masterClrMapping/>
+  </p:clrMapOvr>
+</p:sld>
+</file>
+
+<file path=ppt/slides/slide36.xml><?xml version="1.0" encoding="utf-8"?>
+<p:sld xmlns:a="http://schemas.openxmlformats.org/drawingml/2006/main" xmlns:r="http://schemas.openxmlformats.org/officeDocument/2006/relationships" xmlns:p="http://schemas.openxmlformats.org/presentationml/2006/main">
+  <p:cSld>
+    <p:spTree>
+      <p:nvGrpSpPr>
+        <p:cNvPr id="1" name=""/>
+        <p:cNvGrpSpPr/>
+        <p:nvPr/>
+      </p:nvGrpSpPr>
+      <p:grpSpPr>
+        <a:xfrm>
+          <a:off x="0" y="0"/>
+          <a:ext cx="0" cy="0"/>
+          <a:chOff x="0" y="0"/>
+          <a:chExt cx="0" cy="0"/>
+        </a:xfrm>
+      </p:grpSpPr>
+      <p:sp>
+        <p:nvSpPr>
+          <p:cNvPr id="2" name="제목 1">
+            <a:extLst>
+              <a:ext uri="{FF2B5EF4-FFF2-40B4-BE49-F238E27FC236}">
+                <a16:creationId xmlns:a16="http://schemas.microsoft.com/office/drawing/2014/main" id="{992A73AA-963F-4480-9699-8F5D0AD5A2A3}"/>
+              </a:ext>
+            </a:extLst>
+          </p:cNvPr>
+          <p:cNvSpPr>
+            <a:spLocks noGrp="1"/>
+          </p:cNvSpPr>
+          <p:nvPr>
+            <p:ph type="title"/>
+          </p:nvPr>
+        </p:nvSpPr>
+        <p:spPr/>
+        <p:txBody>
+          <a:bodyPr>
+            <a:normAutofit/>
+          </a:bodyPr>
+          <a:lstStyle/>
+          <a:p>
+            <a:pPr algn="ctr"/>
+            <a:r>
+              <a:rPr lang="ko-KR" altLang="en-US" sz="2800" b="1" dirty="0"/>
+              <a:t>선정사유</a:t>
+            </a:r>
+            <a:endParaRPr lang="ko-KR" altLang="en-US" sz="2800" dirty="0"/>
+          </a:p>
+        </p:txBody>
+      </p:sp>
+      <p:sp>
+        <p:nvSpPr>
+          <p:cNvPr id="5" name="내용 개체 틀 4">
+            <a:extLst>
+              <a:ext uri="{FF2B5EF4-FFF2-40B4-BE49-F238E27FC236}">
+                <a16:creationId xmlns:a16="http://schemas.microsoft.com/office/drawing/2014/main" id="{E0074ACA-A7A4-4A34-B0B5-662CD615655C}"/>
+              </a:ext>
+            </a:extLst>
+          </p:cNvPr>
+          <p:cNvSpPr>
+            <a:spLocks noGrp="1"/>
+          </p:cNvSpPr>
+          <p:nvPr>
+            <p:ph idx="1"/>
+          </p:nvPr>
+        </p:nvSpPr>
+        <p:spPr/>
+        <p:txBody>
+          <a:bodyPr/>
+          <a:lstStyle/>
+          <a:p>
+            <a:r>
+              <a:rPr lang="ko-KR" altLang="en-US" dirty="0"/>
+              <a:t>최근 논문이 과거 논문보다 </a:t>
+            </a:r>
+            <a:r>
+              <a:rPr lang="en-US" altLang="ko-KR" dirty="0"/>
+              <a:t>accuracy</a:t>
+            </a:r>
+            <a:r>
+              <a:rPr lang="ko-KR" altLang="en-US" dirty="0"/>
+              <a:t>가 차이가 없는 이유가 무엇인지 궁금하다</a:t>
+            </a:r>
+            <a:r>
+              <a:rPr lang="en-US" altLang="ko-KR" dirty="0"/>
+              <a:t>!</a:t>
+            </a:r>
+          </a:p>
+          <a:p>
+            <a:r>
+              <a:rPr lang="ko-KR" altLang="en-US" dirty="0"/>
+              <a:t>반면에 최근논문 중 </a:t>
+            </a:r>
+            <a:r>
+              <a:rPr lang="en-US" altLang="ko-KR" dirty="0"/>
+              <a:t>99%</a:t>
+            </a:r>
+            <a:r>
+              <a:rPr lang="ko-KR" altLang="en-US" dirty="0"/>
+              <a:t>의 </a:t>
+            </a:r>
+            <a:r>
+              <a:rPr lang="en-US" altLang="ko-KR" dirty="0"/>
+              <a:t>accuracy</a:t>
+            </a:r>
+            <a:r>
+              <a:rPr lang="ko-KR" altLang="en-US" dirty="0"/>
+              <a:t>가 있는 것은 어떻게 </a:t>
+            </a:r>
+            <a:r>
+              <a:rPr lang="ko-KR" altLang="en-US" dirty="0" err="1"/>
+              <a:t>가능한건지</a:t>
+            </a:r>
+            <a:r>
+              <a:rPr lang="ko-KR" altLang="en-US" dirty="0"/>
+              <a:t> 궁금하다</a:t>
+            </a:r>
+            <a:r>
+              <a:rPr lang="en-US" altLang="ko-KR"/>
+              <a:t>!</a:t>
+            </a:r>
+            <a:endParaRPr lang="en-US" altLang="ko-KR" dirty="0"/>
+          </a:p>
+        </p:txBody>
+      </p:sp>
+    </p:spTree>
+    <p:extLst>
+      <p:ext uri="{BB962C8B-B14F-4D97-AF65-F5344CB8AC3E}">
+        <p14:creationId xmlns:p14="http://schemas.microsoft.com/office/powerpoint/2010/main" val="227970326"/>
+      </p:ext>
+    </p:extLst>
+  </p:cSld>
+  <p:clrMapOvr>
+    <a:masterClrMapping/>
+  </p:clrMapOvr>
+</p:sld>
+</file>
+
+<file path=ppt/slides/slide37.xml><?xml version="1.0" encoding="utf-8"?>
+<p:sld xmlns:a="http://schemas.openxmlformats.org/drawingml/2006/main" xmlns:r="http://schemas.openxmlformats.org/officeDocument/2006/relationships" xmlns:p="http://schemas.openxmlformats.org/presentationml/2006/main">
+  <p:cSld>
+    <p:spTree>
+      <p:nvGrpSpPr>
+        <p:cNvPr id="1" name=""/>
+        <p:cNvGrpSpPr/>
+        <p:nvPr/>
+      </p:nvGrpSpPr>
+      <p:grpSpPr>
+        <a:xfrm>
+          <a:off x="0" y="0"/>
+          <a:ext cx="0" cy="0"/>
+          <a:chOff x="0" y="0"/>
+          <a:chExt cx="0" cy="0"/>
+        </a:xfrm>
+      </p:grpSpPr>
+      <p:sp>
+        <p:nvSpPr>
+          <p:cNvPr id="2" name="제목 1">
+            <a:extLst>
+              <a:ext uri="{FF2B5EF4-FFF2-40B4-BE49-F238E27FC236}">
+                <a16:creationId xmlns:a16="http://schemas.microsoft.com/office/drawing/2014/main" id="{992A73AA-963F-4480-9699-8F5D0AD5A2A3}"/>
+              </a:ext>
+            </a:extLst>
+          </p:cNvPr>
+          <p:cNvSpPr>
+            <a:spLocks noGrp="1"/>
+          </p:cNvSpPr>
+          <p:nvPr>
+            <p:ph type="title"/>
+          </p:nvPr>
+        </p:nvSpPr>
+        <p:spPr/>
+        <p:txBody>
+          <a:bodyPr>
+            <a:normAutofit/>
+          </a:bodyPr>
+          <a:lstStyle/>
+          <a:p>
+            <a:pPr algn="ctr"/>
+            <a:r>
+              <a:rPr lang="ko-KR" altLang="en-US" sz="2800" b="1" dirty="0"/>
+              <a:t>선정논문</a:t>
+            </a:r>
+            <a:endParaRPr lang="ko-KR" altLang="en-US" sz="2800" dirty="0"/>
+          </a:p>
+        </p:txBody>
+      </p:sp>
+      <p:sp>
+        <p:nvSpPr>
+          <p:cNvPr id="5" name="내용 개체 틀 4">
+            <a:extLst>
+              <a:ext uri="{FF2B5EF4-FFF2-40B4-BE49-F238E27FC236}">
+                <a16:creationId xmlns:a16="http://schemas.microsoft.com/office/drawing/2014/main" id="{E0074ACA-A7A4-4A34-B0B5-662CD615655C}"/>
+              </a:ext>
+            </a:extLst>
+          </p:cNvPr>
+          <p:cNvSpPr>
+            <a:spLocks noGrp="1"/>
+          </p:cNvSpPr>
+          <p:nvPr>
+            <p:ph idx="1"/>
+          </p:nvPr>
+        </p:nvSpPr>
+        <p:spPr/>
+        <p:txBody>
+          <a:bodyPr/>
+          <a:lstStyle/>
+          <a:p>
+            <a:r>
+              <a:rPr lang="ko-KR" altLang="en-US" dirty="0"/>
+              <a:t>관련 논문 선정 및 분배</a:t>
+            </a:r>
+            <a:r>
+              <a:rPr lang="en-US" altLang="ko-KR" dirty="0"/>
+              <a:t>!</a:t>
+            </a:r>
+          </a:p>
+        </p:txBody>
+      </p:sp>
+      <p:pic>
+        <p:nvPicPr>
+          <p:cNvPr id="4" name="그림 3">
+            <a:extLst>
+              <a:ext uri="{FF2B5EF4-FFF2-40B4-BE49-F238E27FC236}">
+                <a16:creationId xmlns:a16="http://schemas.microsoft.com/office/drawing/2014/main" id="{A9A84409-BA7B-4008-824B-B7A3522C7417}"/>
+              </a:ext>
+            </a:extLst>
+          </p:cNvPr>
+          <p:cNvPicPr>
+            <a:picLocks noChangeAspect="1"/>
+          </p:cNvPicPr>
+          <p:nvPr/>
+        </p:nvPicPr>
+        <p:blipFill>
+          <a:blip r:embed="rId2"/>
+          <a:stretch>
+            <a:fillRect/>
+          </a:stretch>
+        </p:blipFill>
+        <p:spPr>
+          <a:xfrm>
+            <a:off x="452585" y="2453481"/>
+            <a:ext cx="5953125" cy="3095625"/>
+          </a:xfrm>
+          <a:prstGeom prst="rect">
+            <a:avLst/>
+          </a:prstGeom>
+        </p:spPr>
+      </p:pic>
+      <p:pic>
+        <p:nvPicPr>
+          <p:cNvPr id="6" name="그림 5">
+            <a:extLst>
+              <a:ext uri="{FF2B5EF4-FFF2-40B4-BE49-F238E27FC236}">
+                <a16:creationId xmlns:a16="http://schemas.microsoft.com/office/drawing/2014/main" id="{B9068167-A7A6-4507-80B9-602B819B9D19}"/>
+              </a:ext>
+            </a:extLst>
+          </p:cNvPr>
+          <p:cNvPicPr>
+            <a:picLocks noChangeAspect="1"/>
+          </p:cNvPicPr>
+          <p:nvPr/>
+        </p:nvPicPr>
+        <p:blipFill>
+          <a:blip r:embed="rId3"/>
+          <a:stretch>
+            <a:fillRect/>
+          </a:stretch>
+        </p:blipFill>
+        <p:spPr>
+          <a:xfrm>
+            <a:off x="7204415" y="1462804"/>
+            <a:ext cx="4149385" cy="5076978"/>
+          </a:xfrm>
+          <a:prstGeom prst="rect">
+            <a:avLst/>
+          </a:prstGeom>
+        </p:spPr>
+      </p:pic>
+    </p:spTree>
+    <p:extLst>
+      <p:ext uri="{BB962C8B-B14F-4D97-AF65-F5344CB8AC3E}">
+        <p14:creationId xmlns:p14="http://schemas.microsoft.com/office/powerpoint/2010/main" val="1186259765"/>
       </p:ext>
     </p:extLst>
   </p:cSld>
